--- a/SignalR.pptx
+++ b/SignalR.pptx
@@ -6,11 +6,17 @@
   </p:sldMasterIdLst>
   <p:sldIdLst>
     <p:sldId id="256" r:id="rId2"/>
-    <p:sldId id="261" r:id="rId3"/>
-    <p:sldId id="263" r:id="rId4"/>
-    <p:sldId id="262" r:id="rId5"/>
+    <p:sldId id="263" r:id="rId3"/>
+    <p:sldId id="265" r:id="rId4"/>
+    <p:sldId id="267" r:id="rId5"/>
     <p:sldId id="259" r:id="rId6"/>
-    <p:sldId id="258" r:id="rId7"/>
+    <p:sldId id="264" r:id="rId7"/>
+    <p:sldId id="266" r:id="rId8"/>
+    <p:sldId id="268" r:id="rId9"/>
+    <p:sldId id="269" r:id="rId10"/>
+    <p:sldId id="270" r:id="rId11"/>
+    <p:sldId id="271" r:id="rId12"/>
+    <p:sldId id="272" r:id="rId13"/>
   </p:sldIdLst>
   <p:sldSz cx="12192000" cy="6858000"/>
   <p:notesSz cx="6858000" cy="9144000"/>
@@ -5462,7 +5468,7 @@
 </p:sld>
 </file>
 
-<file path=ppt/slides/slide2.xml><?xml version="1.0" encoding="utf-8"?>
+<file path=ppt/slides/slide10.xml><?xml version="1.0" encoding="utf-8"?>
 <p:sld xmlns:a="http://schemas.openxmlformats.org/drawingml/2006/main" xmlns:r="http://schemas.openxmlformats.org/officeDocument/2006/relationships" xmlns:p="http://schemas.openxmlformats.org/presentationml/2006/main">
   <p:cSld>
     <p:spTree>
@@ -5510,21 +5516,7 @@
                 <a:latin typeface="Segoe UI" panose="020B0502040204020203" pitchFamily="34" charset="0"/>
                 <a:cs typeface="Segoe UI" panose="020B0502040204020203" pitchFamily="34" charset="0"/>
               </a:rPr>
-              <a:t>What is </a:t>
-            </a:r>
-            <a:r>
-              <a:rPr lang="en-US" cap="none" dirty="0" err="1">
-                <a:latin typeface="Segoe UI" panose="020B0502040204020203" pitchFamily="34" charset="0"/>
-                <a:cs typeface="Segoe UI" panose="020B0502040204020203" pitchFamily="34" charset="0"/>
-              </a:rPr>
-              <a:t>SignalR</a:t>
-            </a:r>
-            <a:r>
-              <a:rPr lang="en-US" cap="none" dirty="0">
-                <a:latin typeface="Segoe UI" panose="020B0502040204020203" pitchFamily="34" charset="0"/>
-                <a:cs typeface="Segoe UI" panose="020B0502040204020203" pitchFamily="34" charset="0"/>
-              </a:rPr>
-              <a:t>?</a:t>
+              <a:t>The real fun part – Smoking the hub.</a:t>
             </a:r>
             <a:endParaRPr lang="en-ZA" cap="none" dirty="0">
               <a:latin typeface="Segoe UI" panose="020B0502040204020203" pitchFamily="34" charset="0"/>
@@ -5552,7 +5544,7 @@
         <p:spPr>
           <a:xfrm>
             <a:off x="684213" y="1451295"/>
-            <a:ext cx="8534400" cy="4543105"/>
+            <a:ext cx="9961416" cy="4543105"/>
           </a:xfrm>
           <a:prstGeom prst="round2DiagRect">
             <a:avLst>
@@ -5594,7 +5586,7 @@
               <a:buChar char="•"/>
             </a:pPr>
             <a:r>
-              <a:rPr lang="en-US" dirty="0" err="1">
+              <a:rPr lang="en-US" dirty="0">
                 <a:solidFill>
                   <a:schemeClr val="tx2">
                     <a:lumMod val="20000"/>
@@ -5604,20 +5596,7 @@
                 <a:latin typeface="Segoe UI Light" panose="020B0502040204020203" pitchFamily="34" charset="0"/>
                 <a:cs typeface="Segoe UI Light" panose="020B0502040204020203" pitchFamily="34" charset="0"/>
               </a:rPr>
-              <a:t>SignalR</a:t>
-            </a:r>
-            <a:r>
-              <a:rPr lang="en-US" dirty="0">
-                <a:solidFill>
-                  <a:schemeClr val="tx2">
-                    <a:lumMod val="20000"/>
-                    <a:lumOff val="80000"/>
-                  </a:schemeClr>
-                </a:solidFill>
-                <a:latin typeface="Segoe UI Light" panose="020B0502040204020203" pitchFamily="34" charset="0"/>
-                <a:cs typeface="Segoe UI Light" panose="020B0502040204020203" pitchFamily="34" charset="0"/>
-              </a:rPr>
-              <a:t> is a library that simplifies real-time web communication between the server and its connected clients.</a:t>
+              <a:t>To use the hub, you need to invoke the method on the Hub using a specific context. </a:t>
             </a:r>
           </a:p>
           <a:p>
@@ -5636,7 +5615,72 @@
                 <a:latin typeface="Segoe UI Light" panose="020B0502040204020203" pitchFamily="34" charset="0"/>
                 <a:cs typeface="Segoe UI Light" panose="020B0502040204020203" pitchFamily="34" charset="0"/>
               </a:rPr>
-              <a:t>This means the server can push content to connected clients, rather than having the server wait for a client to request new data.</a:t>
+              <a:t>This can be done in multiple ways. Using an </a:t>
+            </a:r>
+            <a:r>
+              <a:rPr lang="en-US" dirty="0" err="1">
+                <a:solidFill>
+                  <a:schemeClr val="tx2">
+                    <a:lumMod val="20000"/>
+                    <a:lumOff val="80000"/>
+                  </a:schemeClr>
+                </a:solidFill>
+                <a:latin typeface="Segoe UI Light" panose="020B0502040204020203" pitchFamily="34" charset="0"/>
+                <a:cs typeface="Segoe UI Light" panose="020B0502040204020203" pitchFamily="34" charset="0"/>
+              </a:rPr>
+              <a:t>IoC</a:t>
+            </a:r>
+            <a:r>
+              <a:rPr lang="en-US" dirty="0">
+                <a:solidFill>
+                  <a:schemeClr val="tx2">
+                    <a:lumMod val="20000"/>
+                    <a:lumOff val="80000"/>
+                  </a:schemeClr>
+                </a:solidFill>
+                <a:latin typeface="Segoe UI Light" panose="020B0502040204020203" pitchFamily="34" charset="0"/>
+                <a:cs typeface="Segoe UI Light" panose="020B0502040204020203" pitchFamily="34" charset="0"/>
+              </a:rPr>
+              <a:t> container to inject an instance of the hub context into the controller, or to invoke the Method by making use of the </a:t>
+            </a:r>
+            <a:r>
+              <a:rPr lang="en-US" dirty="0" err="1">
+                <a:solidFill>
+                  <a:schemeClr val="tx2">
+                    <a:lumMod val="20000"/>
+                    <a:lumOff val="80000"/>
+                  </a:schemeClr>
+                </a:solidFill>
+                <a:latin typeface="Calibri" panose="020F0502020204030204" pitchFamily="34" charset="0"/>
+                <a:cs typeface="Calibri" panose="020F0502020204030204" pitchFamily="34" charset="0"/>
+              </a:rPr>
+              <a:t>GlobalHost’s</a:t>
+            </a:r>
+            <a:r>
+              <a:rPr lang="en-US" dirty="0">
+                <a:solidFill>
+                  <a:schemeClr val="tx2">
+                    <a:lumMod val="20000"/>
+                    <a:lumOff val="80000"/>
+                  </a:schemeClr>
+                </a:solidFill>
+                <a:latin typeface="Calibri" panose="020F0502020204030204" pitchFamily="34" charset="0"/>
+                <a:cs typeface="Calibri" panose="020F0502020204030204" pitchFamily="34" charset="0"/>
+              </a:rPr>
+              <a:t> connection manager </a:t>
+            </a:r>
+            <a:r>
+              <a:rPr lang="en-US" dirty="0">
+                <a:solidFill>
+                  <a:schemeClr val="tx2">
+                    <a:lumMod val="20000"/>
+                    <a:lumOff val="80000"/>
+                  </a:schemeClr>
+                </a:solidFill>
+                <a:latin typeface="Segoe UI Light" panose="020B0502040204020203" pitchFamily="34" charset="0"/>
+                <a:cs typeface="Segoe UI Light" panose="020B0502040204020203" pitchFamily="34" charset="0"/>
+              </a:rPr>
+              <a:t>to retrieve an instance of the Hub Context, to invoke a method on it.</a:t>
             </a:r>
           </a:p>
         </p:txBody>
@@ -5644,7 +5688,7 @@
     </p:spTree>
     <p:extLst>
       <p:ext uri="{BB962C8B-B14F-4D97-AF65-F5344CB8AC3E}">
-        <p14:creationId xmlns:p14="http://schemas.microsoft.com/office/powerpoint/2010/main" val="3866808687"/>
+        <p14:creationId xmlns:p14="http://schemas.microsoft.com/office/powerpoint/2010/main" val="1530053640"/>
       </p:ext>
     </p:extLst>
   </p:cSld>
@@ -5654,7 +5698,7 @@
 </p:sld>
 </file>
 
-<file path=ppt/slides/slide3.xml><?xml version="1.0" encoding="utf-8"?>
+<file path=ppt/slides/slide11.xml><?xml version="1.0" encoding="utf-8"?>
 <p:sld xmlns:a="http://schemas.openxmlformats.org/drawingml/2006/main" xmlns:r="http://schemas.openxmlformats.org/officeDocument/2006/relationships" xmlns:p="http://schemas.openxmlformats.org/presentationml/2006/main">
   <p:cSld>
     <p:spTree>
@@ -5694,23 +5738,43 @@
           </a:xfrm>
         </p:spPr>
         <p:txBody>
-          <a:bodyPr anchor="t"/>
-          <a:lstStyle/>
-          <a:p>
-            <a:r>
-              <a:rPr lang="en-ZA" cap="none" dirty="0" err="1">
+          <a:bodyPr anchor="t">
+            <a:normAutofit fontScale="90000"/>
+          </a:bodyPr>
+          <a:lstStyle/>
+          <a:p>
+            <a:r>
+              <a:rPr lang="en-US" cap="none" dirty="0">
                 <a:latin typeface="Segoe UI" panose="020B0502040204020203" pitchFamily="34" charset="0"/>
                 <a:cs typeface="Segoe UI" panose="020B0502040204020203" pitchFamily="34" charset="0"/>
               </a:rPr>
-              <a:t>Signalr</a:t>
-            </a:r>
-            <a:r>
-              <a:rPr lang="en-ZA" cap="none" dirty="0">
+              <a:t>Using the </a:t>
+            </a:r>
+            <a:r>
+              <a:rPr lang="en-US" cap="none" dirty="0" err="1">
                 <a:latin typeface="Segoe UI" panose="020B0502040204020203" pitchFamily="34" charset="0"/>
                 <a:cs typeface="Segoe UI" panose="020B0502040204020203" pitchFamily="34" charset="0"/>
               </a:rPr>
-              <a:t> Basics</a:t>
-            </a:r>
+              <a:t>GlobalHost</a:t>
+            </a:r>
+            <a:r>
+              <a:rPr lang="en-US" cap="none" dirty="0">
+                <a:latin typeface="Segoe UI" panose="020B0502040204020203" pitchFamily="34" charset="0"/>
+                <a:cs typeface="Segoe UI" panose="020B0502040204020203" pitchFamily="34" charset="0"/>
+              </a:rPr>
+              <a:t> </a:t>
+            </a:r>
+            <a:r>
+              <a:rPr lang="en-US" cap="none" dirty="0" err="1">
+                <a:latin typeface="Segoe UI" panose="020B0502040204020203" pitchFamily="34" charset="0"/>
+                <a:cs typeface="Segoe UI" panose="020B0502040204020203" pitchFamily="34" charset="0"/>
+              </a:rPr>
+              <a:t>ConnectionManager</a:t>
+            </a:r>
+            <a:endParaRPr lang="en-ZA" cap="none" dirty="0">
+              <a:latin typeface="Segoe UI" panose="020B0502040204020203" pitchFamily="34" charset="0"/>
+              <a:cs typeface="Segoe UI" panose="020B0502040204020203" pitchFamily="34" charset="0"/>
+            </a:endParaRPr>
           </a:p>
         </p:txBody>
       </p:sp>
@@ -5733,7 +5797,7 @@
         <p:spPr>
           <a:xfrm>
             <a:off x="684213" y="1451295"/>
-            <a:ext cx="8534400" cy="4543105"/>
+            <a:ext cx="9961416" cy="4543105"/>
           </a:xfrm>
           <a:prstGeom prst="round2DiagRect">
             <a:avLst>
@@ -5775,7 +5839,7 @@
               <a:buChar char="•"/>
             </a:pPr>
             <a:r>
-              <a:rPr lang="en-US" dirty="0" err="1">
+              <a:rPr lang="en-US" dirty="0">
                 <a:solidFill>
                   <a:schemeClr val="tx2">
                     <a:lumMod val="20000"/>
@@ -5785,10 +5849,10 @@
                 <a:latin typeface="Segoe UI Light" panose="020B0502040204020203" pitchFamily="34" charset="0"/>
                 <a:cs typeface="Segoe UI Light" panose="020B0502040204020203" pitchFamily="34" charset="0"/>
               </a:rPr>
-              <a:t>SignalR</a:t>
-            </a:r>
-            <a:r>
-              <a:rPr lang="en-US" dirty="0">
+              <a:t>To make use of the </a:t>
+            </a:r>
+            <a:r>
+              <a:rPr lang="en-US" dirty="0" err="1">
                 <a:solidFill>
                   <a:schemeClr val="tx2">
                     <a:lumMod val="20000"/>
@@ -5798,10 +5862,10 @@
                 <a:latin typeface="Segoe UI Light" panose="020B0502040204020203" pitchFamily="34" charset="0"/>
                 <a:cs typeface="Segoe UI Light" panose="020B0502040204020203" pitchFamily="34" charset="0"/>
               </a:rPr>
-              <a:t> makes use of multiple transport methods in order to push content to the connected clients. This is automatically done for you, depending on the infrastructure between the server and the Client. If the requirements for a specific connection is not met, </a:t>
-            </a:r>
-            <a:r>
-              <a:rPr lang="en-US" dirty="0" err="1">
+              <a:t>GlobalHost’s</a:t>
+            </a:r>
+            <a:r>
+              <a:rPr lang="en-US" dirty="0">
                 <a:solidFill>
                   <a:schemeClr val="tx2">
                     <a:lumMod val="20000"/>
@@ -5811,10 +5875,10 @@
                 <a:latin typeface="Segoe UI Light" panose="020B0502040204020203" pitchFamily="34" charset="0"/>
                 <a:cs typeface="Segoe UI Light" panose="020B0502040204020203" pitchFamily="34" charset="0"/>
               </a:rPr>
-              <a:t>SignalR</a:t>
-            </a:r>
-            <a:r>
-              <a:rPr lang="en-US" dirty="0">
+              <a:t> </a:t>
+            </a:r>
+            <a:r>
+              <a:rPr lang="en-US" dirty="0" err="1">
                 <a:solidFill>
                   <a:schemeClr val="tx2">
                     <a:lumMod val="20000"/>
@@ -5824,16 +5888,10 @@
                 <a:latin typeface="Segoe UI Light" panose="020B0502040204020203" pitchFamily="34" charset="0"/>
                 <a:cs typeface="Segoe UI Light" panose="020B0502040204020203" pitchFamily="34" charset="0"/>
               </a:rPr>
-              <a:t> will attempt to use other transports to make its connections.</a:t>
-            </a:r>
-          </a:p>
-          <a:p>
-            <a:pPr marL="285750" indent="-285750">
-              <a:buFont typeface="Arial" panose="020B0604020202020204" pitchFamily="34" charset="0"/>
-              <a:buChar char="•"/>
-            </a:pPr>
-            <a:r>
-              <a:rPr lang="en-US" dirty="0" err="1">
+              <a:t>ConnectionManager</a:t>
+            </a:r>
+            <a:r>
+              <a:rPr lang="en-US" dirty="0">
                 <a:solidFill>
                   <a:schemeClr val="tx2">
                     <a:lumMod val="20000"/>
@@ -5843,9 +5901,9 @@
                 <a:latin typeface="Segoe UI Light" panose="020B0502040204020203" pitchFamily="34" charset="0"/>
                 <a:cs typeface="Segoe UI Light" panose="020B0502040204020203" pitchFamily="34" charset="0"/>
               </a:rPr>
-              <a:t>SignalR</a:t>
-            </a:r>
-            <a:r>
+              <a:t>, use the following code to retrieve an instance of the Hub Context:</a:t>
+            </a:r>
+            <a:br>
               <a:rPr lang="en-US" dirty="0">
                 <a:solidFill>
                   <a:schemeClr val="tx2">
@@ -5856,14 +5914,20 @@
                 <a:latin typeface="Segoe UI Light" panose="020B0502040204020203" pitchFamily="34" charset="0"/>
                 <a:cs typeface="Segoe UI Light" panose="020B0502040204020203" pitchFamily="34" charset="0"/>
               </a:rPr>
-              <a:t> has a build-in connection management API for handling scenarios where clients connect/disconnects, as well as grouping multiple connections.</a:t>
-            </a:r>
-          </a:p>
-          <a:p>
-            <a:pPr marL="285750" indent="-285750">
-              <a:buFont typeface="Arial" panose="020B0604020202020204" pitchFamily="34" charset="0"/>
-              <a:buChar char="•"/>
-            </a:pPr>
+            </a:br>
+            <a:r>
+              <a:rPr lang="en-US" dirty="0">
+                <a:solidFill>
+                  <a:schemeClr val="tx2">
+                    <a:lumMod val="20000"/>
+                    <a:lumOff val="80000"/>
+                  </a:schemeClr>
+                </a:solidFill>
+                <a:latin typeface="Calibri" panose="020F0502020204030204" pitchFamily="34" charset="0"/>
+                <a:cs typeface="Calibri" panose="020F0502020204030204" pitchFamily="34" charset="0"/>
+              </a:rPr>
+              <a:t>var </a:t>
+            </a:r>
             <a:r>
               <a:rPr lang="en-US" dirty="0" err="1">
                 <a:solidFill>
@@ -5872,10 +5936,10 @@
                     <a:lumOff val="80000"/>
                   </a:schemeClr>
                 </a:solidFill>
-                <a:latin typeface="Segoe UI Light" panose="020B0502040204020203" pitchFamily="34" charset="0"/>
-                <a:cs typeface="Segoe UI Light" panose="020B0502040204020203" pitchFamily="34" charset="0"/>
-              </a:rPr>
-              <a:t>SignalR</a:t>
+                <a:latin typeface="Calibri" panose="020F0502020204030204" pitchFamily="34" charset="0"/>
+                <a:cs typeface="Calibri" panose="020F0502020204030204" pitchFamily="34" charset="0"/>
+              </a:rPr>
+              <a:t>hubContext</a:t>
             </a:r>
             <a:r>
               <a:rPr lang="en-US" dirty="0">
@@ -5885,17 +5949,24 @@
                     <a:lumOff val="80000"/>
                   </a:schemeClr>
                 </a:solidFill>
-                <a:latin typeface="Segoe UI Light" panose="020B0502040204020203" pitchFamily="34" charset="0"/>
-                <a:cs typeface="Segoe UI Light" panose="020B0502040204020203" pitchFamily="34" charset="0"/>
-              </a:rPr>
-              <a:t> can broadcast messages to all connected clients, as well as targeting specific clients.</a:t>
-            </a:r>
-          </a:p>
-          <a:p>
-            <a:pPr marL="285750" indent="-285750">
-              <a:buFont typeface="Arial" panose="020B0604020202020204" pitchFamily="34" charset="0"/>
-              <a:buChar char="•"/>
-            </a:pPr>
+                <a:latin typeface="Calibri" panose="020F0502020204030204" pitchFamily="34" charset="0"/>
+                <a:cs typeface="Calibri" panose="020F0502020204030204" pitchFamily="34" charset="0"/>
+              </a:rPr>
+              <a:t> = </a:t>
+            </a:r>
+            <a:r>
+              <a:rPr lang="en-US" dirty="0" err="1">
+                <a:solidFill>
+                  <a:schemeClr val="tx2">
+                    <a:lumMod val="20000"/>
+                    <a:lumOff val="80000"/>
+                  </a:schemeClr>
+                </a:solidFill>
+                <a:latin typeface="Calibri" panose="020F0502020204030204" pitchFamily="34" charset="0"/>
+                <a:cs typeface="Calibri" panose="020F0502020204030204" pitchFamily="34" charset="0"/>
+              </a:rPr>
+              <a:t>GlobalHost.ConnectionManager.GetHubContext</a:t>
+            </a:r>
             <a:r>
               <a:rPr lang="en-US" dirty="0">
                 <a:solidFill>
@@ -5904,17 +5975,24 @@
                     <a:lumOff val="80000"/>
                   </a:schemeClr>
                 </a:solidFill>
-                <a:latin typeface="Segoe UI Light" panose="020B0502040204020203" pitchFamily="34" charset="0"/>
-                <a:cs typeface="Segoe UI Light" panose="020B0502040204020203" pitchFamily="34" charset="0"/>
-              </a:rPr>
-              <a:t>Connection between the server and a client is persistent, unlike a normal HTTP connection, which is re-established for each communication.</a:t>
-            </a:r>
-          </a:p>
-          <a:p>
-            <a:pPr marL="285750" indent="-285750">
-              <a:buFont typeface="Arial" panose="020B0604020202020204" pitchFamily="34" charset="0"/>
-              <a:buChar char="•"/>
-            </a:pPr>
+                <a:latin typeface="Calibri" panose="020F0502020204030204" pitchFamily="34" charset="0"/>
+                <a:cs typeface="Calibri" panose="020F0502020204030204" pitchFamily="34" charset="0"/>
+              </a:rPr>
+              <a:t>&lt;</a:t>
+            </a:r>
+            <a:r>
+              <a:rPr lang="en-US" dirty="0" err="1">
+                <a:solidFill>
+                  <a:schemeClr val="tx2">
+                    <a:lumMod val="20000"/>
+                    <a:lumOff val="80000"/>
+                  </a:schemeClr>
+                </a:solidFill>
+                <a:latin typeface="Calibri" panose="020F0502020204030204" pitchFamily="34" charset="0"/>
+                <a:cs typeface="Calibri" panose="020F0502020204030204" pitchFamily="34" charset="0"/>
+              </a:rPr>
+              <a:t>NotificationHub</a:t>
+            </a:r>
             <a:r>
               <a:rPr lang="en-US" dirty="0">
                 <a:solidFill>
@@ -5923,12 +6001,50 @@
                     <a:lumOff val="80000"/>
                   </a:schemeClr>
                 </a:solidFill>
-                <a:latin typeface="Segoe UI Light" panose="020B0502040204020203" pitchFamily="34" charset="0"/>
-                <a:cs typeface="Segoe UI Light" panose="020B0502040204020203" pitchFamily="34" charset="0"/>
-              </a:rPr>
-              <a:t>The connection between the client and server is persistent, unlike a classic HTTP connection, which is re-established for each communication</a:t>
-            </a:r>
-            <a:endParaRPr lang="en-ZA" dirty="0">
+                <a:latin typeface="Calibri" panose="020F0502020204030204" pitchFamily="34" charset="0"/>
+                <a:cs typeface="Calibri" panose="020F0502020204030204" pitchFamily="34" charset="0"/>
+              </a:rPr>
+              <a:t>&gt;();</a:t>
+            </a:r>
+            <a:br>
+              <a:rPr lang="en-US" dirty="0">
+                <a:solidFill>
+                  <a:schemeClr val="tx2">
+                    <a:lumMod val="20000"/>
+                    <a:lumOff val="80000"/>
+                  </a:schemeClr>
+                </a:solidFill>
+                <a:latin typeface="Calibri" panose="020F0502020204030204" pitchFamily="34" charset="0"/>
+                <a:cs typeface="Calibri" panose="020F0502020204030204" pitchFamily="34" charset="0"/>
+              </a:rPr>
+            </a:br>
+            <a:r>
+              <a:rPr lang="en-US" dirty="0" err="1">
+                <a:solidFill>
+                  <a:schemeClr val="tx2">
+                    <a:lumMod val="20000"/>
+                    <a:lumOff val="80000"/>
+                  </a:schemeClr>
+                </a:solidFill>
+                <a:latin typeface="Calibri" panose="020F0502020204030204" pitchFamily="34" charset="0"/>
+                <a:cs typeface="Calibri" panose="020F0502020204030204" pitchFamily="34" charset="0"/>
+              </a:rPr>
+              <a:t>hubContext.Clients.All.notification</a:t>
+            </a:r>
+            <a:r>
+              <a:rPr lang="en-US" dirty="0">
+                <a:solidFill>
+                  <a:schemeClr val="tx2">
+                    <a:lumMod val="20000"/>
+                    <a:lumOff val="80000"/>
+                  </a:schemeClr>
+                </a:solidFill>
+                <a:latin typeface="Calibri" panose="020F0502020204030204" pitchFamily="34" charset="0"/>
+                <a:cs typeface="Calibri" panose="020F0502020204030204" pitchFamily="34" charset="0"/>
+              </a:rPr>
+              <a:t>(message);</a:t>
+            </a:r>
+            <a:endParaRPr lang="en-US" dirty="0">
               <a:solidFill>
                 <a:schemeClr val="tx2">
                   <a:lumMod val="20000"/>
@@ -5939,12 +6055,31 @@
               <a:cs typeface="Segoe UI Light" panose="020B0502040204020203" pitchFamily="34" charset="0"/>
             </a:endParaRPr>
           </a:p>
+          <a:p>
+            <a:pPr marL="285750" indent="-285750">
+              <a:buFont typeface="Arial" panose="020B0604020202020204" pitchFamily="34" charset="0"/>
+              <a:buChar char="•"/>
+            </a:pPr>
+            <a:r>
+              <a:rPr lang="en-US" dirty="0">
+                <a:solidFill>
+                  <a:schemeClr val="tx2">
+                    <a:lumMod val="20000"/>
+                    <a:lumOff val="80000"/>
+                  </a:schemeClr>
+                </a:solidFill>
+                <a:latin typeface="Segoe UI Light" panose="020B0502040204020203" pitchFamily="34" charset="0"/>
+                <a:cs typeface="Segoe UI Light" panose="020B0502040204020203" pitchFamily="34" charset="0"/>
+              </a:rPr>
+              <a:t>This will use the hub context to send a message to all the connected clients that are connected to the hub.</a:t>
+            </a:r>
+          </a:p>
         </p:txBody>
       </p:sp>
     </p:spTree>
     <p:extLst>
       <p:ext uri="{BB962C8B-B14F-4D97-AF65-F5344CB8AC3E}">
-        <p14:creationId xmlns:p14="http://schemas.microsoft.com/office/powerpoint/2010/main" val="2839888703"/>
+        <p14:creationId xmlns:p14="http://schemas.microsoft.com/office/powerpoint/2010/main" val="2422357541"/>
       </p:ext>
     </p:extLst>
   </p:cSld>
@@ -5954,7 +6089,7 @@
 </p:sld>
 </file>
 
-<file path=ppt/slides/slide4.xml><?xml version="1.0" encoding="utf-8"?>
+<file path=ppt/slides/slide12.xml><?xml version="1.0" encoding="utf-8"?>
 <p:sld xmlns:a="http://schemas.openxmlformats.org/drawingml/2006/main" xmlns:r="http://schemas.openxmlformats.org/officeDocument/2006/relationships" xmlns:p="http://schemas.openxmlformats.org/presentationml/2006/main">
   <p:cSld>
     <p:spTree>
@@ -5994,23 +6129,22 @@
           </a:xfrm>
         </p:spPr>
         <p:txBody>
-          <a:bodyPr anchor="t"/>
-          <a:lstStyle/>
-          <a:p>
-            <a:r>
-              <a:rPr lang="en-ZA" cap="none" dirty="0" err="1">
+          <a:bodyPr anchor="t">
+            <a:normAutofit/>
+          </a:bodyPr>
+          <a:lstStyle/>
+          <a:p>
+            <a:r>
+              <a:rPr lang="en-US" cap="none" dirty="0">
                 <a:latin typeface="Segoe UI" panose="020B0502040204020203" pitchFamily="34" charset="0"/>
                 <a:cs typeface="Segoe UI" panose="020B0502040204020203" pitchFamily="34" charset="0"/>
               </a:rPr>
-              <a:t>Signalr</a:t>
-            </a:r>
-            <a:r>
-              <a:rPr lang="en-ZA" cap="none" dirty="0">
-                <a:latin typeface="Segoe UI" panose="020B0502040204020203" pitchFamily="34" charset="0"/>
-                <a:cs typeface="Segoe UI" panose="020B0502040204020203" pitchFamily="34" charset="0"/>
-              </a:rPr>
-              <a:t> Basics (Continued)</a:t>
-            </a:r>
+              <a:t>Using Dependency Injection</a:t>
+            </a:r>
+            <a:endParaRPr lang="en-ZA" cap="none" dirty="0">
+              <a:latin typeface="Segoe UI" panose="020B0502040204020203" pitchFamily="34" charset="0"/>
+              <a:cs typeface="Segoe UI" panose="020B0502040204020203" pitchFamily="34" charset="0"/>
+            </a:endParaRPr>
           </a:p>
         </p:txBody>
       </p:sp>
@@ -6033,7 +6167,7 @@
         <p:spPr>
           <a:xfrm>
             <a:off x="684213" y="1451295"/>
-            <a:ext cx="8534400" cy="4543105"/>
+            <a:ext cx="9961416" cy="4543105"/>
           </a:xfrm>
           <a:prstGeom prst="round2DiagRect">
             <a:avLst>
@@ -6075,6 +6209,347 @@
               <a:buChar char="•"/>
             </a:pPr>
             <a:r>
+              <a:rPr lang="en-US" dirty="0">
+                <a:solidFill>
+                  <a:schemeClr val="tx2">
+                    <a:lumMod val="20000"/>
+                    <a:lumOff val="80000"/>
+                  </a:schemeClr>
+                </a:solidFill>
+                <a:latin typeface="Segoe UI Light" panose="020B0502040204020203" pitchFamily="34" charset="0"/>
+                <a:cs typeface="Segoe UI Light" panose="020B0502040204020203" pitchFamily="34" charset="0"/>
+              </a:rPr>
+              <a:t>To use dependency injection, </a:t>
+            </a:r>
+          </a:p>
+        </p:txBody>
+      </p:sp>
+    </p:spTree>
+    <p:extLst>
+      <p:ext uri="{BB962C8B-B14F-4D97-AF65-F5344CB8AC3E}">
+        <p14:creationId xmlns:p14="http://schemas.microsoft.com/office/powerpoint/2010/main" val="419966546"/>
+      </p:ext>
+    </p:extLst>
+  </p:cSld>
+  <p:clrMapOvr>
+    <a:masterClrMapping/>
+  </p:clrMapOvr>
+</p:sld>
+</file>
+
+<file path=ppt/slides/slide2.xml><?xml version="1.0" encoding="utf-8"?>
+<p:sld xmlns:a="http://schemas.openxmlformats.org/drawingml/2006/main" xmlns:r="http://schemas.openxmlformats.org/officeDocument/2006/relationships" xmlns:p="http://schemas.openxmlformats.org/presentationml/2006/main">
+  <p:cSld>
+    <p:spTree>
+      <p:nvGrpSpPr>
+        <p:cNvPr id="1" name=""/>
+        <p:cNvGrpSpPr/>
+        <p:nvPr/>
+      </p:nvGrpSpPr>
+      <p:grpSpPr>
+        <a:xfrm>
+          <a:off x="0" y="0"/>
+          <a:ext cx="0" cy="0"/>
+          <a:chOff x="0" y="0"/>
+          <a:chExt cx="0" cy="0"/>
+        </a:xfrm>
+      </p:grpSpPr>
+      <p:sp>
+        <p:nvSpPr>
+          <p:cNvPr id="7" name="Title 6">
+            <a:extLst>
+              <a:ext uri="{FF2B5EF4-FFF2-40B4-BE49-F238E27FC236}">
+                <a16:creationId xmlns:a16="http://schemas.microsoft.com/office/drawing/2014/main" id="{995CDE5A-4025-488F-9F23-4B1873D72739}"/>
+              </a:ext>
+            </a:extLst>
+          </p:cNvPr>
+          <p:cNvSpPr>
+            <a:spLocks noGrp="1"/>
+          </p:cNvSpPr>
+          <p:nvPr>
+            <p:ph type="title"/>
+          </p:nvPr>
+        </p:nvSpPr>
+        <p:spPr>
+          <a:xfrm>
+            <a:off x="684211" y="755008"/>
+            <a:ext cx="8534401" cy="696287"/>
+          </a:xfrm>
+        </p:spPr>
+        <p:txBody>
+          <a:bodyPr anchor="t"/>
+          <a:lstStyle/>
+          <a:p>
+            <a:r>
+              <a:rPr lang="en-US" cap="none" dirty="0">
+                <a:latin typeface="Segoe UI" panose="020B0502040204020203" pitchFamily="34" charset="0"/>
+                <a:cs typeface="Segoe UI" panose="020B0502040204020203" pitchFamily="34" charset="0"/>
+              </a:rPr>
+              <a:t>What is </a:t>
+            </a:r>
+            <a:r>
+              <a:rPr lang="en-US" cap="none" dirty="0" err="1">
+                <a:latin typeface="Segoe UI" panose="020B0502040204020203" pitchFamily="34" charset="0"/>
+                <a:cs typeface="Segoe UI" panose="020B0502040204020203" pitchFamily="34" charset="0"/>
+              </a:rPr>
+              <a:t>SignalR</a:t>
+            </a:r>
+            <a:r>
+              <a:rPr lang="en-US" cap="none" dirty="0">
+                <a:latin typeface="Segoe UI" panose="020B0502040204020203" pitchFamily="34" charset="0"/>
+                <a:cs typeface="Segoe UI" panose="020B0502040204020203" pitchFamily="34" charset="0"/>
+              </a:rPr>
+              <a:t>?</a:t>
+            </a:r>
+            <a:endParaRPr lang="en-ZA" cap="none" dirty="0">
+              <a:latin typeface="Segoe UI" panose="020B0502040204020203" pitchFamily="34" charset="0"/>
+              <a:cs typeface="Segoe UI" panose="020B0502040204020203" pitchFamily="34" charset="0"/>
+            </a:endParaRPr>
+          </a:p>
+        </p:txBody>
+      </p:sp>
+      <p:sp>
+        <p:nvSpPr>
+          <p:cNvPr id="8" name="Text Placeholder 7">
+            <a:extLst>
+              <a:ext uri="{FF2B5EF4-FFF2-40B4-BE49-F238E27FC236}">
+                <a16:creationId xmlns:a16="http://schemas.microsoft.com/office/drawing/2014/main" id="{A0EC8C3A-CB99-4164-95BB-D449B771D816}"/>
+              </a:ext>
+            </a:extLst>
+          </p:cNvPr>
+          <p:cNvSpPr>
+            <a:spLocks noGrp="1"/>
+          </p:cNvSpPr>
+          <p:nvPr>
+            <p:ph type="body" idx="1"/>
+          </p:nvPr>
+        </p:nvSpPr>
+        <p:spPr>
+          <a:xfrm>
+            <a:off x="684213" y="1451295"/>
+            <a:ext cx="9961416" cy="4543105"/>
+          </a:xfrm>
+          <a:prstGeom prst="round2DiagRect">
+            <a:avLst>
+              <a:gd name="adj1" fmla="val 5772"/>
+              <a:gd name="adj2" fmla="val 0"/>
+            </a:avLst>
+          </a:prstGeom>
+          <a:solidFill>
+            <a:schemeClr val="accent1">
+              <a:alpha val="50000"/>
+            </a:schemeClr>
+          </a:solidFill>
+          <a:ln>
+            <a:noFill/>
+          </a:ln>
+        </p:spPr>
+        <p:style>
+          <a:lnRef idx="0">
+            <a:scrgbClr r="0" g="0" b="0"/>
+          </a:lnRef>
+          <a:fillRef idx="0">
+            <a:scrgbClr r="0" g="0" b="0"/>
+          </a:fillRef>
+          <a:effectRef idx="0">
+            <a:scrgbClr r="0" g="0" b="0"/>
+          </a:effectRef>
+          <a:fontRef idx="minor">
+            <a:schemeClr val="lt1"/>
+          </a:fontRef>
+        </p:style>
+        <p:txBody>
+          <a:bodyPr anchor="ctr">
+            <a:normAutofit/>
+          </a:bodyPr>
+          <a:lstStyle/>
+          <a:p>
+            <a:pPr marL="285750" indent="-285750">
+              <a:buFont typeface="Arial" panose="020B0604020202020204" pitchFamily="34" charset="0"/>
+              <a:buChar char="•"/>
+            </a:pPr>
+            <a:r>
+              <a:rPr lang="en-US" dirty="0" err="1">
+                <a:solidFill>
+                  <a:schemeClr val="tx2">
+                    <a:lumMod val="20000"/>
+                    <a:lumOff val="80000"/>
+                  </a:schemeClr>
+                </a:solidFill>
+                <a:latin typeface="Segoe UI Light" panose="020B0502040204020203" pitchFamily="34" charset="0"/>
+                <a:cs typeface="Segoe UI Light" panose="020B0502040204020203" pitchFamily="34" charset="0"/>
+              </a:rPr>
+              <a:t>SignalR</a:t>
+            </a:r>
+            <a:r>
+              <a:rPr lang="en-US" dirty="0">
+                <a:solidFill>
+                  <a:schemeClr val="tx2">
+                    <a:lumMod val="20000"/>
+                    <a:lumOff val="80000"/>
+                  </a:schemeClr>
+                </a:solidFill>
+                <a:latin typeface="Segoe UI Light" panose="020B0502040204020203" pitchFamily="34" charset="0"/>
+                <a:cs typeface="Segoe UI Light" panose="020B0502040204020203" pitchFamily="34" charset="0"/>
+              </a:rPr>
+              <a:t> is a library that simplifies real-time web communication between the server and its connected clients.</a:t>
+            </a:r>
+          </a:p>
+          <a:p>
+            <a:pPr marL="285750" indent="-285750">
+              <a:buFont typeface="Arial" panose="020B0604020202020204" pitchFamily="34" charset="0"/>
+              <a:buChar char="•"/>
+            </a:pPr>
+            <a:r>
+              <a:rPr lang="en-US" dirty="0">
+                <a:solidFill>
+                  <a:schemeClr val="tx2">
+                    <a:lumMod val="20000"/>
+                    <a:lumOff val="80000"/>
+                  </a:schemeClr>
+                </a:solidFill>
+                <a:latin typeface="Segoe UI Light" panose="020B0502040204020203" pitchFamily="34" charset="0"/>
+                <a:cs typeface="Segoe UI Light" panose="020B0502040204020203" pitchFamily="34" charset="0"/>
+              </a:rPr>
+              <a:t>This means the server can push content to connected clients, rather than having the server wait for a client to request new data.</a:t>
+            </a:r>
+          </a:p>
+        </p:txBody>
+      </p:sp>
+    </p:spTree>
+    <p:extLst>
+      <p:ext uri="{BB962C8B-B14F-4D97-AF65-F5344CB8AC3E}">
+        <p14:creationId xmlns:p14="http://schemas.microsoft.com/office/powerpoint/2010/main" val="2839888703"/>
+      </p:ext>
+    </p:extLst>
+  </p:cSld>
+  <p:clrMapOvr>
+    <a:masterClrMapping/>
+  </p:clrMapOvr>
+</p:sld>
+</file>
+
+<file path=ppt/slides/slide3.xml><?xml version="1.0" encoding="utf-8"?>
+<p:sld xmlns:a="http://schemas.openxmlformats.org/drawingml/2006/main" xmlns:r="http://schemas.openxmlformats.org/officeDocument/2006/relationships" xmlns:p="http://schemas.openxmlformats.org/presentationml/2006/main">
+  <p:cSld>
+    <p:spTree>
+      <p:nvGrpSpPr>
+        <p:cNvPr id="1" name=""/>
+        <p:cNvGrpSpPr/>
+        <p:nvPr/>
+      </p:nvGrpSpPr>
+      <p:grpSpPr>
+        <a:xfrm>
+          <a:off x="0" y="0"/>
+          <a:ext cx="0" cy="0"/>
+          <a:chOff x="0" y="0"/>
+          <a:chExt cx="0" cy="0"/>
+        </a:xfrm>
+      </p:grpSpPr>
+      <p:sp>
+        <p:nvSpPr>
+          <p:cNvPr id="7" name="Title 6">
+            <a:extLst>
+              <a:ext uri="{FF2B5EF4-FFF2-40B4-BE49-F238E27FC236}">
+                <a16:creationId xmlns:a16="http://schemas.microsoft.com/office/drawing/2014/main" id="{995CDE5A-4025-488F-9F23-4B1873D72739}"/>
+              </a:ext>
+            </a:extLst>
+          </p:cNvPr>
+          <p:cNvSpPr>
+            <a:spLocks noGrp="1"/>
+          </p:cNvSpPr>
+          <p:nvPr>
+            <p:ph type="title"/>
+          </p:nvPr>
+        </p:nvSpPr>
+        <p:spPr>
+          <a:xfrm>
+            <a:off x="684211" y="755008"/>
+            <a:ext cx="8534401" cy="696287"/>
+          </a:xfrm>
+        </p:spPr>
+        <p:txBody>
+          <a:bodyPr anchor="t"/>
+          <a:lstStyle/>
+          <a:p>
+            <a:r>
+              <a:rPr lang="en-ZA" cap="none" dirty="0" err="1">
+                <a:latin typeface="Segoe UI" panose="020B0502040204020203" pitchFamily="34" charset="0"/>
+                <a:cs typeface="Segoe UI" panose="020B0502040204020203" pitchFamily="34" charset="0"/>
+              </a:rPr>
+              <a:t>Signalr</a:t>
+            </a:r>
+            <a:r>
+              <a:rPr lang="en-ZA" cap="none" dirty="0">
+                <a:latin typeface="Segoe UI" panose="020B0502040204020203" pitchFamily="34" charset="0"/>
+                <a:cs typeface="Segoe UI" panose="020B0502040204020203" pitchFamily="34" charset="0"/>
+              </a:rPr>
+              <a:t> Basics</a:t>
+            </a:r>
+          </a:p>
+        </p:txBody>
+      </p:sp>
+      <p:sp>
+        <p:nvSpPr>
+          <p:cNvPr id="8" name="Text Placeholder 7">
+            <a:extLst>
+              <a:ext uri="{FF2B5EF4-FFF2-40B4-BE49-F238E27FC236}">
+                <a16:creationId xmlns:a16="http://schemas.microsoft.com/office/drawing/2014/main" id="{A0EC8C3A-CB99-4164-95BB-D449B771D816}"/>
+              </a:ext>
+            </a:extLst>
+          </p:cNvPr>
+          <p:cNvSpPr>
+            <a:spLocks noGrp="1"/>
+          </p:cNvSpPr>
+          <p:nvPr>
+            <p:ph type="body" idx="1"/>
+          </p:nvPr>
+        </p:nvSpPr>
+        <p:spPr>
+          <a:xfrm>
+            <a:off x="684213" y="1451295"/>
+            <a:ext cx="9961416" cy="4543105"/>
+          </a:xfrm>
+          <a:prstGeom prst="round2DiagRect">
+            <a:avLst>
+              <a:gd name="adj1" fmla="val 5772"/>
+              <a:gd name="adj2" fmla="val 0"/>
+            </a:avLst>
+          </a:prstGeom>
+          <a:solidFill>
+            <a:schemeClr val="accent1">
+              <a:alpha val="50000"/>
+            </a:schemeClr>
+          </a:solidFill>
+          <a:ln>
+            <a:noFill/>
+          </a:ln>
+        </p:spPr>
+        <p:style>
+          <a:lnRef idx="0">
+            <a:scrgbClr r="0" g="0" b="0"/>
+          </a:lnRef>
+          <a:fillRef idx="0">
+            <a:scrgbClr r="0" g="0" b="0"/>
+          </a:fillRef>
+          <a:effectRef idx="0">
+            <a:scrgbClr r="0" g="0" b="0"/>
+          </a:effectRef>
+          <a:fontRef idx="minor">
+            <a:schemeClr val="lt1"/>
+          </a:fontRef>
+        </p:style>
+        <p:txBody>
+          <a:bodyPr anchor="ctr">
+            <a:normAutofit/>
+          </a:bodyPr>
+          <a:lstStyle/>
+          <a:p>
+            <a:pPr marL="285750" indent="-285750">
+              <a:buFont typeface="Arial" panose="020B0604020202020204" pitchFamily="34" charset="0"/>
+              <a:buChar char="•"/>
+            </a:pPr>
+            <a:r>
               <a:rPr lang="en-US" dirty="0" err="1">
                 <a:solidFill>
                   <a:schemeClr val="tx2">
@@ -6244,7 +6719,276 @@
     </p:spTree>
     <p:extLst>
       <p:ext uri="{BB962C8B-B14F-4D97-AF65-F5344CB8AC3E}">
-        <p14:creationId xmlns:p14="http://schemas.microsoft.com/office/powerpoint/2010/main" val="1334196507"/>
+        <p14:creationId xmlns:p14="http://schemas.microsoft.com/office/powerpoint/2010/main" val="4263097891"/>
+      </p:ext>
+    </p:extLst>
+  </p:cSld>
+  <p:clrMapOvr>
+    <a:masterClrMapping/>
+  </p:clrMapOvr>
+</p:sld>
+</file>
+
+<file path=ppt/slides/slide4.xml><?xml version="1.0" encoding="utf-8"?>
+<p:sld xmlns:a="http://schemas.openxmlformats.org/drawingml/2006/main" xmlns:r="http://schemas.openxmlformats.org/officeDocument/2006/relationships" xmlns:p="http://schemas.openxmlformats.org/presentationml/2006/main">
+  <p:cSld>
+    <p:spTree>
+      <p:nvGrpSpPr>
+        <p:cNvPr id="1" name=""/>
+        <p:cNvGrpSpPr/>
+        <p:nvPr/>
+      </p:nvGrpSpPr>
+      <p:grpSpPr>
+        <a:xfrm>
+          <a:off x="0" y="0"/>
+          <a:ext cx="0" cy="0"/>
+          <a:chOff x="0" y="0"/>
+          <a:chExt cx="0" cy="0"/>
+        </a:xfrm>
+      </p:grpSpPr>
+      <p:sp>
+        <p:nvSpPr>
+          <p:cNvPr id="7" name="Title 6">
+            <a:extLst>
+              <a:ext uri="{FF2B5EF4-FFF2-40B4-BE49-F238E27FC236}">
+                <a16:creationId xmlns:a16="http://schemas.microsoft.com/office/drawing/2014/main" id="{995CDE5A-4025-488F-9F23-4B1873D72739}"/>
+              </a:ext>
+            </a:extLst>
+          </p:cNvPr>
+          <p:cNvSpPr>
+            <a:spLocks noGrp="1"/>
+          </p:cNvSpPr>
+          <p:nvPr>
+            <p:ph type="title"/>
+          </p:nvPr>
+        </p:nvSpPr>
+        <p:spPr>
+          <a:xfrm>
+            <a:off x="684211" y="755008"/>
+            <a:ext cx="8534401" cy="696287"/>
+          </a:xfrm>
+        </p:spPr>
+        <p:txBody>
+          <a:bodyPr anchor="t"/>
+          <a:lstStyle/>
+          <a:p>
+            <a:r>
+              <a:rPr lang="en-ZA" cap="none" dirty="0">
+                <a:latin typeface="Segoe UI" panose="020B0502040204020203" pitchFamily="34" charset="0"/>
+                <a:cs typeface="Segoe UI" panose="020B0502040204020203" pitchFamily="34" charset="0"/>
+              </a:rPr>
+              <a:t>ASP.NET vs </a:t>
+            </a:r>
+            <a:r>
+              <a:rPr lang="en-ZA" cap="none" dirty="0" err="1">
+                <a:latin typeface="Segoe UI" panose="020B0502040204020203" pitchFamily="34" charset="0"/>
+                <a:cs typeface="Segoe UI" panose="020B0502040204020203" pitchFamily="34" charset="0"/>
+              </a:rPr>
+              <a:t>DotNetCore</a:t>
+            </a:r>
+            <a:endParaRPr lang="en-ZA" cap="none" dirty="0">
+              <a:latin typeface="Segoe UI" panose="020B0502040204020203" pitchFamily="34" charset="0"/>
+              <a:cs typeface="Segoe UI" panose="020B0502040204020203" pitchFamily="34" charset="0"/>
+            </a:endParaRPr>
+          </a:p>
+        </p:txBody>
+      </p:sp>
+      <p:sp>
+        <p:nvSpPr>
+          <p:cNvPr id="8" name="Text Placeholder 7">
+            <a:extLst>
+              <a:ext uri="{FF2B5EF4-FFF2-40B4-BE49-F238E27FC236}">
+                <a16:creationId xmlns:a16="http://schemas.microsoft.com/office/drawing/2014/main" id="{A0EC8C3A-CB99-4164-95BB-D449B771D816}"/>
+              </a:ext>
+            </a:extLst>
+          </p:cNvPr>
+          <p:cNvSpPr>
+            <a:spLocks noGrp="1"/>
+          </p:cNvSpPr>
+          <p:nvPr>
+            <p:ph type="body" idx="1"/>
+          </p:nvPr>
+        </p:nvSpPr>
+        <p:spPr>
+          <a:xfrm>
+            <a:off x="684213" y="1451295"/>
+            <a:ext cx="9961416" cy="4543105"/>
+          </a:xfrm>
+          <a:prstGeom prst="round2DiagRect">
+            <a:avLst>
+              <a:gd name="adj1" fmla="val 5772"/>
+              <a:gd name="adj2" fmla="val 0"/>
+            </a:avLst>
+          </a:prstGeom>
+          <a:solidFill>
+            <a:schemeClr val="accent1">
+              <a:alpha val="50000"/>
+            </a:schemeClr>
+          </a:solidFill>
+          <a:ln>
+            <a:noFill/>
+          </a:ln>
+        </p:spPr>
+        <p:style>
+          <a:lnRef idx="0">
+            <a:scrgbClr r="0" g="0" b="0"/>
+          </a:lnRef>
+          <a:fillRef idx="0">
+            <a:scrgbClr r="0" g="0" b="0"/>
+          </a:fillRef>
+          <a:effectRef idx="0">
+            <a:scrgbClr r="0" g="0" b="0"/>
+          </a:effectRef>
+          <a:fontRef idx="minor">
+            <a:schemeClr val="lt1"/>
+          </a:fontRef>
+        </p:style>
+        <p:txBody>
+          <a:bodyPr anchor="ctr">
+            <a:normAutofit/>
+          </a:bodyPr>
+          <a:lstStyle/>
+          <a:p>
+            <a:pPr marL="285750" indent="-285750">
+              <a:buFont typeface="Arial" panose="020B0604020202020204" pitchFamily="34" charset="0"/>
+              <a:buChar char="•"/>
+            </a:pPr>
+            <a:r>
+              <a:rPr lang="en-US" dirty="0">
+                <a:solidFill>
+                  <a:schemeClr val="tx2">
+                    <a:lumMod val="20000"/>
+                    <a:lumOff val="80000"/>
+                  </a:schemeClr>
+                </a:solidFill>
+                <a:latin typeface="Segoe UI Light" panose="020B0502040204020203" pitchFamily="34" charset="0"/>
+                <a:cs typeface="Segoe UI Light" panose="020B0502040204020203" pitchFamily="34" charset="0"/>
+              </a:rPr>
+              <a:t>The implementation of </a:t>
+            </a:r>
+            <a:r>
+              <a:rPr lang="en-US" dirty="0" err="1">
+                <a:solidFill>
+                  <a:schemeClr val="tx2">
+                    <a:lumMod val="20000"/>
+                    <a:lumOff val="80000"/>
+                  </a:schemeClr>
+                </a:solidFill>
+                <a:latin typeface="Segoe UI Light" panose="020B0502040204020203" pitchFamily="34" charset="0"/>
+                <a:cs typeface="Segoe UI Light" panose="020B0502040204020203" pitchFamily="34" charset="0"/>
+              </a:rPr>
+              <a:t>SignalR</a:t>
+            </a:r>
+            <a:r>
+              <a:rPr lang="en-US" dirty="0">
+                <a:solidFill>
+                  <a:schemeClr val="tx2">
+                    <a:lumMod val="20000"/>
+                    <a:lumOff val="80000"/>
+                  </a:schemeClr>
+                </a:solidFill>
+                <a:latin typeface="Segoe UI Light" panose="020B0502040204020203" pitchFamily="34" charset="0"/>
+                <a:cs typeface="Segoe UI Light" panose="020B0502040204020203" pitchFamily="34" charset="0"/>
+              </a:rPr>
+              <a:t> varies from which technology you are using as a back-end. </a:t>
+            </a:r>
+          </a:p>
+          <a:p>
+            <a:pPr marL="285750" indent="-285750">
+              <a:buFont typeface="Arial" panose="020B0604020202020204" pitchFamily="34" charset="0"/>
+              <a:buChar char="•"/>
+            </a:pPr>
+            <a:r>
+              <a:rPr lang="en-US" dirty="0">
+                <a:solidFill>
+                  <a:schemeClr val="tx2">
+                    <a:lumMod val="20000"/>
+                    <a:lumOff val="80000"/>
+                  </a:schemeClr>
+                </a:solidFill>
+                <a:latin typeface="Segoe UI Light" panose="020B0502040204020203" pitchFamily="34" charset="0"/>
+                <a:cs typeface="Segoe UI Light" panose="020B0502040204020203" pitchFamily="34" charset="0"/>
+              </a:rPr>
+              <a:t>For instance, ASP.NET implementation using the </a:t>
+            </a:r>
+            <a:r>
+              <a:rPr lang="en-US" dirty="0" err="1">
+                <a:solidFill>
+                  <a:schemeClr val="tx2">
+                    <a:lumMod val="20000"/>
+                    <a:lumOff val="80000"/>
+                  </a:schemeClr>
+                </a:solidFill>
+                <a:latin typeface="Segoe UI Light" panose="020B0502040204020203" pitchFamily="34" charset="0"/>
+                <a:cs typeface="Segoe UI Light" panose="020B0502040204020203" pitchFamily="34" charset="0"/>
+              </a:rPr>
+              <a:t>DotNet</a:t>
+            </a:r>
+            <a:r>
+              <a:rPr lang="en-US" dirty="0">
+                <a:solidFill>
+                  <a:schemeClr val="tx2">
+                    <a:lumMod val="20000"/>
+                    <a:lumOff val="80000"/>
+                  </a:schemeClr>
+                </a:solidFill>
+                <a:latin typeface="Segoe UI Light" panose="020B0502040204020203" pitchFamily="34" charset="0"/>
+                <a:cs typeface="Segoe UI Light" panose="020B0502040204020203" pitchFamily="34" charset="0"/>
+              </a:rPr>
+              <a:t> Framework (4.7.2) is slightly different than the </a:t>
+            </a:r>
+            <a:r>
+              <a:rPr lang="en-US" dirty="0" err="1">
+                <a:solidFill>
+                  <a:schemeClr val="tx2">
+                    <a:lumMod val="20000"/>
+                    <a:lumOff val="80000"/>
+                  </a:schemeClr>
+                </a:solidFill>
+                <a:latin typeface="Segoe UI Light" panose="020B0502040204020203" pitchFamily="34" charset="0"/>
+                <a:cs typeface="Segoe UI Light" panose="020B0502040204020203" pitchFamily="34" charset="0"/>
+              </a:rPr>
+              <a:t>DotNetCore</a:t>
+            </a:r>
+            <a:r>
+              <a:rPr lang="en-US" dirty="0">
+                <a:solidFill>
+                  <a:schemeClr val="tx2">
+                    <a:lumMod val="20000"/>
+                    <a:lumOff val="80000"/>
+                  </a:schemeClr>
+                </a:solidFill>
+                <a:latin typeface="Segoe UI Light" panose="020B0502040204020203" pitchFamily="34" charset="0"/>
+                <a:cs typeface="Segoe UI Light" panose="020B0502040204020203" pitchFamily="34" charset="0"/>
+              </a:rPr>
+              <a:t> implementation. </a:t>
+            </a:r>
+          </a:p>
+          <a:p>
+            <a:pPr marL="285750" indent="-285750">
+              <a:buFont typeface="Arial" panose="020B0604020202020204" pitchFamily="34" charset="0"/>
+              <a:buChar char="•"/>
+            </a:pPr>
+            <a:r>
+              <a:rPr lang="en-US" dirty="0">
+                <a:solidFill>
+                  <a:schemeClr val="tx2">
+                    <a:lumMod val="20000"/>
+                    <a:lumOff val="80000"/>
+                  </a:schemeClr>
+                </a:solidFill>
+                <a:latin typeface="Segoe UI Light" panose="020B0502040204020203" pitchFamily="34" charset="0"/>
+                <a:cs typeface="Segoe UI Light" panose="020B0502040204020203" pitchFamily="34" charset="0"/>
+              </a:rPr>
+              <a:t>This applies to the Front-end packages as well.</a:t>
+            </a:r>
+          </a:p>
+        </p:txBody>
+      </p:sp>
+    </p:spTree>
+    <p:extLst>
+      <p:ext uri="{BB962C8B-B14F-4D97-AF65-F5344CB8AC3E}">
+        <p14:creationId xmlns:p14="http://schemas.microsoft.com/office/powerpoint/2010/main" val="114260269"/>
       </p:ext>
     </p:extLst>
   </p:cSld>
@@ -6439,17 +7183,24 @@
         <p:spPr>
           <a:xfrm>
             <a:off x="684211" y="755008"/>
-            <a:ext cx="8534401" cy="1201051"/>
+            <a:ext cx="8534401" cy="696287"/>
           </a:xfrm>
         </p:spPr>
         <p:txBody>
-          <a:bodyPr/>
-          <a:lstStyle/>
-          <a:p>
-            <a:r>
-              <a:rPr lang="en-ZA" dirty="0"/>
-              <a:t>ASP.NET</a:t>
-            </a:r>
+          <a:bodyPr anchor="t"/>
+          <a:lstStyle/>
+          <a:p>
+            <a:r>
+              <a:rPr lang="en-US" cap="none" dirty="0">
+                <a:latin typeface="Segoe UI" panose="020B0502040204020203" pitchFamily="34" charset="0"/>
+                <a:cs typeface="Segoe UI" panose="020B0502040204020203" pitchFamily="34" charset="0"/>
+              </a:rPr>
+              <a:t>Where’s my hub??</a:t>
+            </a:r>
+            <a:endParaRPr lang="en-ZA" cap="none" dirty="0">
+              <a:latin typeface="Segoe UI" panose="020B0502040204020203" pitchFamily="34" charset="0"/>
+              <a:cs typeface="Segoe UI" panose="020B0502040204020203" pitchFamily="34" charset="0"/>
+            </a:endParaRPr>
           </a:p>
         </p:txBody>
       </p:sp>
@@ -6471,12 +7222,42 @@
         </p:nvSpPr>
         <p:spPr>
           <a:xfrm>
-            <a:off x="684213" y="1956059"/>
-            <a:ext cx="8534400" cy="4038341"/>
+            <a:off x="684213" y="1451295"/>
+            <a:ext cx="9961416" cy="4543105"/>
           </a:xfrm>
+          <a:prstGeom prst="round2DiagRect">
+            <a:avLst>
+              <a:gd name="adj1" fmla="val 5772"/>
+              <a:gd name="adj2" fmla="val 0"/>
+            </a:avLst>
+          </a:prstGeom>
+          <a:solidFill>
+            <a:schemeClr val="accent1">
+              <a:alpha val="50000"/>
+            </a:schemeClr>
+          </a:solidFill>
+          <a:ln>
+            <a:noFill/>
+          </a:ln>
         </p:spPr>
-        <p:txBody>
-          <a:bodyPr/>
+        <p:style>
+          <a:lnRef idx="0">
+            <a:scrgbClr r="0" g="0" b="0"/>
+          </a:lnRef>
+          <a:fillRef idx="0">
+            <a:scrgbClr r="0" g="0" b="0"/>
+          </a:fillRef>
+          <a:effectRef idx="0">
+            <a:scrgbClr r="0" g="0" b="0"/>
+          </a:effectRef>
+          <a:fontRef idx="minor">
+            <a:schemeClr val="lt1"/>
+          </a:fontRef>
+        </p:style>
+        <p:txBody>
+          <a:bodyPr anchor="ctr">
+            <a:normAutofit/>
+          </a:bodyPr>
           <a:lstStyle/>
           <a:p>
             <a:pPr marL="285750" indent="-285750">
@@ -6484,8 +7265,49 @@
               <a:buChar char="•"/>
             </a:pPr>
             <a:r>
-              <a:rPr lang="en-US" dirty="0"/>
-              <a:t>Install the following package:</a:t>
+              <a:rPr lang="en-US" dirty="0" err="1">
+                <a:solidFill>
+                  <a:schemeClr val="tx2">
+                    <a:lumMod val="20000"/>
+                    <a:lumOff val="80000"/>
+                  </a:schemeClr>
+                </a:solidFill>
+                <a:latin typeface="Segoe UI Light" panose="020B0502040204020203" pitchFamily="34" charset="0"/>
+                <a:cs typeface="Segoe UI Light" panose="020B0502040204020203" pitchFamily="34" charset="0"/>
+              </a:rPr>
+              <a:t>SignalR</a:t>
+            </a:r>
+            <a:r>
+              <a:rPr lang="en-US" dirty="0">
+                <a:solidFill>
+                  <a:schemeClr val="tx2">
+                    <a:lumMod val="20000"/>
+                    <a:lumOff val="80000"/>
+                  </a:schemeClr>
+                </a:solidFill>
+                <a:latin typeface="Segoe UI Light" panose="020B0502040204020203" pitchFamily="34" charset="0"/>
+                <a:cs typeface="Segoe UI Light" panose="020B0502040204020203" pitchFamily="34" charset="0"/>
+              </a:rPr>
+              <a:t> makes use of something called a Hub to enable communication between the server and the client. </a:t>
+            </a:r>
+          </a:p>
+          <a:p>
+            <a:pPr marL="285750" indent="-285750">
+              <a:buFont typeface="Arial" panose="020B0604020202020204" pitchFamily="34" charset="0"/>
+              <a:buChar char="•"/>
+            </a:pPr>
+            <a:r>
+              <a:rPr lang="en-US" dirty="0">
+                <a:solidFill>
+                  <a:schemeClr val="tx2">
+                    <a:lumMod val="20000"/>
+                    <a:lumOff val="80000"/>
+                  </a:schemeClr>
+                </a:solidFill>
+                <a:latin typeface="Segoe UI Light" panose="020B0502040204020203" pitchFamily="34" charset="0"/>
+                <a:cs typeface="Segoe UI Light" panose="020B0502040204020203" pitchFamily="34" charset="0"/>
+              </a:rPr>
+              <a:t>A Hub is a high-level pipeline built upon the Connection API that allows your client and server to call methods on each other directly.</a:t>
             </a:r>
           </a:p>
           <a:p>
@@ -6493,14 +7315,1435 @@
               <a:buFont typeface="Arial" panose="020B0604020202020204" pitchFamily="34" charset="0"/>
               <a:buChar char="•"/>
             </a:pPr>
-            <a:endParaRPr lang="en-ZA" dirty="0"/>
+            <a:r>
+              <a:rPr lang="en-US" dirty="0" err="1">
+                <a:solidFill>
+                  <a:schemeClr val="tx2">
+                    <a:lumMod val="20000"/>
+                    <a:lumOff val="80000"/>
+                  </a:schemeClr>
+                </a:solidFill>
+                <a:latin typeface="Segoe UI Light" panose="020B0502040204020203" pitchFamily="34" charset="0"/>
+                <a:cs typeface="Segoe UI Light" panose="020B0502040204020203" pitchFamily="34" charset="0"/>
+              </a:rPr>
+              <a:t>SignalR</a:t>
+            </a:r>
+            <a:r>
+              <a:rPr lang="en-US" dirty="0">
+                <a:solidFill>
+                  <a:schemeClr val="tx2">
+                    <a:lumMod val="20000"/>
+                    <a:lumOff val="80000"/>
+                  </a:schemeClr>
+                </a:solidFill>
+                <a:latin typeface="Segoe UI Light" panose="020B0502040204020203" pitchFamily="34" charset="0"/>
+                <a:cs typeface="Segoe UI Light" panose="020B0502040204020203" pitchFamily="34" charset="0"/>
+              </a:rPr>
+              <a:t> handles the dispatching across machine boundaries as if by magic, allowing clients to call methods on the server as easily as local methods, and vice versa</a:t>
+            </a:r>
+          </a:p>
+          <a:p>
+            <a:pPr marL="285750" indent="-285750">
+              <a:buFont typeface="Arial" panose="020B0604020202020204" pitchFamily="34" charset="0"/>
+              <a:buChar char="•"/>
+            </a:pPr>
+            <a:r>
+              <a:rPr lang="en-US" b="1" u="sng" dirty="0">
+                <a:solidFill>
+                  <a:schemeClr val="tx2">
+                    <a:lumMod val="20000"/>
+                    <a:lumOff val="80000"/>
+                  </a:schemeClr>
+                </a:solidFill>
+                <a:latin typeface="Segoe UI Light" panose="020B0502040204020203" pitchFamily="34" charset="0"/>
+                <a:cs typeface="Segoe UI Light" panose="020B0502040204020203" pitchFamily="34" charset="0"/>
+              </a:rPr>
+              <a:t>Note</a:t>
+            </a:r>
+            <a:r>
+              <a:rPr lang="en-US" dirty="0">
+                <a:solidFill>
+                  <a:schemeClr val="tx2">
+                    <a:lumMod val="20000"/>
+                    <a:lumOff val="80000"/>
+                  </a:schemeClr>
+                </a:solidFill>
+                <a:latin typeface="Segoe UI Light" panose="020B0502040204020203" pitchFamily="34" charset="0"/>
+                <a:cs typeface="Segoe UI Light" panose="020B0502040204020203" pitchFamily="34" charset="0"/>
+              </a:rPr>
+              <a:t>: Persisted Connections are also supported for low-level communication with the server through the low-level communication protocol that </a:t>
+            </a:r>
+            <a:r>
+              <a:rPr lang="en-US" dirty="0" err="1">
+                <a:solidFill>
+                  <a:schemeClr val="tx2">
+                    <a:lumMod val="20000"/>
+                    <a:lumOff val="80000"/>
+                  </a:schemeClr>
+                </a:solidFill>
+                <a:latin typeface="Segoe UI Light" panose="020B0502040204020203" pitchFamily="34" charset="0"/>
+                <a:cs typeface="Segoe UI Light" panose="020B0502040204020203" pitchFamily="34" charset="0"/>
+              </a:rPr>
+              <a:t>SignalR</a:t>
+            </a:r>
+            <a:r>
+              <a:rPr lang="en-US" dirty="0">
+                <a:solidFill>
+                  <a:schemeClr val="tx2">
+                    <a:lumMod val="20000"/>
+                    <a:lumOff val="80000"/>
+                  </a:schemeClr>
+                </a:solidFill>
+                <a:latin typeface="Segoe UI Light" panose="020B0502040204020203" pitchFamily="34" charset="0"/>
+                <a:cs typeface="Segoe UI Light" panose="020B0502040204020203" pitchFamily="34" charset="0"/>
+              </a:rPr>
+              <a:t> exposes – however, that is not part of this discussion.</a:t>
+            </a:r>
+          </a:p>
+          <a:p>
+            <a:pPr marL="742950" lvl="1" indent="-285750">
+              <a:buFont typeface="Arial" panose="020B0604020202020204" pitchFamily="34" charset="0"/>
+              <a:buChar char="•"/>
+            </a:pPr>
+            <a:r>
+              <a:rPr lang="en-US" dirty="0">
+                <a:solidFill>
+                  <a:schemeClr val="tx2">
+                    <a:lumMod val="20000"/>
+                    <a:lumOff val="80000"/>
+                  </a:schemeClr>
+                </a:solidFill>
+                <a:latin typeface="Segoe UI Light" panose="020B0502040204020203" pitchFamily="34" charset="0"/>
+                <a:cs typeface="Segoe UI Light" panose="020B0502040204020203" pitchFamily="34" charset="0"/>
+              </a:rPr>
+              <a:t>Using the Connections communication model will be familiar to developers who have used connection-based APIs such as Windows Communication Foundation.</a:t>
+            </a:r>
           </a:p>
         </p:txBody>
       </p:sp>
     </p:spTree>
     <p:extLst>
       <p:ext uri="{BB962C8B-B14F-4D97-AF65-F5344CB8AC3E}">
-        <p14:creationId xmlns:p14="http://schemas.microsoft.com/office/powerpoint/2010/main" val="666250244"/>
+        <p14:creationId xmlns:p14="http://schemas.microsoft.com/office/powerpoint/2010/main" val="3504472165"/>
+      </p:ext>
+    </p:extLst>
+  </p:cSld>
+  <p:clrMapOvr>
+    <a:masterClrMapping/>
+  </p:clrMapOvr>
+</p:sld>
+</file>
+
+<file path=ppt/slides/slide7.xml><?xml version="1.0" encoding="utf-8"?>
+<p:sld xmlns:a="http://schemas.openxmlformats.org/drawingml/2006/main" xmlns:r="http://schemas.openxmlformats.org/officeDocument/2006/relationships" xmlns:p="http://schemas.openxmlformats.org/presentationml/2006/main">
+  <p:cSld>
+    <p:spTree>
+      <p:nvGrpSpPr>
+        <p:cNvPr id="1" name=""/>
+        <p:cNvGrpSpPr/>
+        <p:nvPr/>
+      </p:nvGrpSpPr>
+      <p:grpSpPr>
+        <a:xfrm>
+          <a:off x="0" y="0"/>
+          <a:ext cx="0" cy="0"/>
+          <a:chOff x="0" y="0"/>
+          <a:chExt cx="0" cy="0"/>
+        </a:xfrm>
+      </p:grpSpPr>
+      <p:sp>
+        <p:nvSpPr>
+          <p:cNvPr id="7" name="Title 6">
+            <a:extLst>
+              <a:ext uri="{FF2B5EF4-FFF2-40B4-BE49-F238E27FC236}">
+                <a16:creationId xmlns:a16="http://schemas.microsoft.com/office/drawing/2014/main" id="{995CDE5A-4025-488F-9F23-4B1873D72739}"/>
+              </a:ext>
+            </a:extLst>
+          </p:cNvPr>
+          <p:cNvSpPr>
+            <a:spLocks noGrp="1"/>
+          </p:cNvSpPr>
+          <p:nvPr>
+            <p:ph type="title"/>
+          </p:nvPr>
+        </p:nvSpPr>
+        <p:spPr>
+          <a:xfrm>
+            <a:off x="684211" y="755008"/>
+            <a:ext cx="8534401" cy="696287"/>
+          </a:xfrm>
+        </p:spPr>
+        <p:txBody>
+          <a:bodyPr anchor="t"/>
+          <a:lstStyle/>
+          <a:p>
+            <a:r>
+              <a:rPr lang="en-US" cap="none" dirty="0">
+                <a:latin typeface="Segoe UI" panose="020B0502040204020203" pitchFamily="34" charset="0"/>
+                <a:cs typeface="Segoe UI" panose="020B0502040204020203" pitchFamily="34" charset="0"/>
+              </a:rPr>
+              <a:t>How Hubs work</a:t>
+            </a:r>
+            <a:endParaRPr lang="en-ZA" cap="none" dirty="0">
+              <a:latin typeface="Segoe UI" panose="020B0502040204020203" pitchFamily="34" charset="0"/>
+              <a:cs typeface="Segoe UI" panose="020B0502040204020203" pitchFamily="34" charset="0"/>
+            </a:endParaRPr>
+          </a:p>
+        </p:txBody>
+      </p:sp>
+      <p:sp>
+        <p:nvSpPr>
+          <p:cNvPr id="8" name="Text Placeholder 7">
+            <a:extLst>
+              <a:ext uri="{FF2B5EF4-FFF2-40B4-BE49-F238E27FC236}">
+                <a16:creationId xmlns:a16="http://schemas.microsoft.com/office/drawing/2014/main" id="{A0EC8C3A-CB99-4164-95BB-D449B771D816}"/>
+              </a:ext>
+            </a:extLst>
+          </p:cNvPr>
+          <p:cNvSpPr>
+            <a:spLocks noGrp="1"/>
+          </p:cNvSpPr>
+          <p:nvPr>
+            <p:ph type="body" idx="1"/>
+          </p:nvPr>
+        </p:nvSpPr>
+        <p:spPr>
+          <a:xfrm>
+            <a:off x="684213" y="1451295"/>
+            <a:ext cx="9961416" cy="4543105"/>
+          </a:xfrm>
+          <a:prstGeom prst="round2DiagRect">
+            <a:avLst>
+              <a:gd name="adj1" fmla="val 5772"/>
+              <a:gd name="adj2" fmla="val 0"/>
+            </a:avLst>
+          </a:prstGeom>
+          <a:solidFill>
+            <a:schemeClr val="accent1">
+              <a:alpha val="50000"/>
+            </a:schemeClr>
+          </a:solidFill>
+          <a:ln>
+            <a:noFill/>
+          </a:ln>
+        </p:spPr>
+        <p:style>
+          <a:lnRef idx="0">
+            <a:scrgbClr r="0" g="0" b="0"/>
+          </a:lnRef>
+          <a:fillRef idx="0">
+            <a:scrgbClr r="0" g="0" b="0"/>
+          </a:fillRef>
+          <a:effectRef idx="0">
+            <a:scrgbClr r="0" g="0" b="0"/>
+          </a:effectRef>
+          <a:fontRef idx="minor">
+            <a:schemeClr val="lt1"/>
+          </a:fontRef>
+        </p:style>
+        <p:txBody>
+          <a:bodyPr anchor="ctr">
+            <a:normAutofit/>
+          </a:bodyPr>
+          <a:lstStyle/>
+          <a:p>
+            <a:pPr marL="285750" indent="-285750">
+              <a:buFont typeface="Arial" panose="020B0604020202020204" pitchFamily="34" charset="0"/>
+              <a:buChar char="•"/>
+            </a:pPr>
+            <a:r>
+              <a:rPr lang="en-US" dirty="0">
+                <a:solidFill>
+                  <a:schemeClr val="tx2">
+                    <a:lumMod val="20000"/>
+                    <a:lumOff val="80000"/>
+                  </a:schemeClr>
+                </a:solidFill>
+                <a:latin typeface="Segoe UI Light" panose="020B0502040204020203" pitchFamily="34" charset="0"/>
+                <a:cs typeface="Segoe UI Light" panose="020B0502040204020203" pitchFamily="34" charset="0"/>
+              </a:rPr>
+              <a:t>When server-side code calls a method on a client, a packet is sent across the active transport that contains the name and parameters of the method to be called. </a:t>
+            </a:r>
+          </a:p>
+          <a:p>
+            <a:pPr marL="742950" lvl="1" indent="-285750">
+              <a:buFont typeface="Arial" panose="020B0604020202020204" pitchFamily="34" charset="0"/>
+              <a:buChar char="•"/>
+            </a:pPr>
+            <a:r>
+              <a:rPr lang="en-US" dirty="0">
+                <a:solidFill>
+                  <a:schemeClr val="tx2">
+                    <a:lumMod val="20000"/>
+                    <a:lumOff val="80000"/>
+                  </a:schemeClr>
+                </a:solidFill>
+                <a:latin typeface="Segoe UI Light" panose="020B0502040204020203" pitchFamily="34" charset="0"/>
+                <a:cs typeface="Segoe UI Light" panose="020B0502040204020203" pitchFamily="34" charset="0"/>
+              </a:rPr>
+              <a:t>Objects as parameters are serialized as JSON, so make sure the object is serializable. This should ideally be a simple POCO object.</a:t>
+            </a:r>
+          </a:p>
+        </p:txBody>
+      </p:sp>
+    </p:spTree>
+    <p:extLst>
+      <p:ext uri="{BB962C8B-B14F-4D97-AF65-F5344CB8AC3E}">
+        <p14:creationId xmlns:p14="http://schemas.microsoft.com/office/powerpoint/2010/main" val="3077332275"/>
+      </p:ext>
+    </p:extLst>
+  </p:cSld>
+  <p:clrMapOvr>
+    <a:masterClrMapping/>
+  </p:clrMapOvr>
+</p:sld>
+</file>
+
+<file path=ppt/slides/slide8.xml><?xml version="1.0" encoding="utf-8"?>
+<p:sld xmlns:a="http://schemas.openxmlformats.org/drawingml/2006/main" xmlns:r="http://schemas.openxmlformats.org/officeDocument/2006/relationships" xmlns:p="http://schemas.openxmlformats.org/presentationml/2006/main">
+  <p:cSld>
+    <p:spTree>
+      <p:nvGrpSpPr>
+        <p:cNvPr id="1" name=""/>
+        <p:cNvGrpSpPr/>
+        <p:nvPr/>
+      </p:nvGrpSpPr>
+      <p:grpSpPr>
+        <a:xfrm>
+          <a:off x="0" y="0"/>
+          <a:ext cx="0" cy="0"/>
+          <a:chOff x="0" y="0"/>
+          <a:chExt cx="0" cy="0"/>
+        </a:xfrm>
+      </p:grpSpPr>
+      <p:sp>
+        <p:nvSpPr>
+          <p:cNvPr id="7" name="Title 6">
+            <a:extLst>
+              <a:ext uri="{FF2B5EF4-FFF2-40B4-BE49-F238E27FC236}">
+                <a16:creationId xmlns:a16="http://schemas.microsoft.com/office/drawing/2014/main" id="{995CDE5A-4025-488F-9F23-4B1873D72739}"/>
+              </a:ext>
+            </a:extLst>
+          </p:cNvPr>
+          <p:cNvSpPr>
+            <a:spLocks noGrp="1"/>
+          </p:cNvSpPr>
+          <p:nvPr>
+            <p:ph type="title"/>
+          </p:nvPr>
+        </p:nvSpPr>
+        <p:spPr>
+          <a:xfrm>
+            <a:off x="684211" y="755008"/>
+            <a:ext cx="8534401" cy="696287"/>
+          </a:xfrm>
+        </p:spPr>
+        <p:txBody>
+          <a:bodyPr anchor="t"/>
+          <a:lstStyle/>
+          <a:p>
+            <a:r>
+              <a:rPr lang="en-US" cap="none" dirty="0">
+                <a:latin typeface="Segoe UI" panose="020B0502040204020203" pitchFamily="34" charset="0"/>
+                <a:cs typeface="Segoe UI" panose="020B0502040204020203" pitchFamily="34" charset="0"/>
+              </a:rPr>
+              <a:t>The fun part – Getting started</a:t>
+            </a:r>
+            <a:endParaRPr lang="en-ZA" cap="none" dirty="0">
+              <a:latin typeface="Segoe UI" panose="020B0502040204020203" pitchFamily="34" charset="0"/>
+              <a:cs typeface="Segoe UI" panose="020B0502040204020203" pitchFamily="34" charset="0"/>
+            </a:endParaRPr>
+          </a:p>
+        </p:txBody>
+      </p:sp>
+      <p:sp>
+        <p:nvSpPr>
+          <p:cNvPr id="8" name="Text Placeholder 7">
+            <a:extLst>
+              <a:ext uri="{FF2B5EF4-FFF2-40B4-BE49-F238E27FC236}">
+                <a16:creationId xmlns:a16="http://schemas.microsoft.com/office/drawing/2014/main" id="{A0EC8C3A-CB99-4164-95BB-D449B771D816}"/>
+              </a:ext>
+            </a:extLst>
+          </p:cNvPr>
+          <p:cNvSpPr>
+            <a:spLocks noGrp="1"/>
+          </p:cNvSpPr>
+          <p:nvPr>
+            <p:ph type="body" idx="1"/>
+          </p:nvPr>
+        </p:nvSpPr>
+        <p:spPr>
+          <a:xfrm>
+            <a:off x="684213" y="1451295"/>
+            <a:ext cx="9961416" cy="4543105"/>
+          </a:xfrm>
+          <a:prstGeom prst="round2DiagRect">
+            <a:avLst>
+              <a:gd name="adj1" fmla="val 5772"/>
+              <a:gd name="adj2" fmla="val 0"/>
+            </a:avLst>
+          </a:prstGeom>
+          <a:solidFill>
+            <a:schemeClr val="accent1">
+              <a:alpha val="50000"/>
+            </a:schemeClr>
+          </a:solidFill>
+          <a:ln>
+            <a:noFill/>
+          </a:ln>
+        </p:spPr>
+        <p:style>
+          <a:lnRef idx="0">
+            <a:scrgbClr r="0" g="0" b="0"/>
+          </a:lnRef>
+          <a:fillRef idx="0">
+            <a:scrgbClr r="0" g="0" b="0"/>
+          </a:fillRef>
+          <a:effectRef idx="0">
+            <a:scrgbClr r="0" g="0" b="0"/>
+          </a:effectRef>
+          <a:fontRef idx="minor">
+            <a:schemeClr val="lt1"/>
+          </a:fontRef>
+        </p:style>
+        <p:txBody>
+          <a:bodyPr anchor="ctr">
+            <a:normAutofit fontScale="85000" lnSpcReduction="20000"/>
+          </a:bodyPr>
+          <a:lstStyle/>
+          <a:p>
+            <a:pPr marL="285750" indent="-285750">
+              <a:buFont typeface="Arial" panose="020B0604020202020204" pitchFamily="34" charset="0"/>
+              <a:buChar char="•"/>
+            </a:pPr>
+            <a:endParaRPr lang="en-US" dirty="0">
+              <a:solidFill>
+                <a:schemeClr val="tx2">
+                  <a:lumMod val="20000"/>
+                  <a:lumOff val="80000"/>
+                </a:schemeClr>
+              </a:solidFill>
+              <a:latin typeface="Segoe UI Light" panose="020B0502040204020203" pitchFamily="34" charset="0"/>
+              <a:cs typeface="Segoe UI Light" panose="020B0502040204020203" pitchFamily="34" charset="0"/>
+            </a:endParaRPr>
+          </a:p>
+          <a:p>
+            <a:pPr marL="285750" indent="-285750">
+              <a:buFont typeface="Arial" panose="020B0604020202020204" pitchFamily="34" charset="0"/>
+              <a:buChar char="•"/>
+            </a:pPr>
+            <a:r>
+              <a:rPr lang="en-US" dirty="0">
+                <a:solidFill>
+                  <a:schemeClr val="tx2">
+                    <a:lumMod val="20000"/>
+                    <a:lumOff val="80000"/>
+                  </a:schemeClr>
+                </a:solidFill>
+                <a:latin typeface="Segoe UI Light" panose="020B0502040204020203" pitchFamily="34" charset="0"/>
+                <a:cs typeface="Segoe UI Light" panose="020B0502040204020203" pitchFamily="34" charset="0"/>
+              </a:rPr>
+              <a:t>Lets start by adding a new </a:t>
+            </a:r>
+            <a:r>
+              <a:rPr lang="en-US" dirty="0" err="1">
+                <a:solidFill>
+                  <a:schemeClr val="tx2">
+                    <a:lumMod val="20000"/>
+                    <a:lumOff val="80000"/>
+                  </a:schemeClr>
+                </a:solidFill>
+                <a:latin typeface="Segoe UI Light" panose="020B0502040204020203" pitchFamily="34" charset="0"/>
+                <a:cs typeface="Segoe UI Light" panose="020B0502040204020203" pitchFamily="34" charset="0"/>
+              </a:rPr>
+              <a:t>SignalR</a:t>
+            </a:r>
+            <a:r>
+              <a:rPr lang="en-US" dirty="0">
+                <a:solidFill>
+                  <a:schemeClr val="tx2">
+                    <a:lumMod val="20000"/>
+                    <a:lumOff val="80000"/>
+                  </a:schemeClr>
+                </a:solidFill>
+                <a:latin typeface="Segoe UI Light" panose="020B0502040204020203" pitchFamily="34" charset="0"/>
+                <a:cs typeface="Segoe UI Light" panose="020B0502040204020203" pitchFamily="34" charset="0"/>
+              </a:rPr>
+              <a:t> Hub. In Visual Studio, you can achieve that by doing the following:</a:t>
+            </a:r>
+          </a:p>
+          <a:p>
+            <a:pPr marL="742950" lvl="1" indent="-285750">
+              <a:buFont typeface="Arial" panose="020B0604020202020204" pitchFamily="34" charset="0"/>
+              <a:buChar char="•"/>
+            </a:pPr>
+            <a:r>
+              <a:rPr lang="en-US" dirty="0">
+                <a:solidFill>
+                  <a:schemeClr val="tx2">
+                    <a:lumMod val="20000"/>
+                    <a:lumOff val="80000"/>
+                  </a:schemeClr>
+                </a:solidFill>
+                <a:latin typeface="Calibri" panose="020F0502020204030204" pitchFamily="34" charset="0"/>
+                <a:ea typeface="Fira Code" panose="020B0809050000020004" pitchFamily="49" charset="0"/>
+                <a:cs typeface="Calibri" panose="020F0502020204030204" pitchFamily="34" charset="0"/>
+              </a:rPr>
+              <a:t>Solution Explorer -&gt; Add -&gt; New Item</a:t>
+            </a:r>
+            <a:r>
+              <a:rPr lang="en-US" dirty="0">
+                <a:solidFill>
+                  <a:schemeClr val="tx2">
+                    <a:lumMod val="20000"/>
+                    <a:lumOff val="80000"/>
+                  </a:schemeClr>
+                </a:solidFill>
+                <a:latin typeface="Segoe UI Light" panose="020B0502040204020203" pitchFamily="34" charset="0"/>
+                <a:cs typeface="Segoe UI Light" panose="020B0502040204020203" pitchFamily="34" charset="0"/>
+              </a:rPr>
+              <a:t>.</a:t>
+            </a:r>
+          </a:p>
+          <a:p>
+            <a:pPr marL="742950" lvl="1" indent="-285750">
+              <a:buFont typeface="Arial" panose="020B0604020202020204" pitchFamily="34" charset="0"/>
+              <a:buChar char="•"/>
+            </a:pPr>
+            <a:r>
+              <a:rPr lang="en-US" dirty="0">
+                <a:solidFill>
+                  <a:schemeClr val="tx2">
+                    <a:lumMod val="20000"/>
+                    <a:lumOff val="80000"/>
+                  </a:schemeClr>
+                </a:solidFill>
+                <a:latin typeface="Segoe UI Light" panose="020B0502040204020203" pitchFamily="34" charset="0"/>
+                <a:cs typeface="Segoe UI Light" panose="020B0502040204020203" pitchFamily="34" charset="0"/>
+              </a:rPr>
+              <a:t>Search for ‘Hub’, select </a:t>
+            </a:r>
+            <a:r>
+              <a:rPr lang="en-US" dirty="0" err="1">
+                <a:solidFill>
+                  <a:schemeClr val="tx2">
+                    <a:lumMod val="20000"/>
+                    <a:lumOff val="80000"/>
+                  </a:schemeClr>
+                </a:solidFill>
+                <a:latin typeface="Calibri" panose="020F0502020204030204" pitchFamily="34" charset="0"/>
+                <a:ea typeface="Fira Code Light" panose="020B0809050000020004" pitchFamily="49" charset="0"/>
+                <a:cs typeface="Calibri" panose="020F0502020204030204" pitchFamily="34" charset="0"/>
+              </a:rPr>
+              <a:t>SignalR</a:t>
+            </a:r>
+            <a:r>
+              <a:rPr lang="en-US" dirty="0">
+                <a:solidFill>
+                  <a:schemeClr val="tx2">
+                    <a:lumMod val="20000"/>
+                    <a:lumOff val="80000"/>
+                  </a:schemeClr>
+                </a:solidFill>
+                <a:latin typeface="Calibri" panose="020F0502020204030204" pitchFamily="34" charset="0"/>
+                <a:ea typeface="Fira Code Light" panose="020B0809050000020004" pitchFamily="49" charset="0"/>
+                <a:cs typeface="Calibri" panose="020F0502020204030204" pitchFamily="34" charset="0"/>
+              </a:rPr>
+              <a:t> Hub Class (v2)</a:t>
+            </a:r>
+            <a:r>
+              <a:rPr lang="en-US" dirty="0">
+                <a:solidFill>
+                  <a:schemeClr val="tx2">
+                    <a:lumMod val="20000"/>
+                    <a:lumOff val="80000"/>
+                  </a:schemeClr>
+                </a:solidFill>
+                <a:latin typeface="Segoe UI Light" panose="020B0502040204020203" pitchFamily="34" charset="0"/>
+                <a:cs typeface="Segoe UI Light" panose="020B0502040204020203" pitchFamily="34" charset="0"/>
+              </a:rPr>
+              <a:t>.</a:t>
+            </a:r>
+          </a:p>
+          <a:p>
+            <a:pPr marL="742950" lvl="1" indent="-285750">
+              <a:buFont typeface="Arial" panose="020B0604020202020204" pitchFamily="34" charset="0"/>
+              <a:buChar char="•"/>
+            </a:pPr>
+            <a:r>
+              <a:rPr lang="en-US" dirty="0">
+                <a:solidFill>
+                  <a:schemeClr val="tx2">
+                    <a:lumMod val="20000"/>
+                    <a:lumOff val="80000"/>
+                  </a:schemeClr>
+                </a:solidFill>
+                <a:latin typeface="Segoe UI Light" panose="020B0502040204020203" pitchFamily="34" charset="0"/>
+                <a:cs typeface="Segoe UI Light" panose="020B0502040204020203" pitchFamily="34" charset="0"/>
+              </a:rPr>
+              <a:t>Let’s call this class </a:t>
+            </a:r>
+            <a:r>
+              <a:rPr lang="en-US" dirty="0" err="1">
+                <a:solidFill>
+                  <a:schemeClr val="tx2">
+                    <a:lumMod val="20000"/>
+                    <a:lumOff val="80000"/>
+                  </a:schemeClr>
+                </a:solidFill>
+                <a:latin typeface="Calibri" panose="020F0502020204030204" pitchFamily="34" charset="0"/>
+                <a:cs typeface="Calibri" panose="020F0502020204030204" pitchFamily="34" charset="0"/>
+              </a:rPr>
+              <a:t>NotificationHub.cs</a:t>
+            </a:r>
+            <a:r>
+              <a:rPr lang="en-US" dirty="0">
+                <a:solidFill>
+                  <a:schemeClr val="tx2">
+                    <a:lumMod val="20000"/>
+                    <a:lumOff val="80000"/>
+                  </a:schemeClr>
+                </a:solidFill>
+                <a:latin typeface="Segoe UI Light" panose="020B0502040204020203" pitchFamily="34" charset="0"/>
+                <a:cs typeface="Segoe UI Light" panose="020B0502040204020203" pitchFamily="34" charset="0"/>
+              </a:rPr>
+              <a:t>.</a:t>
+            </a:r>
+          </a:p>
+          <a:p>
+            <a:pPr marL="742950" lvl="1" indent="-285750">
+              <a:buFont typeface="Arial" panose="020B0604020202020204" pitchFamily="34" charset="0"/>
+              <a:buChar char="•"/>
+            </a:pPr>
+            <a:r>
+              <a:rPr lang="en-US" dirty="0">
+                <a:solidFill>
+                  <a:schemeClr val="tx2">
+                    <a:lumMod val="20000"/>
+                    <a:lumOff val="80000"/>
+                  </a:schemeClr>
+                </a:solidFill>
+                <a:latin typeface="Segoe UI Light" panose="020B0502040204020203" pitchFamily="34" charset="0"/>
+                <a:cs typeface="Segoe UI Light" panose="020B0502040204020203" pitchFamily="34" charset="0"/>
+              </a:rPr>
+              <a:t>Before we dive into the code – this operation added packages to your project:</a:t>
+            </a:r>
+          </a:p>
+          <a:p>
+            <a:pPr marL="1200150" lvl="2" indent="-285750">
+              <a:buFont typeface="Arial" panose="020B0604020202020204" pitchFamily="34" charset="0"/>
+              <a:buChar char="•"/>
+            </a:pPr>
+            <a:r>
+              <a:rPr lang="en-US" dirty="0" err="1">
+                <a:solidFill>
+                  <a:schemeClr val="tx2">
+                    <a:lumMod val="20000"/>
+                    <a:lumOff val="80000"/>
+                  </a:schemeClr>
+                </a:solidFill>
+                <a:latin typeface="Calibri" panose="020F0502020204030204" pitchFamily="34" charset="0"/>
+                <a:cs typeface="Calibri" panose="020F0502020204030204" pitchFamily="34" charset="0"/>
+              </a:rPr>
+              <a:t>Microsoft.AspNet.SignalR</a:t>
+            </a:r>
+            <a:endParaRPr lang="en-US" dirty="0">
+              <a:solidFill>
+                <a:schemeClr val="tx2">
+                  <a:lumMod val="20000"/>
+                  <a:lumOff val="80000"/>
+                </a:schemeClr>
+              </a:solidFill>
+              <a:latin typeface="Calibri" panose="020F0502020204030204" pitchFamily="34" charset="0"/>
+              <a:cs typeface="Calibri" panose="020F0502020204030204" pitchFamily="34" charset="0"/>
+            </a:endParaRPr>
+          </a:p>
+          <a:p>
+            <a:pPr marL="1200150" lvl="2" indent="-285750">
+              <a:buFont typeface="Arial" panose="020B0604020202020204" pitchFamily="34" charset="0"/>
+              <a:buChar char="•"/>
+            </a:pPr>
+            <a:r>
+              <a:rPr lang="en-US" dirty="0" err="1">
+                <a:solidFill>
+                  <a:schemeClr val="tx2">
+                    <a:lumMod val="20000"/>
+                    <a:lumOff val="80000"/>
+                  </a:schemeClr>
+                </a:solidFill>
+                <a:latin typeface="Calibri" panose="020F0502020204030204" pitchFamily="34" charset="0"/>
+                <a:cs typeface="Calibri" panose="020F0502020204030204" pitchFamily="34" charset="0"/>
+              </a:rPr>
+              <a:t>Microsoft.AspNet.SignalR.Core</a:t>
+            </a:r>
+            <a:endParaRPr lang="en-US" dirty="0">
+              <a:solidFill>
+                <a:schemeClr val="tx2">
+                  <a:lumMod val="20000"/>
+                  <a:lumOff val="80000"/>
+                </a:schemeClr>
+              </a:solidFill>
+              <a:latin typeface="Calibri" panose="020F0502020204030204" pitchFamily="34" charset="0"/>
+              <a:cs typeface="Calibri" panose="020F0502020204030204" pitchFamily="34" charset="0"/>
+            </a:endParaRPr>
+          </a:p>
+          <a:p>
+            <a:pPr marL="1200150" lvl="2" indent="-285750">
+              <a:buFont typeface="Arial" panose="020B0604020202020204" pitchFamily="34" charset="0"/>
+              <a:buChar char="•"/>
+            </a:pPr>
+            <a:r>
+              <a:rPr lang="en-US" dirty="0">
+                <a:solidFill>
+                  <a:schemeClr val="tx2">
+                    <a:lumMod val="20000"/>
+                    <a:lumOff val="80000"/>
+                  </a:schemeClr>
+                </a:solidFill>
+                <a:latin typeface="Calibri" panose="020F0502020204030204" pitchFamily="34" charset="0"/>
+                <a:cs typeface="Calibri" panose="020F0502020204030204" pitchFamily="34" charset="0"/>
+              </a:rPr>
+              <a:t>Microsoft.AspNet.SignalR.JS</a:t>
+            </a:r>
+          </a:p>
+          <a:p>
+            <a:pPr marL="1200150" lvl="2" indent="-285750">
+              <a:buFont typeface="Arial" panose="020B0604020202020204" pitchFamily="34" charset="0"/>
+              <a:buChar char="•"/>
+            </a:pPr>
+            <a:r>
+              <a:rPr lang="en-US" dirty="0" err="1">
+                <a:solidFill>
+                  <a:schemeClr val="tx2">
+                    <a:lumMod val="20000"/>
+                    <a:lumOff val="80000"/>
+                  </a:schemeClr>
+                </a:solidFill>
+                <a:latin typeface="Calibri" panose="020F0502020204030204" pitchFamily="34" charset="0"/>
+                <a:cs typeface="Calibri" panose="020F0502020204030204" pitchFamily="34" charset="0"/>
+              </a:rPr>
+              <a:t>MicrosoftAspNet.SignalR.SystemWeb</a:t>
+            </a:r>
+            <a:endParaRPr lang="en-US" dirty="0">
+              <a:solidFill>
+                <a:schemeClr val="tx2">
+                  <a:lumMod val="20000"/>
+                  <a:lumOff val="80000"/>
+                </a:schemeClr>
+              </a:solidFill>
+              <a:latin typeface="Calibri" panose="020F0502020204030204" pitchFamily="34" charset="0"/>
+              <a:cs typeface="Calibri" panose="020F0502020204030204" pitchFamily="34" charset="0"/>
+            </a:endParaRPr>
+          </a:p>
+          <a:p>
+            <a:pPr marL="742950" lvl="1" indent="-285750">
+              <a:buFont typeface="Arial" panose="020B0604020202020204" pitchFamily="34" charset="0"/>
+              <a:buChar char="•"/>
+            </a:pPr>
+            <a:r>
+              <a:rPr lang="en-US" dirty="0">
+                <a:solidFill>
+                  <a:schemeClr val="tx2">
+                    <a:lumMod val="20000"/>
+                    <a:lumOff val="80000"/>
+                  </a:schemeClr>
+                </a:solidFill>
+                <a:latin typeface="Segoe UI Light" panose="020B0502040204020203" pitchFamily="34" charset="0"/>
+                <a:cs typeface="Segoe UI Light" panose="020B0502040204020203" pitchFamily="34" charset="0"/>
+              </a:rPr>
+              <a:t>Add the following to your startup class: </a:t>
+            </a:r>
+            <a:r>
+              <a:rPr lang="en-ZA" dirty="0" err="1">
+                <a:latin typeface="Calibri" panose="020F0502020204030204" pitchFamily="34" charset="0"/>
+                <a:cs typeface="Calibri" panose="020F0502020204030204" pitchFamily="34" charset="0"/>
+              </a:rPr>
+              <a:t>app.MapSignalR</a:t>
+            </a:r>
+            <a:r>
+              <a:rPr lang="en-ZA" dirty="0">
+                <a:latin typeface="Calibri" panose="020F0502020204030204" pitchFamily="34" charset="0"/>
+                <a:cs typeface="Calibri" panose="020F0502020204030204" pitchFamily="34" charset="0"/>
+              </a:rPr>
+              <a:t>(); </a:t>
+            </a:r>
+            <a:r>
+              <a:rPr lang="en-ZA" dirty="0">
+                <a:latin typeface="Segoe UI Light" panose="020B0502040204020203" pitchFamily="34" charset="0"/>
+                <a:cs typeface="Segoe UI Light" panose="020B0502040204020203" pitchFamily="34" charset="0"/>
+              </a:rPr>
+              <a:t>- This will allow our API to use </a:t>
+            </a:r>
+            <a:r>
+              <a:rPr lang="en-ZA" dirty="0" err="1">
+                <a:latin typeface="Segoe UI Light" panose="020B0502040204020203" pitchFamily="34" charset="0"/>
+                <a:cs typeface="Segoe UI Light" panose="020B0502040204020203" pitchFamily="34" charset="0"/>
+              </a:rPr>
+              <a:t>SignalR</a:t>
+            </a:r>
+            <a:endParaRPr lang="en-US" dirty="0">
+              <a:solidFill>
+                <a:schemeClr val="tx2">
+                  <a:lumMod val="20000"/>
+                  <a:lumOff val="80000"/>
+                </a:schemeClr>
+              </a:solidFill>
+              <a:latin typeface="Segoe UI Light" panose="020B0502040204020203" pitchFamily="34" charset="0"/>
+              <a:cs typeface="Segoe UI Light" panose="020B0502040204020203" pitchFamily="34" charset="0"/>
+            </a:endParaRPr>
+          </a:p>
+          <a:p>
+            <a:pPr marL="285750" indent="-285750">
+              <a:buFont typeface="Arial" panose="020B0604020202020204" pitchFamily="34" charset="0"/>
+              <a:buChar char="•"/>
+            </a:pPr>
+            <a:r>
+              <a:rPr lang="en-US" dirty="0">
+                <a:solidFill>
+                  <a:schemeClr val="tx2">
+                    <a:lumMod val="20000"/>
+                    <a:lumOff val="80000"/>
+                  </a:schemeClr>
+                </a:solidFill>
+                <a:latin typeface="Segoe UI Light" panose="020B0502040204020203" pitchFamily="34" charset="0"/>
+                <a:cs typeface="Segoe UI Light" panose="020B0502040204020203" pitchFamily="34" charset="0"/>
+              </a:rPr>
+              <a:t>We can delete </a:t>
+            </a:r>
+            <a:r>
+              <a:rPr lang="en-US" dirty="0">
+                <a:solidFill>
+                  <a:schemeClr val="tx2">
+                    <a:lumMod val="20000"/>
+                    <a:lumOff val="80000"/>
+                  </a:schemeClr>
+                </a:solidFill>
+                <a:latin typeface="Calibri" panose="020F0502020204030204" pitchFamily="34" charset="0"/>
+                <a:cs typeface="Calibri" panose="020F0502020204030204" pitchFamily="34" charset="0"/>
+              </a:rPr>
+              <a:t>SignalR.JS</a:t>
+            </a:r>
+            <a:r>
+              <a:rPr lang="en-US" dirty="0">
+                <a:solidFill>
+                  <a:schemeClr val="tx2">
+                    <a:lumMod val="20000"/>
+                    <a:lumOff val="80000"/>
+                  </a:schemeClr>
+                </a:solidFill>
+                <a:latin typeface="Segoe UI Light" panose="020B0502040204020203" pitchFamily="34" charset="0"/>
+                <a:cs typeface="Segoe UI Light" panose="020B0502040204020203" pitchFamily="34" charset="0"/>
+              </a:rPr>
+              <a:t> and </a:t>
+            </a:r>
+            <a:r>
+              <a:rPr lang="en-US" dirty="0" err="1">
+                <a:solidFill>
+                  <a:schemeClr val="tx2">
+                    <a:lumMod val="20000"/>
+                    <a:lumOff val="80000"/>
+                  </a:schemeClr>
+                </a:solidFill>
+                <a:latin typeface="Calibri" panose="020F0502020204030204" pitchFamily="34" charset="0"/>
+                <a:cs typeface="Calibri" panose="020F0502020204030204" pitchFamily="34" charset="0"/>
+              </a:rPr>
+              <a:t>SignalR.SystemWeb</a:t>
+            </a:r>
+            <a:r>
+              <a:rPr lang="en-US" dirty="0">
+                <a:solidFill>
+                  <a:schemeClr val="tx2">
+                    <a:lumMod val="20000"/>
+                    <a:lumOff val="80000"/>
+                  </a:schemeClr>
+                </a:solidFill>
+                <a:latin typeface="Segoe UI Light" panose="020B0502040204020203" pitchFamily="34" charset="0"/>
+                <a:cs typeface="Segoe UI Light" panose="020B0502040204020203" pitchFamily="34" charset="0"/>
+              </a:rPr>
+              <a:t>, as this project only acts as a back-end, and will not contain any front-end logic.</a:t>
+            </a:r>
+          </a:p>
+          <a:p>
+            <a:pPr marL="285750" indent="-285750">
+              <a:buFont typeface="Arial" panose="020B0604020202020204" pitchFamily="34" charset="0"/>
+              <a:buChar char="•"/>
+            </a:pPr>
+            <a:r>
+              <a:rPr lang="en-US" dirty="0">
+                <a:solidFill>
+                  <a:schemeClr val="tx2">
+                    <a:lumMod val="20000"/>
+                    <a:lumOff val="80000"/>
+                  </a:schemeClr>
+                </a:solidFill>
+                <a:latin typeface="Segoe UI Light" panose="020B0502040204020203" pitchFamily="34" charset="0"/>
+                <a:cs typeface="Segoe UI Light" panose="020B0502040204020203" pitchFamily="34" charset="0"/>
+              </a:rPr>
+              <a:t>We can also delete the </a:t>
+            </a:r>
+            <a:r>
+              <a:rPr lang="en-US" dirty="0">
+                <a:solidFill>
+                  <a:schemeClr val="tx2">
+                    <a:lumMod val="20000"/>
+                    <a:lumOff val="80000"/>
+                  </a:schemeClr>
+                </a:solidFill>
+                <a:latin typeface="Calibri" panose="020F0502020204030204" pitchFamily="34" charset="0"/>
+                <a:cs typeface="Calibri" panose="020F0502020204030204" pitchFamily="34" charset="0"/>
+              </a:rPr>
+              <a:t>Scripts</a:t>
+            </a:r>
+            <a:r>
+              <a:rPr lang="en-US" dirty="0">
+                <a:solidFill>
+                  <a:schemeClr val="tx2">
+                    <a:lumMod val="20000"/>
+                    <a:lumOff val="80000"/>
+                  </a:schemeClr>
+                </a:solidFill>
+                <a:latin typeface="Segoe UI Light" panose="020B0502040204020203" pitchFamily="34" charset="0"/>
+                <a:cs typeface="Segoe UI Light" panose="020B0502040204020203" pitchFamily="34" charset="0"/>
+              </a:rPr>
+              <a:t> folder with all the </a:t>
+            </a:r>
+            <a:r>
+              <a:rPr lang="en-US" dirty="0" err="1">
+                <a:solidFill>
+                  <a:schemeClr val="tx2">
+                    <a:lumMod val="20000"/>
+                    <a:lumOff val="80000"/>
+                  </a:schemeClr>
+                </a:solidFill>
+                <a:latin typeface="Segoe UI Light" panose="020B0502040204020203" pitchFamily="34" charset="0"/>
+                <a:cs typeface="Segoe UI Light" panose="020B0502040204020203" pitchFamily="34" charset="0"/>
+              </a:rPr>
+              <a:t>javascript</a:t>
+            </a:r>
+            <a:r>
+              <a:rPr lang="en-US" dirty="0">
+                <a:solidFill>
+                  <a:schemeClr val="tx2">
+                    <a:lumMod val="20000"/>
+                    <a:lumOff val="80000"/>
+                  </a:schemeClr>
+                </a:solidFill>
+                <a:latin typeface="Segoe UI Light" panose="020B0502040204020203" pitchFamily="34" charset="0"/>
+                <a:cs typeface="Segoe UI Light" panose="020B0502040204020203" pitchFamily="34" charset="0"/>
+              </a:rPr>
+              <a:t> scripts, as these are also not necessary in this (backend) project</a:t>
+            </a:r>
+          </a:p>
+          <a:p>
+            <a:pPr lvl="1"/>
+            <a:endParaRPr lang="en-US" dirty="0">
+              <a:solidFill>
+                <a:schemeClr val="tx2">
+                  <a:lumMod val="20000"/>
+                  <a:lumOff val="80000"/>
+                </a:schemeClr>
+              </a:solidFill>
+              <a:latin typeface="Segoe UI Light" panose="020B0502040204020203" pitchFamily="34" charset="0"/>
+              <a:cs typeface="Segoe UI Light" panose="020B0502040204020203" pitchFamily="34" charset="0"/>
+            </a:endParaRPr>
+          </a:p>
+        </p:txBody>
+      </p:sp>
+    </p:spTree>
+    <p:extLst>
+      <p:ext uri="{BB962C8B-B14F-4D97-AF65-F5344CB8AC3E}">
+        <p14:creationId xmlns:p14="http://schemas.microsoft.com/office/powerpoint/2010/main" val="518068516"/>
+      </p:ext>
+    </p:extLst>
+  </p:cSld>
+  <p:clrMapOvr>
+    <a:masterClrMapping/>
+  </p:clrMapOvr>
+</p:sld>
+</file>
+
+<file path=ppt/slides/slide9.xml><?xml version="1.0" encoding="utf-8"?>
+<p:sld xmlns:a="http://schemas.openxmlformats.org/drawingml/2006/main" xmlns:r="http://schemas.openxmlformats.org/officeDocument/2006/relationships" xmlns:p="http://schemas.openxmlformats.org/presentationml/2006/main">
+  <p:cSld>
+    <p:spTree>
+      <p:nvGrpSpPr>
+        <p:cNvPr id="1" name=""/>
+        <p:cNvGrpSpPr/>
+        <p:nvPr/>
+      </p:nvGrpSpPr>
+      <p:grpSpPr>
+        <a:xfrm>
+          <a:off x="0" y="0"/>
+          <a:ext cx="0" cy="0"/>
+          <a:chOff x="0" y="0"/>
+          <a:chExt cx="0" cy="0"/>
+        </a:xfrm>
+      </p:grpSpPr>
+      <p:sp>
+        <p:nvSpPr>
+          <p:cNvPr id="7" name="Title 6">
+            <a:extLst>
+              <a:ext uri="{FF2B5EF4-FFF2-40B4-BE49-F238E27FC236}">
+                <a16:creationId xmlns:a16="http://schemas.microsoft.com/office/drawing/2014/main" id="{995CDE5A-4025-488F-9F23-4B1873D72739}"/>
+              </a:ext>
+            </a:extLst>
+          </p:cNvPr>
+          <p:cNvSpPr>
+            <a:spLocks noGrp="1"/>
+          </p:cNvSpPr>
+          <p:nvPr>
+            <p:ph type="title"/>
+          </p:nvPr>
+        </p:nvSpPr>
+        <p:spPr>
+          <a:xfrm>
+            <a:off x="684211" y="755008"/>
+            <a:ext cx="8534401" cy="696287"/>
+          </a:xfrm>
+        </p:spPr>
+        <p:txBody>
+          <a:bodyPr anchor="t"/>
+          <a:lstStyle/>
+          <a:p>
+            <a:r>
+              <a:rPr lang="en-US" cap="none" dirty="0">
+                <a:latin typeface="Segoe UI" panose="020B0502040204020203" pitchFamily="34" charset="0"/>
+                <a:cs typeface="Segoe UI" panose="020B0502040204020203" pitchFamily="34" charset="0"/>
+              </a:rPr>
+              <a:t>The fun part – Getting the hub started.</a:t>
+            </a:r>
+            <a:endParaRPr lang="en-ZA" cap="none" dirty="0">
+              <a:latin typeface="Segoe UI" panose="020B0502040204020203" pitchFamily="34" charset="0"/>
+              <a:cs typeface="Segoe UI" panose="020B0502040204020203" pitchFamily="34" charset="0"/>
+            </a:endParaRPr>
+          </a:p>
+        </p:txBody>
+      </p:sp>
+      <p:sp>
+        <p:nvSpPr>
+          <p:cNvPr id="8" name="Text Placeholder 7">
+            <a:extLst>
+              <a:ext uri="{FF2B5EF4-FFF2-40B4-BE49-F238E27FC236}">
+                <a16:creationId xmlns:a16="http://schemas.microsoft.com/office/drawing/2014/main" id="{A0EC8C3A-CB99-4164-95BB-D449B771D816}"/>
+              </a:ext>
+            </a:extLst>
+          </p:cNvPr>
+          <p:cNvSpPr>
+            <a:spLocks noGrp="1"/>
+          </p:cNvSpPr>
+          <p:nvPr>
+            <p:ph type="body" idx="1"/>
+          </p:nvPr>
+        </p:nvSpPr>
+        <p:spPr>
+          <a:xfrm>
+            <a:off x="684213" y="1451295"/>
+            <a:ext cx="9961416" cy="4543105"/>
+          </a:xfrm>
+          <a:prstGeom prst="round2DiagRect">
+            <a:avLst>
+              <a:gd name="adj1" fmla="val 5772"/>
+              <a:gd name="adj2" fmla="val 0"/>
+            </a:avLst>
+          </a:prstGeom>
+          <a:solidFill>
+            <a:schemeClr val="accent1">
+              <a:alpha val="50000"/>
+            </a:schemeClr>
+          </a:solidFill>
+          <a:ln>
+            <a:noFill/>
+          </a:ln>
+        </p:spPr>
+        <p:style>
+          <a:lnRef idx="0">
+            <a:scrgbClr r="0" g="0" b="0"/>
+          </a:lnRef>
+          <a:fillRef idx="0">
+            <a:scrgbClr r="0" g="0" b="0"/>
+          </a:fillRef>
+          <a:effectRef idx="0">
+            <a:scrgbClr r="0" g="0" b="0"/>
+          </a:effectRef>
+          <a:fontRef idx="minor">
+            <a:schemeClr val="lt1"/>
+          </a:fontRef>
+        </p:style>
+        <p:txBody>
+          <a:bodyPr anchor="ctr">
+            <a:normAutofit/>
+          </a:bodyPr>
+          <a:lstStyle/>
+          <a:p>
+            <a:pPr marL="285750" indent="-285750">
+              <a:buFont typeface="Arial" panose="020B0604020202020204" pitchFamily="34" charset="0"/>
+              <a:buChar char="•"/>
+            </a:pPr>
+            <a:r>
+              <a:rPr lang="en-US" dirty="0">
+                <a:solidFill>
+                  <a:schemeClr val="tx2">
+                    <a:lumMod val="20000"/>
+                    <a:lumOff val="80000"/>
+                  </a:schemeClr>
+                </a:solidFill>
+                <a:latin typeface="Segoe UI Light" panose="020B0502040204020203" pitchFamily="34" charset="0"/>
+                <a:cs typeface="Segoe UI Light" panose="020B0502040204020203" pitchFamily="34" charset="0"/>
+              </a:rPr>
+              <a:t>The generated code for the </a:t>
+            </a:r>
+            <a:r>
+              <a:rPr lang="en-US" dirty="0">
+                <a:solidFill>
+                  <a:schemeClr val="tx2">
+                    <a:lumMod val="20000"/>
+                    <a:lumOff val="80000"/>
+                  </a:schemeClr>
+                </a:solidFill>
+                <a:latin typeface="Calibri" panose="020F0502020204030204" pitchFamily="34" charset="0"/>
+                <a:cs typeface="Calibri" panose="020F0502020204030204" pitchFamily="34" charset="0"/>
+              </a:rPr>
+              <a:t>Hub</a:t>
+            </a:r>
+            <a:r>
+              <a:rPr lang="en-US" dirty="0">
+                <a:solidFill>
+                  <a:schemeClr val="tx2">
+                    <a:lumMod val="20000"/>
+                    <a:lumOff val="80000"/>
+                  </a:schemeClr>
+                </a:solidFill>
+                <a:latin typeface="Segoe UI Light" panose="020B0502040204020203" pitchFamily="34" charset="0"/>
+                <a:cs typeface="Segoe UI Light" panose="020B0502040204020203" pitchFamily="34" charset="0"/>
+              </a:rPr>
+              <a:t> contains a public class that inherits from </a:t>
+            </a:r>
+            <a:r>
+              <a:rPr lang="en-US" dirty="0">
+                <a:solidFill>
+                  <a:schemeClr val="tx2">
+                    <a:lumMod val="20000"/>
+                    <a:lumOff val="80000"/>
+                  </a:schemeClr>
+                </a:solidFill>
+                <a:latin typeface="Calibri" panose="020F0502020204030204" pitchFamily="34" charset="0"/>
+                <a:cs typeface="Calibri" panose="020F0502020204030204" pitchFamily="34" charset="0"/>
+              </a:rPr>
+              <a:t>Hub</a:t>
+            </a:r>
+            <a:r>
+              <a:rPr lang="en-US" dirty="0">
+                <a:solidFill>
+                  <a:schemeClr val="tx2">
+                    <a:lumMod val="20000"/>
+                    <a:lumOff val="80000"/>
+                  </a:schemeClr>
+                </a:solidFill>
+                <a:latin typeface="Segoe UI Light" panose="020B0502040204020203" pitchFamily="34" charset="0"/>
+                <a:cs typeface="Segoe UI Light" panose="020B0502040204020203" pitchFamily="34" charset="0"/>
+              </a:rPr>
+              <a:t>. – originating from </a:t>
+            </a:r>
+            <a:r>
+              <a:rPr lang="en-US" dirty="0" err="1">
+                <a:solidFill>
+                  <a:schemeClr val="tx2">
+                    <a:lumMod val="20000"/>
+                    <a:lumOff val="80000"/>
+                  </a:schemeClr>
+                </a:solidFill>
+                <a:latin typeface="Calibri" panose="020F0502020204030204" pitchFamily="34" charset="0"/>
+                <a:cs typeface="Calibri" panose="020F0502020204030204" pitchFamily="34" charset="0"/>
+              </a:rPr>
+              <a:t>Microsoft.AspNet.SignalR</a:t>
+            </a:r>
+            <a:r>
+              <a:rPr lang="en-US" dirty="0">
+                <a:solidFill>
+                  <a:schemeClr val="tx2">
+                    <a:lumMod val="20000"/>
+                    <a:lumOff val="80000"/>
+                  </a:schemeClr>
+                </a:solidFill>
+                <a:latin typeface="Segoe UI Light" panose="020B0502040204020203" pitchFamily="34" charset="0"/>
+                <a:cs typeface="Segoe UI Light" panose="020B0502040204020203" pitchFamily="34" charset="0"/>
+              </a:rPr>
+              <a:t>.</a:t>
+            </a:r>
+          </a:p>
+          <a:p>
+            <a:pPr marL="285750" indent="-285750">
+              <a:buFont typeface="Arial" panose="020B0604020202020204" pitchFamily="34" charset="0"/>
+              <a:buChar char="•"/>
+            </a:pPr>
+            <a:r>
+              <a:rPr lang="en-US" dirty="0">
+                <a:solidFill>
+                  <a:schemeClr val="tx2">
+                    <a:lumMod val="20000"/>
+                    <a:lumOff val="80000"/>
+                  </a:schemeClr>
+                </a:solidFill>
+                <a:latin typeface="Segoe UI Light" panose="020B0502040204020203" pitchFamily="34" charset="0"/>
+                <a:cs typeface="Segoe UI Light" panose="020B0502040204020203" pitchFamily="34" charset="0"/>
+              </a:rPr>
+              <a:t>Deriving from the </a:t>
+            </a:r>
+            <a:r>
+              <a:rPr lang="en-US" dirty="0">
+                <a:solidFill>
+                  <a:schemeClr val="tx2">
+                    <a:lumMod val="20000"/>
+                    <a:lumOff val="80000"/>
+                  </a:schemeClr>
+                </a:solidFill>
+                <a:latin typeface="Calibri" panose="020F0502020204030204" pitchFamily="34" charset="0"/>
+                <a:cs typeface="Calibri" panose="020F0502020204030204" pitchFamily="34" charset="0"/>
+              </a:rPr>
+              <a:t>Hub</a:t>
+            </a:r>
+            <a:r>
+              <a:rPr lang="en-US" dirty="0">
+                <a:solidFill>
+                  <a:schemeClr val="tx2">
+                    <a:lumMod val="20000"/>
+                    <a:lumOff val="80000"/>
+                  </a:schemeClr>
+                </a:solidFill>
+                <a:latin typeface="Segoe UI Light" panose="020B0502040204020203" pitchFamily="34" charset="0"/>
+                <a:cs typeface="Segoe UI Light" panose="020B0502040204020203" pitchFamily="34" charset="0"/>
+              </a:rPr>
+              <a:t> class is a useful way to build a </a:t>
+            </a:r>
+            <a:r>
+              <a:rPr lang="en-US" dirty="0" err="1">
+                <a:solidFill>
+                  <a:schemeClr val="tx2">
+                    <a:lumMod val="20000"/>
+                    <a:lumOff val="80000"/>
+                  </a:schemeClr>
+                </a:solidFill>
+                <a:latin typeface="Segoe UI Light" panose="020B0502040204020203" pitchFamily="34" charset="0"/>
+                <a:cs typeface="Segoe UI Light" panose="020B0502040204020203" pitchFamily="34" charset="0"/>
+              </a:rPr>
+              <a:t>SignalR</a:t>
+            </a:r>
+            <a:r>
+              <a:rPr lang="en-US" dirty="0">
+                <a:solidFill>
+                  <a:schemeClr val="tx2">
+                    <a:lumMod val="20000"/>
+                    <a:lumOff val="80000"/>
+                  </a:schemeClr>
+                </a:solidFill>
+                <a:latin typeface="Segoe UI Light" panose="020B0502040204020203" pitchFamily="34" charset="0"/>
+                <a:cs typeface="Segoe UI Light" panose="020B0502040204020203" pitchFamily="34" charset="0"/>
+              </a:rPr>
+              <a:t> application. You can create public methods on your hub class and then use those methods by calling them from the client side.</a:t>
+            </a:r>
+          </a:p>
+          <a:p>
+            <a:pPr marL="285750" indent="-285750">
+              <a:buFont typeface="Arial" panose="020B0604020202020204" pitchFamily="34" charset="0"/>
+              <a:buChar char="•"/>
+            </a:pPr>
+            <a:r>
+              <a:rPr lang="en-US" dirty="0">
+                <a:solidFill>
+                  <a:schemeClr val="tx2">
+                    <a:lumMod val="20000"/>
+                    <a:lumOff val="80000"/>
+                  </a:schemeClr>
+                </a:solidFill>
+                <a:latin typeface="Segoe UI Light" panose="020B0502040204020203" pitchFamily="34" charset="0"/>
+                <a:cs typeface="Segoe UI Light" panose="020B0502040204020203" pitchFamily="34" charset="0"/>
+              </a:rPr>
+              <a:t>Add the following code to the </a:t>
+            </a:r>
+            <a:r>
+              <a:rPr lang="en-US" dirty="0" err="1">
+                <a:solidFill>
+                  <a:schemeClr val="tx2">
+                    <a:lumMod val="20000"/>
+                    <a:lumOff val="80000"/>
+                  </a:schemeClr>
+                </a:solidFill>
+                <a:latin typeface="Calibri" panose="020F0502020204030204" pitchFamily="34" charset="0"/>
+                <a:cs typeface="Calibri" panose="020F0502020204030204" pitchFamily="34" charset="0"/>
+              </a:rPr>
+              <a:t>NotificationHub</a:t>
+            </a:r>
+            <a:r>
+              <a:rPr lang="en-US" dirty="0">
+                <a:solidFill>
+                  <a:schemeClr val="tx2">
+                    <a:lumMod val="20000"/>
+                    <a:lumOff val="80000"/>
+                  </a:schemeClr>
+                </a:solidFill>
+                <a:latin typeface="Calibri" panose="020F0502020204030204" pitchFamily="34" charset="0"/>
+                <a:cs typeface="Calibri" panose="020F0502020204030204" pitchFamily="34" charset="0"/>
+              </a:rPr>
+              <a:t>:</a:t>
+            </a:r>
+            <a:endParaRPr lang="en-US" dirty="0">
+              <a:solidFill>
+                <a:schemeClr val="tx2">
+                  <a:lumMod val="20000"/>
+                  <a:lumOff val="80000"/>
+                </a:schemeClr>
+              </a:solidFill>
+              <a:latin typeface="Segoe UI Light" panose="020B0502040204020203" pitchFamily="34" charset="0"/>
+              <a:cs typeface="Segoe UI Light" panose="020B0502040204020203" pitchFamily="34" charset="0"/>
+            </a:endParaRPr>
+          </a:p>
+          <a:p>
+            <a:pPr marL="285750" indent="-285750">
+              <a:buFont typeface="Arial" panose="020B0604020202020204" pitchFamily="34" charset="0"/>
+              <a:buChar char="•"/>
+            </a:pPr>
+            <a:endParaRPr lang="en-US" dirty="0">
+              <a:solidFill>
+                <a:schemeClr val="tx2">
+                  <a:lumMod val="20000"/>
+                  <a:lumOff val="80000"/>
+                </a:schemeClr>
+              </a:solidFill>
+              <a:latin typeface="Segoe UI Light" panose="020B0502040204020203" pitchFamily="34" charset="0"/>
+              <a:cs typeface="Segoe UI Light" panose="020B0502040204020203" pitchFamily="34" charset="0"/>
+            </a:endParaRPr>
+          </a:p>
+          <a:p>
+            <a:pPr marL="285750" indent="-285750">
+              <a:buFont typeface="Arial" panose="020B0604020202020204" pitchFamily="34" charset="0"/>
+              <a:buChar char="•"/>
+            </a:pPr>
+            <a:endParaRPr lang="en-US" dirty="0">
+              <a:solidFill>
+                <a:schemeClr val="tx2">
+                  <a:lumMod val="20000"/>
+                  <a:lumOff val="80000"/>
+                </a:schemeClr>
+              </a:solidFill>
+              <a:latin typeface="Segoe UI Light" panose="020B0502040204020203" pitchFamily="34" charset="0"/>
+              <a:cs typeface="Segoe UI Light" panose="020B0502040204020203" pitchFamily="34" charset="0"/>
+            </a:endParaRPr>
+          </a:p>
+          <a:p>
+            <a:r>
+              <a:rPr lang="en-US" dirty="0">
+                <a:solidFill>
+                  <a:schemeClr val="tx2">
+                    <a:lumMod val="20000"/>
+                    <a:lumOff val="80000"/>
+                  </a:schemeClr>
+                </a:solidFill>
+                <a:latin typeface="Segoe UI Light" panose="020B0502040204020203" pitchFamily="34" charset="0"/>
+                <a:cs typeface="Segoe UI Light" panose="020B0502040204020203" pitchFamily="34" charset="0"/>
+              </a:rPr>
+              <a:t>	</a:t>
+            </a:r>
+          </a:p>
+          <a:p>
+            <a:endParaRPr lang="en-US" dirty="0">
+              <a:solidFill>
+                <a:schemeClr val="tx2">
+                  <a:lumMod val="20000"/>
+                  <a:lumOff val="80000"/>
+                </a:schemeClr>
+              </a:solidFill>
+              <a:latin typeface="Segoe UI Light" panose="020B0502040204020203" pitchFamily="34" charset="0"/>
+              <a:cs typeface="Segoe UI Light" panose="020B0502040204020203" pitchFamily="34" charset="0"/>
+            </a:endParaRPr>
+          </a:p>
+          <a:p>
+            <a:pPr marL="285750" indent="-285750">
+              <a:buFont typeface="Arial" panose="020B0604020202020204" pitchFamily="34" charset="0"/>
+              <a:buChar char="•"/>
+            </a:pPr>
+            <a:r>
+              <a:rPr lang="en-US" dirty="0">
+                <a:solidFill>
+                  <a:schemeClr val="tx2">
+                    <a:lumMod val="20000"/>
+                    <a:lumOff val="80000"/>
+                  </a:schemeClr>
+                </a:solidFill>
+                <a:latin typeface="Segoe UI Light" panose="020B0502040204020203" pitchFamily="34" charset="0"/>
+                <a:cs typeface="Segoe UI Light" panose="020B0502040204020203" pitchFamily="34" charset="0"/>
+              </a:rPr>
+              <a:t>That’s it. By calling this method on the hub will allow you to send notifications to all the Connected Clients.</a:t>
+            </a:r>
+          </a:p>
+        </p:txBody>
+      </p:sp>
+      <p:graphicFrame>
+        <p:nvGraphicFramePr>
+          <p:cNvPr id="5" name="Object 4">
+            <a:extLst>
+              <a:ext uri="{FF2B5EF4-FFF2-40B4-BE49-F238E27FC236}">
+                <a16:creationId xmlns:a16="http://schemas.microsoft.com/office/drawing/2014/main" id="{FEF42AAD-D93A-46C0-9534-9D7F86DDD61B}"/>
+              </a:ext>
+            </a:extLst>
+          </p:cNvPr>
+          <p:cNvGraphicFramePr>
+            <a:graphicFrameLocks noChangeAspect="1"/>
+          </p:cNvGraphicFramePr>
+          <p:nvPr>
+            <p:extLst>
+              <p:ext uri="{D42A27DB-BD31-4B8C-83A1-F6EECF244321}">
+                <p14:modId xmlns:p14="http://schemas.microsoft.com/office/powerpoint/2010/main" val="4282104278"/>
+              </p:ext>
+            </p:extLst>
+          </p:nvPr>
+        </p:nvGraphicFramePr>
+        <p:xfrm>
+          <a:off x="1037739" y="3540967"/>
+          <a:ext cx="5133975" cy="1428750"/>
+        </p:xfrm>
+        <a:graphic>
+          <a:graphicData uri="http://schemas.openxmlformats.org/presentationml/2006/ole">
+            <mc:AlternateContent xmlns:mc="http://schemas.openxmlformats.org/markup-compatibility/2006">
+              <mc:Choice xmlns:v="urn:schemas-microsoft-com:vml" Requires="v">
+                <p:oleObj spid="_x0000_s1034" name="Bitmap Image" r:id="rId3" imgW="5133960" imgH="1428840" progId="Paint.Picture">
+                  <p:embed/>
+                </p:oleObj>
+              </mc:Choice>
+              <mc:Fallback>
+                <p:oleObj name="Bitmap Image" r:id="rId3" imgW="5133960" imgH="1428840" progId="Paint.Picture">
+                  <p:embed/>
+                  <p:pic>
+                    <p:nvPicPr>
+                      <p:cNvPr id="0" name=""/>
+                      <p:cNvPicPr/>
+                      <p:nvPr/>
+                    </p:nvPicPr>
+                    <p:blipFill>
+                      <a:blip r:embed="rId4"/>
+                      <a:stretch>
+                        <a:fillRect/>
+                      </a:stretch>
+                    </p:blipFill>
+                    <p:spPr>
+                      <a:xfrm>
+                        <a:off x="1037739" y="3540967"/>
+                        <a:ext cx="5133975" cy="1428750"/>
+                      </a:xfrm>
+                      <a:prstGeom prst="rect">
+                        <a:avLst/>
+                      </a:prstGeom>
+                    </p:spPr>
+                  </p:pic>
+                </p:oleObj>
+              </mc:Fallback>
+            </mc:AlternateContent>
+          </a:graphicData>
+        </a:graphic>
+      </p:graphicFrame>
+    </p:spTree>
+    <p:extLst>
+      <p:ext uri="{BB962C8B-B14F-4D97-AF65-F5344CB8AC3E}">
+        <p14:creationId xmlns:p14="http://schemas.microsoft.com/office/powerpoint/2010/main" val="2575357202"/>
       </p:ext>
     </p:extLst>
   </p:cSld>

--- a/SignalR.pptx
+++ b/SignalR.pptx
@@ -37,7 +37,9 @@
     <p:sldId id="297" r:id="rId31"/>
     <p:sldId id="296" r:id="rId32"/>
     <p:sldId id="298" r:id="rId33"/>
-    <p:sldId id="299" r:id="rId34"/>
+    <p:sldId id="300" r:id="rId34"/>
+    <p:sldId id="301" r:id="rId35"/>
+    <p:sldId id="299" r:id="rId36"/>
   </p:sldIdLst>
   <p:sldSz cx="12192000" cy="6858000"/>
   <p:notesSz cx="6858000" cy="9144000"/>
@@ -25433,6 +25435,2572 @@
                 <a:latin typeface="Segoe UI" panose="020B0502040204020203" pitchFamily="34" charset="0"/>
                 <a:cs typeface="Segoe UI" panose="020B0502040204020203" pitchFamily="34" charset="0"/>
               </a:rPr>
+              <a:t>Calling methods from outside the Hub class</a:t>
+            </a:r>
+            <a:endParaRPr lang="en-ZA" cap="none" dirty="0">
+              <a:latin typeface="Segoe UI" panose="020B0502040204020203" pitchFamily="34" charset="0"/>
+              <a:cs typeface="Segoe UI" panose="020B0502040204020203" pitchFamily="34" charset="0"/>
+            </a:endParaRPr>
+          </a:p>
+        </p:txBody>
+      </p:sp>
+      <p:sp>
+        <p:nvSpPr>
+          <p:cNvPr id="8" name="Text Placeholder 7">
+            <a:extLst>
+              <a:ext uri="{FF2B5EF4-FFF2-40B4-BE49-F238E27FC236}">
+                <a16:creationId xmlns:a16="http://schemas.microsoft.com/office/drawing/2014/main" id="{A0EC8C3A-CB99-4164-95BB-D449B771D816}"/>
+              </a:ext>
+            </a:extLst>
+          </p:cNvPr>
+          <p:cNvSpPr>
+            <a:spLocks noGrp="1"/>
+          </p:cNvSpPr>
+          <p:nvPr>
+            <p:ph type="body" idx="1"/>
+          </p:nvPr>
+        </p:nvSpPr>
+        <p:spPr>
+          <a:xfrm>
+            <a:off x="684213" y="1451295"/>
+            <a:ext cx="9961416" cy="4543105"/>
+          </a:xfrm>
+          <a:prstGeom prst="round2DiagRect">
+            <a:avLst>
+              <a:gd name="adj1" fmla="val 5772"/>
+              <a:gd name="adj2" fmla="val 0"/>
+            </a:avLst>
+          </a:prstGeom>
+          <a:solidFill>
+            <a:schemeClr val="accent1">
+              <a:alpha val="50000"/>
+            </a:schemeClr>
+          </a:solidFill>
+          <a:ln>
+            <a:noFill/>
+          </a:ln>
+        </p:spPr>
+        <p:style>
+          <a:lnRef idx="0">
+            <a:scrgbClr r="0" g="0" b="0"/>
+          </a:lnRef>
+          <a:fillRef idx="0">
+            <a:scrgbClr r="0" g="0" b="0"/>
+          </a:fillRef>
+          <a:effectRef idx="0">
+            <a:scrgbClr r="0" g="0" b="0"/>
+          </a:effectRef>
+          <a:fontRef idx="minor">
+            <a:schemeClr val="lt1"/>
+          </a:fontRef>
+        </p:style>
+        <p:txBody>
+          <a:bodyPr anchor="ctr">
+            <a:normAutofit/>
+          </a:bodyPr>
+          <a:lstStyle/>
+          <a:p>
+            <a:pPr marL="285750" indent="-285750">
+              <a:buFont typeface="Arial" panose="020B0604020202020204" pitchFamily="34" charset="0"/>
+              <a:buChar char="•"/>
+            </a:pPr>
+            <a:r>
+              <a:rPr lang="en-US" dirty="0">
+                <a:solidFill>
+                  <a:schemeClr val="tx2">
+                    <a:lumMod val="20000"/>
+                    <a:lumOff val="80000"/>
+                  </a:schemeClr>
+                </a:solidFill>
+                <a:latin typeface="Segoe UI Light" panose="020B0502040204020203" pitchFamily="34" charset="0"/>
+                <a:cs typeface="Segoe UI Light" panose="020B0502040204020203" pitchFamily="34" charset="0"/>
+              </a:rPr>
+              <a:t>Because you are calling client methods from within your own server-code, you do not have access to all the client properties that are dependent on the </a:t>
+            </a:r>
+            <a:r>
+              <a:rPr lang="en-US" b="1" dirty="0">
+                <a:ln w="9525">
+                  <a:solidFill>
+                    <a:schemeClr val="bg1"/>
+                  </a:solidFill>
+                  <a:prstDash val="solid"/>
+                </a:ln>
+                <a:solidFill>
+                  <a:schemeClr val="tx1"/>
+                </a:solidFill>
+                <a:effectLst>
+                  <a:outerShdw blurRad="12700" dist="38100" dir="2700000" algn="tl" rotWithShape="0">
+                    <a:schemeClr val="bg1">
+                      <a:lumMod val="50000"/>
+                    </a:schemeClr>
+                  </a:outerShdw>
+                </a:effectLst>
+                <a:latin typeface="Consolas" panose="020B0609020204030204" pitchFamily="49" charset="0"/>
+                <a:cs typeface="Segoe UI Light" panose="020B0502040204020203" pitchFamily="34" charset="0"/>
+              </a:rPr>
+              <a:t>Connection ID</a:t>
+            </a:r>
+            <a:r>
+              <a:rPr lang="en-US" dirty="0">
+                <a:solidFill>
+                  <a:schemeClr val="tx2">
+                    <a:lumMod val="20000"/>
+                    <a:lumOff val="80000"/>
+                  </a:schemeClr>
+                </a:solidFill>
+                <a:latin typeface="Segoe UI Light" panose="020B0502040204020203" pitchFamily="34" charset="0"/>
+                <a:cs typeface="Segoe UI Light" panose="020B0502040204020203" pitchFamily="34" charset="0"/>
+              </a:rPr>
+              <a:t>. The following options are available:</a:t>
+            </a:r>
+          </a:p>
+          <a:p>
+            <a:pPr marL="742950" lvl="1" indent="-285750">
+              <a:buFont typeface="Arial" panose="020B0604020202020204" pitchFamily="34" charset="0"/>
+              <a:buChar char="•"/>
+            </a:pPr>
+            <a:r>
+              <a:rPr lang="en-US" sz="1400" b="1" dirty="0">
+                <a:ln w="9525">
+                  <a:solidFill>
+                    <a:schemeClr val="bg1"/>
+                  </a:solidFill>
+                  <a:prstDash val="solid"/>
+                </a:ln>
+                <a:solidFill>
+                  <a:schemeClr val="tx1"/>
+                </a:solidFill>
+                <a:effectLst>
+                  <a:outerShdw blurRad="12700" dist="38100" dir="2700000" algn="tl" rotWithShape="0">
+                    <a:schemeClr val="bg1">
+                      <a:lumMod val="50000"/>
+                    </a:schemeClr>
+                  </a:outerShdw>
+                </a:effectLst>
+                <a:latin typeface="Consolas" panose="020B0609020204030204" pitchFamily="49" charset="0"/>
+                <a:cs typeface="Segoe UI Light" panose="020B0502040204020203" pitchFamily="34" charset="0"/>
+              </a:rPr>
+              <a:t>context.Clients.All.SendMessage(message);</a:t>
+            </a:r>
+          </a:p>
+          <a:p>
+            <a:pPr marL="742950" lvl="1" indent="-285750">
+              <a:buFont typeface="Arial" panose="020B0604020202020204" pitchFamily="34" charset="0"/>
+              <a:buChar char="•"/>
+            </a:pPr>
+            <a:r>
+              <a:rPr lang="en-US" sz="1400" b="1" dirty="0">
+                <a:ln w="9525">
+                  <a:solidFill>
+                    <a:schemeClr val="bg1"/>
+                  </a:solidFill>
+                  <a:prstDash val="solid"/>
+                </a:ln>
+                <a:solidFill>
+                  <a:schemeClr val="tx1"/>
+                </a:solidFill>
+                <a:effectLst>
+                  <a:outerShdw blurRad="12700" dist="38100" dir="2700000" algn="tl" rotWithShape="0">
+                    <a:schemeClr val="bg1">
+                      <a:lumMod val="50000"/>
+                    </a:schemeClr>
+                  </a:outerShdw>
+                </a:effectLst>
+                <a:latin typeface="Consolas" panose="020B0609020204030204" pitchFamily="49" charset="0"/>
+                <a:cs typeface="Segoe UI Light" panose="020B0502040204020203" pitchFamily="34" charset="0"/>
+              </a:rPr>
+              <a:t>context.Clients.Client(connectionID).SendMessage(message);</a:t>
+            </a:r>
+          </a:p>
+          <a:p>
+            <a:pPr marL="742950" lvl="1" indent="-285750">
+              <a:buFont typeface="Arial" panose="020B0604020202020204" pitchFamily="34" charset="0"/>
+              <a:buChar char="•"/>
+            </a:pPr>
+            <a:r>
+              <a:rPr lang="en-US" sz="1400" b="1" dirty="0">
+                <a:ln w="9525">
+                  <a:solidFill>
+                    <a:schemeClr val="bg1"/>
+                  </a:solidFill>
+                  <a:prstDash val="solid"/>
+                </a:ln>
+                <a:solidFill>
+                  <a:schemeClr val="tx1"/>
+                </a:solidFill>
+                <a:effectLst>
+                  <a:outerShdw blurRad="12700" dist="38100" dir="2700000" algn="tl" rotWithShape="0">
+                    <a:schemeClr val="bg1">
+                      <a:lumMod val="50000"/>
+                    </a:schemeClr>
+                  </a:outerShdw>
+                </a:effectLst>
+                <a:latin typeface="Consolas" panose="020B0609020204030204" pitchFamily="49" charset="0"/>
+                <a:cs typeface="Segoe UI Light" panose="020B0502040204020203" pitchFamily="34" charset="0"/>
+              </a:rPr>
+              <a:t>context.Clients.AllExcept(connectionId1, connectionId2).SendMessage(message);</a:t>
+            </a:r>
+          </a:p>
+          <a:p>
+            <a:pPr marL="742950" lvl="1" indent="-285750">
+              <a:buFont typeface="Arial" panose="020B0604020202020204" pitchFamily="34" charset="0"/>
+              <a:buChar char="•"/>
+            </a:pPr>
+            <a:r>
+              <a:rPr lang="en-US" sz="1400" b="1" dirty="0">
+                <a:ln w="9525">
+                  <a:solidFill>
+                    <a:schemeClr val="bg1"/>
+                  </a:solidFill>
+                  <a:prstDash val="solid"/>
+                </a:ln>
+                <a:solidFill>
+                  <a:schemeClr val="tx1"/>
+                </a:solidFill>
+                <a:effectLst>
+                  <a:outerShdw blurRad="12700" dist="38100" dir="2700000" algn="tl" rotWithShape="0">
+                    <a:schemeClr val="bg1">
+                      <a:lumMod val="50000"/>
+                    </a:schemeClr>
+                  </a:outerShdw>
+                </a:effectLst>
+                <a:latin typeface="Consolas" panose="020B0609020204030204" pitchFamily="49" charset="0"/>
+                <a:cs typeface="Segoe UI Light" panose="020B0502040204020203" pitchFamily="34" charset="0"/>
+              </a:rPr>
+              <a:t>context.Clients.Group(groupName).SendMessage(message);</a:t>
+            </a:r>
+          </a:p>
+          <a:p>
+            <a:pPr marL="742950" lvl="1" indent="-285750">
+              <a:buFont typeface="Arial" panose="020B0604020202020204" pitchFamily="34" charset="0"/>
+              <a:buChar char="•"/>
+            </a:pPr>
+            <a:r>
+              <a:rPr lang="en-US" sz="1400" b="1" dirty="0">
+                <a:ln w="9525">
+                  <a:solidFill>
+                    <a:schemeClr val="bg1"/>
+                  </a:solidFill>
+                  <a:prstDash val="solid"/>
+                </a:ln>
+                <a:solidFill>
+                  <a:schemeClr val="tx1"/>
+                </a:solidFill>
+                <a:effectLst>
+                  <a:outerShdw blurRad="12700" dist="38100" dir="2700000" algn="tl" rotWithShape="0">
+                    <a:schemeClr val="bg1">
+                      <a:lumMod val="50000"/>
+                    </a:schemeClr>
+                  </a:outerShdw>
+                </a:effectLst>
+                <a:latin typeface="Consolas" panose="020B0609020204030204" pitchFamily="49" charset="0"/>
+                <a:cs typeface="Segoe UI Light" panose="020B0502040204020203" pitchFamily="34" charset="0"/>
+              </a:rPr>
+              <a:t>Clients.Group(groupName, connectionId1, connectionId2).SendMessage(message);</a:t>
+            </a:r>
+          </a:p>
+        </p:txBody>
+      </p:sp>
+    </p:spTree>
+    <p:extLst>
+      <p:ext uri="{BB962C8B-B14F-4D97-AF65-F5344CB8AC3E}">
+        <p14:creationId xmlns:p14="http://schemas.microsoft.com/office/powerpoint/2010/main" val="783949340"/>
+      </p:ext>
+    </p:extLst>
+  </p:cSld>
+  <p:clrMapOvr>
+    <a:masterClrMapping/>
+  </p:clrMapOvr>
+</p:sld>
+</file>
+
+<file path=ppt/slides/slide34.xml><?xml version="1.0" encoding="utf-8"?>
+<p:sld xmlns:a="http://schemas.openxmlformats.org/drawingml/2006/main" xmlns:r="http://schemas.openxmlformats.org/officeDocument/2006/relationships" xmlns:p="http://schemas.openxmlformats.org/presentationml/2006/main">
+  <p:cSld>
+    <p:spTree>
+      <p:nvGrpSpPr>
+        <p:cNvPr id="1" name=""/>
+        <p:cNvGrpSpPr/>
+        <p:nvPr/>
+      </p:nvGrpSpPr>
+      <p:grpSpPr>
+        <a:xfrm>
+          <a:off x="0" y="0"/>
+          <a:ext cx="0" cy="0"/>
+          <a:chOff x="0" y="0"/>
+          <a:chExt cx="0" cy="0"/>
+        </a:xfrm>
+      </p:grpSpPr>
+      <p:sp>
+        <p:nvSpPr>
+          <p:cNvPr id="7" name="Title 6">
+            <a:extLst>
+              <a:ext uri="{FF2B5EF4-FFF2-40B4-BE49-F238E27FC236}">
+                <a16:creationId xmlns:a16="http://schemas.microsoft.com/office/drawing/2014/main" id="{995CDE5A-4025-488F-9F23-4B1873D72739}"/>
+              </a:ext>
+            </a:extLst>
+          </p:cNvPr>
+          <p:cNvSpPr>
+            <a:spLocks noGrp="1"/>
+          </p:cNvSpPr>
+          <p:nvPr>
+            <p:ph type="title"/>
+          </p:nvPr>
+        </p:nvSpPr>
+        <p:spPr>
+          <a:xfrm>
+            <a:off x="684211" y="755008"/>
+            <a:ext cx="10823576" cy="696287"/>
+          </a:xfrm>
+        </p:spPr>
+        <p:txBody>
+          <a:bodyPr anchor="t">
+            <a:normAutofit/>
+          </a:bodyPr>
+          <a:lstStyle/>
+          <a:p>
+            <a:r>
+              <a:rPr lang="en-US" cap="none" dirty="0">
+                <a:latin typeface="Segoe UI" panose="020B0502040204020203" pitchFamily="34" charset="0"/>
+                <a:cs typeface="Segoe UI" panose="020B0502040204020203" pitchFamily="34" charset="0"/>
+              </a:rPr>
+              <a:t>Customizing the Hubs pipeline</a:t>
+            </a:r>
+            <a:endParaRPr lang="en-ZA" cap="none" dirty="0">
+              <a:latin typeface="Segoe UI" panose="020B0502040204020203" pitchFamily="34" charset="0"/>
+              <a:cs typeface="Segoe UI" panose="020B0502040204020203" pitchFamily="34" charset="0"/>
+            </a:endParaRPr>
+          </a:p>
+        </p:txBody>
+      </p:sp>
+      <p:sp>
+        <p:nvSpPr>
+          <p:cNvPr id="8" name="Text Placeholder 7">
+            <a:extLst>
+              <a:ext uri="{FF2B5EF4-FFF2-40B4-BE49-F238E27FC236}">
+                <a16:creationId xmlns:a16="http://schemas.microsoft.com/office/drawing/2014/main" id="{A0EC8C3A-CB99-4164-95BB-D449B771D816}"/>
+              </a:ext>
+            </a:extLst>
+          </p:cNvPr>
+          <p:cNvSpPr>
+            <a:spLocks noGrp="1"/>
+          </p:cNvSpPr>
+          <p:nvPr>
+            <p:ph type="body" idx="1"/>
+          </p:nvPr>
+        </p:nvSpPr>
+        <p:spPr>
+          <a:xfrm>
+            <a:off x="684213" y="1451295"/>
+            <a:ext cx="9961416" cy="4543105"/>
+          </a:xfrm>
+          <a:prstGeom prst="round2DiagRect">
+            <a:avLst>
+              <a:gd name="adj1" fmla="val 5772"/>
+              <a:gd name="adj2" fmla="val 0"/>
+            </a:avLst>
+          </a:prstGeom>
+          <a:solidFill>
+            <a:schemeClr val="accent1">
+              <a:alpha val="50000"/>
+            </a:schemeClr>
+          </a:solidFill>
+          <a:ln>
+            <a:noFill/>
+          </a:ln>
+        </p:spPr>
+        <p:style>
+          <a:lnRef idx="0">
+            <a:scrgbClr r="0" g="0" b="0"/>
+          </a:lnRef>
+          <a:fillRef idx="0">
+            <a:scrgbClr r="0" g="0" b="0"/>
+          </a:fillRef>
+          <a:effectRef idx="0">
+            <a:scrgbClr r="0" g="0" b="0"/>
+          </a:effectRef>
+          <a:fontRef idx="minor">
+            <a:schemeClr val="lt1"/>
+          </a:fontRef>
+        </p:style>
+        <p:txBody>
+          <a:bodyPr anchor="ctr">
+            <a:normAutofit/>
+          </a:bodyPr>
+          <a:lstStyle/>
+          <a:p>
+            <a:pPr marL="285750" indent="-285750">
+              <a:buFont typeface="Arial" panose="020B0604020202020204" pitchFamily="34" charset="0"/>
+              <a:buChar char="•"/>
+            </a:pPr>
+            <a:r>
+              <a:rPr lang="en-US" dirty="0">
+                <a:solidFill>
+                  <a:schemeClr val="tx2">
+                    <a:lumMod val="20000"/>
+                    <a:lumOff val="80000"/>
+                  </a:schemeClr>
+                </a:solidFill>
+                <a:latin typeface="Segoe UI Light" panose="020B0502040204020203" pitchFamily="34" charset="0"/>
+                <a:cs typeface="Segoe UI Light" panose="020B0502040204020203" pitchFamily="34" charset="0"/>
+              </a:rPr>
+              <a:t>SignalR enables you to inject your own code into the Hub pipeline. The following example shows a custom Hub pipeline module that logs each incoming method call received from the client and outgoing method call invoked on the client:</a:t>
+            </a:r>
+          </a:p>
+          <a:p>
+            <a:pPr marL="285750" indent="-285750">
+              <a:buFont typeface="Arial" panose="020B0604020202020204" pitchFamily="34" charset="0"/>
+              <a:buChar char="•"/>
+            </a:pPr>
+            <a:endParaRPr lang="en-US" dirty="0">
+              <a:solidFill>
+                <a:schemeClr val="tx2">
+                  <a:lumMod val="20000"/>
+                  <a:lumOff val="80000"/>
+                </a:schemeClr>
+              </a:solidFill>
+              <a:latin typeface="Segoe UI Light" panose="020B0502040204020203" pitchFamily="34" charset="0"/>
+              <a:cs typeface="Segoe UI Light" panose="020B0502040204020203" pitchFamily="34" charset="0"/>
+            </a:endParaRPr>
+          </a:p>
+          <a:p>
+            <a:pPr marL="285750" indent="-285750">
+              <a:buFont typeface="Arial" panose="020B0604020202020204" pitchFamily="34" charset="0"/>
+              <a:buChar char="•"/>
+            </a:pPr>
+            <a:endParaRPr lang="en-US" dirty="0">
+              <a:solidFill>
+                <a:schemeClr val="tx2">
+                  <a:lumMod val="20000"/>
+                  <a:lumOff val="80000"/>
+                </a:schemeClr>
+              </a:solidFill>
+              <a:latin typeface="Segoe UI Light" panose="020B0502040204020203" pitchFamily="34" charset="0"/>
+              <a:cs typeface="Segoe UI Light" panose="020B0502040204020203" pitchFamily="34" charset="0"/>
+            </a:endParaRPr>
+          </a:p>
+          <a:p>
+            <a:pPr marL="285750" indent="-285750">
+              <a:buFont typeface="Arial" panose="020B0604020202020204" pitchFamily="34" charset="0"/>
+              <a:buChar char="•"/>
+            </a:pPr>
+            <a:endParaRPr lang="en-US" dirty="0">
+              <a:solidFill>
+                <a:schemeClr val="tx2">
+                  <a:lumMod val="20000"/>
+                  <a:lumOff val="80000"/>
+                </a:schemeClr>
+              </a:solidFill>
+              <a:latin typeface="Segoe UI Light" panose="020B0502040204020203" pitchFamily="34" charset="0"/>
+              <a:cs typeface="Segoe UI Light" panose="020B0502040204020203" pitchFamily="34" charset="0"/>
+            </a:endParaRPr>
+          </a:p>
+          <a:p>
+            <a:pPr marL="285750" indent="-285750">
+              <a:buFont typeface="Arial" panose="020B0604020202020204" pitchFamily="34" charset="0"/>
+              <a:buChar char="•"/>
+            </a:pPr>
+            <a:endParaRPr lang="en-US" dirty="0">
+              <a:solidFill>
+                <a:schemeClr val="tx2">
+                  <a:lumMod val="20000"/>
+                  <a:lumOff val="80000"/>
+                </a:schemeClr>
+              </a:solidFill>
+              <a:latin typeface="Segoe UI Light" panose="020B0502040204020203" pitchFamily="34" charset="0"/>
+              <a:cs typeface="Segoe UI Light" panose="020B0502040204020203" pitchFamily="34" charset="0"/>
+            </a:endParaRPr>
+          </a:p>
+          <a:p>
+            <a:endParaRPr lang="en-US" dirty="0">
+              <a:solidFill>
+                <a:schemeClr val="tx2">
+                  <a:lumMod val="20000"/>
+                  <a:lumOff val="80000"/>
+                </a:schemeClr>
+              </a:solidFill>
+              <a:latin typeface="Segoe UI Light" panose="020B0502040204020203" pitchFamily="34" charset="0"/>
+              <a:cs typeface="Segoe UI Light" panose="020B0502040204020203" pitchFamily="34" charset="0"/>
+            </a:endParaRPr>
+          </a:p>
+          <a:p>
+            <a:pPr marL="285750" indent="-285750">
+              <a:buFont typeface="Arial" panose="020B0604020202020204" pitchFamily="34" charset="0"/>
+              <a:buChar char="•"/>
+            </a:pPr>
+            <a:r>
+              <a:rPr lang="en-US" dirty="0">
+                <a:solidFill>
+                  <a:schemeClr val="tx2">
+                    <a:lumMod val="20000"/>
+                    <a:lumOff val="80000"/>
+                  </a:schemeClr>
+                </a:solidFill>
+                <a:latin typeface="Segoe UI Light" panose="020B0502040204020203" pitchFamily="34" charset="0"/>
+                <a:cs typeface="Segoe UI Light" panose="020B0502040204020203" pitchFamily="34" charset="0"/>
+              </a:rPr>
+              <a:t>Add the module to the Hub Pipeline:</a:t>
+            </a:r>
+          </a:p>
+          <a:p>
+            <a:pPr marL="285750" indent="-285750">
+              <a:buFont typeface="Arial" panose="020B0604020202020204" pitchFamily="34" charset="0"/>
+              <a:buChar char="•"/>
+            </a:pPr>
+            <a:endParaRPr lang="en-US" dirty="0">
+              <a:solidFill>
+                <a:schemeClr val="tx2">
+                  <a:lumMod val="20000"/>
+                  <a:lumOff val="80000"/>
+                </a:schemeClr>
+              </a:solidFill>
+              <a:latin typeface="Segoe UI Light" panose="020B0502040204020203" pitchFamily="34" charset="0"/>
+              <a:cs typeface="Segoe UI Light" panose="020B0502040204020203" pitchFamily="34" charset="0"/>
+            </a:endParaRPr>
+          </a:p>
+        </p:txBody>
+      </p:sp>
+      <p:sp>
+        <p:nvSpPr>
+          <p:cNvPr id="2" name="Rectangle 1">
+            <a:extLst>
+              <a:ext uri="{FF2B5EF4-FFF2-40B4-BE49-F238E27FC236}">
+                <a16:creationId xmlns:a16="http://schemas.microsoft.com/office/drawing/2014/main" id="{410CDBFF-3D07-4A80-93D5-6527995591B7}"/>
+              </a:ext>
+            </a:extLst>
+          </p:cNvPr>
+          <p:cNvSpPr>
+            <a:spLocks noChangeArrowheads="1"/>
+          </p:cNvSpPr>
+          <p:nvPr/>
+        </p:nvSpPr>
+        <p:spPr bwMode="auto">
+          <a:xfrm>
+            <a:off x="1063558" y="2768981"/>
+            <a:ext cx="9202723" cy="2031325"/>
+          </a:xfrm>
+          <a:prstGeom prst="rect">
+            <a:avLst/>
+          </a:prstGeom>
+          <a:solidFill>
+            <a:srgbClr val="1E1E1E"/>
+          </a:solidFill>
+          <a:ln>
+            <a:noFill/>
+          </a:ln>
+          <a:effectLst/>
+          <a:extLst>
+            <a:ext uri="{91240B29-F687-4F45-9708-019B960494DF}">
+              <a14:hiddenLine xmlns:a14="http://schemas.microsoft.com/office/drawing/2010/main" w="9525">
+                <a:solidFill>
+                  <a:schemeClr val="tx1"/>
+                </a:solidFill>
+                <a:miter lim="800000"/>
+                <a:headEnd/>
+                <a:tailEnd/>
+              </a14:hiddenLine>
+            </a:ext>
+            <a:ext uri="{AF507438-7753-43E0-B8FC-AC1667EBCBE1}">
+              <a14:hiddenEffects xmlns:a14="http://schemas.microsoft.com/office/drawing/2010/main">
+                <a:effectLst>
+                  <a:outerShdw dist="35921" dir="2700000" algn="ctr" rotWithShape="0">
+                    <a:schemeClr val="bg2"/>
+                  </a:outerShdw>
+                </a:effectLst>
+              </a14:hiddenEffects>
+            </a:ext>
+          </a:extLst>
+        </p:spPr>
+        <p:txBody>
+          <a:bodyPr vert="horz" wrap="square" lIns="91440" tIns="45720" rIns="91440" bIns="45720" numCol="1" anchor="ctr" anchorCtr="0" compatLnSpc="1">
+            <a:prstTxWarp prst="textNoShape">
+              <a:avLst/>
+            </a:prstTxWarp>
+            <a:spAutoFit/>
+          </a:bodyPr>
+          <a:lstStyle/>
+          <a:p>
+            <a:pPr marL="0" marR="0" lvl="0" indent="0" algn="l" defTabSz="914400" rtl="0" eaLnBrk="0" fontAlgn="base" latinLnBrk="0" hangingPunct="0">
+              <a:lnSpc>
+                <a:spcPct val="100000"/>
+              </a:lnSpc>
+              <a:spcBef>
+                <a:spcPct val="0"/>
+              </a:spcBef>
+              <a:spcAft>
+                <a:spcPct val="0"/>
+              </a:spcAft>
+              <a:buClrTx/>
+              <a:buSzTx/>
+              <a:buFontTx/>
+              <a:buNone/>
+              <a:tabLst/>
+            </a:pPr>
+            <a:r>
+              <a:rPr kumimoji="0" lang="en-US" altLang="en-US" sz="900" b="0" i="0" u="none" strike="noStrike" cap="none" normalizeH="0" baseline="0" dirty="0">
+                <a:ln>
+                  <a:noFill/>
+                </a:ln>
+                <a:solidFill>
+                  <a:srgbClr val="569CD6"/>
+                </a:solidFill>
+                <a:effectLst/>
+                <a:latin typeface="Fira Code" panose="020B0809050000020004" pitchFamily="49" charset="0"/>
+              </a:rPr>
+              <a:t>public</a:t>
+            </a:r>
+            <a:r>
+              <a:rPr kumimoji="0" lang="en-US" altLang="en-US" sz="900" b="0" i="0" u="none" strike="noStrike" cap="none" normalizeH="0" baseline="0" dirty="0">
+                <a:ln>
+                  <a:noFill/>
+                </a:ln>
+                <a:solidFill>
+                  <a:srgbClr val="DCDCDC"/>
+                </a:solidFill>
+                <a:effectLst/>
+                <a:latin typeface="Fira Code" panose="020B0809050000020004" pitchFamily="49" charset="0"/>
+              </a:rPr>
+              <a:t> </a:t>
+            </a:r>
+            <a:r>
+              <a:rPr kumimoji="0" lang="en-US" altLang="en-US" sz="900" b="0" i="0" u="none" strike="noStrike" cap="none" normalizeH="0" baseline="0" dirty="0">
+                <a:ln>
+                  <a:noFill/>
+                </a:ln>
+                <a:solidFill>
+                  <a:srgbClr val="569CD6"/>
+                </a:solidFill>
+                <a:effectLst/>
+                <a:latin typeface="Fira Code" panose="020B0809050000020004" pitchFamily="49" charset="0"/>
+              </a:rPr>
+              <a:t>class</a:t>
+            </a:r>
+            <a:r>
+              <a:rPr kumimoji="0" lang="en-US" altLang="en-US" sz="900" b="0" i="0" u="none" strike="noStrike" cap="none" normalizeH="0" baseline="0" dirty="0">
+                <a:ln>
+                  <a:noFill/>
+                </a:ln>
+                <a:solidFill>
+                  <a:srgbClr val="DCDCDC"/>
+                </a:solidFill>
+                <a:effectLst/>
+                <a:latin typeface="Fira Code" panose="020B0809050000020004" pitchFamily="49" charset="0"/>
+              </a:rPr>
+              <a:t> </a:t>
+            </a:r>
+            <a:r>
+              <a:rPr kumimoji="0" lang="en-US" altLang="en-US" sz="900" b="0" i="0" u="none" strike="noStrike" cap="none" normalizeH="0" baseline="0" dirty="0">
+                <a:ln>
+                  <a:noFill/>
+                </a:ln>
+                <a:solidFill>
+                  <a:srgbClr val="4EC9B0"/>
+                </a:solidFill>
+                <a:effectLst/>
+                <a:latin typeface="Fira Code" panose="020B0809050000020004" pitchFamily="49" charset="0"/>
+              </a:rPr>
+              <a:t>LoggingPipelineModule</a:t>
+            </a:r>
+            <a:r>
+              <a:rPr kumimoji="0" lang="en-US" altLang="en-US" sz="900" b="0" i="0" u="none" strike="noStrike" cap="none" normalizeH="0" baseline="0" dirty="0">
+                <a:ln>
+                  <a:noFill/>
+                </a:ln>
+                <a:solidFill>
+                  <a:srgbClr val="DCDCDC"/>
+                </a:solidFill>
+                <a:effectLst/>
+                <a:latin typeface="Fira Code" panose="020B0809050000020004" pitchFamily="49" charset="0"/>
+              </a:rPr>
+              <a:t> : </a:t>
+            </a:r>
+            <a:r>
+              <a:rPr kumimoji="0" lang="en-US" altLang="en-US" sz="900" b="0" i="0" u="none" strike="noStrike" cap="none" normalizeH="0" baseline="0" dirty="0">
+                <a:ln>
+                  <a:noFill/>
+                </a:ln>
+                <a:solidFill>
+                  <a:srgbClr val="4EC9B0"/>
+                </a:solidFill>
+                <a:effectLst/>
+                <a:latin typeface="Fira Code" panose="020B0809050000020004" pitchFamily="49" charset="0"/>
+              </a:rPr>
+              <a:t>HubPipelineModule</a:t>
+            </a:r>
+            <a:r>
+              <a:rPr kumimoji="0" lang="en-US" altLang="en-US" sz="900" b="0" i="0" u="none" strike="noStrike" cap="none" normalizeH="0" baseline="0" dirty="0">
+                <a:ln>
+                  <a:noFill/>
+                </a:ln>
+                <a:solidFill>
+                  <a:srgbClr val="DCDCDC"/>
+                </a:solidFill>
+                <a:effectLst/>
+                <a:latin typeface="Fira Code" panose="020B0809050000020004" pitchFamily="49" charset="0"/>
+              </a:rPr>
+              <a:t> </a:t>
+            </a:r>
+          </a:p>
+          <a:p>
+            <a:pPr marL="0" marR="0" lvl="0" indent="0" algn="l" defTabSz="914400" rtl="0" eaLnBrk="0" fontAlgn="base" latinLnBrk="0" hangingPunct="0">
+              <a:lnSpc>
+                <a:spcPct val="100000"/>
+              </a:lnSpc>
+              <a:spcBef>
+                <a:spcPct val="0"/>
+              </a:spcBef>
+              <a:spcAft>
+                <a:spcPct val="0"/>
+              </a:spcAft>
+              <a:buClrTx/>
+              <a:buSzTx/>
+              <a:buFontTx/>
+              <a:buNone/>
+              <a:tabLst/>
+            </a:pPr>
+            <a:r>
+              <a:rPr kumimoji="0" lang="en-US" altLang="en-US" sz="900" b="0" i="0" u="none" strike="noStrike" cap="none" normalizeH="0" baseline="0" dirty="0">
+                <a:ln>
+                  <a:noFill/>
+                </a:ln>
+                <a:solidFill>
+                  <a:srgbClr val="DCDCDC"/>
+                </a:solidFill>
+                <a:effectLst/>
+                <a:latin typeface="Fira Code" panose="020B0809050000020004" pitchFamily="49" charset="0"/>
+              </a:rPr>
+              <a:t>{</a:t>
+            </a:r>
+          </a:p>
+          <a:p>
+            <a:pPr marL="0" marR="0" lvl="0" indent="0" algn="l" defTabSz="914400" rtl="0" eaLnBrk="0" fontAlgn="base" latinLnBrk="0" hangingPunct="0">
+              <a:lnSpc>
+                <a:spcPct val="100000"/>
+              </a:lnSpc>
+              <a:spcBef>
+                <a:spcPct val="0"/>
+              </a:spcBef>
+              <a:spcAft>
+                <a:spcPct val="0"/>
+              </a:spcAft>
+              <a:buClrTx/>
+              <a:buSzTx/>
+              <a:buFontTx/>
+              <a:buNone/>
+              <a:tabLst/>
+            </a:pPr>
+            <a:r>
+              <a:rPr kumimoji="0" lang="en-US" altLang="en-US" sz="900" b="0" i="0" u="none" strike="noStrike" cap="none" normalizeH="0" baseline="0" dirty="0">
+                <a:ln>
+                  <a:noFill/>
+                </a:ln>
+                <a:solidFill>
+                  <a:srgbClr val="DCDCDC"/>
+                </a:solidFill>
+                <a:effectLst/>
+                <a:latin typeface="Fira Code" panose="020B0809050000020004" pitchFamily="49" charset="0"/>
+              </a:rPr>
+              <a:t>     </a:t>
+            </a:r>
+            <a:r>
+              <a:rPr kumimoji="0" lang="en-US" altLang="en-US" sz="900" b="0" i="0" u="none" strike="noStrike" cap="none" normalizeH="0" baseline="0" dirty="0">
+                <a:ln>
+                  <a:noFill/>
+                </a:ln>
+                <a:solidFill>
+                  <a:srgbClr val="569CD6"/>
+                </a:solidFill>
+                <a:effectLst/>
+                <a:latin typeface="Fira Code" panose="020B0809050000020004" pitchFamily="49" charset="0"/>
+              </a:rPr>
+              <a:t>protected</a:t>
+            </a:r>
+            <a:r>
+              <a:rPr kumimoji="0" lang="en-US" altLang="en-US" sz="900" b="0" i="0" u="none" strike="noStrike" cap="none" normalizeH="0" baseline="0" dirty="0">
+                <a:ln>
+                  <a:noFill/>
+                </a:ln>
+                <a:solidFill>
+                  <a:srgbClr val="DCDCDC"/>
+                </a:solidFill>
+                <a:effectLst/>
+                <a:latin typeface="Fira Code" panose="020B0809050000020004" pitchFamily="49" charset="0"/>
+              </a:rPr>
+              <a:t> </a:t>
+            </a:r>
+            <a:r>
+              <a:rPr kumimoji="0" lang="en-US" altLang="en-US" sz="900" b="0" i="0" u="none" strike="noStrike" cap="none" normalizeH="0" baseline="0" dirty="0">
+                <a:ln>
+                  <a:noFill/>
+                </a:ln>
+                <a:solidFill>
+                  <a:srgbClr val="569CD6"/>
+                </a:solidFill>
+                <a:effectLst/>
+                <a:latin typeface="Fira Code" panose="020B0809050000020004" pitchFamily="49" charset="0"/>
+              </a:rPr>
+              <a:t>override</a:t>
+            </a:r>
+            <a:r>
+              <a:rPr kumimoji="0" lang="en-US" altLang="en-US" sz="900" b="0" i="0" u="none" strike="noStrike" cap="none" normalizeH="0" baseline="0" dirty="0">
+                <a:ln>
+                  <a:noFill/>
+                </a:ln>
+                <a:solidFill>
+                  <a:srgbClr val="DCDCDC"/>
+                </a:solidFill>
+                <a:effectLst/>
+                <a:latin typeface="Fira Code" panose="020B0809050000020004" pitchFamily="49" charset="0"/>
+              </a:rPr>
+              <a:t> </a:t>
+            </a:r>
+            <a:r>
+              <a:rPr kumimoji="0" lang="en-US" altLang="en-US" sz="900" b="0" i="0" u="none" strike="noStrike" cap="none" normalizeH="0" baseline="0" dirty="0">
+                <a:ln>
+                  <a:noFill/>
+                </a:ln>
+                <a:solidFill>
+                  <a:srgbClr val="569CD6"/>
+                </a:solidFill>
+                <a:effectLst/>
+                <a:latin typeface="Fira Code" panose="020B0809050000020004" pitchFamily="49" charset="0"/>
+              </a:rPr>
+              <a:t>bool</a:t>
+            </a:r>
+            <a:r>
+              <a:rPr kumimoji="0" lang="en-US" altLang="en-US" sz="900" b="0" i="0" u="none" strike="noStrike" cap="none" normalizeH="0" baseline="0" dirty="0">
+                <a:ln>
+                  <a:noFill/>
+                </a:ln>
+                <a:solidFill>
+                  <a:srgbClr val="DCDCDC"/>
+                </a:solidFill>
+                <a:effectLst/>
+                <a:latin typeface="Fira Code" panose="020B0809050000020004" pitchFamily="49" charset="0"/>
+              </a:rPr>
+              <a:t> </a:t>
+            </a:r>
+            <a:r>
+              <a:rPr kumimoji="0" lang="en-US" altLang="en-US" sz="900" b="0" i="0" u="none" strike="noStrike" cap="none" normalizeH="0" baseline="0" dirty="0">
+                <a:ln>
+                  <a:noFill/>
+                </a:ln>
+                <a:solidFill>
+                  <a:srgbClr val="DCDCAA"/>
+                </a:solidFill>
+                <a:effectLst/>
+                <a:latin typeface="Fira Code" panose="020B0809050000020004" pitchFamily="49" charset="0"/>
+              </a:rPr>
+              <a:t>OnBeforeIncoming</a:t>
+            </a:r>
+            <a:r>
+              <a:rPr kumimoji="0" lang="en-US" altLang="en-US" sz="900" b="0" i="0" u="none" strike="noStrike" cap="none" normalizeH="0" baseline="0" dirty="0">
+                <a:ln>
+                  <a:noFill/>
+                </a:ln>
+                <a:solidFill>
+                  <a:srgbClr val="DCDCDC"/>
+                </a:solidFill>
+                <a:effectLst/>
+                <a:latin typeface="Fira Code" panose="020B0809050000020004" pitchFamily="49" charset="0"/>
+              </a:rPr>
+              <a:t>(</a:t>
+            </a:r>
+            <a:r>
+              <a:rPr kumimoji="0" lang="en-US" altLang="en-US" sz="900" b="0" i="0" u="none" strike="noStrike" cap="none" normalizeH="0" baseline="0" dirty="0">
+                <a:ln>
+                  <a:noFill/>
+                </a:ln>
+                <a:solidFill>
+                  <a:srgbClr val="B8D7A3"/>
+                </a:solidFill>
+                <a:effectLst/>
+                <a:latin typeface="Fira Code" panose="020B0809050000020004" pitchFamily="49" charset="0"/>
+              </a:rPr>
+              <a:t>IHubIncomingInvokerContext</a:t>
+            </a:r>
+            <a:r>
+              <a:rPr kumimoji="0" lang="en-US" altLang="en-US" sz="900" b="0" i="0" u="none" strike="noStrike" cap="none" normalizeH="0" baseline="0" dirty="0">
+                <a:ln>
+                  <a:noFill/>
+                </a:ln>
+                <a:solidFill>
+                  <a:srgbClr val="DCDCDC"/>
+                </a:solidFill>
+                <a:effectLst/>
+                <a:latin typeface="Fira Code" panose="020B0809050000020004" pitchFamily="49" charset="0"/>
+              </a:rPr>
+              <a:t> </a:t>
+            </a:r>
+            <a:r>
+              <a:rPr kumimoji="0" lang="en-US" altLang="en-US" sz="900" b="0" i="0" u="none" strike="noStrike" cap="none" normalizeH="0" baseline="0" dirty="0">
+                <a:ln>
+                  <a:noFill/>
+                </a:ln>
+                <a:solidFill>
+                  <a:srgbClr val="9CDCFE"/>
+                </a:solidFill>
+                <a:effectLst/>
+                <a:latin typeface="Fira Code" panose="020B0809050000020004" pitchFamily="49" charset="0"/>
+              </a:rPr>
+              <a:t>context</a:t>
+            </a:r>
+            <a:r>
+              <a:rPr kumimoji="0" lang="en-US" altLang="en-US" sz="900" b="0" i="0" u="none" strike="noStrike" cap="none" normalizeH="0" baseline="0" dirty="0">
+                <a:ln>
+                  <a:noFill/>
+                </a:ln>
+                <a:solidFill>
+                  <a:srgbClr val="DCDCDC"/>
+                </a:solidFill>
+                <a:effectLst/>
+                <a:latin typeface="Fira Code" panose="020B0809050000020004" pitchFamily="49" charset="0"/>
+              </a:rPr>
+              <a:t>)</a:t>
+            </a:r>
+          </a:p>
+          <a:p>
+            <a:pPr marL="0" marR="0" lvl="0" indent="0" algn="l" defTabSz="914400" rtl="0" eaLnBrk="0" fontAlgn="base" latinLnBrk="0" hangingPunct="0">
+              <a:lnSpc>
+                <a:spcPct val="100000"/>
+              </a:lnSpc>
+              <a:spcBef>
+                <a:spcPct val="0"/>
+              </a:spcBef>
+              <a:spcAft>
+                <a:spcPct val="0"/>
+              </a:spcAft>
+              <a:buClrTx/>
+              <a:buSzTx/>
+              <a:buFontTx/>
+              <a:buNone/>
+              <a:tabLst/>
+            </a:pPr>
+            <a:r>
+              <a:rPr kumimoji="0" lang="en-US" altLang="en-US" sz="900" b="0" i="0" u="none" strike="noStrike" cap="none" normalizeH="0" baseline="0" dirty="0">
+                <a:ln>
+                  <a:noFill/>
+                </a:ln>
+                <a:solidFill>
+                  <a:srgbClr val="DCDCDC"/>
+                </a:solidFill>
+                <a:effectLst/>
+                <a:latin typeface="Fira Code" panose="020B0809050000020004" pitchFamily="49" charset="0"/>
+              </a:rPr>
+              <a:t>     {</a:t>
+            </a:r>
+          </a:p>
+          <a:p>
+            <a:pPr marL="0" marR="0" lvl="0" indent="0" algn="l" defTabSz="914400" rtl="0" eaLnBrk="0" fontAlgn="base" latinLnBrk="0" hangingPunct="0">
+              <a:lnSpc>
+                <a:spcPct val="100000"/>
+              </a:lnSpc>
+              <a:spcBef>
+                <a:spcPct val="0"/>
+              </a:spcBef>
+              <a:spcAft>
+                <a:spcPct val="0"/>
+              </a:spcAft>
+              <a:buClrTx/>
+              <a:buSzTx/>
+              <a:buFontTx/>
+              <a:buNone/>
+              <a:tabLst/>
+            </a:pPr>
+            <a:r>
+              <a:rPr kumimoji="0" lang="en-US" altLang="en-US" sz="900" b="0" i="0" u="none" strike="noStrike" cap="none" normalizeH="0" baseline="0" dirty="0">
+                <a:ln>
+                  <a:noFill/>
+                </a:ln>
+                <a:solidFill>
+                  <a:srgbClr val="DCDCDC"/>
+                </a:solidFill>
+                <a:effectLst/>
+                <a:latin typeface="Fira Code" panose="020B0809050000020004" pitchFamily="49" charset="0"/>
+              </a:rPr>
+              <a:t>         </a:t>
+            </a:r>
+            <a:r>
+              <a:rPr kumimoji="0" lang="en-US" altLang="en-US" sz="900" b="0" i="0" u="none" strike="noStrike" cap="none" normalizeH="0" baseline="0" dirty="0">
+                <a:ln>
+                  <a:noFill/>
+                </a:ln>
+                <a:solidFill>
+                  <a:srgbClr val="4EC9B0"/>
+                </a:solidFill>
+                <a:effectLst/>
+                <a:latin typeface="Fira Code" panose="020B0809050000020004" pitchFamily="49" charset="0"/>
+              </a:rPr>
+              <a:t>Debug</a:t>
+            </a:r>
+            <a:r>
+              <a:rPr kumimoji="0" lang="en-US" altLang="en-US" sz="900" b="0" i="0" u="none" strike="noStrike" cap="none" normalizeH="0" baseline="0" dirty="0">
+                <a:ln>
+                  <a:noFill/>
+                </a:ln>
+                <a:solidFill>
+                  <a:srgbClr val="B4B4B4"/>
+                </a:solidFill>
+                <a:effectLst/>
+                <a:latin typeface="Fira Code" panose="020B0809050000020004" pitchFamily="49" charset="0"/>
+              </a:rPr>
+              <a:t>.</a:t>
+            </a:r>
+            <a:r>
+              <a:rPr kumimoji="0" lang="en-US" altLang="en-US" sz="900" b="0" i="0" u="none" strike="noStrike" cap="none" normalizeH="0" baseline="0" dirty="0">
+                <a:ln>
+                  <a:noFill/>
+                </a:ln>
+                <a:solidFill>
+                  <a:srgbClr val="DCDCAA"/>
+                </a:solidFill>
+                <a:effectLst/>
+                <a:latin typeface="Fira Code" panose="020B0809050000020004" pitchFamily="49" charset="0"/>
+              </a:rPr>
+              <a:t>WriteLine</a:t>
+            </a:r>
+            <a:r>
+              <a:rPr kumimoji="0" lang="en-US" altLang="en-US" sz="900" b="0" i="0" u="none" strike="noStrike" cap="none" normalizeH="0" baseline="0" dirty="0">
+                <a:ln>
+                  <a:noFill/>
+                </a:ln>
+                <a:solidFill>
+                  <a:srgbClr val="DCDCDC"/>
+                </a:solidFill>
+                <a:effectLst/>
+                <a:latin typeface="Fira Code" panose="020B0809050000020004" pitchFamily="49" charset="0"/>
+              </a:rPr>
+              <a:t>(</a:t>
+            </a:r>
+            <a:r>
+              <a:rPr kumimoji="0" lang="en-US" altLang="en-US" sz="900" b="0" i="0" u="none" strike="noStrike" cap="none" normalizeH="0" baseline="0" dirty="0">
+                <a:ln>
+                  <a:noFill/>
+                </a:ln>
+                <a:solidFill>
+                  <a:srgbClr val="D69D85"/>
+                </a:solidFill>
+                <a:effectLst/>
+                <a:latin typeface="Fira Code" panose="020B0809050000020004" pitchFamily="49" charset="0"/>
+              </a:rPr>
+              <a:t>"=&gt; Invoking "</a:t>
+            </a:r>
+            <a:r>
+              <a:rPr kumimoji="0" lang="en-US" altLang="en-US" sz="900" b="0" i="0" u="none" strike="noStrike" cap="none" normalizeH="0" baseline="0" dirty="0">
+                <a:ln>
+                  <a:noFill/>
+                </a:ln>
+                <a:solidFill>
+                  <a:srgbClr val="DCDCDC"/>
+                </a:solidFill>
+                <a:effectLst/>
+                <a:latin typeface="Fira Code" panose="020B0809050000020004" pitchFamily="49" charset="0"/>
+              </a:rPr>
+              <a:t> </a:t>
+            </a:r>
+            <a:r>
+              <a:rPr kumimoji="0" lang="en-US" altLang="en-US" sz="900" b="0" i="0" u="none" strike="noStrike" cap="none" normalizeH="0" baseline="0" dirty="0">
+                <a:ln>
+                  <a:noFill/>
+                </a:ln>
+                <a:solidFill>
+                  <a:srgbClr val="B4B4B4"/>
+                </a:solidFill>
+                <a:effectLst/>
+                <a:latin typeface="Fira Code" panose="020B0809050000020004" pitchFamily="49" charset="0"/>
+              </a:rPr>
+              <a:t>+</a:t>
+            </a:r>
+            <a:r>
+              <a:rPr kumimoji="0" lang="en-US" altLang="en-US" sz="900" b="0" i="0" u="none" strike="noStrike" cap="none" normalizeH="0" baseline="0" dirty="0">
+                <a:ln>
+                  <a:noFill/>
+                </a:ln>
+                <a:solidFill>
+                  <a:srgbClr val="DCDCDC"/>
+                </a:solidFill>
+                <a:effectLst/>
+                <a:latin typeface="Fira Code" panose="020B0809050000020004" pitchFamily="49" charset="0"/>
+              </a:rPr>
+              <a:t> </a:t>
+            </a:r>
+            <a:r>
+              <a:rPr kumimoji="0" lang="en-US" altLang="en-US" sz="900" b="0" i="0" u="none" strike="noStrike" cap="none" normalizeH="0" baseline="0" dirty="0">
+                <a:ln>
+                  <a:noFill/>
+                </a:ln>
+                <a:solidFill>
+                  <a:srgbClr val="9CDCFE"/>
+                </a:solidFill>
+                <a:effectLst/>
+                <a:latin typeface="Fira Code" panose="020B0809050000020004" pitchFamily="49" charset="0"/>
+              </a:rPr>
+              <a:t>context</a:t>
+            </a:r>
+            <a:r>
+              <a:rPr kumimoji="0" lang="en-US" altLang="en-US" sz="900" b="0" i="0" u="none" strike="noStrike" cap="none" normalizeH="0" baseline="0" dirty="0">
+                <a:ln>
+                  <a:noFill/>
+                </a:ln>
+                <a:solidFill>
+                  <a:srgbClr val="B4B4B4"/>
+                </a:solidFill>
+                <a:effectLst/>
+                <a:latin typeface="Fira Code" panose="020B0809050000020004" pitchFamily="49" charset="0"/>
+              </a:rPr>
+              <a:t>.</a:t>
+            </a:r>
+            <a:r>
+              <a:rPr kumimoji="0" lang="en-US" altLang="en-US" sz="900" b="0" i="0" u="none" strike="noStrike" cap="none" normalizeH="0" baseline="0" dirty="0">
+                <a:ln>
+                  <a:noFill/>
+                </a:ln>
+                <a:solidFill>
+                  <a:srgbClr val="DCDCDC"/>
+                </a:solidFill>
+                <a:effectLst/>
+                <a:latin typeface="Fira Code" panose="020B0809050000020004" pitchFamily="49" charset="0"/>
+              </a:rPr>
+              <a:t>MethodDescriptor</a:t>
+            </a:r>
+            <a:r>
+              <a:rPr kumimoji="0" lang="en-US" altLang="en-US" sz="900" b="0" i="0" u="none" strike="noStrike" cap="none" normalizeH="0" baseline="0" dirty="0">
+                <a:ln>
+                  <a:noFill/>
+                </a:ln>
+                <a:solidFill>
+                  <a:srgbClr val="B4B4B4"/>
+                </a:solidFill>
+                <a:effectLst/>
+                <a:latin typeface="Fira Code" panose="020B0809050000020004" pitchFamily="49" charset="0"/>
+              </a:rPr>
+              <a:t>.</a:t>
+            </a:r>
+            <a:r>
+              <a:rPr kumimoji="0" lang="en-US" altLang="en-US" sz="900" b="0" i="0" u="none" strike="noStrike" cap="none" normalizeH="0" baseline="0" dirty="0">
+                <a:ln>
+                  <a:noFill/>
+                </a:ln>
+                <a:solidFill>
+                  <a:srgbClr val="DCDCDC"/>
+                </a:solidFill>
+                <a:effectLst/>
+                <a:latin typeface="Fira Code" panose="020B0809050000020004" pitchFamily="49" charset="0"/>
+              </a:rPr>
+              <a:t>Name </a:t>
+            </a:r>
+            <a:r>
+              <a:rPr kumimoji="0" lang="en-US" altLang="en-US" sz="900" b="0" i="0" u="none" strike="noStrike" cap="none" normalizeH="0" baseline="0" dirty="0">
+                <a:ln>
+                  <a:noFill/>
+                </a:ln>
+                <a:solidFill>
+                  <a:srgbClr val="B4B4B4"/>
+                </a:solidFill>
+                <a:effectLst/>
+                <a:latin typeface="Fira Code" panose="020B0809050000020004" pitchFamily="49" charset="0"/>
+              </a:rPr>
+              <a:t>+</a:t>
+            </a:r>
+            <a:r>
+              <a:rPr kumimoji="0" lang="en-US" altLang="en-US" sz="900" b="0" i="0" u="none" strike="noStrike" cap="none" normalizeH="0" baseline="0" dirty="0">
+                <a:ln>
+                  <a:noFill/>
+                </a:ln>
+                <a:solidFill>
+                  <a:srgbClr val="DCDCDC"/>
+                </a:solidFill>
+                <a:effectLst/>
+                <a:latin typeface="Fira Code" panose="020B0809050000020004" pitchFamily="49" charset="0"/>
+              </a:rPr>
+              <a:t> </a:t>
+            </a:r>
+            <a:r>
+              <a:rPr kumimoji="0" lang="en-US" altLang="en-US" sz="900" b="0" i="0" u="none" strike="noStrike" cap="none" normalizeH="0" baseline="0" dirty="0">
+                <a:ln>
+                  <a:noFill/>
+                </a:ln>
+                <a:solidFill>
+                  <a:srgbClr val="D69D85"/>
+                </a:solidFill>
+                <a:effectLst/>
+                <a:latin typeface="Fira Code" panose="020B0809050000020004" pitchFamily="49" charset="0"/>
+              </a:rPr>
+              <a:t>" on hub "</a:t>
+            </a:r>
+            <a:r>
+              <a:rPr kumimoji="0" lang="en-US" altLang="en-US" sz="900" b="0" i="0" u="none" strike="noStrike" cap="none" normalizeH="0" baseline="0" dirty="0">
+                <a:ln>
+                  <a:noFill/>
+                </a:ln>
+                <a:solidFill>
+                  <a:srgbClr val="DCDCDC"/>
+                </a:solidFill>
+                <a:effectLst/>
+                <a:latin typeface="Fira Code" panose="020B0809050000020004" pitchFamily="49" charset="0"/>
+              </a:rPr>
+              <a:t> </a:t>
+            </a:r>
+            <a:r>
+              <a:rPr kumimoji="0" lang="en-US" altLang="en-US" sz="900" b="0" i="0" u="none" strike="noStrike" cap="none" normalizeH="0" baseline="0" dirty="0">
+                <a:ln>
+                  <a:noFill/>
+                </a:ln>
+                <a:solidFill>
+                  <a:srgbClr val="B4B4B4"/>
+                </a:solidFill>
+                <a:effectLst/>
+                <a:latin typeface="Fira Code" panose="020B0809050000020004" pitchFamily="49" charset="0"/>
+              </a:rPr>
+              <a:t>+</a:t>
+            </a:r>
+            <a:r>
+              <a:rPr kumimoji="0" lang="en-US" altLang="en-US" sz="900" b="0" i="0" u="none" strike="noStrike" cap="none" normalizeH="0" baseline="0" dirty="0">
+                <a:ln>
+                  <a:noFill/>
+                </a:ln>
+                <a:solidFill>
+                  <a:srgbClr val="DCDCDC"/>
+                </a:solidFill>
+                <a:effectLst/>
+                <a:latin typeface="Fira Code" panose="020B0809050000020004" pitchFamily="49" charset="0"/>
+              </a:rPr>
+              <a:t> </a:t>
+            </a:r>
+            <a:r>
+              <a:rPr kumimoji="0" lang="en-US" altLang="en-US" sz="900" b="0" i="0" u="none" strike="noStrike" cap="none" normalizeH="0" baseline="0" dirty="0">
+                <a:ln>
+                  <a:noFill/>
+                </a:ln>
+                <a:solidFill>
+                  <a:srgbClr val="9CDCFE"/>
+                </a:solidFill>
+                <a:effectLst/>
+                <a:latin typeface="Fira Code" panose="020B0809050000020004" pitchFamily="49" charset="0"/>
+              </a:rPr>
+              <a:t>context</a:t>
+            </a:r>
+            <a:r>
+              <a:rPr kumimoji="0" lang="en-US" altLang="en-US" sz="900" b="0" i="0" u="none" strike="noStrike" cap="none" normalizeH="0" baseline="0" dirty="0">
+                <a:ln>
+                  <a:noFill/>
+                </a:ln>
+                <a:solidFill>
+                  <a:srgbClr val="B4B4B4"/>
+                </a:solidFill>
+                <a:effectLst/>
+                <a:latin typeface="Fira Code" panose="020B0809050000020004" pitchFamily="49" charset="0"/>
+              </a:rPr>
+              <a:t>.</a:t>
+            </a:r>
+            <a:r>
+              <a:rPr kumimoji="0" lang="en-US" altLang="en-US" sz="900" b="0" i="0" u="none" strike="noStrike" cap="none" normalizeH="0" baseline="0" dirty="0">
+                <a:ln>
+                  <a:noFill/>
+                </a:ln>
+                <a:solidFill>
+                  <a:srgbClr val="DCDCDC"/>
+                </a:solidFill>
+                <a:effectLst/>
+                <a:latin typeface="Fira Code" panose="020B0809050000020004" pitchFamily="49" charset="0"/>
+              </a:rPr>
+              <a:t>MethodDescriptor</a:t>
+            </a:r>
+            <a:r>
+              <a:rPr kumimoji="0" lang="en-US" altLang="en-US" sz="900" b="0" i="0" u="none" strike="noStrike" cap="none" normalizeH="0" baseline="0" dirty="0">
+                <a:ln>
+                  <a:noFill/>
+                </a:ln>
+                <a:solidFill>
+                  <a:srgbClr val="B4B4B4"/>
+                </a:solidFill>
+                <a:effectLst/>
+                <a:latin typeface="Fira Code" panose="020B0809050000020004" pitchFamily="49" charset="0"/>
+              </a:rPr>
+              <a:t>.</a:t>
+            </a:r>
+            <a:r>
+              <a:rPr kumimoji="0" lang="en-US" altLang="en-US" sz="900" b="0" i="0" u="none" strike="noStrike" cap="none" normalizeH="0" baseline="0" dirty="0">
+                <a:ln>
+                  <a:noFill/>
+                </a:ln>
+                <a:solidFill>
+                  <a:srgbClr val="DCDCDC"/>
+                </a:solidFill>
+                <a:effectLst/>
+                <a:latin typeface="Fira Code" panose="020B0809050000020004" pitchFamily="49" charset="0"/>
+              </a:rPr>
+              <a:t>Hub</a:t>
+            </a:r>
+            <a:r>
+              <a:rPr kumimoji="0" lang="en-US" altLang="en-US" sz="900" b="0" i="0" u="none" strike="noStrike" cap="none" normalizeH="0" baseline="0" dirty="0">
+                <a:ln>
+                  <a:noFill/>
+                </a:ln>
+                <a:solidFill>
+                  <a:srgbClr val="B4B4B4"/>
+                </a:solidFill>
+                <a:effectLst/>
+                <a:latin typeface="Fira Code" panose="020B0809050000020004" pitchFamily="49" charset="0"/>
+              </a:rPr>
+              <a:t>.</a:t>
+            </a:r>
+            <a:r>
+              <a:rPr kumimoji="0" lang="en-US" altLang="en-US" sz="900" b="0" i="0" u="none" strike="noStrike" cap="none" normalizeH="0" baseline="0" dirty="0">
+                <a:ln>
+                  <a:noFill/>
+                </a:ln>
+                <a:solidFill>
+                  <a:srgbClr val="DCDCDC"/>
+                </a:solidFill>
+                <a:effectLst/>
+                <a:latin typeface="Fira Code" panose="020B0809050000020004" pitchFamily="49" charset="0"/>
+              </a:rPr>
+              <a:t>Name);</a:t>
+            </a:r>
+          </a:p>
+          <a:p>
+            <a:pPr marL="0" marR="0" lvl="0" indent="0" algn="l" defTabSz="914400" rtl="0" eaLnBrk="0" fontAlgn="base" latinLnBrk="0" hangingPunct="0">
+              <a:lnSpc>
+                <a:spcPct val="100000"/>
+              </a:lnSpc>
+              <a:spcBef>
+                <a:spcPct val="0"/>
+              </a:spcBef>
+              <a:spcAft>
+                <a:spcPct val="0"/>
+              </a:spcAft>
+              <a:buClrTx/>
+              <a:buSzTx/>
+              <a:buFontTx/>
+              <a:buNone/>
+              <a:tabLst/>
+            </a:pPr>
+            <a:r>
+              <a:rPr kumimoji="0" lang="en-US" altLang="en-US" sz="900" b="0" i="0" u="none" strike="noStrike" cap="none" normalizeH="0" baseline="0" dirty="0">
+                <a:ln>
+                  <a:noFill/>
+                </a:ln>
+                <a:solidFill>
+                  <a:srgbClr val="DCDCDC"/>
+                </a:solidFill>
+                <a:effectLst/>
+                <a:latin typeface="Fira Code" panose="020B0809050000020004" pitchFamily="49" charset="0"/>
+              </a:rPr>
+              <a:t>         </a:t>
+            </a:r>
+            <a:r>
+              <a:rPr kumimoji="0" lang="en-US" altLang="en-US" sz="900" b="0" i="0" u="none" strike="noStrike" cap="none" normalizeH="0" baseline="0" dirty="0">
+                <a:ln>
+                  <a:noFill/>
+                </a:ln>
+                <a:solidFill>
+                  <a:srgbClr val="D8A0DF"/>
+                </a:solidFill>
+                <a:effectLst/>
+                <a:latin typeface="Fira Code" panose="020B0809050000020004" pitchFamily="49" charset="0"/>
+              </a:rPr>
+              <a:t>return</a:t>
+            </a:r>
+            <a:r>
+              <a:rPr kumimoji="0" lang="en-US" altLang="en-US" sz="900" b="0" i="0" u="none" strike="noStrike" cap="none" normalizeH="0" baseline="0" dirty="0">
+                <a:ln>
+                  <a:noFill/>
+                </a:ln>
+                <a:solidFill>
+                  <a:srgbClr val="DCDCDC"/>
+                </a:solidFill>
+                <a:effectLst/>
+                <a:latin typeface="Fira Code" panose="020B0809050000020004" pitchFamily="49" charset="0"/>
+              </a:rPr>
+              <a:t> </a:t>
+            </a:r>
+            <a:r>
+              <a:rPr kumimoji="0" lang="en-US" altLang="en-US" sz="900" b="0" i="0" u="none" strike="noStrike" cap="none" normalizeH="0" baseline="0" dirty="0">
+                <a:ln>
+                  <a:noFill/>
+                </a:ln>
+                <a:solidFill>
+                  <a:srgbClr val="569CD6"/>
+                </a:solidFill>
+                <a:effectLst/>
+                <a:latin typeface="Fira Code" panose="020B0809050000020004" pitchFamily="49" charset="0"/>
+              </a:rPr>
+              <a:t>base</a:t>
+            </a:r>
+            <a:r>
+              <a:rPr kumimoji="0" lang="en-US" altLang="en-US" sz="900" b="0" i="0" u="none" strike="noStrike" cap="none" normalizeH="0" baseline="0" dirty="0">
+                <a:ln>
+                  <a:noFill/>
+                </a:ln>
+                <a:solidFill>
+                  <a:srgbClr val="B4B4B4"/>
+                </a:solidFill>
+                <a:effectLst/>
+                <a:latin typeface="Fira Code" panose="020B0809050000020004" pitchFamily="49" charset="0"/>
+              </a:rPr>
+              <a:t>.</a:t>
+            </a:r>
+            <a:r>
+              <a:rPr kumimoji="0" lang="en-US" altLang="en-US" sz="900" b="0" i="0" u="none" strike="noStrike" cap="none" normalizeH="0" baseline="0" dirty="0">
+                <a:ln>
+                  <a:noFill/>
+                </a:ln>
+                <a:solidFill>
+                  <a:srgbClr val="DCDCAA"/>
+                </a:solidFill>
+                <a:effectLst/>
+                <a:latin typeface="Fira Code" panose="020B0809050000020004" pitchFamily="49" charset="0"/>
+              </a:rPr>
+              <a:t>OnBeforeIncoming</a:t>
+            </a:r>
+            <a:r>
+              <a:rPr kumimoji="0" lang="en-US" altLang="en-US" sz="900" b="0" i="0" u="none" strike="noStrike" cap="none" normalizeH="0" baseline="0" dirty="0">
+                <a:ln>
+                  <a:noFill/>
+                </a:ln>
+                <a:solidFill>
+                  <a:srgbClr val="DCDCDC"/>
+                </a:solidFill>
+                <a:effectLst/>
+                <a:latin typeface="Fira Code" panose="020B0809050000020004" pitchFamily="49" charset="0"/>
+              </a:rPr>
+              <a:t>(</a:t>
+            </a:r>
+            <a:r>
+              <a:rPr kumimoji="0" lang="en-US" altLang="en-US" sz="900" b="0" i="0" u="none" strike="noStrike" cap="none" normalizeH="0" baseline="0" dirty="0">
+                <a:ln>
+                  <a:noFill/>
+                </a:ln>
+                <a:solidFill>
+                  <a:srgbClr val="9CDCFE"/>
+                </a:solidFill>
+                <a:effectLst/>
+                <a:latin typeface="Fira Code" panose="020B0809050000020004" pitchFamily="49" charset="0"/>
+              </a:rPr>
+              <a:t>context</a:t>
+            </a:r>
+            <a:r>
+              <a:rPr kumimoji="0" lang="en-US" altLang="en-US" sz="900" b="0" i="0" u="none" strike="noStrike" cap="none" normalizeH="0" baseline="0" dirty="0">
+                <a:ln>
+                  <a:noFill/>
+                </a:ln>
+                <a:solidFill>
+                  <a:srgbClr val="DCDCDC"/>
+                </a:solidFill>
+                <a:effectLst/>
+                <a:latin typeface="Fira Code" panose="020B0809050000020004" pitchFamily="49" charset="0"/>
+              </a:rPr>
+              <a:t>);</a:t>
+            </a:r>
+          </a:p>
+          <a:p>
+            <a:pPr marL="0" marR="0" lvl="0" indent="0" algn="l" defTabSz="914400" rtl="0" eaLnBrk="0" fontAlgn="base" latinLnBrk="0" hangingPunct="0">
+              <a:lnSpc>
+                <a:spcPct val="100000"/>
+              </a:lnSpc>
+              <a:spcBef>
+                <a:spcPct val="0"/>
+              </a:spcBef>
+              <a:spcAft>
+                <a:spcPct val="0"/>
+              </a:spcAft>
+              <a:buClrTx/>
+              <a:buSzTx/>
+              <a:buFontTx/>
+              <a:buNone/>
+              <a:tabLst/>
+            </a:pPr>
+            <a:r>
+              <a:rPr kumimoji="0" lang="en-US" altLang="en-US" sz="900" b="0" i="0" u="none" strike="noStrike" cap="none" normalizeH="0" baseline="0" dirty="0">
+                <a:ln>
+                  <a:noFill/>
+                </a:ln>
+                <a:solidFill>
+                  <a:srgbClr val="DCDCDC"/>
+                </a:solidFill>
+                <a:effectLst/>
+                <a:latin typeface="Fira Code" panose="020B0809050000020004" pitchFamily="49" charset="0"/>
+              </a:rPr>
+              <a:t>     }</a:t>
+            </a:r>
+          </a:p>
+          <a:p>
+            <a:pPr marL="0" marR="0" lvl="0" indent="0" algn="l" defTabSz="914400" rtl="0" eaLnBrk="0" fontAlgn="base" latinLnBrk="0" hangingPunct="0">
+              <a:lnSpc>
+                <a:spcPct val="100000"/>
+              </a:lnSpc>
+              <a:spcBef>
+                <a:spcPct val="0"/>
+              </a:spcBef>
+              <a:spcAft>
+                <a:spcPct val="0"/>
+              </a:spcAft>
+              <a:buClrTx/>
+              <a:buSzTx/>
+              <a:buFontTx/>
+              <a:buNone/>
+              <a:tabLst/>
+            </a:pPr>
+            <a:endParaRPr lang="en-US" altLang="en-US" sz="900" dirty="0">
+              <a:solidFill>
+                <a:srgbClr val="DCDCDC"/>
+              </a:solidFill>
+              <a:latin typeface="Fira Code" panose="020B0809050000020004" pitchFamily="49" charset="0"/>
+            </a:endParaRPr>
+          </a:p>
+          <a:p>
+            <a:pPr marL="0" marR="0" lvl="0" indent="0" algn="l" defTabSz="914400" rtl="0" eaLnBrk="0" fontAlgn="base" latinLnBrk="0" hangingPunct="0">
+              <a:lnSpc>
+                <a:spcPct val="100000"/>
+              </a:lnSpc>
+              <a:spcBef>
+                <a:spcPct val="0"/>
+              </a:spcBef>
+              <a:spcAft>
+                <a:spcPct val="0"/>
+              </a:spcAft>
+              <a:buClrTx/>
+              <a:buSzTx/>
+              <a:buFontTx/>
+              <a:buNone/>
+              <a:tabLst/>
+            </a:pPr>
+            <a:r>
+              <a:rPr kumimoji="0" lang="en-US" altLang="en-US" sz="900" b="0" i="0" u="none" strike="noStrike" cap="none" normalizeH="0" baseline="0" dirty="0">
+                <a:ln>
+                  <a:noFill/>
+                </a:ln>
+                <a:solidFill>
+                  <a:srgbClr val="DCDCDC"/>
+                </a:solidFill>
+                <a:effectLst/>
+                <a:latin typeface="Fira Code" panose="020B0809050000020004" pitchFamily="49" charset="0"/>
+              </a:rPr>
+              <a:t>     </a:t>
+            </a:r>
+            <a:r>
+              <a:rPr kumimoji="0" lang="en-US" altLang="en-US" sz="900" b="0" i="0" u="none" strike="noStrike" cap="none" normalizeH="0" baseline="0" dirty="0">
+                <a:ln>
+                  <a:noFill/>
+                </a:ln>
+                <a:solidFill>
+                  <a:srgbClr val="569CD6"/>
+                </a:solidFill>
+                <a:effectLst/>
+                <a:latin typeface="Fira Code" panose="020B0809050000020004" pitchFamily="49" charset="0"/>
+              </a:rPr>
+              <a:t>protected</a:t>
+            </a:r>
+            <a:r>
+              <a:rPr kumimoji="0" lang="en-US" altLang="en-US" sz="900" b="0" i="0" u="none" strike="noStrike" cap="none" normalizeH="0" baseline="0" dirty="0">
+                <a:ln>
+                  <a:noFill/>
+                </a:ln>
+                <a:solidFill>
+                  <a:srgbClr val="DCDCDC"/>
+                </a:solidFill>
+                <a:effectLst/>
+                <a:latin typeface="Fira Code" panose="020B0809050000020004" pitchFamily="49" charset="0"/>
+              </a:rPr>
+              <a:t> </a:t>
+            </a:r>
+            <a:r>
+              <a:rPr kumimoji="0" lang="en-US" altLang="en-US" sz="900" b="0" i="0" u="none" strike="noStrike" cap="none" normalizeH="0" baseline="0" dirty="0">
+                <a:ln>
+                  <a:noFill/>
+                </a:ln>
+                <a:solidFill>
+                  <a:srgbClr val="569CD6"/>
+                </a:solidFill>
+                <a:effectLst/>
+                <a:latin typeface="Fira Code" panose="020B0809050000020004" pitchFamily="49" charset="0"/>
+              </a:rPr>
+              <a:t>override</a:t>
+            </a:r>
+            <a:r>
+              <a:rPr kumimoji="0" lang="en-US" altLang="en-US" sz="900" b="0" i="0" u="none" strike="noStrike" cap="none" normalizeH="0" baseline="0" dirty="0">
+                <a:ln>
+                  <a:noFill/>
+                </a:ln>
+                <a:solidFill>
+                  <a:srgbClr val="DCDCDC"/>
+                </a:solidFill>
+                <a:effectLst/>
+                <a:latin typeface="Fira Code" panose="020B0809050000020004" pitchFamily="49" charset="0"/>
+              </a:rPr>
+              <a:t> </a:t>
+            </a:r>
+            <a:r>
+              <a:rPr kumimoji="0" lang="en-US" altLang="en-US" sz="900" b="0" i="0" u="none" strike="noStrike" cap="none" normalizeH="0" baseline="0" dirty="0">
+                <a:ln>
+                  <a:noFill/>
+                </a:ln>
+                <a:solidFill>
+                  <a:srgbClr val="569CD6"/>
+                </a:solidFill>
+                <a:effectLst/>
+                <a:latin typeface="Fira Code" panose="020B0809050000020004" pitchFamily="49" charset="0"/>
+              </a:rPr>
+              <a:t>bool</a:t>
+            </a:r>
+            <a:r>
+              <a:rPr kumimoji="0" lang="en-US" altLang="en-US" sz="900" b="0" i="0" u="none" strike="noStrike" cap="none" normalizeH="0" baseline="0" dirty="0">
+                <a:ln>
+                  <a:noFill/>
+                </a:ln>
+                <a:solidFill>
+                  <a:srgbClr val="DCDCDC"/>
+                </a:solidFill>
+                <a:effectLst/>
+                <a:latin typeface="Fira Code" panose="020B0809050000020004" pitchFamily="49" charset="0"/>
+              </a:rPr>
+              <a:t> </a:t>
+            </a:r>
+            <a:r>
+              <a:rPr kumimoji="0" lang="en-US" altLang="en-US" sz="900" b="0" i="0" u="none" strike="noStrike" cap="none" normalizeH="0" baseline="0" dirty="0">
+                <a:ln>
+                  <a:noFill/>
+                </a:ln>
+                <a:solidFill>
+                  <a:srgbClr val="DCDCAA"/>
+                </a:solidFill>
+                <a:effectLst/>
+                <a:latin typeface="Fira Code" panose="020B0809050000020004" pitchFamily="49" charset="0"/>
+              </a:rPr>
+              <a:t>OnBeforeOutgoing</a:t>
+            </a:r>
+            <a:r>
+              <a:rPr kumimoji="0" lang="en-US" altLang="en-US" sz="900" b="0" i="0" u="none" strike="noStrike" cap="none" normalizeH="0" baseline="0" dirty="0">
+                <a:ln>
+                  <a:noFill/>
+                </a:ln>
+                <a:solidFill>
+                  <a:srgbClr val="DCDCDC"/>
+                </a:solidFill>
+                <a:effectLst/>
+                <a:latin typeface="Fira Code" panose="020B0809050000020004" pitchFamily="49" charset="0"/>
+              </a:rPr>
+              <a:t>(</a:t>
+            </a:r>
+            <a:r>
+              <a:rPr kumimoji="0" lang="en-US" altLang="en-US" sz="900" b="0" i="0" u="none" strike="noStrike" cap="none" normalizeH="0" baseline="0" dirty="0">
+                <a:ln>
+                  <a:noFill/>
+                </a:ln>
+                <a:solidFill>
+                  <a:srgbClr val="B8D7A3"/>
+                </a:solidFill>
+                <a:effectLst/>
+                <a:latin typeface="Fira Code" panose="020B0809050000020004" pitchFamily="49" charset="0"/>
+              </a:rPr>
+              <a:t>IHubOutgoingInvokerContext</a:t>
+            </a:r>
+            <a:r>
+              <a:rPr kumimoji="0" lang="en-US" altLang="en-US" sz="900" b="0" i="0" u="none" strike="noStrike" cap="none" normalizeH="0" baseline="0" dirty="0">
+                <a:ln>
+                  <a:noFill/>
+                </a:ln>
+                <a:solidFill>
+                  <a:srgbClr val="DCDCDC"/>
+                </a:solidFill>
+                <a:effectLst/>
+                <a:latin typeface="Fira Code" panose="020B0809050000020004" pitchFamily="49" charset="0"/>
+              </a:rPr>
+              <a:t> </a:t>
+            </a:r>
+            <a:r>
+              <a:rPr kumimoji="0" lang="en-US" altLang="en-US" sz="900" b="0" i="0" u="none" strike="noStrike" cap="none" normalizeH="0" baseline="0" dirty="0">
+                <a:ln>
+                  <a:noFill/>
+                </a:ln>
+                <a:solidFill>
+                  <a:srgbClr val="9CDCFE"/>
+                </a:solidFill>
+                <a:effectLst/>
+                <a:latin typeface="Fira Code" panose="020B0809050000020004" pitchFamily="49" charset="0"/>
+              </a:rPr>
+              <a:t>context</a:t>
+            </a:r>
+            <a:r>
+              <a:rPr kumimoji="0" lang="en-US" altLang="en-US" sz="900" b="0" i="0" u="none" strike="noStrike" cap="none" normalizeH="0" baseline="0" dirty="0">
+                <a:ln>
+                  <a:noFill/>
+                </a:ln>
+                <a:solidFill>
+                  <a:srgbClr val="DCDCDC"/>
+                </a:solidFill>
+                <a:effectLst/>
+                <a:latin typeface="Fira Code" panose="020B0809050000020004" pitchFamily="49" charset="0"/>
+              </a:rPr>
+              <a:t>)</a:t>
+            </a:r>
+          </a:p>
+          <a:p>
+            <a:pPr marL="0" marR="0" lvl="0" indent="0" algn="l" defTabSz="914400" rtl="0" eaLnBrk="0" fontAlgn="base" latinLnBrk="0" hangingPunct="0">
+              <a:lnSpc>
+                <a:spcPct val="100000"/>
+              </a:lnSpc>
+              <a:spcBef>
+                <a:spcPct val="0"/>
+              </a:spcBef>
+              <a:spcAft>
+                <a:spcPct val="0"/>
+              </a:spcAft>
+              <a:buClrTx/>
+              <a:buSzTx/>
+              <a:buFontTx/>
+              <a:buNone/>
+              <a:tabLst/>
+            </a:pPr>
+            <a:r>
+              <a:rPr kumimoji="0" lang="en-US" altLang="en-US" sz="900" b="0" i="0" u="none" strike="noStrike" cap="none" normalizeH="0" baseline="0" dirty="0">
+                <a:ln>
+                  <a:noFill/>
+                </a:ln>
+                <a:solidFill>
+                  <a:srgbClr val="DCDCDC"/>
+                </a:solidFill>
+                <a:effectLst/>
+                <a:latin typeface="Fira Code" panose="020B0809050000020004" pitchFamily="49" charset="0"/>
+              </a:rPr>
+              <a:t>     {</a:t>
+            </a:r>
+          </a:p>
+          <a:p>
+            <a:pPr marL="0" marR="0" lvl="0" indent="0" algn="l" defTabSz="914400" rtl="0" eaLnBrk="0" fontAlgn="base" latinLnBrk="0" hangingPunct="0">
+              <a:lnSpc>
+                <a:spcPct val="100000"/>
+              </a:lnSpc>
+              <a:spcBef>
+                <a:spcPct val="0"/>
+              </a:spcBef>
+              <a:spcAft>
+                <a:spcPct val="0"/>
+              </a:spcAft>
+              <a:buClrTx/>
+              <a:buSzTx/>
+              <a:buFontTx/>
+              <a:buNone/>
+              <a:tabLst/>
+            </a:pPr>
+            <a:r>
+              <a:rPr kumimoji="0" lang="en-US" altLang="en-US" sz="900" b="0" i="0" u="none" strike="noStrike" cap="none" normalizeH="0" baseline="0" dirty="0">
+                <a:ln>
+                  <a:noFill/>
+                </a:ln>
+                <a:solidFill>
+                  <a:srgbClr val="DCDCDC"/>
+                </a:solidFill>
+                <a:effectLst/>
+                <a:latin typeface="Fira Code" panose="020B0809050000020004" pitchFamily="49" charset="0"/>
+              </a:rPr>
+              <a:t>         </a:t>
+            </a:r>
+            <a:r>
+              <a:rPr kumimoji="0" lang="en-US" altLang="en-US" sz="900" b="0" i="0" u="none" strike="noStrike" cap="none" normalizeH="0" baseline="0" dirty="0">
+                <a:ln>
+                  <a:noFill/>
+                </a:ln>
+                <a:solidFill>
+                  <a:srgbClr val="4EC9B0"/>
+                </a:solidFill>
+                <a:effectLst/>
+                <a:latin typeface="Fira Code" panose="020B0809050000020004" pitchFamily="49" charset="0"/>
+              </a:rPr>
+              <a:t>Debug</a:t>
+            </a:r>
+            <a:r>
+              <a:rPr kumimoji="0" lang="en-US" altLang="en-US" sz="900" b="0" i="0" u="none" strike="noStrike" cap="none" normalizeH="0" baseline="0" dirty="0">
+                <a:ln>
+                  <a:noFill/>
+                </a:ln>
+                <a:solidFill>
+                  <a:srgbClr val="B4B4B4"/>
+                </a:solidFill>
+                <a:effectLst/>
+                <a:latin typeface="Fira Code" panose="020B0809050000020004" pitchFamily="49" charset="0"/>
+              </a:rPr>
+              <a:t>.</a:t>
+            </a:r>
+            <a:r>
+              <a:rPr kumimoji="0" lang="en-US" altLang="en-US" sz="900" b="0" i="0" u="none" strike="noStrike" cap="none" normalizeH="0" baseline="0" dirty="0">
+                <a:ln>
+                  <a:noFill/>
+                </a:ln>
+                <a:solidFill>
+                  <a:srgbClr val="DCDCAA"/>
+                </a:solidFill>
+                <a:effectLst/>
+                <a:latin typeface="Fira Code" panose="020B0809050000020004" pitchFamily="49" charset="0"/>
+              </a:rPr>
+              <a:t>WriteLine</a:t>
+            </a:r>
+            <a:r>
+              <a:rPr kumimoji="0" lang="en-US" altLang="en-US" sz="900" b="0" i="0" u="none" strike="noStrike" cap="none" normalizeH="0" baseline="0" dirty="0">
+                <a:ln>
+                  <a:noFill/>
+                </a:ln>
+                <a:solidFill>
+                  <a:srgbClr val="DCDCDC"/>
+                </a:solidFill>
+                <a:effectLst/>
+                <a:latin typeface="Fira Code" panose="020B0809050000020004" pitchFamily="49" charset="0"/>
+              </a:rPr>
+              <a:t>(</a:t>
+            </a:r>
+            <a:r>
+              <a:rPr kumimoji="0" lang="en-US" altLang="en-US" sz="900" b="0" i="0" u="none" strike="noStrike" cap="none" normalizeH="0" baseline="0" dirty="0">
+                <a:ln>
+                  <a:noFill/>
+                </a:ln>
+                <a:solidFill>
+                  <a:srgbClr val="D69D85"/>
+                </a:solidFill>
+                <a:effectLst/>
+                <a:latin typeface="Fira Code" panose="020B0809050000020004" pitchFamily="49" charset="0"/>
+              </a:rPr>
+              <a:t>"&lt;= Invoking "</a:t>
+            </a:r>
+            <a:r>
+              <a:rPr kumimoji="0" lang="en-US" altLang="en-US" sz="900" b="0" i="0" u="none" strike="noStrike" cap="none" normalizeH="0" baseline="0" dirty="0">
+                <a:ln>
+                  <a:noFill/>
+                </a:ln>
+                <a:solidFill>
+                  <a:srgbClr val="DCDCDC"/>
+                </a:solidFill>
+                <a:effectLst/>
+                <a:latin typeface="Fira Code" panose="020B0809050000020004" pitchFamily="49" charset="0"/>
+              </a:rPr>
+              <a:t> </a:t>
+            </a:r>
+            <a:r>
+              <a:rPr kumimoji="0" lang="en-US" altLang="en-US" sz="900" b="0" i="0" u="none" strike="noStrike" cap="none" normalizeH="0" baseline="0" dirty="0">
+                <a:ln>
+                  <a:noFill/>
+                </a:ln>
+                <a:solidFill>
+                  <a:srgbClr val="B4B4B4"/>
+                </a:solidFill>
+                <a:effectLst/>
+                <a:latin typeface="Fira Code" panose="020B0809050000020004" pitchFamily="49" charset="0"/>
+              </a:rPr>
+              <a:t>+</a:t>
+            </a:r>
+            <a:r>
+              <a:rPr kumimoji="0" lang="en-US" altLang="en-US" sz="900" b="0" i="0" u="none" strike="noStrike" cap="none" normalizeH="0" baseline="0" dirty="0">
+                <a:ln>
+                  <a:noFill/>
+                </a:ln>
+                <a:solidFill>
+                  <a:srgbClr val="DCDCDC"/>
+                </a:solidFill>
+                <a:effectLst/>
+                <a:latin typeface="Fira Code" panose="020B0809050000020004" pitchFamily="49" charset="0"/>
+              </a:rPr>
+              <a:t> </a:t>
+            </a:r>
+            <a:r>
+              <a:rPr kumimoji="0" lang="en-US" altLang="en-US" sz="900" b="0" i="0" u="none" strike="noStrike" cap="none" normalizeH="0" baseline="0" dirty="0">
+                <a:ln>
+                  <a:noFill/>
+                </a:ln>
+                <a:solidFill>
+                  <a:srgbClr val="9CDCFE"/>
+                </a:solidFill>
+                <a:effectLst/>
+                <a:latin typeface="Fira Code" panose="020B0809050000020004" pitchFamily="49" charset="0"/>
+              </a:rPr>
+              <a:t>context</a:t>
+            </a:r>
+            <a:r>
+              <a:rPr kumimoji="0" lang="en-US" altLang="en-US" sz="900" b="0" i="0" u="none" strike="noStrike" cap="none" normalizeH="0" baseline="0" dirty="0">
+                <a:ln>
+                  <a:noFill/>
+                </a:ln>
+                <a:solidFill>
+                  <a:srgbClr val="B4B4B4"/>
+                </a:solidFill>
+                <a:effectLst/>
+                <a:latin typeface="Fira Code" panose="020B0809050000020004" pitchFamily="49" charset="0"/>
+              </a:rPr>
+              <a:t>.</a:t>
+            </a:r>
+            <a:r>
+              <a:rPr kumimoji="0" lang="en-US" altLang="en-US" sz="900" b="0" i="0" u="none" strike="noStrike" cap="none" normalizeH="0" baseline="0" dirty="0">
+                <a:ln>
+                  <a:noFill/>
+                </a:ln>
+                <a:solidFill>
+                  <a:srgbClr val="DCDCDC"/>
+                </a:solidFill>
+                <a:effectLst/>
+                <a:latin typeface="Fira Code" panose="020B0809050000020004" pitchFamily="49" charset="0"/>
+              </a:rPr>
+              <a:t>Invocation</a:t>
+            </a:r>
+            <a:r>
+              <a:rPr kumimoji="0" lang="en-US" altLang="en-US" sz="900" b="0" i="0" u="none" strike="noStrike" cap="none" normalizeH="0" baseline="0" dirty="0">
+                <a:ln>
+                  <a:noFill/>
+                </a:ln>
+                <a:solidFill>
+                  <a:srgbClr val="B4B4B4"/>
+                </a:solidFill>
+                <a:effectLst/>
+                <a:latin typeface="Fira Code" panose="020B0809050000020004" pitchFamily="49" charset="0"/>
+              </a:rPr>
+              <a:t>.</a:t>
+            </a:r>
+            <a:r>
+              <a:rPr kumimoji="0" lang="en-US" altLang="en-US" sz="900" b="0" i="0" u="none" strike="noStrike" cap="none" normalizeH="0" baseline="0" dirty="0">
+                <a:ln>
+                  <a:noFill/>
+                </a:ln>
+                <a:solidFill>
+                  <a:srgbClr val="DCDCDC"/>
+                </a:solidFill>
+                <a:effectLst/>
+                <a:latin typeface="Fira Code" panose="020B0809050000020004" pitchFamily="49" charset="0"/>
+              </a:rPr>
+              <a:t>Method </a:t>
+            </a:r>
+            <a:r>
+              <a:rPr kumimoji="0" lang="en-US" altLang="en-US" sz="900" b="0" i="0" u="none" strike="noStrike" cap="none" normalizeH="0" baseline="0" dirty="0">
+                <a:ln>
+                  <a:noFill/>
+                </a:ln>
+                <a:solidFill>
+                  <a:srgbClr val="B4B4B4"/>
+                </a:solidFill>
+                <a:effectLst/>
+                <a:latin typeface="Fira Code" panose="020B0809050000020004" pitchFamily="49" charset="0"/>
+              </a:rPr>
+              <a:t>+</a:t>
+            </a:r>
+            <a:r>
+              <a:rPr kumimoji="0" lang="en-US" altLang="en-US" sz="900" b="0" i="0" u="none" strike="noStrike" cap="none" normalizeH="0" baseline="0" dirty="0">
+                <a:ln>
+                  <a:noFill/>
+                </a:ln>
+                <a:solidFill>
+                  <a:srgbClr val="DCDCDC"/>
+                </a:solidFill>
+                <a:effectLst/>
+                <a:latin typeface="Fira Code" panose="020B0809050000020004" pitchFamily="49" charset="0"/>
+              </a:rPr>
+              <a:t> </a:t>
+            </a:r>
+            <a:r>
+              <a:rPr kumimoji="0" lang="en-US" altLang="en-US" sz="900" b="0" i="0" u="none" strike="noStrike" cap="none" normalizeH="0" baseline="0" dirty="0">
+                <a:ln>
+                  <a:noFill/>
+                </a:ln>
+                <a:solidFill>
+                  <a:srgbClr val="D69D85"/>
+                </a:solidFill>
+                <a:effectLst/>
+                <a:latin typeface="Fira Code" panose="020B0809050000020004" pitchFamily="49" charset="0"/>
+              </a:rPr>
+              <a:t>" on client hub "</a:t>
+            </a:r>
+            <a:r>
+              <a:rPr kumimoji="0" lang="en-US" altLang="en-US" sz="900" b="0" i="0" u="none" strike="noStrike" cap="none" normalizeH="0" baseline="0" dirty="0">
+                <a:ln>
+                  <a:noFill/>
+                </a:ln>
+                <a:solidFill>
+                  <a:srgbClr val="DCDCDC"/>
+                </a:solidFill>
+                <a:effectLst/>
+                <a:latin typeface="Fira Code" panose="020B0809050000020004" pitchFamily="49" charset="0"/>
+              </a:rPr>
+              <a:t> </a:t>
+            </a:r>
+            <a:r>
+              <a:rPr kumimoji="0" lang="en-US" altLang="en-US" sz="900" b="0" i="0" u="none" strike="noStrike" cap="none" normalizeH="0" baseline="0" dirty="0">
+                <a:ln>
+                  <a:noFill/>
+                </a:ln>
+                <a:solidFill>
+                  <a:srgbClr val="B4B4B4"/>
+                </a:solidFill>
+                <a:effectLst/>
+                <a:latin typeface="Fira Code" panose="020B0809050000020004" pitchFamily="49" charset="0"/>
+              </a:rPr>
+              <a:t>+</a:t>
+            </a:r>
+            <a:r>
+              <a:rPr kumimoji="0" lang="en-US" altLang="en-US" sz="900" b="0" i="0" u="none" strike="noStrike" cap="none" normalizeH="0" baseline="0" dirty="0">
+                <a:ln>
+                  <a:noFill/>
+                </a:ln>
+                <a:solidFill>
+                  <a:srgbClr val="DCDCDC"/>
+                </a:solidFill>
+                <a:effectLst/>
+                <a:latin typeface="Fira Code" panose="020B0809050000020004" pitchFamily="49" charset="0"/>
+              </a:rPr>
+              <a:t> </a:t>
+            </a:r>
+            <a:r>
+              <a:rPr kumimoji="0" lang="en-US" altLang="en-US" sz="900" b="0" i="0" u="none" strike="noStrike" cap="none" normalizeH="0" baseline="0" dirty="0">
+                <a:ln>
+                  <a:noFill/>
+                </a:ln>
+                <a:solidFill>
+                  <a:srgbClr val="9CDCFE"/>
+                </a:solidFill>
+                <a:effectLst/>
+                <a:latin typeface="Fira Code" panose="020B0809050000020004" pitchFamily="49" charset="0"/>
+              </a:rPr>
+              <a:t>context</a:t>
+            </a:r>
+            <a:r>
+              <a:rPr kumimoji="0" lang="en-US" altLang="en-US" sz="900" b="0" i="0" u="none" strike="noStrike" cap="none" normalizeH="0" baseline="0" dirty="0">
+                <a:ln>
+                  <a:noFill/>
+                </a:ln>
+                <a:solidFill>
+                  <a:srgbClr val="B4B4B4"/>
+                </a:solidFill>
+                <a:effectLst/>
+                <a:latin typeface="Fira Code" panose="020B0809050000020004" pitchFamily="49" charset="0"/>
+              </a:rPr>
+              <a:t>.</a:t>
+            </a:r>
+            <a:r>
+              <a:rPr kumimoji="0" lang="en-US" altLang="en-US" sz="900" b="0" i="0" u="none" strike="noStrike" cap="none" normalizeH="0" baseline="0" dirty="0">
+                <a:ln>
+                  <a:noFill/>
+                </a:ln>
+                <a:solidFill>
+                  <a:srgbClr val="DCDCDC"/>
+                </a:solidFill>
+                <a:effectLst/>
+                <a:latin typeface="Fira Code" panose="020B0809050000020004" pitchFamily="49" charset="0"/>
+              </a:rPr>
+              <a:t>Invocation</a:t>
+            </a:r>
+            <a:r>
+              <a:rPr kumimoji="0" lang="en-US" altLang="en-US" sz="900" b="0" i="0" u="none" strike="noStrike" cap="none" normalizeH="0" baseline="0" dirty="0">
+                <a:ln>
+                  <a:noFill/>
+                </a:ln>
+                <a:solidFill>
+                  <a:srgbClr val="B4B4B4"/>
+                </a:solidFill>
+                <a:effectLst/>
+                <a:latin typeface="Fira Code" panose="020B0809050000020004" pitchFamily="49" charset="0"/>
+              </a:rPr>
+              <a:t>.</a:t>
+            </a:r>
+            <a:r>
+              <a:rPr kumimoji="0" lang="en-US" altLang="en-US" sz="900" b="0" i="0" u="none" strike="noStrike" cap="none" normalizeH="0" baseline="0" dirty="0">
+                <a:ln>
+                  <a:noFill/>
+                </a:ln>
+                <a:solidFill>
+                  <a:srgbClr val="DCDCDC"/>
+                </a:solidFill>
+                <a:effectLst/>
+                <a:latin typeface="Fira Code" panose="020B0809050000020004" pitchFamily="49" charset="0"/>
+              </a:rPr>
+              <a:t>Hub);</a:t>
+            </a:r>
+          </a:p>
+          <a:p>
+            <a:pPr marL="0" marR="0" lvl="0" indent="0" algn="l" defTabSz="914400" rtl="0" eaLnBrk="0" fontAlgn="base" latinLnBrk="0" hangingPunct="0">
+              <a:lnSpc>
+                <a:spcPct val="100000"/>
+              </a:lnSpc>
+              <a:spcBef>
+                <a:spcPct val="0"/>
+              </a:spcBef>
+              <a:spcAft>
+                <a:spcPct val="0"/>
+              </a:spcAft>
+              <a:buClrTx/>
+              <a:buSzTx/>
+              <a:buFontTx/>
+              <a:buNone/>
+              <a:tabLst/>
+            </a:pPr>
+            <a:r>
+              <a:rPr kumimoji="0" lang="en-US" altLang="en-US" sz="900" b="0" i="0" u="none" strike="noStrike" cap="none" normalizeH="0" baseline="0" dirty="0">
+                <a:ln>
+                  <a:noFill/>
+                </a:ln>
+                <a:solidFill>
+                  <a:srgbClr val="DCDCDC"/>
+                </a:solidFill>
+                <a:effectLst/>
+                <a:latin typeface="Fira Code" panose="020B0809050000020004" pitchFamily="49" charset="0"/>
+              </a:rPr>
+              <a:t>         </a:t>
+            </a:r>
+            <a:r>
+              <a:rPr kumimoji="0" lang="en-US" altLang="en-US" sz="900" b="0" i="0" u="none" strike="noStrike" cap="none" normalizeH="0" baseline="0" dirty="0">
+                <a:ln>
+                  <a:noFill/>
+                </a:ln>
+                <a:solidFill>
+                  <a:srgbClr val="D8A0DF"/>
+                </a:solidFill>
+                <a:effectLst/>
+                <a:latin typeface="Fira Code" panose="020B0809050000020004" pitchFamily="49" charset="0"/>
+              </a:rPr>
+              <a:t>return</a:t>
+            </a:r>
+            <a:r>
+              <a:rPr kumimoji="0" lang="en-US" altLang="en-US" sz="900" b="0" i="0" u="none" strike="noStrike" cap="none" normalizeH="0" baseline="0" dirty="0">
+                <a:ln>
+                  <a:noFill/>
+                </a:ln>
+                <a:solidFill>
+                  <a:srgbClr val="DCDCDC"/>
+                </a:solidFill>
+                <a:effectLst/>
+                <a:latin typeface="Fira Code" panose="020B0809050000020004" pitchFamily="49" charset="0"/>
+              </a:rPr>
+              <a:t> </a:t>
+            </a:r>
+            <a:r>
+              <a:rPr kumimoji="0" lang="en-US" altLang="en-US" sz="900" b="0" i="0" u="none" strike="noStrike" cap="none" normalizeH="0" baseline="0" dirty="0">
+                <a:ln>
+                  <a:noFill/>
+                </a:ln>
+                <a:solidFill>
+                  <a:srgbClr val="569CD6"/>
+                </a:solidFill>
+                <a:effectLst/>
+                <a:latin typeface="Fira Code" panose="020B0809050000020004" pitchFamily="49" charset="0"/>
+              </a:rPr>
+              <a:t>base</a:t>
+            </a:r>
+            <a:r>
+              <a:rPr kumimoji="0" lang="en-US" altLang="en-US" sz="900" b="0" i="0" u="none" strike="noStrike" cap="none" normalizeH="0" baseline="0" dirty="0">
+                <a:ln>
+                  <a:noFill/>
+                </a:ln>
+                <a:solidFill>
+                  <a:srgbClr val="B4B4B4"/>
+                </a:solidFill>
+                <a:effectLst/>
+                <a:latin typeface="Fira Code" panose="020B0809050000020004" pitchFamily="49" charset="0"/>
+              </a:rPr>
+              <a:t>.</a:t>
+            </a:r>
+            <a:r>
+              <a:rPr kumimoji="0" lang="en-US" altLang="en-US" sz="900" b="0" i="0" u="none" strike="noStrike" cap="none" normalizeH="0" baseline="0" dirty="0">
+                <a:ln>
+                  <a:noFill/>
+                </a:ln>
+                <a:solidFill>
+                  <a:srgbClr val="DCDCAA"/>
+                </a:solidFill>
+                <a:effectLst/>
+                <a:latin typeface="Fira Code" panose="020B0809050000020004" pitchFamily="49" charset="0"/>
+              </a:rPr>
+              <a:t>OnBeforeOutgoing</a:t>
+            </a:r>
+            <a:r>
+              <a:rPr kumimoji="0" lang="en-US" altLang="en-US" sz="900" b="0" i="0" u="none" strike="noStrike" cap="none" normalizeH="0" baseline="0" dirty="0">
+                <a:ln>
+                  <a:noFill/>
+                </a:ln>
+                <a:solidFill>
+                  <a:srgbClr val="DCDCDC"/>
+                </a:solidFill>
+                <a:effectLst/>
+                <a:latin typeface="Fira Code" panose="020B0809050000020004" pitchFamily="49" charset="0"/>
+              </a:rPr>
+              <a:t>(</a:t>
+            </a:r>
+            <a:r>
+              <a:rPr kumimoji="0" lang="en-US" altLang="en-US" sz="900" b="0" i="0" u="none" strike="noStrike" cap="none" normalizeH="0" baseline="0" dirty="0">
+                <a:ln>
+                  <a:noFill/>
+                </a:ln>
+                <a:solidFill>
+                  <a:srgbClr val="9CDCFE"/>
+                </a:solidFill>
+                <a:effectLst/>
+                <a:latin typeface="Fira Code" panose="020B0809050000020004" pitchFamily="49" charset="0"/>
+              </a:rPr>
+              <a:t>context</a:t>
+            </a:r>
+            <a:r>
+              <a:rPr kumimoji="0" lang="en-US" altLang="en-US" sz="900" b="0" i="0" u="none" strike="noStrike" cap="none" normalizeH="0" baseline="0" dirty="0">
+                <a:ln>
+                  <a:noFill/>
+                </a:ln>
+                <a:solidFill>
+                  <a:srgbClr val="DCDCDC"/>
+                </a:solidFill>
+                <a:effectLst/>
+                <a:latin typeface="Fira Code" panose="020B0809050000020004" pitchFamily="49" charset="0"/>
+              </a:rPr>
+              <a:t>);</a:t>
+            </a:r>
+          </a:p>
+          <a:p>
+            <a:pPr marL="0" marR="0" lvl="0" indent="0" algn="l" defTabSz="914400" rtl="0" eaLnBrk="0" fontAlgn="base" latinLnBrk="0" hangingPunct="0">
+              <a:lnSpc>
+                <a:spcPct val="100000"/>
+              </a:lnSpc>
+              <a:spcBef>
+                <a:spcPct val="0"/>
+              </a:spcBef>
+              <a:spcAft>
+                <a:spcPct val="0"/>
+              </a:spcAft>
+              <a:buClrTx/>
+              <a:buSzTx/>
+              <a:buFontTx/>
+              <a:buNone/>
+              <a:tabLst/>
+            </a:pPr>
+            <a:r>
+              <a:rPr kumimoji="0" lang="en-US" altLang="en-US" sz="900" b="0" i="0" u="none" strike="noStrike" cap="none" normalizeH="0" baseline="0" dirty="0">
+                <a:ln>
+                  <a:noFill/>
+                </a:ln>
+                <a:solidFill>
+                  <a:srgbClr val="DCDCDC"/>
+                </a:solidFill>
+                <a:effectLst/>
+                <a:latin typeface="Fira Code" panose="020B0809050000020004" pitchFamily="49" charset="0"/>
+              </a:rPr>
+              <a:t>     }</a:t>
+            </a:r>
+          </a:p>
+          <a:p>
+            <a:pPr marL="0" marR="0" lvl="0" indent="0" algn="l" defTabSz="914400" rtl="0" eaLnBrk="0" fontAlgn="base" latinLnBrk="0" hangingPunct="0">
+              <a:lnSpc>
+                <a:spcPct val="100000"/>
+              </a:lnSpc>
+              <a:spcBef>
+                <a:spcPct val="0"/>
+              </a:spcBef>
+              <a:spcAft>
+                <a:spcPct val="0"/>
+              </a:spcAft>
+              <a:buClrTx/>
+              <a:buSzTx/>
+              <a:buFontTx/>
+              <a:buNone/>
+              <a:tabLst/>
+            </a:pPr>
+            <a:r>
+              <a:rPr kumimoji="0" lang="en-US" altLang="en-US" sz="900" b="0" i="0" u="none" strike="noStrike" cap="none" normalizeH="0" baseline="0" dirty="0">
+                <a:ln>
+                  <a:noFill/>
+                </a:ln>
+                <a:solidFill>
+                  <a:srgbClr val="DCDCDC"/>
+                </a:solidFill>
+                <a:effectLst/>
+                <a:latin typeface="Fira Code" panose="020B0809050000020004" pitchFamily="49" charset="0"/>
+              </a:rPr>
+              <a:t>}</a:t>
+            </a:r>
+            <a:endParaRPr kumimoji="0" lang="en-US" altLang="en-US" sz="1800" b="0" i="0" u="none" strike="noStrike" cap="none" normalizeH="0" baseline="0" dirty="0">
+              <a:ln>
+                <a:noFill/>
+              </a:ln>
+              <a:solidFill>
+                <a:schemeClr val="tx1"/>
+              </a:solidFill>
+              <a:effectLst/>
+              <a:latin typeface="Arial" panose="020B0604020202020204" pitchFamily="34" charset="0"/>
+            </a:endParaRPr>
+          </a:p>
+        </p:txBody>
+      </p:sp>
+      <p:sp>
+        <p:nvSpPr>
+          <p:cNvPr id="3" name="Rectangle 2">
+            <a:extLst>
+              <a:ext uri="{FF2B5EF4-FFF2-40B4-BE49-F238E27FC236}">
+                <a16:creationId xmlns:a16="http://schemas.microsoft.com/office/drawing/2014/main" id="{DFB16E55-D37B-481D-863A-B2A7DB89CE88}"/>
+              </a:ext>
+            </a:extLst>
+          </p:cNvPr>
+          <p:cNvSpPr>
+            <a:spLocks noChangeArrowheads="1"/>
+          </p:cNvSpPr>
+          <p:nvPr/>
+        </p:nvSpPr>
+        <p:spPr bwMode="auto">
+          <a:xfrm>
+            <a:off x="1063558" y="5265761"/>
+            <a:ext cx="9202723" cy="230832"/>
+          </a:xfrm>
+          <a:prstGeom prst="rect">
+            <a:avLst/>
+          </a:prstGeom>
+          <a:solidFill>
+            <a:srgbClr val="1E1E1E"/>
+          </a:solidFill>
+          <a:ln>
+            <a:noFill/>
+          </a:ln>
+          <a:effectLst/>
+          <a:extLst>
+            <a:ext uri="{91240B29-F687-4F45-9708-019B960494DF}">
+              <a14:hiddenLine xmlns:a14="http://schemas.microsoft.com/office/drawing/2010/main" w="9525">
+                <a:solidFill>
+                  <a:schemeClr val="tx1"/>
+                </a:solidFill>
+                <a:miter lim="800000"/>
+                <a:headEnd/>
+                <a:tailEnd/>
+              </a14:hiddenLine>
+            </a:ext>
+            <a:ext uri="{AF507438-7753-43E0-B8FC-AC1667EBCBE1}">
+              <a14:hiddenEffects xmlns:a14="http://schemas.microsoft.com/office/drawing/2010/main">
+                <a:effectLst>
+                  <a:outerShdw dist="35921" dir="2700000" algn="ctr" rotWithShape="0">
+                    <a:schemeClr val="bg2"/>
+                  </a:outerShdw>
+                </a:effectLst>
+              </a14:hiddenEffects>
+            </a:ext>
+          </a:extLst>
+        </p:spPr>
+        <p:txBody>
+          <a:bodyPr vert="horz" wrap="square" lIns="91440" tIns="45720" rIns="91440" bIns="45720" numCol="1" anchor="ctr" anchorCtr="0" compatLnSpc="1">
+            <a:prstTxWarp prst="textNoShape">
+              <a:avLst/>
+            </a:prstTxWarp>
+            <a:spAutoFit/>
+          </a:bodyPr>
+          <a:lstStyle/>
+          <a:p>
+            <a:pPr marL="0" marR="0" lvl="0" indent="0" algn="l" defTabSz="914400" rtl="0" eaLnBrk="0" fontAlgn="base" latinLnBrk="0" hangingPunct="0">
+              <a:lnSpc>
+                <a:spcPct val="100000"/>
+              </a:lnSpc>
+              <a:spcBef>
+                <a:spcPct val="0"/>
+              </a:spcBef>
+              <a:spcAft>
+                <a:spcPct val="0"/>
+              </a:spcAft>
+              <a:buClrTx/>
+              <a:buSzTx/>
+              <a:buFontTx/>
+              <a:buNone/>
+              <a:tabLst/>
+            </a:pPr>
+            <a:r>
+              <a:rPr kumimoji="0" lang="en-US" altLang="en-US" sz="900" b="0" i="0" u="none" strike="noStrike" cap="none" normalizeH="0" baseline="0">
+                <a:ln>
+                  <a:noFill/>
+                </a:ln>
+                <a:solidFill>
+                  <a:srgbClr val="4EC9B0"/>
+                </a:solidFill>
+                <a:effectLst/>
+                <a:latin typeface="Fira Code" panose="020B0809050000020004" pitchFamily="49" charset="0"/>
+              </a:rPr>
+              <a:t>GlobalHost</a:t>
+            </a:r>
+            <a:r>
+              <a:rPr kumimoji="0" lang="en-US" altLang="en-US" sz="900" b="0" i="0" u="none" strike="noStrike" cap="none" normalizeH="0" baseline="0">
+                <a:ln>
+                  <a:noFill/>
+                </a:ln>
+                <a:solidFill>
+                  <a:srgbClr val="B4B4B4"/>
+                </a:solidFill>
+                <a:effectLst/>
+                <a:latin typeface="Fira Code" panose="020B0809050000020004" pitchFamily="49" charset="0"/>
+              </a:rPr>
+              <a:t>.</a:t>
+            </a:r>
+            <a:r>
+              <a:rPr kumimoji="0" lang="en-US" altLang="en-US" sz="900" b="0" i="0" u="none" strike="noStrike" cap="none" normalizeH="0" baseline="0">
+                <a:ln>
+                  <a:noFill/>
+                </a:ln>
+                <a:solidFill>
+                  <a:srgbClr val="DCDCDC"/>
+                </a:solidFill>
+                <a:effectLst/>
+                <a:latin typeface="Fira Code" panose="020B0809050000020004" pitchFamily="49" charset="0"/>
+              </a:rPr>
+              <a:t>HubPipeline</a:t>
+            </a:r>
+            <a:r>
+              <a:rPr kumimoji="0" lang="en-US" altLang="en-US" sz="900" b="0" i="0" u="none" strike="noStrike" cap="none" normalizeH="0" baseline="0">
+                <a:ln>
+                  <a:noFill/>
+                </a:ln>
+                <a:solidFill>
+                  <a:srgbClr val="B4B4B4"/>
+                </a:solidFill>
+                <a:effectLst/>
+                <a:latin typeface="Fira Code" panose="020B0809050000020004" pitchFamily="49" charset="0"/>
+              </a:rPr>
+              <a:t>.</a:t>
+            </a:r>
+            <a:r>
+              <a:rPr kumimoji="0" lang="en-US" altLang="en-US" sz="900" b="0" i="0" u="none" strike="noStrike" cap="none" normalizeH="0" baseline="0">
+                <a:ln>
+                  <a:noFill/>
+                </a:ln>
+                <a:solidFill>
+                  <a:srgbClr val="DCDCAA"/>
+                </a:solidFill>
+                <a:effectLst/>
+                <a:latin typeface="Fira Code" panose="020B0809050000020004" pitchFamily="49" charset="0"/>
+              </a:rPr>
+              <a:t>AddModule</a:t>
+            </a:r>
+            <a:r>
+              <a:rPr kumimoji="0" lang="en-US" altLang="en-US" sz="900" b="0" i="0" u="none" strike="noStrike" cap="none" normalizeH="0" baseline="0">
+                <a:ln>
+                  <a:noFill/>
+                </a:ln>
+                <a:solidFill>
+                  <a:srgbClr val="DCDCDC"/>
+                </a:solidFill>
+                <a:effectLst/>
+                <a:latin typeface="Fira Code" panose="020B0809050000020004" pitchFamily="49" charset="0"/>
+              </a:rPr>
+              <a:t>(</a:t>
+            </a:r>
+            <a:r>
+              <a:rPr kumimoji="0" lang="en-US" altLang="en-US" sz="900" b="0" i="0" u="none" strike="noStrike" cap="none" normalizeH="0" baseline="0">
+                <a:ln>
+                  <a:noFill/>
+                </a:ln>
+                <a:solidFill>
+                  <a:srgbClr val="569CD6"/>
+                </a:solidFill>
+                <a:effectLst/>
+                <a:latin typeface="Fira Code" panose="020B0809050000020004" pitchFamily="49" charset="0"/>
+              </a:rPr>
+              <a:t>new</a:t>
+            </a:r>
+            <a:r>
+              <a:rPr kumimoji="0" lang="en-US" altLang="en-US" sz="900" b="0" i="0" u="none" strike="noStrike" cap="none" normalizeH="0" baseline="0">
+                <a:ln>
+                  <a:noFill/>
+                </a:ln>
+                <a:solidFill>
+                  <a:srgbClr val="DCDCDC"/>
+                </a:solidFill>
+                <a:effectLst/>
+                <a:latin typeface="Fira Code" panose="020B0809050000020004" pitchFamily="49" charset="0"/>
+              </a:rPr>
+              <a:t> </a:t>
+            </a:r>
+            <a:r>
+              <a:rPr kumimoji="0" lang="en-US" altLang="en-US" sz="900" b="0" i="0" u="none" strike="noStrike" cap="none" normalizeH="0" baseline="0">
+                <a:ln>
+                  <a:noFill/>
+                </a:ln>
+                <a:solidFill>
+                  <a:srgbClr val="4EC9B0"/>
+                </a:solidFill>
+                <a:effectLst/>
+                <a:latin typeface="Fira Code" panose="020B0809050000020004" pitchFamily="49" charset="0"/>
+              </a:rPr>
+              <a:t>LoggingPipelineModule</a:t>
+            </a:r>
+            <a:r>
+              <a:rPr kumimoji="0" lang="en-US" altLang="en-US" sz="900" b="0" i="0" u="none" strike="noStrike" cap="none" normalizeH="0" baseline="0">
+                <a:ln>
+                  <a:noFill/>
+                </a:ln>
+                <a:solidFill>
+                  <a:srgbClr val="DCDCDC"/>
+                </a:solidFill>
+                <a:effectLst/>
+                <a:latin typeface="Fira Code" panose="020B0809050000020004" pitchFamily="49" charset="0"/>
+              </a:rPr>
+              <a:t>()); </a:t>
+            </a:r>
+            <a:endParaRPr kumimoji="0" lang="en-US" altLang="en-US" sz="1800" b="0" i="0" u="none" strike="noStrike" cap="none" normalizeH="0" baseline="0">
+              <a:ln>
+                <a:noFill/>
+              </a:ln>
+              <a:solidFill>
+                <a:schemeClr val="tx1"/>
+              </a:solidFill>
+              <a:effectLst/>
+              <a:latin typeface="Arial" panose="020B0604020202020204" pitchFamily="34" charset="0"/>
+            </a:endParaRPr>
+          </a:p>
+        </p:txBody>
+      </p:sp>
+    </p:spTree>
+    <p:extLst>
+      <p:ext uri="{BB962C8B-B14F-4D97-AF65-F5344CB8AC3E}">
+        <p14:creationId xmlns:p14="http://schemas.microsoft.com/office/powerpoint/2010/main" val="1152562539"/>
+      </p:ext>
+    </p:extLst>
+  </p:cSld>
+  <p:clrMapOvr>
+    <a:masterClrMapping/>
+  </p:clrMapOvr>
+</p:sld>
+</file>
+
+<file path=ppt/slides/slide35.xml><?xml version="1.0" encoding="utf-8"?>
+<p:sld xmlns:a="http://schemas.openxmlformats.org/drawingml/2006/main" xmlns:r="http://schemas.openxmlformats.org/officeDocument/2006/relationships" xmlns:p="http://schemas.openxmlformats.org/presentationml/2006/main">
+  <p:cSld>
+    <p:spTree>
+      <p:nvGrpSpPr>
+        <p:cNvPr id="1" name=""/>
+        <p:cNvGrpSpPr/>
+        <p:nvPr/>
+      </p:nvGrpSpPr>
+      <p:grpSpPr>
+        <a:xfrm>
+          <a:off x="0" y="0"/>
+          <a:ext cx="0" cy="0"/>
+          <a:chOff x="0" y="0"/>
+          <a:chExt cx="0" cy="0"/>
+        </a:xfrm>
+      </p:grpSpPr>
+      <p:sp>
+        <p:nvSpPr>
+          <p:cNvPr id="7" name="Title 6">
+            <a:extLst>
+              <a:ext uri="{FF2B5EF4-FFF2-40B4-BE49-F238E27FC236}">
+                <a16:creationId xmlns:a16="http://schemas.microsoft.com/office/drawing/2014/main" id="{995CDE5A-4025-488F-9F23-4B1873D72739}"/>
+              </a:ext>
+            </a:extLst>
+          </p:cNvPr>
+          <p:cNvSpPr>
+            <a:spLocks noGrp="1"/>
+          </p:cNvSpPr>
+          <p:nvPr>
+            <p:ph type="title"/>
+          </p:nvPr>
+        </p:nvSpPr>
+        <p:spPr>
+          <a:xfrm>
+            <a:off x="684211" y="755008"/>
+            <a:ext cx="10823576" cy="696287"/>
+          </a:xfrm>
+        </p:spPr>
+        <p:txBody>
+          <a:bodyPr anchor="t">
+            <a:normAutofit/>
+          </a:bodyPr>
+          <a:lstStyle/>
+          <a:p>
+            <a:r>
+              <a:rPr lang="en-US" cap="none" dirty="0">
+                <a:latin typeface="Segoe UI" panose="020B0502040204020203" pitchFamily="34" charset="0"/>
+                <a:cs typeface="Segoe UI" panose="020B0502040204020203" pitchFamily="34" charset="0"/>
+              </a:rPr>
               <a:t>Description</a:t>
             </a:r>
             <a:endParaRPr lang="en-ZA" cap="none" dirty="0">

--- a/SignalR.pptx
+++ b/SignalR.pptx
@@ -337,7 +337,7 @@
           <a:p>
             <a:fld id="{48A87A34-81AB-432B-8DAE-1953F412C126}" type="datetimeFigureOut">
               <a:rPr lang="en-US" smtClean="0"/>
-              <a:t>2/16/2020</a:t>
+              <a:t>2/17/2020</a:t>
             </a:fld>
             <a:endParaRPr lang="en-US" dirty="0"/>
           </a:p>
@@ -774,7 +774,7 @@
             <a:fld id="{48A87A34-81AB-432B-8DAE-1953F412C126}" type="datetimeFigureOut">
               <a:rPr lang="en-US" smtClean="0"/>
               <a:pPr/>
-              <a:t>2/16/2020</a:t>
+              <a:t>2/17/2020</a:t>
             </a:fld>
             <a:endParaRPr lang="en-US" dirty="0"/>
           </a:p>
@@ -1026,7 +1026,7 @@
             <a:fld id="{48A87A34-81AB-432B-8DAE-1953F412C126}" type="datetimeFigureOut">
               <a:rPr lang="en-US" smtClean="0"/>
               <a:pPr/>
-              <a:t>2/16/2020</a:t>
+              <a:t>2/17/2020</a:t>
             </a:fld>
             <a:endParaRPr lang="en-US" dirty="0"/>
           </a:p>
@@ -1336,7 +1336,7 @@
             <a:fld id="{48A87A34-81AB-432B-8DAE-1953F412C126}" type="datetimeFigureOut">
               <a:rPr lang="en-US" smtClean="0"/>
               <a:pPr/>
-              <a:t>2/16/2020</a:t>
+              <a:t>2/17/2020</a:t>
             </a:fld>
             <a:endParaRPr lang="en-US" dirty="0"/>
           </a:p>
@@ -1656,7 +1656,7 @@
             <a:fld id="{48A87A34-81AB-432B-8DAE-1953F412C126}" type="datetimeFigureOut">
               <a:rPr lang="en-US" smtClean="0"/>
               <a:pPr/>
-              <a:t>2/16/2020</a:t>
+              <a:t>2/17/2020</a:t>
             </a:fld>
             <a:endParaRPr lang="en-US" dirty="0"/>
           </a:p>
@@ -1960,7 +1960,7 @@
             <a:fld id="{48A87A34-81AB-432B-8DAE-1953F412C126}" type="datetimeFigureOut">
               <a:rPr lang="en-US" smtClean="0"/>
               <a:pPr/>
-              <a:t>2/16/2020</a:t>
+              <a:t>2/17/2020</a:t>
             </a:fld>
             <a:endParaRPr lang="en-US" dirty="0"/>
           </a:p>
@@ -2329,7 +2329,7 @@
             <a:fld id="{48A87A34-81AB-432B-8DAE-1953F412C126}" type="datetimeFigureOut">
               <a:rPr lang="en-US" smtClean="0"/>
               <a:pPr/>
-              <a:t>2/16/2020</a:t>
+              <a:t>2/17/2020</a:t>
             </a:fld>
             <a:endParaRPr lang="en-US" dirty="0"/>
           </a:p>
@@ -2504,7 +2504,7 @@
           <a:p>
             <a:fld id="{48A87A34-81AB-432B-8DAE-1953F412C126}" type="datetimeFigureOut">
               <a:rPr lang="en-US" smtClean="0"/>
-              <a:t>2/16/2020</a:t>
+              <a:t>2/17/2020</a:t>
             </a:fld>
             <a:endParaRPr lang="en-US" dirty="0"/>
           </a:p>
@@ -2684,7 +2684,7 @@
           <a:p>
             <a:fld id="{48A87A34-81AB-432B-8DAE-1953F412C126}" type="datetimeFigureOut">
               <a:rPr lang="en-US" smtClean="0"/>
-              <a:t>2/16/2020</a:t>
+              <a:t>2/17/2020</a:t>
             </a:fld>
             <a:endParaRPr lang="en-US" dirty="0"/>
           </a:p>
@@ -2854,7 +2854,7 @@
           <a:p>
             <a:fld id="{48A87A34-81AB-432B-8DAE-1953F412C126}" type="datetimeFigureOut">
               <a:rPr lang="en-US" smtClean="0"/>
-              <a:t>2/16/2020</a:t>
+              <a:t>2/17/2020</a:t>
             </a:fld>
             <a:endParaRPr lang="en-US" dirty="0"/>
           </a:p>
@@ -3104,7 +3104,7 @@
           <a:p>
             <a:fld id="{48A87A34-81AB-432B-8DAE-1953F412C126}" type="datetimeFigureOut">
               <a:rPr lang="en-US" smtClean="0"/>
-              <a:t>2/16/2020</a:t>
+              <a:t>2/17/2020</a:t>
             </a:fld>
             <a:endParaRPr lang="en-US" dirty="0"/>
           </a:p>
@@ -3340,7 +3340,7 @@
           <a:p>
             <a:fld id="{48A87A34-81AB-432B-8DAE-1953F412C126}" type="datetimeFigureOut">
               <a:rPr lang="en-US" smtClean="0"/>
-              <a:t>2/16/2020</a:t>
+              <a:t>2/17/2020</a:t>
             </a:fld>
             <a:endParaRPr lang="en-US" dirty="0"/>
           </a:p>
@@ -3722,7 +3722,7 @@
           <a:p>
             <a:fld id="{48A87A34-81AB-432B-8DAE-1953F412C126}" type="datetimeFigureOut">
               <a:rPr lang="en-US" smtClean="0"/>
-              <a:t>2/16/2020</a:t>
+              <a:t>2/17/2020</a:t>
             </a:fld>
             <a:endParaRPr lang="en-US" dirty="0"/>
           </a:p>
@@ -3840,7 +3840,7 @@
           <a:p>
             <a:fld id="{48A87A34-81AB-432B-8DAE-1953F412C126}" type="datetimeFigureOut">
               <a:rPr lang="en-US" smtClean="0"/>
-              <a:t>2/16/2020</a:t>
+              <a:t>2/17/2020</a:t>
             </a:fld>
             <a:endParaRPr lang="en-US" dirty="0"/>
           </a:p>
@@ -3935,7 +3935,7 @@
           <a:p>
             <a:fld id="{48A87A34-81AB-432B-8DAE-1953F412C126}" type="datetimeFigureOut">
               <a:rPr lang="en-US" smtClean="0"/>
-              <a:t>2/16/2020</a:t>
+              <a:t>2/17/2020</a:t>
             </a:fld>
             <a:endParaRPr lang="en-US" dirty="0"/>
           </a:p>
@@ -4190,7 +4190,7 @@
           <a:p>
             <a:fld id="{48A87A34-81AB-432B-8DAE-1953F412C126}" type="datetimeFigureOut">
               <a:rPr lang="en-US" smtClean="0"/>
-              <a:t>2/16/2020</a:t>
+              <a:t>2/17/2020</a:t>
             </a:fld>
             <a:endParaRPr lang="en-US" dirty="0"/>
           </a:p>
@@ -4473,7 +4473,7 @@
           <a:p>
             <a:fld id="{48A87A34-81AB-432B-8DAE-1953F412C126}" type="datetimeFigureOut">
               <a:rPr lang="en-US" smtClean="0"/>
-              <a:t>2/16/2020</a:t>
+              <a:t>2/17/2020</a:t>
             </a:fld>
             <a:endParaRPr lang="en-US" dirty="0"/>
           </a:p>
@@ -4880,7 +4880,7 @@
             <a:fld id="{48A87A34-81AB-432B-8DAE-1953F412C126}" type="datetimeFigureOut">
               <a:rPr lang="en-US" smtClean="0"/>
               <a:pPr/>
-              <a:t>2/16/2020</a:t>
+              <a:t>2/17/2020</a:t>
             </a:fld>
             <a:endParaRPr lang="en-US" dirty="0"/>
           </a:p>
@@ -5492,6 +5492,13 @@
   <p:clrMapOvr>
     <a:masterClrMapping/>
   </p:clrMapOvr>
+  <p:timing>
+    <p:tnLst>
+      <p:par>
+        <p:cTn id="1" dur="indefinite" restart="never" nodeType="tmRoot"/>
+      </p:par>
+    </p:tnLst>
+  </p:timing>
 </p:sld>
 </file>
 
@@ -5794,6 +5801,13 @@
   <p:clrMapOvr>
     <a:masterClrMapping/>
   </p:clrMapOvr>
+  <p:timing>
+    <p:tnLst>
+      <p:par>
+        <p:cTn id="1" dur="indefinite" restart="never" nodeType="tmRoot"/>
+      </p:par>
+    </p:tnLst>
+  </p:timing>
 </p:sld>
 </file>
 
@@ -6018,6 +6032,13 @@
   <p:clrMapOvr>
     <a:masterClrMapping/>
   </p:clrMapOvr>
+  <p:timing>
+    <p:tnLst>
+      <p:par>
+        <p:cTn id="1" dur="indefinite" restart="never" nodeType="tmRoot"/>
+      </p:par>
+    </p:tnLst>
+  </p:timing>
 </p:sld>
 </file>
 
@@ -7288,6 +7309,13 @@
   <p:clrMapOvr>
     <a:masterClrMapping/>
   </p:clrMapOvr>
+  <p:timing>
+    <p:tnLst>
+      <p:par>
+        <p:cTn id="1" dur="indefinite" restart="never" nodeType="tmRoot"/>
+      </p:par>
+    </p:tnLst>
+  </p:timing>
 </p:sld>
 </file>
 
@@ -7493,6 +7521,13 @@
   <p:clrMapOvr>
     <a:masterClrMapping/>
   </p:clrMapOvr>
+  <p:timing>
+    <p:tnLst>
+      <p:par>
+        <p:cTn id="1" dur="indefinite" restart="never" nodeType="tmRoot"/>
+      </p:par>
+    </p:tnLst>
+  </p:timing>
 </p:sld>
 </file>
 
@@ -7806,6 +7841,13 @@
   <p:clrMapOvr>
     <a:masterClrMapping/>
   </p:clrMapOvr>
+  <p:timing>
+    <p:tnLst>
+      <p:par>
+        <p:cTn id="1" dur="indefinite" restart="never" nodeType="tmRoot"/>
+      </p:par>
+    </p:tnLst>
+  </p:timing>
 </p:sld>
 </file>
 
@@ -7973,6 +8015,13 @@
   <p:clrMapOvr>
     <a:masterClrMapping/>
   </p:clrMapOvr>
+  <p:timing>
+    <p:tnLst>
+      <p:par>
+        <p:cTn id="1" dur="indefinite" restart="never" nodeType="tmRoot"/>
+      </p:par>
+    </p:tnLst>
+  </p:timing>
 </p:sld>
 </file>
 
@@ -8900,6 +8949,13 @@
   <p:clrMapOvr>
     <a:masterClrMapping/>
   </p:clrMapOvr>
+  <p:timing>
+    <p:tnLst>
+      <p:par>
+        <p:cTn id="1" dur="indefinite" restart="never" nodeType="tmRoot"/>
+      </p:par>
+    </p:tnLst>
+  </p:timing>
 </p:sld>
 </file>
 
@@ -9262,6 +9318,19 @@
               </a:rPr>
               <a:t>Clients.Client(Context.ConnectionId).SendMessage(name, message);</a:t>
             </a:r>
+            <a:r>
+              <a:rPr lang="en-US" dirty="0">
+                <a:solidFill>
+                  <a:schemeClr val="tx2">
+                    <a:lumMod val="20000"/>
+                    <a:lumOff val="80000"/>
+                  </a:schemeClr>
+                </a:solidFill>
+                <a:latin typeface="Segoe UI Light" panose="020B0502040204020203" pitchFamily="34" charset="0"/>
+                <a:cs typeface="Segoe UI Light" panose="020B0502040204020203" pitchFamily="34" charset="0"/>
+              </a:rPr>
+              <a:t/>
+            </a:r>
             <a:br>
               <a:rPr lang="en-US" dirty="0">
                 <a:solidFill>
@@ -9455,6 +9524,13 @@
   <p:clrMapOvr>
     <a:masterClrMapping/>
   </p:clrMapOvr>
+  <p:timing>
+    <p:tnLst>
+      <p:par>
+        <p:cTn id="1" dur="indefinite" restart="never" nodeType="tmRoot"/>
+      </p:par>
+    </p:tnLst>
+  </p:timing>
 </p:sld>
 </file>
 
@@ -9930,6 +10006,13 @@
   <p:clrMapOvr>
     <a:masterClrMapping/>
   </p:clrMapOvr>
+  <p:timing>
+    <p:tnLst>
+      <p:par>
+        <p:cTn id="1" dur="indefinite" restart="never" nodeType="tmRoot"/>
+      </p:par>
+    </p:tnLst>
+  </p:timing>
 </p:sld>
 </file>
 
@@ -10351,6 +10434,13 @@
   <p:clrMapOvr>
     <a:masterClrMapping/>
   </p:clrMapOvr>
+  <p:timing>
+    <p:tnLst>
+      <p:par>
+        <p:cTn id="1" dur="indefinite" restart="never" nodeType="tmRoot"/>
+      </p:par>
+    </p:tnLst>
+  </p:timing>
 </p:sld>
 </file>
 
@@ -10516,6 +10606,13 @@
   <p:clrMapOvr>
     <a:masterClrMapping/>
   </p:clrMapOvr>
+  <p:timing>
+    <p:tnLst>
+      <p:par>
+        <p:cTn id="1" dur="indefinite" restart="never" nodeType="tmRoot"/>
+      </p:par>
+    </p:tnLst>
+  </p:timing>
 </p:sld>
 </file>
 
@@ -11552,6 +11649,13 @@
   <p:clrMapOvr>
     <a:masterClrMapping/>
   </p:clrMapOvr>
+  <p:timing>
+    <p:tnLst>
+      <p:par>
+        <p:cTn id="1" dur="indefinite" restart="never" nodeType="tmRoot"/>
+      </p:par>
+    </p:tnLst>
+  </p:timing>
 </p:sld>
 </file>
 
@@ -12776,6 +12880,13 @@
   <p:clrMapOvr>
     <a:masterClrMapping/>
   </p:clrMapOvr>
+  <p:timing>
+    <p:tnLst>
+      <p:par>
+        <p:cTn id="1" dur="indefinite" restart="never" nodeType="tmRoot"/>
+      </p:par>
+    </p:tnLst>
+  </p:timing>
 </p:sld>
 </file>
 
@@ -12962,6 +13073,13 @@
   <p:clrMapOvr>
     <a:masterClrMapping/>
   </p:clrMapOvr>
+  <p:timing>
+    <p:tnLst>
+      <p:par>
+        <p:cTn id="1" dur="indefinite" restart="never" nodeType="tmRoot"/>
+      </p:par>
+    </p:tnLst>
+  </p:timing>
 </p:sld>
 </file>
 
@@ -14777,6 +14895,13 @@
   <p:clrMapOvr>
     <a:masterClrMapping/>
   </p:clrMapOvr>
+  <p:timing>
+    <p:tnLst>
+      <p:par>
+        <p:cTn id="1" dur="indefinite" restart="never" nodeType="tmRoot"/>
+      </p:par>
+    </p:tnLst>
+  </p:timing>
 </p:sld>
 </file>
 
@@ -15143,6 +15268,13 @@
   <p:clrMapOvr>
     <a:masterClrMapping/>
   </p:clrMapOvr>
+  <p:timing>
+    <p:tnLst>
+      <p:par>
+        <p:cTn id="1" dur="indefinite" restart="never" nodeType="tmRoot"/>
+      </p:par>
+    </p:tnLst>
+  </p:timing>
 </p:sld>
 </file>
 
@@ -15368,6 +15500,29 @@
               </a:rPr>
               <a:t>string connectionID = Context.ConnectionId;</a:t>
             </a:r>
+            <a:r>
+              <a:rPr lang="en-US" b="1" dirty="0">
+                <a:ln w="9525">
+                  <a:solidFill>
+                    <a:schemeClr val="bg1"/>
+                  </a:solidFill>
+                  <a:prstDash val="solid"/>
+                </a:ln>
+                <a:solidFill>
+                  <a:schemeClr val="tx1"/>
+                </a:solidFill>
+                <a:effectLst>
+                  <a:outerShdw blurRad="12700" dist="38100" dir="2700000" algn="tl" rotWithShape="0">
+                    <a:schemeClr val="bg1">
+                      <a:lumMod val="50000"/>
+                    </a:schemeClr>
+                  </a:outerShdw>
+                </a:effectLst>
+                <a:latin typeface="Consolas" panose="020B0609020204030204" pitchFamily="49" charset="0"/>
+                <a:cs typeface="Segoe UI Light" panose="020B0502040204020203" pitchFamily="34" charset="0"/>
+              </a:rPr>
+              <a:t/>
+            </a:r>
             <a:br>
               <a:rPr lang="en-US" b="1" dirty="0">
                 <a:ln w="9525">
@@ -15586,6 +15741,29 @@
               </a:rPr>
               <a:t>string parameterValue = queryString["parametername"];</a:t>
             </a:r>
+            <a:r>
+              <a:rPr lang="en-US" b="1" dirty="0">
+                <a:ln w="9525">
+                  <a:solidFill>
+                    <a:schemeClr val="bg1"/>
+                  </a:solidFill>
+                  <a:prstDash val="solid"/>
+                </a:ln>
+                <a:solidFill>
+                  <a:schemeClr val="tx1"/>
+                </a:solidFill>
+                <a:effectLst>
+                  <a:outerShdw blurRad="12700" dist="38100" dir="2700000" algn="tl" rotWithShape="0">
+                    <a:schemeClr val="bg1">
+                      <a:lumMod val="50000"/>
+                    </a:schemeClr>
+                  </a:outerShdw>
+                </a:effectLst>
+                <a:latin typeface="Consolas" panose="020B0609020204030204" pitchFamily="49" charset="0"/>
+                <a:cs typeface="Segoe UI Light" panose="020B0502040204020203" pitchFamily="34" charset="0"/>
+              </a:rPr>
+              <a:t/>
+            </a:r>
             <a:br>
               <a:rPr lang="en-US" b="1" dirty="0">
                 <a:ln w="9525">
@@ -15641,6 +15819,13 @@
   <p:clrMapOvr>
     <a:masterClrMapping/>
   </p:clrMapOvr>
+  <p:timing>
+    <p:tnLst>
+      <p:par>
+        <p:cTn id="1" dur="indefinite" restart="never" nodeType="tmRoot"/>
+      </p:par>
+    </p:tnLst>
+  </p:timing>
 </p:sld>
 </file>
 
@@ -15904,6 +16089,13 @@
   <p:clrMapOvr>
     <a:masterClrMapping/>
   </p:clrMapOvr>
+  <p:timing>
+    <p:tnLst>
+      <p:par>
+        <p:cTn id="1" dur="indefinite" restart="never" nodeType="tmRoot"/>
+      </p:par>
+    </p:tnLst>
+  </p:timing>
 </p:sld>
 </file>
 
@@ -16439,6 +16631,13 @@
   <p:clrMapOvr>
     <a:masterClrMapping/>
   </p:clrMapOvr>
+  <p:timing>
+    <p:tnLst>
+      <p:par>
+        <p:cTn id="1" dur="indefinite" restart="never" nodeType="tmRoot"/>
+      </p:par>
+    </p:tnLst>
+  </p:timing>
 </p:sld>
 </file>
 
@@ -16576,6 +16775,19 @@
             </a:r>
           </a:p>
           <a:p>
+            <a:r>
+              <a:rPr lang="en-US" dirty="0">
+                <a:solidFill>
+                  <a:schemeClr val="tx2">
+                    <a:lumMod val="20000"/>
+                    <a:lumOff val="80000"/>
+                  </a:schemeClr>
+                </a:solidFill>
+                <a:latin typeface="Segoe UI Light" panose="020B0502040204020203" pitchFamily="34" charset="0"/>
+                <a:cs typeface="Segoe UI Light" panose="020B0502040204020203" pitchFamily="34" charset="0"/>
+              </a:rPr>
+              <a:t/>
+            </a:r>
             <a:br>
               <a:rPr lang="en-US" dirty="0">
                 <a:solidFill>
@@ -16651,6 +16863,19 @@
             </a:endParaRPr>
           </a:p>
           <a:p>
+            <a:r>
+              <a:rPr lang="en-US" dirty="0">
+                <a:solidFill>
+                  <a:schemeClr val="tx2">
+                    <a:lumMod val="20000"/>
+                    <a:lumOff val="80000"/>
+                  </a:schemeClr>
+                </a:solidFill>
+                <a:latin typeface="Segoe UI Light" panose="020B0502040204020203" pitchFamily="34" charset="0"/>
+                <a:cs typeface="Segoe UI Light" panose="020B0502040204020203" pitchFamily="34" charset="0"/>
+              </a:rPr>
+              <a:t/>
+            </a:r>
             <a:br>
               <a:rPr lang="en-US" dirty="0">
                 <a:solidFill>
@@ -17629,6 +17854,13 @@
   <p:clrMapOvr>
     <a:masterClrMapping/>
   </p:clrMapOvr>
+  <p:timing>
+    <p:tnLst>
+      <p:par>
+        <p:cTn id="1" dur="indefinite" restart="never" nodeType="tmRoot"/>
+      </p:par>
+    </p:tnLst>
+  </p:timing>
 </p:sld>
 </file>
 
@@ -19546,6 +19778,13 @@
   <p:clrMapOvr>
     <a:masterClrMapping/>
   </p:clrMapOvr>
+  <p:timing>
+    <p:tnLst>
+      <p:par>
+        <p:cTn id="1" dur="indefinite" restart="never" nodeType="tmRoot"/>
+      </p:par>
+    </p:tnLst>
+  </p:timing>
 </p:sld>
 </file>
 
@@ -19781,6 +20020,13 @@
   <p:clrMapOvr>
     <a:masterClrMapping/>
   </p:clrMapOvr>
+  <p:timing>
+    <p:tnLst>
+      <p:par>
+        <p:cTn id="1" dur="indefinite" restart="never" nodeType="tmRoot"/>
+      </p:par>
+    </p:tnLst>
+  </p:timing>
 </p:sld>
 </file>
 
@@ -21998,6 +22244,13 @@
   <p:clrMapOvr>
     <a:masterClrMapping/>
   </p:clrMapOvr>
+  <p:timing>
+    <p:tnLst>
+      <p:par>
+        <p:cTn id="1" dur="indefinite" restart="never" nodeType="tmRoot"/>
+      </p:par>
+    </p:tnLst>
+  </p:timing>
 </p:sld>
 </file>
 
@@ -23341,6 +23594,13 @@
   <p:clrMapOvr>
     <a:masterClrMapping/>
   </p:clrMapOvr>
+  <p:timing>
+    <p:tnLst>
+      <p:par>
+        <p:cTn id="1" dur="indefinite" restart="never" nodeType="tmRoot"/>
+      </p:par>
+    </p:tnLst>
+  </p:timing>
 </p:sld>
 </file>
 
@@ -25382,6 +25642,13 @@
   <p:clrMapOvr>
     <a:masterClrMapping/>
   </p:clrMapOvr>
+  <p:timing>
+    <p:tnLst>
+      <p:par>
+        <p:cTn id="1" dur="indefinite" restart="never" nodeType="tmRoot"/>
+      </p:par>
+    </p:tnLst>
+  </p:timing>
 </p:sld>
 </file>
 
@@ -25711,6 +25978,13 @@
   <p:clrMapOvr>
     <a:masterClrMapping/>
   </p:clrMapOvr>
+  <p:timing>
+    <p:tnLst>
+      <p:par>
+        <p:cTn id="1" dur="indefinite" restart="never" nodeType="tmRoot"/>
+      </p:par>
+    </p:tnLst>
+  </p:timing>
 </p:sld>
 </file>
 
@@ -25765,6 +26039,2250 @@
                 <a:cs typeface="Segoe UI" panose="020B0502040204020203" pitchFamily="34" charset="0"/>
               </a:rPr>
               <a:t>Customizing the Hubs pipeline</a:t>
+            </a:r>
+            <a:endParaRPr lang="en-ZA" cap="none" dirty="0">
+              <a:latin typeface="Segoe UI" panose="020B0502040204020203" pitchFamily="34" charset="0"/>
+              <a:cs typeface="Segoe UI" panose="020B0502040204020203" pitchFamily="34" charset="0"/>
+            </a:endParaRPr>
+          </a:p>
+        </p:txBody>
+      </p:sp>
+      <p:sp>
+        <p:nvSpPr>
+          <p:cNvPr id="8" name="Text Placeholder 7">
+            <a:extLst>
+              <a:ext uri="{FF2B5EF4-FFF2-40B4-BE49-F238E27FC236}">
+                <a16:creationId xmlns:a16="http://schemas.microsoft.com/office/drawing/2014/main" id="{A0EC8C3A-CB99-4164-95BB-D449B771D816}"/>
+              </a:ext>
+            </a:extLst>
+          </p:cNvPr>
+          <p:cNvSpPr>
+            <a:spLocks noGrp="1"/>
+          </p:cNvSpPr>
+          <p:nvPr>
+            <p:ph type="body" idx="1"/>
+          </p:nvPr>
+        </p:nvSpPr>
+        <p:spPr>
+          <a:xfrm>
+            <a:off x="684211" y="1451295"/>
+            <a:ext cx="9961416" cy="4543105"/>
+          </a:xfrm>
+          <a:prstGeom prst="round2DiagRect">
+            <a:avLst>
+              <a:gd name="adj1" fmla="val 5772"/>
+              <a:gd name="adj2" fmla="val 0"/>
+            </a:avLst>
+          </a:prstGeom>
+          <a:solidFill>
+            <a:schemeClr val="accent1">
+              <a:alpha val="50000"/>
+            </a:schemeClr>
+          </a:solidFill>
+          <a:ln>
+            <a:noFill/>
+          </a:ln>
+        </p:spPr>
+        <p:style>
+          <a:lnRef idx="0">
+            <a:scrgbClr r="0" g="0" b="0"/>
+          </a:lnRef>
+          <a:fillRef idx="0">
+            <a:scrgbClr r="0" g="0" b="0"/>
+          </a:fillRef>
+          <a:effectRef idx="0">
+            <a:scrgbClr r="0" g="0" b="0"/>
+          </a:effectRef>
+          <a:fontRef idx="minor">
+            <a:schemeClr val="lt1"/>
+          </a:fontRef>
+        </p:style>
+        <p:txBody>
+          <a:bodyPr anchor="ctr">
+            <a:normAutofit/>
+          </a:bodyPr>
+          <a:lstStyle/>
+          <a:p>
+            <a:pPr marL="285750" indent="-285750">
+              <a:buFont typeface="Arial" panose="020B0604020202020204" pitchFamily="34" charset="0"/>
+              <a:buChar char="•"/>
+            </a:pPr>
+            <a:r>
+              <a:rPr lang="en-US" dirty="0">
+                <a:solidFill>
+                  <a:schemeClr val="tx2">
+                    <a:lumMod val="20000"/>
+                    <a:lumOff val="80000"/>
+                  </a:schemeClr>
+                </a:solidFill>
+                <a:latin typeface="Segoe UI Light" panose="020B0502040204020203" pitchFamily="34" charset="0"/>
+                <a:cs typeface="Segoe UI Light" panose="020B0502040204020203" pitchFamily="34" charset="0"/>
+              </a:rPr>
+              <a:t>SignalR enables you to inject your own code into the Hub pipeline. The following example shows a custom Hub pipeline module that logs each incoming method call received from the client and outgoing method call invoked on the client:</a:t>
+            </a:r>
+          </a:p>
+          <a:p>
+            <a:pPr marL="285750" indent="-285750">
+              <a:buFont typeface="Arial" panose="020B0604020202020204" pitchFamily="34" charset="0"/>
+              <a:buChar char="•"/>
+            </a:pPr>
+            <a:endParaRPr lang="en-US" dirty="0">
+              <a:solidFill>
+                <a:schemeClr val="tx2">
+                  <a:lumMod val="20000"/>
+                  <a:lumOff val="80000"/>
+                </a:schemeClr>
+              </a:solidFill>
+              <a:latin typeface="Segoe UI Light" panose="020B0502040204020203" pitchFamily="34" charset="0"/>
+              <a:cs typeface="Segoe UI Light" panose="020B0502040204020203" pitchFamily="34" charset="0"/>
+            </a:endParaRPr>
+          </a:p>
+          <a:p>
+            <a:pPr marL="285750" indent="-285750">
+              <a:buFont typeface="Arial" panose="020B0604020202020204" pitchFamily="34" charset="0"/>
+              <a:buChar char="•"/>
+            </a:pPr>
+            <a:endParaRPr lang="en-US" dirty="0">
+              <a:solidFill>
+                <a:schemeClr val="tx2">
+                  <a:lumMod val="20000"/>
+                  <a:lumOff val="80000"/>
+                </a:schemeClr>
+              </a:solidFill>
+              <a:latin typeface="Segoe UI Light" panose="020B0502040204020203" pitchFamily="34" charset="0"/>
+              <a:cs typeface="Segoe UI Light" panose="020B0502040204020203" pitchFamily="34" charset="0"/>
+            </a:endParaRPr>
+          </a:p>
+          <a:p>
+            <a:pPr marL="285750" indent="-285750">
+              <a:buFont typeface="Arial" panose="020B0604020202020204" pitchFamily="34" charset="0"/>
+              <a:buChar char="•"/>
+            </a:pPr>
+            <a:endParaRPr lang="en-US" dirty="0">
+              <a:solidFill>
+                <a:schemeClr val="tx2">
+                  <a:lumMod val="20000"/>
+                  <a:lumOff val="80000"/>
+                </a:schemeClr>
+              </a:solidFill>
+              <a:latin typeface="Segoe UI Light" panose="020B0502040204020203" pitchFamily="34" charset="0"/>
+              <a:cs typeface="Segoe UI Light" panose="020B0502040204020203" pitchFamily="34" charset="0"/>
+            </a:endParaRPr>
+          </a:p>
+          <a:p>
+            <a:pPr marL="285750" indent="-285750">
+              <a:buFont typeface="Arial" panose="020B0604020202020204" pitchFamily="34" charset="0"/>
+              <a:buChar char="•"/>
+            </a:pPr>
+            <a:endParaRPr lang="en-US" dirty="0">
+              <a:solidFill>
+                <a:schemeClr val="tx2">
+                  <a:lumMod val="20000"/>
+                  <a:lumOff val="80000"/>
+                </a:schemeClr>
+              </a:solidFill>
+              <a:latin typeface="Segoe UI Light" panose="020B0502040204020203" pitchFamily="34" charset="0"/>
+              <a:cs typeface="Segoe UI Light" panose="020B0502040204020203" pitchFamily="34" charset="0"/>
+            </a:endParaRPr>
+          </a:p>
+          <a:p>
+            <a:endParaRPr lang="en-US" dirty="0">
+              <a:solidFill>
+                <a:schemeClr val="tx2">
+                  <a:lumMod val="20000"/>
+                  <a:lumOff val="80000"/>
+                </a:schemeClr>
+              </a:solidFill>
+              <a:latin typeface="Segoe UI Light" panose="020B0502040204020203" pitchFamily="34" charset="0"/>
+              <a:cs typeface="Segoe UI Light" panose="020B0502040204020203" pitchFamily="34" charset="0"/>
+            </a:endParaRPr>
+          </a:p>
+          <a:p>
+            <a:pPr marL="285750" indent="-285750">
+              <a:buFont typeface="Arial" panose="020B0604020202020204" pitchFamily="34" charset="0"/>
+              <a:buChar char="•"/>
+            </a:pPr>
+            <a:r>
+              <a:rPr lang="en-US" dirty="0">
+                <a:solidFill>
+                  <a:schemeClr val="tx2">
+                    <a:lumMod val="20000"/>
+                    <a:lumOff val="80000"/>
+                  </a:schemeClr>
+                </a:solidFill>
+                <a:latin typeface="Segoe UI Light" panose="020B0502040204020203" pitchFamily="34" charset="0"/>
+                <a:cs typeface="Segoe UI Light" panose="020B0502040204020203" pitchFamily="34" charset="0"/>
+              </a:rPr>
+              <a:t>Add the module to the Hub Pipeline:</a:t>
+            </a:r>
+          </a:p>
+          <a:p>
+            <a:pPr marL="285750" indent="-285750">
+              <a:buFont typeface="Arial" panose="020B0604020202020204" pitchFamily="34" charset="0"/>
+              <a:buChar char="•"/>
+            </a:pPr>
+            <a:endParaRPr lang="en-US" dirty="0">
+              <a:solidFill>
+                <a:schemeClr val="tx2">
+                  <a:lumMod val="20000"/>
+                  <a:lumOff val="80000"/>
+                </a:schemeClr>
+              </a:solidFill>
+              <a:latin typeface="Segoe UI Light" panose="020B0502040204020203" pitchFamily="34" charset="0"/>
+              <a:cs typeface="Segoe UI Light" panose="020B0502040204020203" pitchFamily="34" charset="0"/>
+            </a:endParaRPr>
+          </a:p>
+        </p:txBody>
+      </p:sp>
+      <p:sp>
+        <p:nvSpPr>
+          <p:cNvPr id="2" name="Rectangle 1">
+            <a:extLst>
+              <a:ext uri="{FF2B5EF4-FFF2-40B4-BE49-F238E27FC236}">
+                <a16:creationId xmlns:a16="http://schemas.microsoft.com/office/drawing/2014/main" id="{410CDBFF-3D07-4A80-93D5-6527995591B7}"/>
+              </a:ext>
+            </a:extLst>
+          </p:cNvPr>
+          <p:cNvSpPr>
+            <a:spLocks noChangeArrowheads="1"/>
+          </p:cNvSpPr>
+          <p:nvPr/>
+        </p:nvSpPr>
+        <p:spPr bwMode="auto">
+          <a:xfrm>
+            <a:off x="1063558" y="2768981"/>
+            <a:ext cx="9202723" cy="2031325"/>
+          </a:xfrm>
+          <a:prstGeom prst="rect">
+            <a:avLst/>
+          </a:prstGeom>
+          <a:solidFill>
+            <a:srgbClr val="1E1E1E"/>
+          </a:solidFill>
+          <a:ln>
+            <a:noFill/>
+          </a:ln>
+          <a:effectLst/>
+          <a:extLst>
+            <a:ext uri="{91240B29-F687-4F45-9708-019B960494DF}">
+              <a14:hiddenLine xmlns:a14="http://schemas.microsoft.com/office/drawing/2010/main" w="9525">
+                <a:solidFill>
+                  <a:schemeClr val="tx1"/>
+                </a:solidFill>
+                <a:miter lim="800000"/>
+                <a:headEnd/>
+                <a:tailEnd/>
+              </a14:hiddenLine>
+            </a:ext>
+            <a:ext uri="{AF507438-7753-43E0-B8FC-AC1667EBCBE1}">
+              <a14:hiddenEffects xmlns:a14="http://schemas.microsoft.com/office/drawing/2010/main">
+                <a:effectLst>
+                  <a:outerShdw dist="35921" dir="2700000" algn="ctr" rotWithShape="0">
+                    <a:schemeClr val="bg2"/>
+                  </a:outerShdw>
+                </a:effectLst>
+              </a14:hiddenEffects>
+            </a:ext>
+          </a:extLst>
+        </p:spPr>
+        <p:txBody>
+          <a:bodyPr vert="horz" wrap="square" lIns="91440" tIns="45720" rIns="91440" bIns="45720" numCol="1" anchor="ctr" anchorCtr="0" compatLnSpc="1">
+            <a:prstTxWarp prst="textNoShape">
+              <a:avLst/>
+            </a:prstTxWarp>
+            <a:spAutoFit/>
+          </a:bodyPr>
+          <a:lstStyle/>
+          <a:p>
+            <a:pPr marL="0" marR="0" lvl="0" indent="0" algn="l" defTabSz="914400" rtl="0" eaLnBrk="0" fontAlgn="base" latinLnBrk="0" hangingPunct="0">
+              <a:lnSpc>
+                <a:spcPct val="100000"/>
+              </a:lnSpc>
+              <a:spcBef>
+                <a:spcPct val="0"/>
+              </a:spcBef>
+              <a:spcAft>
+                <a:spcPct val="0"/>
+              </a:spcAft>
+              <a:buClrTx/>
+              <a:buSzTx/>
+              <a:buFontTx/>
+              <a:buNone/>
+              <a:tabLst/>
+            </a:pPr>
+            <a:r>
+              <a:rPr kumimoji="0" lang="en-US" altLang="en-US" sz="900" b="0" i="0" u="none" strike="noStrike" cap="none" normalizeH="0" baseline="0" dirty="0">
+                <a:ln>
+                  <a:noFill/>
+                </a:ln>
+                <a:solidFill>
+                  <a:srgbClr val="569CD6"/>
+                </a:solidFill>
+                <a:effectLst/>
+                <a:latin typeface="Fira Code" panose="020B0809050000020004" pitchFamily="49" charset="0"/>
+              </a:rPr>
+              <a:t>public</a:t>
+            </a:r>
+            <a:r>
+              <a:rPr kumimoji="0" lang="en-US" altLang="en-US" sz="900" b="0" i="0" u="none" strike="noStrike" cap="none" normalizeH="0" baseline="0" dirty="0">
+                <a:ln>
+                  <a:noFill/>
+                </a:ln>
+                <a:solidFill>
+                  <a:srgbClr val="DCDCDC"/>
+                </a:solidFill>
+                <a:effectLst/>
+                <a:latin typeface="Fira Code" panose="020B0809050000020004" pitchFamily="49" charset="0"/>
+              </a:rPr>
+              <a:t> </a:t>
+            </a:r>
+            <a:r>
+              <a:rPr kumimoji="0" lang="en-US" altLang="en-US" sz="900" b="0" i="0" u="none" strike="noStrike" cap="none" normalizeH="0" baseline="0" dirty="0">
+                <a:ln>
+                  <a:noFill/>
+                </a:ln>
+                <a:solidFill>
+                  <a:srgbClr val="569CD6"/>
+                </a:solidFill>
+                <a:effectLst/>
+                <a:latin typeface="Fira Code" panose="020B0809050000020004" pitchFamily="49" charset="0"/>
+              </a:rPr>
+              <a:t>class</a:t>
+            </a:r>
+            <a:r>
+              <a:rPr kumimoji="0" lang="en-US" altLang="en-US" sz="900" b="0" i="0" u="none" strike="noStrike" cap="none" normalizeH="0" baseline="0" dirty="0">
+                <a:ln>
+                  <a:noFill/>
+                </a:ln>
+                <a:solidFill>
+                  <a:srgbClr val="DCDCDC"/>
+                </a:solidFill>
+                <a:effectLst/>
+                <a:latin typeface="Fira Code" panose="020B0809050000020004" pitchFamily="49" charset="0"/>
+              </a:rPr>
+              <a:t> </a:t>
+            </a:r>
+            <a:r>
+              <a:rPr kumimoji="0" lang="en-US" altLang="en-US" sz="900" b="0" i="0" u="none" strike="noStrike" cap="none" normalizeH="0" baseline="0" dirty="0">
+                <a:ln>
+                  <a:noFill/>
+                </a:ln>
+                <a:solidFill>
+                  <a:srgbClr val="4EC9B0"/>
+                </a:solidFill>
+                <a:effectLst/>
+                <a:latin typeface="Fira Code" panose="020B0809050000020004" pitchFamily="49" charset="0"/>
+              </a:rPr>
+              <a:t>LoggingPipelineModule</a:t>
+            </a:r>
+            <a:r>
+              <a:rPr kumimoji="0" lang="en-US" altLang="en-US" sz="900" b="0" i="0" u="none" strike="noStrike" cap="none" normalizeH="0" baseline="0" dirty="0">
+                <a:ln>
+                  <a:noFill/>
+                </a:ln>
+                <a:solidFill>
+                  <a:srgbClr val="DCDCDC"/>
+                </a:solidFill>
+                <a:effectLst/>
+                <a:latin typeface="Fira Code" panose="020B0809050000020004" pitchFamily="49" charset="0"/>
+              </a:rPr>
+              <a:t> : </a:t>
+            </a:r>
+            <a:r>
+              <a:rPr kumimoji="0" lang="en-US" altLang="en-US" sz="900" b="0" i="0" u="none" strike="noStrike" cap="none" normalizeH="0" baseline="0" dirty="0">
+                <a:ln>
+                  <a:noFill/>
+                </a:ln>
+                <a:solidFill>
+                  <a:srgbClr val="4EC9B0"/>
+                </a:solidFill>
+                <a:effectLst/>
+                <a:latin typeface="Fira Code" panose="020B0809050000020004" pitchFamily="49" charset="0"/>
+              </a:rPr>
+              <a:t>HubPipelineModule</a:t>
+            </a:r>
+            <a:r>
+              <a:rPr kumimoji="0" lang="en-US" altLang="en-US" sz="900" b="0" i="0" u="none" strike="noStrike" cap="none" normalizeH="0" baseline="0" dirty="0">
+                <a:ln>
+                  <a:noFill/>
+                </a:ln>
+                <a:solidFill>
+                  <a:srgbClr val="DCDCDC"/>
+                </a:solidFill>
+                <a:effectLst/>
+                <a:latin typeface="Fira Code" panose="020B0809050000020004" pitchFamily="49" charset="0"/>
+              </a:rPr>
+              <a:t> </a:t>
+            </a:r>
+          </a:p>
+          <a:p>
+            <a:pPr marL="0" marR="0" lvl="0" indent="0" algn="l" defTabSz="914400" rtl="0" eaLnBrk="0" fontAlgn="base" latinLnBrk="0" hangingPunct="0">
+              <a:lnSpc>
+                <a:spcPct val="100000"/>
+              </a:lnSpc>
+              <a:spcBef>
+                <a:spcPct val="0"/>
+              </a:spcBef>
+              <a:spcAft>
+                <a:spcPct val="0"/>
+              </a:spcAft>
+              <a:buClrTx/>
+              <a:buSzTx/>
+              <a:buFontTx/>
+              <a:buNone/>
+              <a:tabLst/>
+            </a:pPr>
+            <a:r>
+              <a:rPr kumimoji="0" lang="en-US" altLang="en-US" sz="900" b="0" i="0" u="none" strike="noStrike" cap="none" normalizeH="0" baseline="0" dirty="0">
+                <a:ln>
+                  <a:noFill/>
+                </a:ln>
+                <a:solidFill>
+                  <a:srgbClr val="DCDCDC"/>
+                </a:solidFill>
+                <a:effectLst/>
+                <a:latin typeface="Fira Code" panose="020B0809050000020004" pitchFamily="49" charset="0"/>
+              </a:rPr>
+              <a:t>{</a:t>
+            </a:r>
+          </a:p>
+          <a:p>
+            <a:pPr marL="0" marR="0" lvl="0" indent="0" algn="l" defTabSz="914400" rtl="0" eaLnBrk="0" fontAlgn="base" latinLnBrk="0" hangingPunct="0">
+              <a:lnSpc>
+                <a:spcPct val="100000"/>
+              </a:lnSpc>
+              <a:spcBef>
+                <a:spcPct val="0"/>
+              </a:spcBef>
+              <a:spcAft>
+                <a:spcPct val="0"/>
+              </a:spcAft>
+              <a:buClrTx/>
+              <a:buSzTx/>
+              <a:buFontTx/>
+              <a:buNone/>
+              <a:tabLst/>
+            </a:pPr>
+            <a:r>
+              <a:rPr kumimoji="0" lang="en-US" altLang="en-US" sz="900" b="0" i="0" u="none" strike="noStrike" cap="none" normalizeH="0" baseline="0" dirty="0">
+                <a:ln>
+                  <a:noFill/>
+                </a:ln>
+                <a:solidFill>
+                  <a:srgbClr val="DCDCDC"/>
+                </a:solidFill>
+                <a:effectLst/>
+                <a:latin typeface="Fira Code" panose="020B0809050000020004" pitchFamily="49" charset="0"/>
+              </a:rPr>
+              <a:t>     </a:t>
+            </a:r>
+            <a:r>
+              <a:rPr kumimoji="0" lang="en-US" altLang="en-US" sz="900" b="0" i="0" u="none" strike="noStrike" cap="none" normalizeH="0" baseline="0" dirty="0">
+                <a:ln>
+                  <a:noFill/>
+                </a:ln>
+                <a:solidFill>
+                  <a:srgbClr val="569CD6"/>
+                </a:solidFill>
+                <a:effectLst/>
+                <a:latin typeface="Fira Code" panose="020B0809050000020004" pitchFamily="49" charset="0"/>
+              </a:rPr>
+              <a:t>protected</a:t>
+            </a:r>
+            <a:r>
+              <a:rPr kumimoji="0" lang="en-US" altLang="en-US" sz="900" b="0" i="0" u="none" strike="noStrike" cap="none" normalizeH="0" baseline="0" dirty="0">
+                <a:ln>
+                  <a:noFill/>
+                </a:ln>
+                <a:solidFill>
+                  <a:srgbClr val="DCDCDC"/>
+                </a:solidFill>
+                <a:effectLst/>
+                <a:latin typeface="Fira Code" panose="020B0809050000020004" pitchFamily="49" charset="0"/>
+              </a:rPr>
+              <a:t> </a:t>
+            </a:r>
+            <a:r>
+              <a:rPr kumimoji="0" lang="en-US" altLang="en-US" sz="900" b="0" i="0" u="none" strike="noStrike" cap="none" normalizeH="0" baseline="0" dirty="0">
+                <a:ln>
+                  <a:noFill/>
+                </a:ln>
+                <a:solidFill>
+                  <a:srgbClr val="569CD6"/>
+                </a:solidFill>
+                <a:effectLst/>
+                <a:latin typeface="Fira Code" panose="020B0809050000020004" pitchFamily="49" charset="0"/>
+              </a:rPr>
+              <a:t>override</a:t>
+            </a:r>
+            <a:r>
+              <a:rPr kumimoji="0" lang="en-US" altLang="en-US" sz="900" b="0" i="0" u="none" strike="noStrike" cap="none" normalizeH="0" baseline="0" dirty="0">
+                <a:ln>
+                  <a:noFill/>
+                </a:ln>
+                <a:solidFill>
+                  <a:srgbClr val="DCDCDC"/>
+                </a:solidFill>
+                <a:effectLst/>
+                <a:latin typeface="Fira Code" panose="020B0809050000020004" pitchFamily="49" charset="0"/>
+              </a:rPr>
+              <a:t> </a:t>
+            </a:r>
+            <a:r>
+              <a:rPr kumimoji="0" lang="en-US" altLang="en-US" sz="900" b="0" i="0" u="none" strike="noStrike" cap="none" normalizeH="0" baseline="0" dirty="0">
+                <a:ln>
+                  <a:noFill/>
+                </a:ln>
+                <a:solidFill>
+                  <a:srgbClr val="569CD6"/>
+                </a:solidFill>
+                <a:effectLst/>
+                <a:latin typeface="Fira Code" panose="020B0809050000020004" pitchFamily="49" charset="0"/>
+              </a:rPr>
+              <a:t>bool</a:t>
+            </a:r>
+            <a:r>
+              <a:rPr kumimoji="0" lang="en-US" altLang="en-US" sz="900" b="0" i="0" u="none" strike="noStrike" cap="none" normalizeH="0" baseline="0" dirty="0">
+                <a:ln>
+                  <a:noFill/>
+                </a:ln>
+                <a:solidFill>
+                  <a:srgbClr val="DCDCDC"/>
+                </a:solidFill>
+                <a:effectLst/>
+                <a:latin typeface="Fira Code" panose="020B0809050000020004" pitchFamily="49" charset="0"/>
+              </a:rPr>
+              <a:t> </a:t>
+            </a:r>
+            <a:r>
+              <a:rPr kumimoji="0" lang="en-US" altLang="en-US" sz="900" b="0" i="0" u="none" strike="noStrike" cap="none" normalizeH="0" baseline="0" dirty="0">
+                <a:ln>
+                  <a:noFill/>
+                </a:ln>
+                <a:solidFill>
+                  <a:srgbClr val="DCDCAA"/>
+                </a:solidFill>
+                <a:effectLst/>
+                <a:latin typeface="Fira Code" panose="020B0809050000020004" pitchFamily="49" charset="0"/>
+              </a:rPr>
+              <a:t>OnBeforeIncoming</a:t>
+            </a:r>
+            <a:r>
+              <a:rPr kumimoji="0" lang="en-US" altLang="en-US" sz="900" b="0" i="0" u="none" strike="noStrike" cap="none" normalizeH="0" baseline="0" dirty="0">
+                <a:ln>
+                  <a:noFill/>
+                </a:ln>
+                <a:solidFill>
+                  <a:srgbClr val="DCDCDC"/>
+                </a:solidFill>
+                <a:effectLst/>
+                <a:latin typeface="Fira Code" panose="020B0809050000020004" pitchFamily="49" charset="0"/>
+              </a:rPr>
+              <a:t>(</a:t>
+            </a:r>
+            <a:r>
+              <a:rPr kumimoji="0" lang="en-US" altLang="en-US" sz="900" b="0" i="0" u="none" strike="noStrike" cap="none" normalizeH="0" baseline="0" dirty="0">
+                <a:ln>
+                  <a:noFill/>
+                </a:ln>
+                <a:solidFill>
+                  <a:srgbClr val="B8D7A3"/>
+                </a:solidFill>
+                <a:effectLst/>
+                <a:latin typeface="Fira Code" panose="020B0809050000020004" pitchFamily="49" charset="0"/>
+              </a:rPr>
+              <a:t>IHubIncomingInvokerContext</a:t>
+            </a:r>
+            <a:r>
+              <a:rPr kumimoji="0" lang="en-US" altLang="en-US" sz="900" b="0" i="0" u="none" strike="noStrike" cap="none" normalizeH="0" baseline="0" dirty="0">
+                <a:ln>
+                  <a:noFill/>
+                </a:ln>
+                <a:solidFill>
+                  <a:srgbClr val="DCDCDC"/>
+                </a:solidFill>
+                <a:effectLst/>
+                <a:latin typeface="Fira Code" panose="020B0809050000020004" pitchFamily="49" charset="0"/>
+              </a:rPr>
+              <a:t> </a:t>
+            </a:r>
+            <a:r>
+              <a:rPr kumimoji="0" lang="en-US" altLang="en-US" sz="900" b="0" i="0" u="none" strike="noStrike" cap="none" normalizeH="0" baseline="0" dirty="0">
+                <a:ln>
+                  <a:noFill/>
+                </a:ln>
+                <a:solidFill>
+                  <a:srgbClr val="9CDCFE"/>
+                </a:solidFill>
+                <a:effectLst/>
+                <a:latin typeface="Fira Code" panose="020B0809050000020004" pitchFamily="49" charset="0"/>
+              </a:rPr>
+              <a:t>context</a:t>
+            </a:r>
+            <a:r>
+              <a:rPr kumimoji="0" lang="en-US" altLang="en-US" sz="900" b="0" i="0" u="none" strike="noStrike" cap="none" normalizeH="0" baseline="0" dirty="0">
+                <a:ln>
+                  <a:noFill/>
+                </a:ln>
+                <a:solidFill>
+                  <a:srgbClr val="DCDCDC"/>
+                </a:solidFill>
+                <a:effectLst/>
+                <a:latin typeface="Fira Code" panose="020B0809050000020004" pitchFamily="49" charset="0"/>
+              </a:rPr>
+              <a:t>)</a:t>
+            </a:r>
+          </a:p>
+          <a:p>
+            <a:pPr marL="0" marR="0" lvl="0" indent="0" algn="l" defTabSz="914400" rtl="0" eaLnBrk="0" fontAlgn="base" latinLnBrk="0" hangingPunct="0">
+              <a:lnSpc>
+                <a:spcPct val="100000"/>
+              </a:lnSpc>
+              <a:spcBef>
+                <a:spcPct val="0"/>
+              </a:spcBef>
+              <a:spcAft>
+                <a:spcPct val="0"/>
+              </a:spcAft>
+              <a:buClrTx/>
+              <a:buSzTx/>
+              <a:buFontTx/>
+              <a:buNone/>
+              <a:tabLst/>
+            </a:pPr>
+            <a:r>
+              <a:rPr kumimoji="0" lang="en-US" altLang="en-US" sz="900" b="0" i="0" u="none" strike="noStrike" cap="none" normalizeH="0" baseline="0" dirty="0">
+                <a:ln>
+                  <a:noFill/>
+                </a:ln>
+                <a:solidFill>
+                  <a:srgbClr val="DCDCDC"/>
+                </a:solidFill>
+                <a:effectLst/>
+                <a:latin typeface="Fira Code" panose="020B0809050000020004" pitchFamily="49" charset="0"/>
+              </a:rPr>
+              <a:t>     {</a:t>
+            </a:r>
+          </a:p>
+          <a:p>
+            <a:pPr marL="0" marR="0" lvl="0" indent="0" algn="l" defTabSz="914400" rtl="0" eaLnBrk="0" fontAlgn="base" latinLnBrk="0" hangingPunct="0">
+              <a:lnSpc>
+                <a:spcPct val="100000"/>
+              </a:lnSpc>
+              <a:spcBef>
+                <a:spcPct val="0"/>
+              </a:spcBef>
+              <a:spcAft>
+                <a:spcPct val="0"/>
+              </a:spcAft>
+              <a:buClrTx/>
+              <a:buSzTx/>
+              <a:buFontTx/>
+              <a:buNone/>
+              <a:tabLst/>
+            </a:pPr>
+            <a:r>
+              <a:rPr kumimoji="0" lang="en-US" altLang="en-US" sz="900" b="0" i="0" u="none" strike="noStrike" cap="none" normalizeH="0" baseline="0" dirty="0">
+                <a:ln>
+                  <a:noFill/>
+                </a:ln>
+                <a:solidFill>
+                  <a:srgbClr val="DCDCDC"/>
+                </a:solidFill>
+                <a:effectLst/>
+                <a:latin typeface="Fira Code" panose="020B0809050000020004" pitchFamily="49" charset="0"/>
+              </a:rPr>
+              <a:t>         </a:t>
+            </a:r>
+            <a:r>
+              <a:rPr kumimoji="0" lang="en-US" altLang="en-US" sz="900" b="0" i="0" u="none" strike="noStrike" cap="none" normalizeH="0" baseline="0" dirty="0">
+                <a:ln>
+                  <a:noFill/>
+                </a:ln>
+                <a:solidFill>
+                  <a:srgbClr val="4EC9B0"/>
+                </a:solidFill>
+                <a:effectLst/>
+                <a:latin typeface="Fira Code" panose="020B0809050000020004" pitchFamily="49" charset="0"/>
+              </a:rPr>
+              <a:t>Debug</a:t>
+            </a:r>
+            <a:r>
+              <a:rPr kumimoji="0" lang="en-US" altLang="en-US" sz="900" b="0" i="0" u="none" strike="noStrike" cap="none" normalizeH="0" baseline="0" dirty="0">
+                <a:ln>
+                  <a:noFill/>
+                </a:ln>
+                <a:solidFill>
+                  <a:srgbClr val="B4B4B4"/>
+                </a:solidFill>
+                <a:effectLst/>
+                <a:latin typeface="Fira Code" panose="020B0809050000020004" pitchFamily="49" charset="0"/>
+              </a:rPr>
+              <a:t>.</a:t>
+            </a:r>
+            <a:r>
+              <a:rPr kumimoji="0" lang="en-US" altLang="en-US" sz="900" b="0" i="0" u="none" strike="noStrike" cap="none" normalizeH="0" baseline="0" dirty="0">
+                <a:ln>
+                  <a:noFill/>
+                </a:ln>
+                <a:solidFill>
+                  <a:srgbClr val="DCDCAA"/>
+                </a:solidFill>
+                <a:effectLst/>
+                <a:latin typeface="Fira Code" panose="020B0809050000020004" pitchFamily="49" charset="0"/>
+              </a:rPr>
+              <a:t>WriteLine</a:t>
+            </a:r>
+            <a:r>
+              <a:rPr kumimoji="0" lang="en-US" altLang="en-US" sz="900" b="0" i="0" u="none" strike="noStrike" cap="none" normalizeH="0" baseline="0" dirty="0">
+                <a:ln>
+                  <a:noFill/>
+                </a:ln>
+                <a:solidFill>
+                  <a:srgbClr val="DCDCDC"/>
+                </a:solidFill>
+                <a:effectLst/>
+                <a:latin typeface="Fira Code" panose="020B0809050000020004" pitchFamily="49" charset="0"/>
+              </a:rPr>
+              <a:t>(</a:t>
+            </a:r>
+            <a:r>
+              <a:rPr kumimoji="0" lang="en-US" altLang="en-US" sz="900" b="0" i="0" u="none" strike="noStrike" cap="none" normalizeH="0" baseline="0" dirty="0">
+                <a:ln>
+                  <a:noFill/>
+                </a:ln>
+                <a:solidFill>
+                  <a:srgbClr val="D69D85"/>
+                </a:solidFill>
+                <a:effectLst/>
+                <a:latin typeface="Fira Code" panose="020B0809050000020004" pitchFamily="49" charset="0"/>
+              </a:rPr>
+              <a:t>"=&gt; Invoking "</a:t>
+            </a:r>
+            <a:r>
+              <a:rPr kumimoji="0" lang="en-US" altLang="en-US" sz="900" b="0" i="0" u="none" strike="noStrike" cap="none" normalizeH="0" baseline="0" dirty="0">
+                <a:ln>
+                  <a:noFill/>
+                </a:ln>
+                <a:solidFill>
+                  <a:srgbClr val="DCDCDC"/>
+                </a:solidFill>
+                <a:effectLst/>
+                <a:latin typeface="Fira Code" panose="020B0809050000020004" pitchFamily="49" charset="0"/>
+              </a:rPr>
+              <a:t> </a:t>
+            </a:r>
+            <a:r>
+              <a:rPr kumimoji="0" lang="en-US" altLang="en-US" sz="900" b="0" i="0" u="none" strike="noStrike" cap="none" normalizeH="0" baseline="0" dirty="0">
+                <a:ln>
+                  <a:noFill/>
+                </a:ln>
+                <a:solidFill>
+                  <a:srgbClr val="B4B4B4"/>
+                </a:solidFill>
+                <a:effectLst/>
+                <a:latin typeface="Fira Code" panose="020B0809050000020004" pitchFamily="49" charset="0"/>
+              </a:rPr>
+              <a:t>+</a:t>
+            </a:r>
+            <a:r>
+              <a:rPr kumimoji="0" lang="en-US" altLang="en-US" sz="900" b="0" i="0" u="none" strike="noStrike" cap="none" normalizeH="0" baseline="0" dirty="0">
+                <a:ln>
+                  <a:noFill/>
+                </a:ln>
+                <a:solidFill>
+                  <a:srgbClr val="DCDCDC"/>
+                </a:solidFill>
+                <a:effectLst/>
+                <a:latin typeface="Fira Code" panose="020B0809050000020004" pitchFamily="49" charset="0"/>
+              </a:rPr>
+              <a:t> </a:t>
+            </a:r>
+            <a:r>
+              <a:rPr kumimoji="0" lang="en-US" altLang="en-US" sz="900" b="0" i="0" u="none" strike="noStrike" cap="none" normalizeH="0" baseline="0" dirty="0">
+                <a:ln>
+                  <a:noFill/>
+                </a:ln>
+                <a:solidFill>
+                  <a:srgbClr val="9CDCFE"/>
+                </a:solidFill>
+                <a:effectLst/>
+                <a:latin typeface="Fira Code" panose="020B0809050000020004" pitchFamily="49" charset="0"/>
+              </a:rPr>
+              <a:t>context</a:t>
+            </a:r>
+            <a:r>
+              <a:rPr kumimoji="0" lang="en-US" altLang="en-US" sz="900" b="0" i="0" u="none" strike="noStrike" cap="none" normalizeH="0" baseline="0" dirty="0">
+                <a:ln>
+                  <a:noFill/>
+                </a:ln>
+                <a:solidFill>
+                  <a:srgbClr val="B4B4B4"/>
+                </a:solidFill>
+                <a:effectLst/>
+                <a:latin typeface="Fira Code" panose="020B0809050000020004" pitchFamily="49" charset="0"/>
+              </a:rPr>
+              <a:t>.</a:t>
+            </a:r>
+            <a:r>
+              <a:rPr kumimoji="0" lang="en-US" altLang="en-US" sz="900" b="0" i="0" u="none" strike="noStrike" cap="none" normalizeH="0" baseline="0" dirty="0">
+                <a:ln>
+                  <a:noFill/>
+                </a:ln>
+                <a:solidFill>
+                  <a:srgbClr val="DCDCDC"/>
+                </a:solidFill>
+                <a:effectLst/>
+                <a:latin typeface="Fira Code" panose="020B0809050000020004" pitchFamily="49" charset="0"/>
+              </a:rPr>
+              <a:t>MethodDescriptor</a:t>
+            </a:r>
+            <a:r>
+              <a:rPr kumimoji="0" lang="en-US" altLang="en-US" sz="900" b="0" i="0" u="none" strike="noStrike" cap="none" normalizeH="0" baseline="0" dirty="0">
+                <a:ln>
+                  <a:noFill/>
+                </a:ln>
+                <a:solidFill>
+                  <a:srgbClr val="B4B4B4"/>
+                </a:solidFill>
+                <a:effectLst/>
+                <a:latin typeface="Fira Code" panose="020B0809050000020004" pitchFamily="49" charset="0"/>
+              </a:rPr>
+              <a:t>.</a:t>
+            </a:r>
+            <a:r>
+              <a:rPr kumimoji="0" lang="en-US" altLang="en-US" sz="900" b="0" i="0" u="none" strike="noStrike" cap="none" normalizeH="0" baseline="0" dirty="0">
+                <a:ln>
+                  <a:noFill/>
+                </a:ln>
+                <a:solidFill>
+                  <a:srgbClr val="DCDCDC"/>
+                </a:solidFill>
+                <a:effectLst/>
+                <a:latin typeface="Fira Code" panose="020B0809050000020004" pitchFamily="49" charset="0"/>
+              </a:rPr>
+              <a:t>Name </a:t>
+            </a:r>
+            <a:r>
+              <a:rPr kumimoji="0" lang="en-US" altLang="en-US" sz="900" b="0" i="0" u="none" strike="noStrike" cap="none" normalizeH="0" baseline="0" dirty="0">
+                <a:ln>
+                  <a:noFill/>
+                </a:ln>
+                <a:solidFill>
+                  <a:srgbClr val="B4B4B4"/>
+                </a:solidFill>
+                <a:effectLst/>
+                <a:latin typeface="Fira Code" panose="020B0809050000020004" pitchFamily="49" charset="0"/>
+              </a:rPr>
+              <a:t>+</a:t>
+            </a:r>
+            <a:r>
+              <a:rPr kumimoji="0" lang="en-US" altLang="en-US" sz="900" b="0" i="0" u="none" strike="noStrike" cap="none" normalizeH="0" baseline="0" dirty="0">
+                <a:ln>
+                  <a:noFill/>
+                </a:ln>
+                <a:solidFill>
+                  <a:srgbClr val="DCDCDC"/>
+                </a:solidFill>
+                <a:effectLst/>
+                <a:latin typeface="Fira Code" panose="020B0809050000020004" pitchFamily="49" charset="0"/>
+              </a:rPr>
+              <a:t> </a:t>
+            </a:r>
+            <a:r>
+              <a:rPr kumimoji="0" lang="en-US" altLang="en-US" sz="900" b="0" i="0" u="none" strike="noStrike" cap="none" normalizeH="0" baseline="0" dirty="0">
+                <a:ln>
+                  <a:noFill/>
+                </a:ln>
+                <a:solidFill>
+                  <a:srgbClr val="D69D85"/>
+                </a:solidFill>
+                <a:effectLst/>
+                <a:latin typeface="Fira Code" panose="020B0809050000020004" pitchFamily="49" charset="0"/>
+              </a:rPr>
+              <a:t>" on hub "</a:t>
+            </a:r>
+            <a:r>
+              <a:rPr kumimoji="0" lang="en-US" altLang="en-US" sz="900" b="0" i="0" u="none" strike="noStrike" cap="none" normalizeH="0" baseline="0" dirty="0">
+                <a:ln>
+                  <a:noFill/>
+                </a:ln>
+                <a:solidFill>
+                  <a:srgbClr val="DCDCDC"/>
+                </a:solidFill>
+                <a:effectLst/>
+                <a:latin typeface="Fira Code" panose="020B0809050000020004" pitchFamily="49" charset="0"/>
+              </a:rPr>
+              <a:t> </a:t>
+            </a:r>
+            <a:r>
+              <a:rPr kumimoji="0" lang="en-US" altLang="en-US" sz="900" b="0" i="0" u="none" strike="noStrike" cap="none" normalizeH="0" baseline="0" dirty="0">
+                <a:ln>
+                  <a:noFill/>
+                </a:ln>
+                <a:solidFill>
+                  <a:srgbClr val="B4B4B4"/>
+                </a:solidFill>
+                <a:effectLst/>
+                <a:latin typeface="Fira Code" panose="020B0809050000020004" pitchFamily="49" charset="0"/>
+              </a:rPr>
+              <a:t>+</a:t>
+            </a:r>
+            <a:r>
+              <a:rPr kumimoji="0" lang="en-US" altLang="en-US" sz="900" b="0" i="0" u="none" strike="noStrike" cap="none" normalizeH="0" baseline="0" dirty="0">
+                <a:ln>
+                  <a:noFill/>
+                </a:ln>
+                <a:solidFill>
+                  <a:srgbClr val="DCDCDC"/>
+                </a:solidFill>
+                <a:effectLst/>
+                <a:latin typeface="Fira Code" panose="020B0809050000020004" pitchFamily="49" charset="0"/>
+              </a:rPr>
+              <a:t> </a:t>
+            </a:r>
+            <a:r>
+              <a:rPr kumimoji="0" lang="en-US" altLang="en-US" sz="900" b="0" i="0" u="none" strike="noStrike" cap="none" normalizeH="0" baseline="0" dirty="0">
+                <a:ln>
+                  <a:noFill/>
+                </a:ln>
+                <a:solidFill>
+                  <a:srgbClr val="9CDCFE"/>
+                </a:solidFill>
+                <a:effectLst/>
+                <a:latin typeface="Fira Code" panose="020B0809050000020004" pitchFamily="49" charset="0"/>
+              </a:rPr>
+              <a:t>context</a:t>
+            </a:r>
+            <a:r>
+              <a:rPr kumimoji="0" lang="en-US" altLang="en-US" sz="900" b="0" i="0" u="none" strike="noStrike" cap="none" normalizeH="0" baseline="0" dirty="0">
+                <a:ln>
+                  <a:noFill/>
+                </a:ln>
+                <a:solidFill>
+                  <a:srgbClr val="B4B4B4"/>
+                </a:solidFill>
+                <a:effectLst/>
+                <a:latin typeface="Fira Code" panose="020B0809050000020004" pitchFamily="49" charset="0"/>
+              </a:rPr>
+              <a:t>.</a:t>
+            </a:r>
+            <a:r>
+              <a:rPr kumimoji="0" lang="en-US" altLang="en-US" sz="900" b="0" i="0" u="none" strike="noStrike" cap="none" normalizeH="0" baseline="0" dirty="0">
+                <a:ln>
+                  <a:noFill/>
+                </a:ln>
+                <a:solidFill>
+                  <a:srgbClr val="DCDCDC"/>
+                </a:solidFill>
+                <a:effectLst/>
+                <a:latin typeface="Fira Code" panose="020B0809050000020004" pitchFamily="49" charset="0"/>
+              </a:rPr>
+              <a:t>MethodDescriptor</a:t>
+            </a:r>
+            <a:r>
+              <a:rPr kumimoji="0" lang="en-US" altLang="en-US" sz="900" b="0" i="0" u="none" strike="noStrike" cap="none" normalizeH="0" baseline="0" dirty="0">
+                <a:ln>
+                  <a:noFill/>
+                </a:ln>
+                <a:solidFill>
+                  <a:srgbClr val="B4B4B4"/>
+                </a:solidFill>
+                <a:effectLst/>
+                <a:latin typeface="Fira Code" panose="020B0809050000020004" pitchFamily="49" charset="0"/>
+              </a:rPr>
+              <a:t>.</a:t>
+            </a:r>
+            <a:r>
+              <a:rPr kumimoji="0" lang="en-US" altLang="en-US" sz="900" b="0" i="0" u="none" strike="noStrike" cap="none" normalizeH="0" baseline="0" dirty="0">
+                <a:ln>
+                  <a:noFill/>
+                </a:ln>
+                <a:solidFill>
+                  <a:srgbClr val="DCDCDC"/>
+                </a:solidFill>
+                <a:effectLst/>
+                <a:latin typeface="Fira Code" panose="020B0809050000020004" pitchFamily="49" charset="0"/>
+              </a:rPr>
+              <a:t>Hub</a:t>
+            </a:r>
+            <a:r>
+              <a:rPr kumimoji="0" lang="en-US" altLang="en-US" sz="900" b="0" i="0" u="none" strike="noStrike" cap="none" normalizeH="0" baseline="0" dirty="0">
+                <a:ln>
+                  <a:noFill/>
+                </a:ln>
+                <a:solidFill>
+                  <a:srgbClr val="B4B4B4"/>
+                </a:solidFill>
+                <a:effectLst/>
+                <a:latin typeface="Fira Code" panose="020B0809050000020004" pitchFamily="49" charset="0"/>
+              </a:rPr>
+              <a:t>.</a:t>
+            </a:r>
+            <a:r>
+              <a:rPr kumimoji="0" lang="en-US" altLang="en-US" sz="900" b="0" i="0" u="none" strike="noStrike" cap="none" normalizeH="0" baseline="0" dirty="0">
+                <a:ln>
+                  <a:noFill/>
+                </a:ln>
+                <a:solidFill>
+                  <a:srgbClr val="DCDCDC"/>
+                </a:solidFill>
+                <a:effectLst/>
+                <a:latin typeface="Fira Code" panose="020B0809050000020004" pitchFamily="49" charset="0"/>
+              </a:rPr>
+              <a:t>Name);</a:t>
+            </a:r>
+          </a:p>
+          <a:p>
+            <a:pPr marL="0" marR="0" lvl="0" indent="0" algn="l" defTabSz="914400" rtl="0" eaLnBrk="0" fontAlgn="base" latinLnBrk="0" hangingPunct="0">
+              <a:lnSpc>
+                <a:spcPct val="100000"/>
+              </a:lnSpc>
+              <a:spcBef>
+                <a:spcPct val="0"/>
+              </a:spcBef>
+              <a:spcAft>
+                <a:spcPct val="0"/>
+              </a:spcAft>
+              <a:buClrTx/>
+              <a:buSzTx/>
+              <a:buFontTx/>
+              <a:buNone/>
+              <a:tabLst/>
+            </a:pPr>
+            <a:r>
+              <a:rPr kumimoji="0" lang="en-US" altLang="en-US" sz="900" b="0" i="0" u="none" strike="noStrike" cap="none" normalizeH="0" baseline="0" dirty="0">
+                <a:ln>
+                  <a:noFill/>
+                </a:ln>
+                <a:solidFill>
+                  <a:srgbClr val="DCDCDC"/>
+                </a:solidFill>
+                <a:effectLst/>
+                <a:latin typeface="Fira Code" panose="020B0809050000020004" pitchFamily="49" charset="0"/>
+              </a:rPr>
+              <a:t>         </a:t>
+            </a:r>
+            <a:r>
+              <a:rPr kumimoji="0" lang="en-US" altLang="en-US" sz="900" b="0" i="0" u="none" strike="noStrike" cap="none" normalizeH="0" baseline="0" dirty="0">
+                <a:ln>
+                  <a:noFill/>
+                </a:ln>
+                <a:solidFill>
+                  <a:srgbClr val="D8A0DF"/>
+                </a:solidFill>
+                <a:effectLst/>
+                <a:latin typeface="Fira Code" panose="020B0809050000020004" pitchFamily="49" charset="0"/>
+              </a:rPr>
+              <a:t>return</a:t>
+            </a:r>
+            <a:r>
+              <a:rPr kumimoji="0" lang="en-US" altLang="en-US" sz="900" b="0" i="0" u="none" strike="noStrike" cap="none" normalizeH="0" baseline="0" dirty="0">
+                <a:ln>
+                  <a:noFill/>
+                </a:ln>
+                <a:solidFill>
+                  <a:srgbClr val="DCDCDC"/>
+                </a:solidFill>
+                <a:effectLst/>
+                <a:latin typeface="Fira Code" panose="020B0809050000020004" pitchFamily="49" charset="0"/>
+              </a:rPr>
+              <a:t> </a:t>
+            </a:r>
+            <a:r>
+              <a:rPr kumimoji="0" lang="en-US" altLang="en-US" sz="900" b="0" i="0" u="none" strike="noStrike" cap="none" normalizeH="0" baseline="0" dirty="0">
+                <a:ln>
+                  <a:noFill/>
+                </a:ln>
+                <a:solidFill>
+                  <a:srgbClr val="569CD6"/>
+                </a:solidFill>
+                <a:effectLst/>
+                <a:latin typeface="Fira Code" panose="020B0809050000020004" pitchFamily="49" charset="0"/>
+              </a:rPr>
+              <a:t>base</a:t>
+            </a:r>
+            <a:r>
+              <a:rPr kumimoji="0" lang="en-US" altLang="en-US" sz="900" b="0" i="0" u="none" strike="noStrike" cap="none" normalizeH="0" baseline="0" dirty="0">
+                <a:ln>
+                  <a:noFill/>
+                </a:ln>
+                <a:solidFill>
+                  <a:srgbClr val="B4B4B4"/>
+                </a:solidFill>
+                <a:effectLst/>
+                <a:latin typeface="Fira Code" panose="020B0809050000020004" pitchFamily="49" charset="0"/>
+              </a:rPr>
+              <a:t>.</a:t>
+            </a:r>
+            <a:r>
+              <a:rPr kumimoji="0" lang="en-US" altLang="en-US" sz="900" b="0" i="0" u="none" strike="noStrike" cap="none" normalizeH="0" baseline="0" dirty="0">
+                <a:ln>
+                  <a:noFill/>
+                </a:ln>
+                <a:solidFill>
+                  <a:srgbClr val="DCDCAA"/>
+                </a:solidFill>
+                <a:effectLst/>
+                <a:latin typeface="Fira Code" panose="020B0809050000020004" pitchFamily="49" charset="0"/>
+              </a:rPr>
+              <a:t>OnBeforeIncoming</a:t>
+            </a:r>
+            <a:r>
+              <a:rPr kumimoji="0" lang="en-US" altLang="en-US" sz="900" b="0" i="0" u="none" strike="noStrike" cap="none" normalizeH="0" baseline="0" dirty="0">
+                <a:ln>
+                  <a:noFill/>
+                </a:ln>
+                <a:solidFill>
+                  <a:srgbClr val="DCDCDC"/>
+                </a:solidFill>
+                <a:effectLst/>
+                <a:latin typeface="Fira Code" panose="020B0809050000020004" pitchFamily="49" charset="0"/>
+              </a:rPr>
+              <a:t>(</a:t>
+            </a:r>
+            <a:r>
+              <a:rPr kumimoji="0" lang="en-US" altLang="en-US" sz="900" b="0" i="0" u="none" strike="noStrike" cap="none" normalizeH="0" baseline="0" dirty="0">
+                <a:ln>
+                  <a:noFill/>
+                </a:ln>
+                <a:solidFill>
+                  <a:srgbClr val="9CDCFE"/>
+                </a:solidFill>
+                <a:effectLst/>
+                <a:latin typeface="Fira Code" panose="020B0809050000020004" pitchFamily="49" charset="0"/>
+              </a:rPr>
+              <a:t>context</a:t>
+            </a:r>
+            <a:r>
+              <a:rPr kumimoji="0" lang="en-US" altLang="en-US" sz="900" b="0" i="0" u="none" strike="noStrike" cap="none" normalizeH="0" baseline="0" dirty="0">
+                <a:ln>
+                  <a:noFill/>
+                </a:ln>
+                <a:solidFill>
+                  <a:srgbClr val="DCDCDC"/>
+                </a:solidFill>
+                <a:effectLst/>
+                <a:latin typeface="Fira Code" panose="020B0809050000020004" pitchFamily="49" charset="0"/>
+              </a:rPr>
+              <a:t>);</a:t>
+            </a:r>
+          </a:p>
+          <a:p>
+            <a:pPr marL="0" marR="0" lvl="0" indent="0" algn="l" defTabSz="914400" rtl="0" eaLnBrk="0" fontAlgn="base" latinLnBrk="0" hangingPunct="0">
+              <a:lnSpc>
+                <a:spcPct val="100000"/>
+              </a:lnSpc>
+              <a:spcBef>
+                <a:spcPct val="0"/>
+              </a:spcBef>
+              <a:spcAft>
+                <a:spcPct val="0"/>
+              </a:spcAft>
+              <a:buClrTx/>
+              <a:buSzTx/>
+              <a:buFontTx/>
+              <a:buNone/>
+              <a:tabLst/>
+            </a:pPr>
+            <a:r>
+              <a:rPr kumimoji="0" lang="en-US" altLang="en-US" sz="900" b="0" i="0" u="none" strike="noStrike" cap="none" normalizeH="0" baseline="0" dirty="0">
+                <a:ln>
+                  <a:noFill/>
+                </a:ln>
+                <a:solidFill>
+                  <a:srgbClr val="DCDCDC"/>
+                </a:solidFill>
+                <a:effectLst/>
+                <a:latin typeface="Fira Code" panose="020B0809050000020004" pitchFamily="49" charset="0"/>
+              </a:rPr>
+              <a:t>     }</a:t>
+            </a:r>
+          </a:p>
+          <a:p>
+            <a:pPr marL="0" marR="0" lvl="0" indent="0" algn="l" defTabSz="914400" rtl="0" eaLnBrk="0" fontAlgn="base" latinLnBrk="0" hangingPunct="0">
+              <a:lnSpc>
+                <a:spcPct val="100000"/>
+              </a:lnSpc>
+              <a:spcBef>
+                <a:spcPct val="0"/>
+              </a:spcBef>
+              <a:spcAft>
+                <a:spcPct val="0"/>
+              </a:spcAft>
+              <a:buClrTx/>
+              <a:buSzTx/>
+              <a:buFontTx/>
+              <a:buNone/>
+              <a:tabLst/>
+            </a:pPr>
+            <a:endParaRPr lang="en-US" altLang="en-US" sz="900" dirty="0">
+              <a:solidFill>
+                <a:srgbClr val="DCDCDC"/>
+              </a:solidFill>
+              <a:latin typeface="Fira Code" panose="020B0809050000020004" pitchFamily="49" charset="0"/>
+            </a:endParaRPr>
+          </a:p>
+          <a:p>
+            <a:pPr marL="0" marR="0" lvl="0" indent="0" algn="l" defTabSz="914400" rtl="0" eaLnBrk="0" fontAlgn="base" latinLnBrk="0" hangingPunct="0">
+              <a:lnSpc>
+                <a:spcPct val="100000"/>
+              </a:lnSpc>
+              <a:spcBef>
+                <a:spcPct val="0"/>
+              </a:spcBef>
+              <a:spcAft>
+                <a:spcPct val="0"/>
+              </a:spcAft>
+              <a:buClrTx/>
+              <a:buSzTx/>
+              <a:buFontTx/>
+              <a:buNone/>
+              <a:tabLst/>
+            </a:pPr>
+            <a:r>
+              <a:rPr kumimoji="0" lang="en-US" altLang="en-US" sz="900" b="0" i="0" u="none" strike="noStrike" cap="none" normalizeH="0" baseline="0" dirty="0">
+                <a:ln>
+                  <a:noFill/>
+                </a:ln>
+                <a:solidFill>
+                  <a:srgbClr val="DCDCDC"/>
+                </a:solidFill>
+                <a:effectLst/>
+                <a:latin typeface="Fira Code" panose="020B0809050000020004" pitchFamily="49" charset="0"/>
+              </a:rPr>
+              <a:t>     </a:t>
+            </a:r>
+            <a:r>
+              <a:rPr kumimoji="0" lang="en-US" altLang="en-US" sz="900" b="0" i="0" u="none" strike="noStrike" cap="none" normalizeH="0" baseline="0" dirty="0">
+                <a:ln>
+                  <a:noFill/>
+                </a:ln>
+                <a:solidFill>
+                  <a:srgbClr val="569CD6"/>
+                </a:solidFill>
+                <a:effectLst/>
+                <a:latin typeface="Fira Code" panose="020B0809050000020004" pitchFamily="49" charset="0"/>
+              </a:rPr>
+              <a:t>protected</a:t>
+            </a:r>
+            <a:r>
+              <a:rPr kumimoji="0" lang="en-US" altLang="en-US" sz="900" b="0" i="0" u="none" strike="noStrike" cap="none" normalizeH="0" baseline="0" dirty="0">
+                <a:ln>
+                  <a:noFill/>
+                </a:ln>
+                <a:solidFill>
+                  <a:srgbClr val="DCDCDC"/>
+                </a:solidFill>
+                <a:effectLst/>
+                <a:latin typeface="Fira Code" panose="020B0809050000020004" pitchFamily="49" charset="0"/>
+              </a:rPr>
+              <a:t> </a:t>
+            </a:r>
+            <a:r>
+              <a:rPr kumimoji="0" lang="en-US" altLang="en-US" sz="900" b="0" i="0" u="none" strike="noStrike" cap="none" normalizeH="0" baseline="0" dirty="0">
+                <a:ln>
+                  <a:noFill/>
+                </a:ln>
+                <a:solidFill>
+                  <a:srgbClr val="569CD6"/>
+                </a:solidFill>
+                <a:effectLst/>
+                <a:latin typeface="Fira Code" panose="020B0809050000020004" pitchFamily="49" charset="0"/>
+              </a:rPr>
+              <a:t>override</a:t>
+            </a:r>
+            <a:r>
+              <a:rPr kumimoji="0" lang="en-US" altLang="en-US" sz="900" b="0" i="0" u="none" strike="noStrike" cap="none" normalizeH="0" baseline="0" dirty="0">
+                <a:ln>
+                  <a:noFill/>
+                </a:ln>
+                <a:solidFill>
+                  <a:srgbClr val="DCDCDC"/>
+                </a:solidFill>
+                <a:effectLst/>
+                <a:latin typeface="Fira Code" panose="020B0809050000020004" pitchFamily="49" charset="0"/>
+              </a:rPr>
+              <a:t> </a:t>
+            </a:r>
+            <a:r>
+              <a:rPr kumimoji="0" lang="en-US" altLang="en-US" sz="900" b="0" i="0" u="none" strike="noStrike" cap="none" normalizeH="0" baseline="0" dirty="0">
+                <a:ln>
+                  <a:noFill/>
+                </a:ln>
+                <a:solidFill>
+                  <a:srgbClr val="569CD6"/>
+                </a:solidFill>
+                <a:effectLst/>
+                <a:latin typeface="Fira Code" panose="020B0809050000020004" pitchFamily="49" charset="0"/>
+              </a:rPr>
+              <a:t>bool</a:t>
+            </a:r>
+            <a:r>
+              <a:rPr kumimoji="0" lang="en-US" altLang="en-US" sz="900" b="0" i="0" u="none" strike="noStrike" cap="none" normalizeH="0" baseline="0" dirty="0">
+                <a:ln>
+                  <a:noFill/>
+                </a:ln>
+                <a:solidFill>
+                  <a:srgbClr val="DCDCDC"/>
+                </a:solidFill>
+                <a:effectLst/>
+                <a:latin typeface="Fira Code" panose="020B0809050000020004" pitchFamily="49" charset="0"/>
+              </a:rPr>
+              <a:t> </a:t>
+            </a:r>
+            <a:r>
+              <a:rPr kumimoji="0" lang="en-US" altLang="en-US" sz="900" b="0" i="0" u="none" strike="noStrike" cap="none" normalizeH="0" baseline="0" dirty="0">
+                <a:ln>
+                  <a:noFill/>
+                </a:ln>
+                <a:solidFill>
+                  <a:srgbClr val="DCDCAA"/>
+                </a:solidFill>
+                <a:effectLst/>
+                <a:latin typeface="Fira Code" panose="020B0809050000020004" pitchFamily="49" charset="0"/>
+              </a:rPr>
+              <a:t>OnBeforeOutgoing</a:t>
+            </a:r>
+            <a:r>
+              <a:rPr kumimoji="0" lang="en-US" altLang="en-US" sz="900" b="0" i="0" u="none" strike="noStrike" cap="none" normalizeH="0" baseline="0" dirty="0">
+                <a:ln>
+                  <a:noFill/>
+                </a:ln>
+                <a:solidFill>
+                  <a:srgbClr val="DCDCDC"/>
+                </a:solidFill>
+                <a:effectLst/>
+                <a:latin typeface="Fira Code" panose="020B0809050000020004" pitchFamily="49" charset="0"/>
+              </a:rPr>
+              <a:t>(</a:t>
+            </a:r>
+            <a:r>
+              <a:rPr kumimoji="0" lang="en-US" altLang="en-US" sz="900" b="0" i="0" u="none" strike="noStrike" cap="none" normalizeH="0" baseline="0" dirty="0">
+                <a:ln>
+                  <a:noFill/>
+                </a:ln>
+                <a:solidFill>
+                  <a:srgbClr val="B8D7A3"/>
+                </a:solidFill>
+                <a:effectLst/>
+                <a:latin typeface="Fira Code" panose="020B0809050000020004" pitchFamily="49" charset="0"/>
+              </a:rPr>
+              <a:t>IHubOutgoingInvokerContext</a:t>
+            </a:r>
+            <a:r>
+              <a:rPr kumimoji="0" lang="en-US" altLang="en-US" sz="900" b="0" i="0" u="none" strike="noStrike" cap="none" normalizeH="0" baseline="0" dirty="0">
+                <a:ln>
+                  <a:noFill/>
+                </a:ln>
+                <a:solidFill>
+                  <a:srgbClr val="DCDCDC"/>
+                </a:solidFill>
+                <a:effectLst/>
+                <a:latin typeface="Fira Code" panose="020B0809050000020004" pitchFamily="49" charset="0"/>
+              </a:rPr>
+              <a:t> </a:t>
+            </a:r>
+            <a:r>
+              <a:rPr kumimoji="0" lang="en-US" altLang="en-US" sz="900" b="0" i="0" u="none" strike="noStrike" cap="none" normalizeH="0" baseline="0" dirty="0">
+                <a:ln>
+                  <a:noFill/>
+                </a:ln>
+                <a:solidFill>
+                  <a:srgbClr val="9CDCFE"/>
+                </a:solidFill>
+                <a:effectLst/>
+                <a:latin typeface="Fira Code" panose="020B0809050000020004" pitchFamily="49" charset="0"/>
+              </a:rPr>
+              <a:t>context</a:t>
+            </a:r>
+            <a:r>
+              <a:rPr kumimoji="0" lang="en-US" altLang="en-US" sz="900" b="0" i="0" u="none" strike="noStrike" cap="none" normalizeH="0" baseline="0" dirty="0">
+                <a:ln>
+                  <a:noFill/>
+                </a:ln>
+                <a:solidFill>
+                  <a:srgbClr val="DCDCDC"/>
+                </a:solidFill>
+                <a:effectLst/>
+                <a:latin typeface="Fira Code" panose="020B0809050000020004" pitchFamily="49" charset="0"/>
+              </a:rPr>
+              <a:t>)</a:t>
+            </a:r>
+          </a:p>
+          <a:p>
+            <a:pPr marL="0" marR="0" lvl="0" indent="0" algn="l" defTabSz="914400" rtl="0" eaLnBrk="0" fontAlgn="base" latinLnBrk="0" hangingPunct="0">
+              <a:lnSpc>
+                <a:spcPct val="100000"/>
+              </a:lnSpc>
+              <a:spcBef>
+                <a:spcPct val="0"/>
+              </a:spcBef>
+              <a:spcAft>
+                <a:spcPct val="0"/>
+              </a:spcAft>
+              <a:buClrTx/>
+              <a:buSzTx/>
+              <a:buFontTx/>
+              <a:buNone/>
+              <a:tabLst/>
+            </a:pPr>
+            <a:r>
+              <a:rPr kumimoji="0" lang="en-US" altLang="en-US" sz="900" b="0" i="0" u="none" strike="noStrike" cap="none" normalizeH="0" baseline="0" dirty="0">
+                <a:ln>
+                  <a:noFill/>
+                </a:ln>
+                <a:solidFill>
+                  <a:srgbClr val="DCDCDC"/>
+                </a:solidFill>
+                <a:effectLst/>
+                <a:latin typeface="Fira Code" panose="020B0809050000020004" pitchFamily="49" charset="0"/>
+              </a:rPr>
+              <a:t>     {</a:t>
+            </a:r>
+          </a:p>
+          <a:p>
+            <a:pPr marL="0" marR="0" lvl="0" indent="0" algn="l" defTabSz="914400" rtl="0" eaLnBrk="0" fontAlgn="base" latinLnBrk="0" hangingPunct="0">
+              <a:lnSpc>
+                <a:spcPct val="100000"/>
+              </a:lnSpc>
+              <a:spcBef>
+                <a:spcPct val="0"/>
+              </a:spcBef>
+              <a:spcAft>
+                <a:spcPct val="0"/>
+              </a:spcAft>
+              <a:buClrTx/>
+              <a:buSzTx/>
+              <a:buFontTx/>
+              <a:buNone/>
+              <a:tabLst/>
+            </a:pPr>
+            <a:r>
+              <a:rPr kumimoji="0" lang="en-US" altLang="en-US" sz="900" b="0" i="0" u="none" strike="noStrike" cap="none" normalizeH="0" baseline="0" dirty="0">
+                <a:ln>
+                  <a:noFill/>
+                </a:ln>
+                <a:solidFill>
+                  <a:srgbClr val="DCDCDC"/>
+                </a:solidFill>
+                <a:effectLst/>
+                <a:latin typeface="Fira Code" panose="020B0809050000020004" pitchFamily="49" charset="0"/>
+              </a:rPr>
+              <a:t>         </a:t>
+            </a:r>
+            <a:r>
+              <a:rPr kumimoji="0" lang="en-US" altLang="en-US" sz="900" b="0" i="0" u="none" strike="noStrike" cap="none" normalizeH="0" baseline="0" dirty="0">
+                <a:ln>
+                  <a:noFill/>
+                </a:ln>
+                <a:solidFill>
+                  <a:srgbClr val="4EC9B0"/>
+                </a:solidFill>
+                <a:effectLst/>
+                <a:latin typeface="Fira Code" panose="020B0809050000020004" pitchFamily="49" charset="0"/>
+              </a:rPr>
+              <a:t>Debug</a:t>
+            </a:r>
+            <a:r>
+              <a:rPr kumimoji="0" lang="en-US" altLang="en-US" sz="900" b="0" i="0" u="none" strike="noStrike" cap="none" normalizeH="0" baseline="0" dirty="0">
+                <a:ln>
+                  <a:noFill/>
+                </a:ln>
+                <a:solidFill>
+                  <a:srgbClr val="B4B4B4"/>
+                </a:solidFill>
+                <a:effectLst/>
+                <a:latin typeface="Fira Code" panose="020B0809050000020004" pitchFamily="49" charset="0"/>
+              </a:rPr>
+              <a:t>.</a:t>
+            </a:r>
+            <a:r>
+              <a:rPr kumimoji="0" lang="en-US" altLang="en-US" sz="900" b="0" i="0" u="none" strike="noStrike" cap="none" normalizeH="0" baseline="0" dirty="0">
+                <a:ln>
+                  <a:noFill/>
+                </a:ln>
+                <a:solidFill>
+                  <a:srgbClr val="DCDCAA"/>
+                </a:solidFill>
+                <a:effectLst/>
+                <a:latin typeface="Fira Code" panose="020B0809050000020004" pitchFamily="49" charset="0"/>
+              </a:rPr>
+              <a:t>WriteLine</a:t>
+            </a:r>
+            <a:r>
+              <a:rPr kumimoji="0" lang="en-US" altLang="en-US" sz="900" b="0" i="0" u="none" strike="noStrike" cap="none" normalizeH="0" baseline="0" dirty="0">
+                <a:ln>
+                  <a:noFill/>
+                </a:ln>
+                <a:solidFill>
+                  <a:srgbClr val="DCDCDC"/>
+                </a:solidFill>
+                <a:effectLst/>
+                <a:latin typeface="Fira Code" panose="020B0809050000020004" pitchFamily="49" charset="0"/>
+              </a:rPr>
+              <a:t>(</a:t>
+            </a:r>
+            <a:r>
+              <a:rPr kumimoji="0" lang="en-US" altLang="en-US" sz="900" b="0" i="0" u="none" strike="noStrike" cap="none" normalizeH="0" baseline="0" dirty="0">
+                <a:ln>
+                  <a:noFill/>
+                </a:ln>
+                <a:solidFill>
+                  <a:srgbClr val="D69D85"/>
+                </a:solidFill>
+                <a:effectLst/>
+                <a:latin typeface="Fira Code" panose="020B0809050000020004" pitchFamily="49" charset="0"/>
+              </a:rPr>
+              <a:t>"&lt;= Invoking "</a:t>
+            </a:r>
+            <a:r>
+              <a:rPr kumimoji="0" lang="en-US" altLang="en-US" sz="900" b="0" i="0" u="none" strike="noStrike" cap="none" normalizeH="0" baseline="0" dirty="0">
+                <a:ln>
+                  <a:noFill/>
+                </a:ln>
+                <a:solidFill>
+                  <a:srgbClr val="DCDCDC"/>
+                </a:solidFill>
+                <a:effectLst/>
+                <a:latin typeface="Fira Code" panose="020B0809050000020004" pitchFamily="49" charset="0"/>
+              </a:rPr>
+              <a:t> </a:t>
+            </a:r>
+            <a:r>
+              <a:rPr kumimoji="0" lang="en-US" altLang="en-US" sz="900" b="0" i="0" u="none" strike="noStrike" cap="none" normalizeH="0" baseline="0" dirty="0">
+                <a:ln>
+                  <a:noFill/>
+                </a:ln>
+                <a:solidFill>
+                  <a:srgbClr val="B4B4B4"/>
+                </a:solidFill>
+                <a:effectLst/>
+                <a:latin typeface="Fira Code" panose="020B0809050000020004" pitchFamily="49" charset="0"/>
+              </a:rPr>
+              <a:t>+</a:t>
+            </a:r>
+            <a:r>
+              <a:rPr kumimoji="0" lang="en-US" altLang="en-US" sz="900" b="0" i="0" u="none" strike="noStrike" cap="none" normalizeH="0" baseline="0" dirty="0">
+                <a:ln>
+                  <a:noFill/>
+                </a:ln>
+                <a:solidFill>
+                  <a:srgbClr val="DCDCDC"/>
+                </a:solidFill>
+                <a:effectLst/>
+                <a:latin typeface="Fira Code" panose="020B0809050000020004" pitchFamily="49" charset="0"/>
+              </a:rPr>
+              <a:t> </a:t>
+            </a:r>
+            <a:r>
+              <a:rPr kumimoji="0" lang="en-US" altLang="en-US" sz="900" b="0" i="0" u="none" strike="noStrike" cap="none" normalizeH="0" baseline="0" dirty="0">
+                <a:ln>
+                  <a:noFill/>
+                </a:ln>
+                <a:solidFill>
+                  <a:srgbClr val="9CDCFE"/>
+                </a:solidFill>
+                <a:effectLst/>
+                <a:latin typeface="Fira Code" panose="020B0809050000020004" pitchFamily="49" charset="0"/>
+              </a:rPr>
+              <a:t>context</a:t>
+            </a:r>
+            <a:r>
+              <a:rPr kumimoji="0" lang="en-US" altLang="en-US" sz="900" b="0" i="0" u="none" strike="noStrike" cap="none" normalizeH="0" baseline="0" dirty="0">
+                <a:ln>
+                  <a:noFill/>
+                </a:ln>
+                <a:solidFill>
+                  <a:srgbClr val="B4B4B4"/>
+                </a:solidFill>
+                <a:effectLst/>
+                <a:latin typeface="Fira Code" panose="020B0809050000020004" pitchFamily="49" charset="0"/>
+              </a:rPr>
+              <a:t>.</a:t>
+            </a:r>
+            <a:r>
+              <a:rPr kumimoji="0" lang="en-US" altLang="en-US" sz="900" b="0" i="0" u="none" strike="noStrike" cap="none" normalizeH="0" baseline="0" dirty="0">
+                <a:ln>
+                  <a:noFill/>
+                </a:ln>
+                <a:solidFill>
+                  <a:srgbClr val="DCDCDC"/>
+                </a:solidFill>
+                <a:effectLst/>
+                <a:latin typeface="Fira Code" panose="020B0809050000020004" pitchFamily="49" charset="0"/>
+              </a:rPr>
+              <a:t>Invocation</a:t>
+            </a:r>
+            <a:r>
+              <a:rPr kumimoji="0" lang="en-US" altLang="en-US" sz="900" b="0" i="0" u="none" strike="noStrike" cap="none" normalizeH="0" baseline="0" dirty="0">
+                <a:ln>
+                  <a:noFill/>
+                </a:ln>
+                <a:solidFill>
+                  <a:srgbClr val="B4B4B4"/>
+                </a:solidFill>
+                <a:effectLst/>
+                <a:latin typeface="Fira Code" panose="020B0809050000020004" pitchFamily="49" charset="0"/>
+              </a:rPr>
+              <a:t>.</a:t>
+            </a:r>
+            <a:r>
+              <a:rPr kumimoji="0" lang="en-US" altLang="en-US" sz="900" b="0" i="0" u="none" strike="noStrike" cap="none" normalizeH="0" baseline="0" dirty="0">
+                <a:ln>
+                  <a:noFill/>
+                </a:ln>
+                <a:solidFill>
+                  <a:srgbClr val="DCDCDC"/>
+                </a:solidFill>
+                <a:effectLst/>
+                <a:latin typeface="Fira Code" panose="020B0809050000020004" pitchFamily="49" charset="0"/>
+              </a:rPr>
+              <a:t>Method </a:t>
+            </a:r>
+            <a:r>
+              <a:rPr kumimoji="0" lang="en-US" altLang="en-US" sz="900" b="0" i="0" u="none" strike="noStrike" cap="none" normalizeH="0" baseline="0" dirty="0">
+                <a:ln>
+                  <a:noFill/>
+                </a:ln>
+                <a:solidFill>
+                  <a:srgbClr val="B4B4B4"/>
+                </a:solidFill>
+                <a:effectLst/>
+                <a:latin typeface="Fira Code" panose="020B0809050000020004" pitchFamily="49" charset="0"/>
+              </a:rPr>
+              <a:t>+</a:t>
+            </a:r>
+            <a:r>
+              <a:rPr kumimoji="0" lang="en-US" altLang="en-US" sz="900" b="0" i="0" u="none" strike="noStrike" cap="none" normalizeH="0" baseline="0" dirty="0">
+                <a:ln>
+                  <a:noFill/>
+                </a:ln>
+                <a:solidFill>
+                  <a:srgbClr val="DCDCDC"/>
+                </a:solidFill>
+                <a:effectLst/>
+                <a:latin typeface="Fira Code" panose="020B0809050000020004" pitchFamily="49" charset="0"/>
+              </a:rPr>
+              <a:t> </a:t>
+            </a:r>
+            <a:r>
+              <a:rPr kumimoji="0" lang="en-US" altLang="en-US" sz="900" b="0" i="0" u="none" strike="noStrike" cap="none" normalizeH="0" baseline="0" dirty="0">
+                <a:ln>
+                  <a:noFill/>
+                </a:ln>
+                <a:solidFill>
+                  <a:srgbClr val="D69D85"/>
+                </a:solidFill>
+                <a:effectLst/>
+                <a:latin typeface="Fira Code" panose="020B0809050000020004" pitchFamily="49" charset="0"/>
+              </a:rPr>
+              <a:t>" on client hub "</a:t>
+            </a:r>
+            <a:r>
+              <a:rPr kumimoji="0" lang="en-US" altLang="en-US" sz="900" b="0" i="0" u="none" strike="noStrike" cap="none" normalizeH="0" baseline="0" dirty="0">
+                <a:ln>
+                  <a:noFill/>
+                </a:ln>
+                <a:solidFill>
+                  <a:srgbClr val="DCDCDC"/>
+                </a:solidFill>
+                <a:effectLst/>
+                <a:latin typeface="Fira Code" panose="020B0809050000020004" pitchFamily="49" charset="0"/>
+              </a:rPr>
+              <a:t> </a:t>
+            </a:r>
+            <a:r>
+              <a:rPr kumimoji="0" lang="en-US" altLang="en-US" sz="900" b="0" i="0" u="none" strike="noStrike" cap="none" normalizeH="0" baseline="0" dirty="0">
+                <a:ln>
+                  <a:noFill/>
+                </a:ln>
+                <a:solidFill>
+                  <a:srgbClr val="B4B4B4"/>
+                </a:solidFill>
+                <a:effectLst/>
+                <a:latin typeface="Fira Code" panose="020B0809050000020004" pitchFamily="49" charset="0"/>
+              </a:rPr>
+              <a:t>+</a:t>
+            </a:r>
+            <a:r>
+              <a:rPr kumimoji="0" lang="en-US" altLang="en-US" sz="900" b="0" i="0" u="none" strike="noStrike" cap="none" normalizeH="0" baseline="0" dirty="0">
+                <a:ln>
+                  <a:noFill/>
+                </a:ln>
+                <a:solidFill>
+                  <a:srgbClr val="DCDCDC"/>
+                </a:solidFill>
+                <a:effectLst/>
+                <a:latin typeface="Fira Code" panose="020B0809050000020004" pitchFamily="49" charset="0"/>
+              </a:rPr>
+              <a:t> </a:t>
+            </a:r>
+            <a:r>
+              <a:rPr kumimoji="0" lang="en-US" altLang="en-US" sz="900" b="0" i="0" u="none" strike="noStrike" cap="none" normalizeH="0" baseline="0" dirty="0">
+                <a:ln>
+                  <a:noFill/>
+                </a:ln>
+                <a:solidFill>
+                  <a:srgbClr val="9CDCFE"/>
+                </a:solidFill>
+                <a:effectLst/>
+                <a:latin typeface="Fira Code" panose="020B0809050000020004" pitchFamily="49" charset="0"/>
+              </a:rPr>
+              <a:t>context</a:t>
+            </a:r>
+            <a:r>
+              <a:rPr kumimoji="0" lang="en-US" altLang="en-US" sz="900" b="0" i="0" u="none" strike="noStrike" cap="none" normalizeH="0" baseline="0" dirty="0">
+                <a:ln>
+                  <a:noFill/>
+                </a:ln>
+                <a:solidFill>
+                  <a:srgbClr val="B4B4B4"/>
+                </a:solidFill>
+                <a:effectLst/>
+                <a:latin typeface="Fira Code" panose="020B0809050000020004" pitchFamily="49" charset="0"/>
+              </a:rPr>
+              <a:t>.</a:t>
+            </a:r>
+            <a:r>
+              <a:rPr kumimoji="0" lang="en-US" altLang="en-US" sz="900" b="0" i="0" u="none" strike="noStrike" cap="none" normalizeH="0" baseline="0" dirty="0">
+                <a:ln>
+                  <a:noFill/>
+                </a:ln>
+                <a:solidFill>
+                  <a:srgbClr val="DCDCDC"/>
+                </a:solidFill>
+                <a:effectLst/>
+                <a:latin typeface="Fira Code" panose="020B0809050000020004" pitchFamily="49" charset="0"/>
+              </a:rPr>
+              <a:t>Invocation</a:t>
+            </a:r>
+            <a:r>
+              <a:rPr kumimoji="0" lang="en-US" altLang="en-US" sz="900" b="0" i="0" u="none" strike="noStrike" cap="none" normalizeH="0" baseline="0" dirty="0">
+                <a:ln>
+                  <a:noFill/>
+                </a:ln>
+                <a:solidFill>
+                  <a:srgbClr val="B4B4B4"/>
+                </a:solidFill>
+                <a:effectLst/>
+                <a:latin typeface="Fira Code" panose="020B0809050000020004" pitchFamily="49" charset="0"/>
+              </a:rPr>
+              <a:t>.</a:t>
+            </a:r>
+            <a:r>
+              <a:rPr kumimoji="0" lang="en-US" altLang="en-US" sz="900" b="0" i="0" u="none" strike="noStrike" cap="none" normalizeH="0" baseline="0" dirty="0">
+                <a:ln>
+                  <a:noFill/>
+                </a:ln>
+                <a:solidFill>
+                  <a:srgbClr val="DCDCDC"/>
+                </a:solidFill>
+                <a:effectLst/>
+                <a:latin typeface="Fira Code" panose="020B0809050000020004" pitchFamily="49" charset="0"/>
+              </a:rPr>
+              <a:t>Hub);</a:t>
+            </a:r>
+          </a:p>
+          <a:p>
+            <a:pPr marL="0" marR="0" lvl="0" indent="0" algn="l" defTabSz="914400" rtl="0" eaLnBrk="0" fontAlgn="base" latinLnBrk="0" hangingPunct="0">
+              <a:lnSpc>
+                <a:spcPct val="100000"/>
+              </a:lnSpc>
+              <a:spcBef>
+                <a:spcPct val="0"/>
+              </a:spcBef>
+              <a:spcAft>
+                <a:spcPct val="0"/>
+              </a:spcAft>
+              <a:buClrTx/>
+              <a:buSzTx/>
+              <a:buFontTx/>
+              <a:buNone/>
+              <a:tabLst/>
+            </a:pPr>
+            <a:r>
+              <a:rPr kumimoji="0" lang="en-US" altLang="en-US" sz="900" b="0" i="0" u="none" strike="noStrike" cap="none" normalizeH="0" baseline="0" dirty="0">
+                <a:ln>
+                  <a:noFill/>
+                </a:ln>
+                <a:solidFill>
+                  <a:srgbClr val="DCDCDC"/>
+                </a:solidFill>
+                <a:effectLst/>
+                <a:latin typeface="Fira Code" panose="020B0809050000020004" pitchFamily="49" charset="0"/>
+              </a:rPr>
+              <a:t>         </a:t>
+            </a:r>
+            <a:r>
+              <a:rPr kumimoji="0" lang="en-US" altLang="en-US" sz="900" b="0" i="0" u="none" strike="noStrike" cap="none" normalizeH="0" baseline="0" dirty="0">
+                <a:ln>
+                  <a:noFill/>
+                </a:ln>
+                <a:solidFill>
+                  <a:srgbClr val="D8A0DF"/>
+                </a:solidFill>
+                <a:effectLst/>
+                <a:latin typeface="Fira Code" panose="020B0809050000020004" pitchFamily="49" charset="0"/>
+              </a:rPr>
+              <a:t>return</a:t>
+            </a:r>
+            <a:r>
+              <a:rPr kumimoji="0" lang="en-US" altLang="en-US" sz="900" b="0" i="0" u="none" strike="noStrike" cap="none" normalizeH="0" baseline="0" dirty="0">
+                <a:ln>
+                  <a:noFill/>
+                </a:ln>
+                <a:solidFill>
+                  <a:srgbClr val="DCDCDC"/>
+                </a:solidFill>
+                <a:effectLst/>
+                <a:latin typeface="Fira Code" panose="020B0809050000020004" pitchFamily="49" charset="0"/>
+              </a:rPr>
+              <a:t> </a:t>
+            </a:r>
+            <a:r>
+              <a:rPr kumimoji="0" lang="en-US" altLang="en-US" sz="900" b="0" i="0" u="none" strike="noStrike" cap="none" normalizeH="0" baseline="0" dirty="0">
+                <a:ln>
+                  <a:noFill/>
+                </a:ln>
+                <a:solidFill>
+                  <a:srgbClr val="569CD6"/>
+                </a:solidFill>
+                <a:effectLst/>
+                <a:latin typeface="Fira Code" panose="020B0809050000020004" pitchFamily="49" charset="0"/>
+              </a:rPr>
+              <a:t>base</a:t>
+            </a:r>
+            <a:r>
+              <a:rPr kumimoji="0" lang="en-US" altLang="en-US" sz="900" b="0" i="0" u="none" strike="noStrike" cap="none" normalizeH="0" baseline="0" dirty="0">
+                <a:ln>
+                  <a:noFill/>
+                </a:ln>
+                <a:solidFill>
+                  <a:srgbClr val="B4B4B4"/>
+                </a:solidFill>
+                <a:effectLst/>
+                <a:latin typeface="Fira Code" panose="020B0809050000020004" pitchFamily="49" charset="0"/>
+              </a:rPr>
+              <a:t>.</a:t>
+            </a:r>
+            <a:r>
+              <a:rPr kumimoji="0" lang="en-US" altLang="en-US" sz="900" b="0" i="0" u="none" strike="noStrike" cap="none" normalizeH="0" baseline="0" dirty="0">
+                <a:ln>
+                  <a:noFill/>
+                </a:ln>
+                <a:solidFill>
+                  <a:srgbClr val="DCDCAA"/>
+                </a:solidFill>
+                <a:effectLst/>
+                <a:latin typeface="Fira Code" panose="020B0809050000020004" pitchFamily="49" charset="0"/>
+              </a:rPr>
+              <a:t>OnBeforeOutgoing</a:t>
+            </a:r>
+            <a:r>
+              <a:rPr kumimoji="0" lang="en-US" altLang="en-US" sz="900" b="0" i="0" u="none" strike="noStrike" cap="none" normalizeH="0" baseline="0" dirty="0">
+                <a:ln>
+                  <a:noFill/>
+                </a:ln>
+                <a:solidFill>
+                  <a:srgbClr val="DCDCDC"/>
+                </a:solidFill>
+                <a:effectLst/>
+                <a:latin typeface="Fira Code" panose="020B0809050000020004" pitchFamily="49" charset="0"/>
+              </a:rPr>
+              <a:t>(</a:t>
+            </a:r>
+            <a:r>
+              <a:rPr kumimoji="0" lang="en-US" altLang="en-US" sz="900" b="0" i="0" u="none" strike="noStrike" cap="none" normalizeH="0" baseline="0" dirty="0">
+                <a:ln>
+                  <a:noFill/>
+                </a:ln>
+                <a:solidFill>
+                  <a:srgbClr val="9CDCFE"/>
+                </a:solidFill>
+                <a:effectLst/>
+                <a:latin typeface="Fira Code" panose="020B0809050000020004" pitchFamily="49" charset="0"/>
+              </a:rPr>
+              <a:t>context</a:t>
+            </a:r>
+            <a:r>
+              <a:rPr kumimoji="0" lang="en-US" altLang="en-US" sz="900" b="0" i="0" u="none" strike="noStrike" cap="none" normalizeH="0" baseline="0" dirty="0">
+                <a:ln>
+                  <a:noFill/>
+                </a:ln>
+                <a:solidFill>
+                  <a:srgbClr val="DCDCDC"/>
+                </a:solidFill>
+                <a:effectLst/>
+                <a:latin typeface="Fira Code" panose="020B0809050000020004" pitchFamily="49" charset="0"/>
+              </a:rPr>
+              <a:t>);</a:t>
+            </a:r>
+          </a:p>
+          <a:p>
+            <a:pPr marL="0" marR="0" lvl="0" indent="0" algn="l" defTabSz="914400" rtl="0" eaLnBrk="0" fontAlgn="base" latinLnBrk="0" hangingPunct="0">
+              <a:lnSpc>
+                <a:spcPct val="100000"/>
+              </a:lnSpc>
+              <a:spcBef>
+                <a:spcPct val="0"/>
+              </a:spcBef>
+              <a:spcAft>
+                <a:spcPct val="0"/>
+              </a:spcAft>
+              <a:buClrTx/>
+              <a:buSzTx/>
+              <a:buFontTx/>
+              <a:buNone/>
+              <a:tabLst/>
+            </a:pPr>
+            <a:r>
+              <a:rPr kumimoji="0" lang="en-US" altLang="en-US" sz="900" b="0" i="0" u="none" strike="noStrike" cap="none" normalizeH="0" baseline="0" dirty="0">
+                <a:ln>
+                  <a:noFill/>
+                </a:ln>
+                <a:solidFill>
+                  <a:srgbClr val="DCDCDC"/>
+                </a:solidFill>
+                <a:effectLst/>
+                <a:latin typeface="Fira Code" panose="020B0809050000020004" pitchFamily="49" charset="0"/>
+              </a:rPr>
+              <a:t>     }</a:t>
+            </a:r>
+          </a:p>
+          <a:p>
+            <a:pPr marL="0" marR="0" lvl="0" indent="0" algn="l" defTabSz="914400" rtl="0" eaLnBrk="0" fontAlgn="base" latinLnBrk="0" hangingPunct="0">
+              <a:lnSpc>
+                <a:spcPct val="100000"/>
+              </a:lnSpc>
+              <a:spcBef>
+                <a:spcPct val="0"/>
+              </a:spcBef>
+              <a:spcAft>
+                <a:spcPct val="0"/>
+              </a:spcAft>
+              <a:buClrTx/>
+              <a:buSzTx/>
+              <a:buFontTx/>
+              <a:buNone/>
+              <a:tabLst/>
+            </a:pPr>
+            <a:r>
+              <a:rPr kumimoji="0" lang="en-US" altLang="en-US" sz="900" b="0" i="0" u="none" strike="noStrike" cap="none" normalizeH="0" baseline="0" dirty="0">
+                <a:ln>
+                  <a:noFill/>
+                </a:ln>
+                <a:solidFill>
+                  <a:srgbClr val="DCDCDC"/>
+                </a:solidFill>
+                <a:effectLst/>
+                <a:latin typeface="Fira Code" panose="020B0809050000020004" pitchFamily="49" charset="0"/>
+              </a:rPr>
+              <a:t>}</a:t>
+            </a:r>
+            <a:endParaRPr kumimoji="0" lang="en-US" altLang="en-US" sz="1800" b="0" i="0" u="none" strike="noStrike" cap="none" normalizeH="0" baseline="0" dirty="0">
+              <a:ln>
+                <a:noFill/>
+              </a:ln>
+              <a:solidFill>
+                <a:schemeClr val="tx1"/>
+              </a:solidFill>
+              <a:effectLst/>
+              <a:latin typeface="Arial" panose="020B0604020202020204" pitchFamily="34" charset="0"/>
+            </a:endParaRPr>
+          </a:p>
+        </p:txBody>
+      </p:sp>
+      <p:sp>
+        <p:nvSpPr>
+          <p:cNvPr id="3" name="Rectangle 2">
+            <a:extLst>
+              <a:ext uri="{FF2B5EF4-FFF2-40B4-BE49-F238E27FC236}">
+                <a16:creationId xmlns:a16="http://schemas.microsoft.com/office/drawing/2014/main" id="{DFB16E55-D37B-481D-863A-B2A7DB89CE88}"/>
+              </a:ext>
+            </a:extLst>
+          </p:cNvPr>
+          <p:cNvSpPr>
+            <a:spLocks noChangeArrowheads="1"/>
+          </p:cNvSpPr>
+          <p:nvPr/>
+        </p:nvSpPr>
+        <p:spPr bwMode="auto">
+          <a:xfrm>
+            <a:off x="1063558" y="5265761"/>
+            <a:ext cx="9202723" cy="230832"/>
+          </a:xfrm>
+          <a:prstGeom prst="rect">
+            <a:avLst/>
+          </a:prstGeom>
+          <a:solidFill>
+            <a:srgbClr val="1E1E1E"/>
+          </a:solidFill>
+          <a:ln>
+            <a:noFill/>
+          </a:ln>
+          <a:effectLst/>
+          <a:extLst>
+            <a:ext uri="{91240B29-F687-4F45-9708-019B960494DF}">
+              <a14:hiddenLine xmlns:a14="http://schemas.microsoft.com/office/drawing/2010/main" w="9525">
+                <a:solidFill>
+                  <a:schemeClr val="tx1"/>
+                </a:solidFill>
+                <a:miter lim="800000"/>
+                <a:headEnd/>
+                <a:tailEnd/>
+              </a14:hiddenLine>
+            </a:ext>
+            <a:ext uri="{AF507438-7753-43E0-B8FC-AC1667EBCBE1}">
+              <a14:hiddenEffects xmlns:a14="http://schemas.microsoft.com/office/drawing/2010/main">
+                <a:effectLst>
+                  <a:outerShdw dist="35921" dir="2700000" algn="ctr" rotWithShape="0">
+                    <a:schemeClr val="bg2"/>
+                  </a:outerShdw>
+                </a:effectLst>
+              </a14:hiddenEffects>
+            </a:ext>
+          </a:extLst>
+        </p:spPr>
+        <p:txBody>
+          <a:bodyPr vert="horz" wrap="square" lIns="91440" tIns="45720" rIns="91440" bIns="45720" numCol="1" anchor="ctr" anchorCtr="0" compatLnSpc="1">
+            <a:prstTxWarp prst="textNoShape">
+              <a:avLst/>
+            </a:prstTxWarp>
+            <a:spAutoFit/>
+          </a:bodyPr>
+          <a:lstStyle/>
+          <a:p>
+            <a:pPr marL="0" marR="0" lvl="0" indent="0" algn="l" defTabSz="914400" rtl="0" eaLnBrk="0" fontAlgn="base" latinLnBrk="0" hangingPunct="0">
+              <a:lnSpc>
+                <a:spcPct val="100000"/>
+              </a:lnSpc>
+              <a:spcBef>
+                <a:spcPct val="0"/>
+              </a:spcBef>
+              <a:spcAft>
+                <a:spcPct val="0"/>
+              </a:spcAft>
+              <a:buClrTx/>
+              <a:buSzTx/>
+              <a:buFontTx/>
+              <a:buNone/>
+              <a:tabLst/>
+            </a:pPr>
+            <a:r>
+              <a:rPr kumimoji="0" lang="en-US" altLang="en-US" sz="900" b="0" i="0" u="none" strike="noStrike" cap="none" normalizeH="0" baseline="0">
+                <a:ln>
+                  <a:noFill/>
+                </a:ln>
+                <a:solidFill>
+                  <a:srgbClr val="4EC9B0"/>
+                </a:solidFill>
+                <a:effectLst/>
+                <a:latin typeface="Fira Code" panose="020B0809050000020004" pitchFamily="49" charset="0"/>
+              </a:rPr>
+              <a:t>GlobalHost</a:t>
+            </a:r>
+            <a:r>
+              <a:rPr kumimoji="0" lang="en-US" altLang="en-US" sz="900" b="0" i="0" u="none" strike="noStrike" cap="none" normalizeH="0" baseline="0">
+                <a:ln>
+                  <a:noFill/>
+                </a:ln>
+                <a:solidFill>
+                  <a:srgbClr val="B4B4B4"/>
+                </a:solidFill>
+                <a:effectLst/>
+                <a:latin typeface="Fira Code" panose="020B0809050000020004" pitchFamily="49" charset="0"/>
+              </a:rPr>
+              <a:t>.</a:t>
+            </a:r>
+            <a:r>
+              <a:rPr kumimoji="0" lang="en-US" altLang="en-US" sz="900" b="0" i="0" u="none" strike="noStrike" cap="none" normalizeH="0" baseline="0">
+                <a:ln>
+                  <a:noFill/>
+                </a:ln>
+                <a:solidFill>
+                  <a:srgbClr val="DCDCDC"/>
+                </a:solidFill>
+                <a:effectLst/>
+                <a:latin typeface="Fira Code" panose="020B0809050000020004" pitchFamily="49" charset="0"/>
+              </a:rPr>
+              <a:t>HubPipeline</a:t>
+            </a:r>
+            <a:r>
+              <a:rPr kumimoji="0" lang="en-US" altLang="en-US" sz="900" b="0" i="0" u="none" strike="noStrike" cap="none" normalizeH="0" baseline="0">
+                <a:ln>
+                  <a:noFill/>
+                </a:ln>
+                <a:solidFill>
+                  <a:srgbClr val="B4B4B4"/>
+                </a:solidFill>
+                <a:effectLst/>
+                <a:latin typeface="Fira Code" panose="020B0809050000020004" pitchFamily="49" charset="0"/>
+              </a:rPr>
+              <a:t>.</a:t>
+            </a:r>
+            <a:r>
+              <a:rPr kumimoji="0" lang="en-US" altLang="en-US" sz="900" b="0" i="0" u="none" strike="noStrike" cap="none" normalizeH="0" baseline="0">
+                <a:ln>
+                  <a:noFill/>
+                </a:ln>
+                <a:solidFill>
+                  <a:srgbClr val="DCDCAA"/>
+                </a:solidFill>
+                <a:effectLst/>
+                <a:latin typeface="Fira Code" panose="020B0809050000020004" pitchFamily="49" charset="0"/>
+              </a:rPr>
+              <a:t>AddModule</a:t>
+            </a:r>
+            <a:r>
+              <a:rPr kumimoji="0" lang="en-US" altLang="en-US" sz="900" b="0" i="0" u="none" strike="noStrike" cap="none" normalizeH="0" baseline="0">
+                <a:ln>
+                  <a:noFill/>
+                </a:ln>
+                <a:solidFill>
+                  <a:srgbClr val="DCDCDC"/>
+                </a:solidFill>
+                <a:effectLst/>
+                <a:latin typeface="Fira Code" panose="020B0809050000020004" pitchFamily="49" charset="0"/>
+              </a:rPr>
+              <a:t>(</a:t>
+            </a:r>
+            <a:r>
+              <a:rPr kumimoji="0" lang="en-US" altLang="en-US" sz="900" b="0" i="0" u="none" strike="noStrike" cap="none" normalizeH="0" baseline="0">
+                <a:ln>
+                  <a:noFill/>
+                </a:ln>
+                <a:solidFill>
+                  <a:srgbClr val="569CD6"/>
+                </a:solidFill>
+                <a:effectLst/>
+                <a:latin typeface="Fira Code" panose="020B0809050000020004" pitchFamily="49" charset="0"/>
+              </a:rPr>
+              <a:t>new</a:t>
+            </a:r>
+            <a:r>
+              <a:rPr kumimoji="0" lang="en-US" altLang="en-US" sz="900" b="0" i="0" u="none" strike="noStrike" cap="none" normalizeH="0" baseline="0">
+                <a:ln>
+                  <a:noFill/>
+                </a:ln>
+                <a:solidFill>
+                  <a:srgbClr val="DCDCDC"/>
+                </a:solidFill>
+                <a:effectLst/>
+                <a:latin typeface="Fira Code" panose="020B0809050000020004" pitchFamily="49" charset="0"/>
+              </a:rPr>
+              <a:t> </a:t>
+            </a:r>
+            <a:r>
+              <a:rPr kumimoji="0" lang="en-US" altLang="en-US" sz="900" b="0" i="0" u="none" strike="noStrike" cap="none" normalizeH="0" baseline="0">
+                <a:ln>
+                  <a:noFill/>
+                </a:ln>
+                <a:solidFill>
+                  <a:srgbClr val="4EC9B0"/>
+                </a:solidFill>
+                <a:effectLst/>
+                <a:latin typeface="Fira Code" panose="020B0809050000020004" pitchFamily="49" charset="0"/>
+              </a:rPr>
+              <a:t>LoggingPipelineModule</a:t>
+            </a:r>
+            <a:r>
+              <a:rPr kumimoji="0" lang="en-US" altLang="en-US" sz="900" b="0" i="0" u="none" strike="noStrike" cap="none" normalizeH="0" baseline="0">
+                <a:ln>
+                  <a:noFill/>
+                </a:ln>
+                <a:solidFill>
+                  <a:srgbClr val="DCDCDC"/>
+                </a:solidFill>
+                <a:effectLst/>
+                <a:latin typeface="Fira Code" panose="020B0809050000020004" pitchFamily="49" charset="0"/>
+              </a:rPr>
+              <a:t>()); </a:t>
+            </a:r>
+            <a:endParaRPr kumimoji="0" lang="en-US" altLang="en-US" sz="1800" b="0" i="0" u="none" strike="noStrike" cap="none" normalizeH="0" baseline="0">
+              <a:ln>
+                <a:noFill/>
+              </a:ln>
+              <a:solidFill>
+                <a:schemeClr val="tx1"/>
+              </a:solidFill>
+              <a:effectLst/>
+              <a:latin typeface="Arial" panose="020B0604020202020204" pitchFamily="34" charset="0"/>
+            </a:endParaRPr>
+          </a:p>
+        </p:txBody>
+      </p:sp>
+    </p:spTree>
+    <p:extLst>
+      <p:ext uri="{BB962C8B-B14F-4D97-AF65-F5344CB8AC3E}">
+        <p14:creationId xmlns:p14="http://schemas.microsoft.com/office/powerpoint/2010/main" val="1152562539"/>
+      </p:ext>
+    </p:extLst>
+  </p:cSld>
+  <p:clrMapOvr>
+    <a:masterClrMapping/>
+  </p:clrMapOvr>
+  <p:timing>
+    <p:tnLst>
+      <p:par>
+        <p:cTn id="1" dur="indefinite" restart="never" nodeType="tmRoot"/>
+      </p:par>
+    </p:tnLst>
+  </p:timing>
+</p:sld>
+</file>
+
+<file path=ppt/slides/slide35.xml><?xml version="1.0" encoding="utf-8"?>
+<p:sld xmlns:a="http://schemas.openxmlformats.org/drawingml/2006/main" xmlns:r="http://schemas.openxmlformats.org/officeDocument/2006/relationships" xmlns:p="http://schemas.openxmlformats.org/presentationml/2006/main">
+  <p:cSld>
+    <p:spTree>
+      <p:nvGrpSpPr>
+        <p:cNvPr id="1" name=""/>
+        <p:cNvGrpSpPr/>
+        <p:nvPr/>
+      </p:nvGrpSpPr>
+      <p:grpSpPr>
+        <a:xfrm>
+          <a:off x="0" y="0"/>
+          <a:ext cx="0" cy="0"/>
+          <a:chOff x="0" y="0"/>
+          <a:chExt cx="0" cy="0"/>
+        </a:xfrm>
+      </p:grpSpPr>
+      <p:sp>
+        <p:nvSpPr>
+          <p:cNvPr id="7" name="Title 6">
+            <a:extLst>
+              <a:ext uri="{FF2B5EF4-FFF2-40B4-BE49-F238E27FC236}">
+                <a16:creationId xmlns:a16="http://schemas.microsoft.com/office/drawing/2014/main" id="{995CDE5A-4025-488F-9F23-4B1873D72739}"/>
+              </a:ext>
+            </a:extLst>
+          </p:cNvPr>
+          <p:cNvSpPr>
+            <a:spLocks noGrp="1"/>
+          </p:cNvSpPr>
+          <p:nvPr>
+            <p:ph type="title"/>
+          </p:nvPr>
+        </p:nvSpPr>
+        <p:spPr>
+          <a:xfrm>
+            <a:off x="684211" y="755008"/>
+            <a:ext cx="10823576" cy="696287"/>
+          </a:xfrm>
+        </p:spPr>
+        <p:txBody>
+          <a:bodyPr anchor="t">
+            <a:normAutofit/>
+          </a:bodyPr>
+          <a:lstStyle/>
+          <a:p>
+            <a:r>
+              <a:rPr lang="en-US" cap="none" dirty="0">
+                <a:latin typeface="Segoe UI" panose="020B0502040204020203" pitchFamily="34" charset="0"/>
+                <a:cs typeface="Segoe UI" panose="020B0502040204020203" pitchFamily="34" charset="0"/>
+              </a:rPr>
+              <a:t>Description</a:t>
             </a:r>
             <a:endParaRPr lang="en-ZA" cap="none" dirty="0">
               <a:latin typeface="Segoe UI" panose="020B0502040204020203" pitchFamily="34" charset="0"/>
@@ -25833,25 +28351,6 @@
               <a:buFont typeface="Arial" panose="020B0604020202020204" pitchFamily="34" charset="0"/>
               <a:buChar char="•"/>
             </a:pPr>
-            <a:r>
-              <a:rPr lang="en-US" dirty="0">
-                <a:solidFill>
-                  <a:schemeClr val="tx2">
-                    <a:lumMod val="20000"/>
-                    <a:lumOff val="80000"/>
-                  </a:schemeClr>
-                </a:solidFill>
-                <a:latin typeface="Segoe UI Light" panose="020B0502040204020203" pitchFamily="34" charset="0"/>
-                <a:cs typeface="Segoe UI Light" panose="020B0502040204020203" pitchFamily="34" charset="0"/>
-              </a:rPr>
-              <a:t>SignalR enables you to inject your own code into the Hub pipeline. The following example shows a custom Hub pipeline module that logs each incoming method call received from the client and outgoing method call invoked on the client:</a:t>
-            </a:r>
-          </a:p>
-          <a:p>
-            <a:pPr marL="285750" indent="-285750">
-              <a:buFont typeface="Arial" panose="020B0604020202020204" pitchFamily="34" charset="0"/>
-              <a:buChar char="•"/>
-            </a:pPr>
             <a:endParaRPr lang="en-US" dirty="0">
               <a:solidFill>
                 <a:schemeClr val="tx2">
@@ -25863,2095 +28362,29 @@
               <a:cs typeface="Segoe UI Light" panose="020B0502040204020203" pitchFamily="34" charset="0"/>
             </a:endParaRPr>
           </a:p>
-          <a:p>
-            <a:pPr marL="285750" indent="-285750">
-              <a:buFont typeface="Arial" panose="020B0604020202020204" pitchFamily="34" charset="0"/>
-              <a:buChar char="•"/>
-            </a:pPr>
-            <a:endParaRPr lang="en-US" dirty="0">
-              <a:solidFill>
-                <a:schemeClr val="tx2">
-                  <a:lumMod val="20000"/>
-                  <a:lumOff val="80000"/>
-                </a:schemeClr>
-              </a:solidFill>
-              <a:latin typeface="Segoe UI Light" panose="020B0502040204020203" pitchFamily="34" charset="0"/>
-              <a:cs typeface="Segoe UI Light" panose="020B0502040204020203" pitchFamily="34" charset="0"/>
-            </a:endParaRPr>
-          </a:p>
-          <a:p>
-            <a:pPr marL="285750" indent="-285750">
-              <a:buFont typeface="Arial" panose="020B0604020202020204" pitchFamily="34" charset="0"/>
-              <a:buChar char="•"/>
-            </a:pPr>
-            <a:endParaRPr lang="en-US" dirty="0">
-              <a:solidFill>
-                <a:schemeClr val="tx2">
-                  <a:lumMod val="20000"/>
-                  <a:lumOff val="80000"/>
-                </a:schemeClr>
-              </a:solidFill>
-              <a:latin typeface="Segoe UI Light" panose="020B0502040204020203" pitchFamily="34" charset="0"/>
-              <a:cs typeface="Segoe UI Light" panose="020B0502040204020203" pitchFamily="34" charset="0"/>
-            </a:endParaRPr>
-          </a:p>
-          <a:p>
-            <a:pPr marL="285750" indent="-285750">
-              <a:buFont typeface="Arial" panose="020B0604020202020204" pitchFamily="34" charset="0"/>
-              <a:buChar char="•"/>
-            </a:pPr>
-            <a:endParaRPr lang="en-US" dirty="0">
-              <a:solidFill>
-                <a:schemeClr val="tx2">
-                  <a:lumMod val="20000"/>
-                  <a:lumOff val="80000"/>
-                </a:schemeClr>
-              </a:solidFill>
-              <a:latin typeface="Segoe UI Light" panose="020B0502040204020203" pitchFamily="34" charset="0"/>
-              <a:cs typeface="Segoe UI Light" panose="020B0502040204020203" pitchFamily="34" charset="0"/>
-            </a:endParaRPr>
-          </a:p>
-          <a:p>
-            <a:endParaRPr lang="en-US" dirty="0">
-              <a:solidFill>
-                <a:schemeClr val="tx2">
-                  <a:lumMod val="20000"/>
-                  <a:lumOff val="80000"/>
-                </a:schemeClr>
-              </a:solidFill>
-              <a:latin typeface="Segoe UI Light" panose="020B0502040204020203" pitchFamily="34" charset="0"/>
-              <a:cs typeface="Segoe UI Light" panose="020B0502040204020203" pitchFamily="34" charset="0"/>
-            </a:endParaRPr>
-          </a:p>
-          <a:p>
-            <a:pPr marL="285750" indent="-285750">
-              <a:buFont typeface="Arial" panose="020B0604020202020204" pitchFamily="34" charset="0"/>
-              <a:buChar char="•"/>
-            </a:pPr>
-            <a:r>
-              <a:rPr lang="en-US" dirty="0">
-                <a:solidFill>
-                  <a:schemeClr val="tx2">
-                    <a:lumMod val="20000"/>
-                    <a:lumOff val="80000"/>
-                  </a:schemeClr>
-                </a:solidFill>
-                <a:latin typeface="Segoe UI Light" panose="020B0502040204020203" pitchFamily="34" charset="0"/>
-                <a:cs typeface="Segoe UI Light" panose="020B0502040204020203" pitchFamily="34" charset="0"/>
-              </a:rPr>
-              <a:t>Add the module to the Hub Pipeline:</a:t>
-            </a:r>
-          </a:p>
-          <a:p>
-            <a:pPr marL="285750" indent="-285750">
-              <a:buFont typeface="Arial" panose="020B0604020202020204" pitchFamily="34" charset="0"/>
-              <a:buChar char="•"/>
-            </a:pPr>
-            <a:endParaRPr lang="en-US" dirty="0">
-              <a:solidFill>
-                <a:schemeClr val="tx2">
-                  <a:lumMod val="20000"/>
-                  <a:lumOff val="80000"/>
-                </a:schemeClr>
-              </a:solidFill>
-              <a:latin typeface="Segoe UI Light" panose="020B0502040204020203" pitchFamily="34" charset="0"/>
-              <a:cs typeface="Segoe UI Light" panose="020B0502040204020203" pitchFamily="34" charset="0"/>
-            </a:endParaRPr>
-          </a:p>
-        </p:txBody>
-      </p:sp>
-      <p:sp>
-        <p:nvSpPr>
-          <p:cNvPr id="2" name="Rectangle 1">
-            <a:extLst>
-              <a:ext uri="{FF2B5EF4-FFF2-40B4-BE49-F238E27FC236}">
-                <a16:creationId xmlns:a16="http://schemas.microsoft.com/office/drawing/2014/main" id="{410CDBFF-3D07-4A80-93D5-6527995591B7}"/>
-              </a:ext>
-            </a:extLst>
-          </p:cNvPr>
-          <p:cNvSpPr>
-            <a:spLocks noChangeArrowheads="1"/>
-          </p:cNvSpPr>
-          <p:nvPr/>
-        </p:nvSpPr>
-        <p:spPr bwMode="auto">
-          <a:xfrm>
-            <a:off x="1063558" y="2768981"/>
-            <a:ext cx="9202723" cy="2031325"/>
-          </a:xfrm>
-          <a:prstGeom prst="rect">
-            <a:avLst/>
-          </a:prstGeom>
-          <a:solidFill>
-            <a:srgbClr val="1E1E1E"/>
-          </a:solidFill>
-          <a:ln>
-            <a:noFill/>
-          </a:ln>
-          <a:effectLst/>
-          <a:extLst>
-            <a:ext uri="{91240B29-F687-4F45-9708-019B960494DF}">
-              <a14:hiddenLine xmlns:a14="http://schemas.microsoft.com/office/drawing/2010/main" w="9525">
-                <a:solidFill>
-                  <a:schemeClr val="tx1"/>
-                </a:solidFill>
-                <a:miter lim="800000"/>
-                <a:headEnd/>
-                <a:tailEnd/>
-              </a14:hiddenLine>
-            </a:ext>
-            <a:ext uri="{AF507438-7753-43E0-B8FC-AC1667EBCBE1}">
-              <a14:hiddenEffects xmlns:a14="http://schemas.microsoft.com/office/drawing/2010/main">
-                <a:effectLst>
-                  <a:outerShdw dist="35921" dir="2700000" algn="ctr" rotWithShape="0">
-                    <a:schemeClr val="bg2"/>
-                  </a:outerShdw>
-                </a:effectLst>
-              </a14:hiddenEffects>
-            </a:ext>
-          </a:extLst>
-        </p:spPr>
-        <p:txBody>
-          <a:bodyPr vert="horz" wrap="square" lIns="91440" tIns="45720" rIns="91440" bIns="45720" numCol="1" anchor="ctr" anchorCtr="0" compatLnSpc="1">
-            <a:prstTxWarp prst="textNoShape">
-              <a:avLst/>
-            </a:prstTxWarp>
-            <a:spAutoFit/>
-          </a:bodyPr>
-          <a:lstStyle/>
-          <a:p>
-            <a:pPr marL="0" marR="0" lvl="0" indent="0" algn="l" defTabSz="914400" rtl="0" eaLnBrk="0" fontAlgn="base" latinLnBrk="0" hangingPunct="0">
-              <a:lnSpc>
-                <a:spcPct val="100000"/>
-              </a:lnSpc>
-              <a:spcBef>
-                <a:spcPct val="0"/>
-              </a:spcBef>
-              <a:spcAft>
-                <a:spcPct val="0"/>
-              </a:spcAft>
-              <a:buClrTx/>
-              <a:buSzTx/>
-              <a:buFontTx/>
-              <a:buNone/>
-              <a:tabLst/>
-            </a:pPr>
-            <a:r>
-              <a:rPr kumimoji="0" lang="en-US" altLang="en-US" sz="900" b="0" i="0" u="none" strike="noStrike" cap="none" normalizeH="0" baseline="0" dirty="0">
-                <a:ln>
-                  <a:noFill/>
-                </a:ln>
-                <a:solidFill>
-                  <a:srgbClr val="569CD6"/>
-                </a:solidFill>
-                <a:effectLst/>
-                <a:latin typeface="Fira Code" panose="020B0809050000020004" pitchFamily="49" charset="0"/>
-              </a:rPr>
-              <a:t>public</a:t>
-            </a:r>
-            <a:r>
-              <a:rPr kumimoji="0" lang="en-US" altLang="en-US" sz="900" b="0" i="0" u="none" strike="noStrike" cap="none" normalizeH="0" baseline="0" dirty="0">
-                <a:ln>
-                  <a:noFill/>
-                </a:ln>
-                <a:solidFill>
-                  <a:srgbClr val="DCDCDC"/>
-                </a:solidFill>
-                <a:effectLst/>
-                <a:latin typeface="Fira Code" panose="020B0809050000020004" pitchFamily="49" charset="0"/>
-              </a:rPr>
-              <a:t> </a:t>
-            </a:r>
-            <a:r>
-              <a:rPr kumimoji="0" lang="en-US" altLang="en-US" sz="900" b="0" i="0" u="none" strike="noStrike" cap="none" normalizeH="0" baseline="0" dirty="0">
-                <a:ln>
-                  <a:noFill/>
-                </a:ln>
-                <a:solidFill>
-                  <a:srgbClr val="569CD6"/>
-                </a:solidFill>
-                <a:effectLst/>
-                <a:latin typeface="Fira Code" panose="020B0809050000020004" pitchFamily="49" charset="0"/>
-              </a:rPr>
-              <a:t>class</a:t>
-            </a:r>
-            <a:r>
-              <a:rPr kumimoji="0" lang="en-US" altLang="en-US" sz="900" b="0" i="0" u="none" strike="noStrike" cap="none" normalizeH="0" baseline="0" dirty="0">
-                <a:ln>
-                  <a:noFill/>
-                </a:ln>
-                <a:solidFill>
-                  <a:srgbClr val="DCDCDC"/>
-                </a:solidFill>
-                <a:effectLst/>
-                <a:latin typeface="Fira Code" panose="020B0809050000020004" pitchFamily="49" charset="0"/>
-              </a:rPr>
-              <a:t> </a:t>
-            </a:r>
-            <a:r>
-              <a:rPr kumimoji="0" lang="en-US" altLang="en-US" sz="900" b="0" i="0" u="none" strike="noStrike" cap="none" normalizeH="0" baseline="0" dirty="0">
-                <a:ln>
-                  <a:noFill/>
-                </a:ln>
-                <a:solidFill>
-                  <a:srgbClr val="4EC9B0"/>
-                </a:solidFill>
-                <a:effectLst/>
-                <a:latin typeface="Fira Code" panose="020B0809050000020004" pitchFamily="49" charset="0"/>
-              </a:rPr>
-              <a:t>LoggingPipelineModule</a:t>
-            </a:r>
-            <a:r>
-              <a:rPr kumimoji="0" lang="en-US" altLang="en-US" sz="900" b="0" i="0" u="none" strike="noStrike" cap="none" normalizeH="0" baseline="0" dirty="0">
-                <a:ln>
-                  <a:noFill/>
-                </a:ln>
-                <a:solidFill>
-                  <a:srgbClr val="DCDCDC"/>
-                </a:solidFill>
-                <a:effectLst/>
-                <a:latin typeface="Fira Code" panose="020B0809050000020004" pitchFamily="49" charset="0"/>
-              </a:rPr>
-              <a:t> : </a:t>
-            </a:r>
-            <a:r>
-              <a:rPr kumimoji="0" lang="en-US" altLang="en-US" sz="900" b="0" i="0" u="none" strike="noStrike" cap="none" normalizeH="0" baseline="0" dirty="0">
-                <a:ln>
-                  <a:noFill/>
-                </a:ln>
-                <a:solidFill>
-                  <a:srgbClr val="4EC9B0"/>
-                </a:solidFill>
-                <a:effectLst/>
-                <a:latin typeface="Fira Code" panose="020B0809050000020004" pitchFamily="49" charset="0"/>
-              </a:rPr>
-              <a:t>HubPipelineModule</a:t>
-            </a:r>
-            <a:r>
-              <a:rPr kumimoji="0" lang="en-US" altLang="en-US" sz="900" b="0" i="0" u="none" strike="noStrike" cap="none" normalizeH="0" baseline="0" dirty="0">
-                <a:ln>
-                  <a:noFill/>
-                </a:ln>
-                <a:solidFill>
-                  <a:srgbClr val="DCDCDC"/>
-                </a:solidFill>
-                <a:effectLst/>
-                <a:latin typeface="Fira Code" panose="020B0809050000020004" pitchFamily="49" charset="0"/>
-              </a:rPr>
-              <a:t> </a:t>
-            </a:r>
-          </a:p>
-          <a:p>
-            <a:pPr marL="0" marR="0" lvl="0" indent="0" algn="l" defTabSz="914400" rtl="0" eaLnBrk="0" fontAlgn="base" latinLnBrk="0" hangingPunct="0">
-              <a:lnSpc>
-                <a:spcPct val="100000"/>
-              </a:lnSpc>
-              <a:spcBef>
-                <a:spcPct val="0"/>
-              </a:spcBef>
-              <a:spcAft>
-                <a:spcPct val="0"/>
-              </a:spcAft>
-              <a:buClrTx/>
-              <a:buSzTx/>
-              <a:buFontTx/>
-              <a:buNone/>
-              <a:tabLst/>
-            </a:pPr>
-            <a:r>
-              <a:rPr kumimoji="0" lang="en-US" altLang="en-US" sz="900" b="0" i="0" u="none" strike="noStrike" cap="none" normalizeH="0" baseline="0" dirty="0">
-                <a:ln>
-                  <a:noFill/>
-                </a:ln>
-                <a:solidFill>
-                  <a:srgbClr val="DCDCDC"/>
-                </a:solidFill>
-                <a:effectLst/>
-                <a:latin typeface="Fira Code" panose="020B0809050000020004" pitchFamily="49" charset="0"/>
-              </a:rPr>
-              <a:t>{</a:t>
-            </a:r>
-          </a:p>
-          <a:p>
-            <a:pPr marL="0" marR="0" lvl="0" indent="0" algn="l" defTabSz="914400" rtl="0" eaLnBrk="0" fontAlgn="base" latinLnBrk="0" hangingPunct="0">
-              <a:lnSpc>
-                <a:spcPct val="100000"/>
-              </a:lnSpc>
-              <a:spcBef>
-                <a:spcPct val="0"/>
-              </a:spcBef>
-              <a:spcAft>
-                <a:spcPct val="0"/>
-              </a:spcAft>
-              <a:buClrTx/>
-              <a:buSzTx/>
-              <a:buFontTx/>
-              <a:buNone/>
-              <a:tabLst/>
-            </a:pPr>
-            <a:r>
-              <a:rPr kumimoji="0" lang="en-US" altLang="en-US" sz="900" b="0" i="0" u="none" strike="noStrike" cap="none" normalizeH="0" baseline="0" dirty="0">
-                <a:ln>
-                  <a:noFill/>
-                </a:ln>
-                <a:solidFill>
-                  <a:srgbClr val="DCDCDC"/>
-                </a:solidFill>
-                <a:effectLst/>
-                <a:latin typeface="Fira Code" panose="020B0809050000020004" pitchFamily="49" charset="0"/>
-              </a:rPr>
-              <a:t>     </a:t>
-            </a:r>
-            <a:r>
-              <a:rPr kumimoji="0" lang="en-US" altLang="en-US" sz="900" b="0" i="0" u="none" strike="noStrike" cap="none" normalizeH="0" baseline="0" dirty="0">
-                <a:ln>
-                  <a:noFill/>
-                </a:ln>
-                <a:solidFill>
-                  <a:srgbClr val="569CD6"/>
-                </a:solidFill>
-                <a:effectLst/>
-                <a:latin typeface="Fira Code" panose="020B0809050000020004" pitchFamily="49" charset="0"/>
-              </a:rPr>
-              <a:t>protected</a:t>
-            </a:r>
-            <a:r>
-              <a:rPr kumimoji="0" lang="en-US" altLang="en-US" sz="900" b="0" i="0" u="none" strike="noStrike" cap="none" normalizeH="0" baseline="0" dirty="0">
-                <a:ln>
-                  <a:noFill/>
-                </a:ln>
-                <a:solidFill>
-                  <a:srgbClr val="DCDCDC"/>
-                </a:solidFill>
-                <a:effectLst/>
-                <a:latin typeface="Fira Code" panose="020B0809050000020004" pitchFamily="49" charset="0"/>
-              </a:rPr>
-              <a:t> </a:t>
-            </a:r>
-            <a:r>
-              <a:rPr kumimoji="0" lang="en-US" altLang="en-US" sz="900" b="0" i="0" u="none" strike="noStrike" cap="none" normalizeH="0" baseline="0" dirty="0">
-                <a:ln>
-                  <a:noFill/>
-                </a:ln>
-                <a:solidFill>
-                  <a:srgbClr val="569CD6"/>
-                </a:solidFill>
-                <a:effectLst/>
-                <a:latin typeface="Fira Code" panose="020B0809050000020004" pitchFamily="49" charset="0"/>
-              </a:rPr>
-              <a:t>override</a:t>
-            </a:r>
-            <a:r>
-              <a:rPr kumimoji="0" lang="en-US" altLang="en-US" sz="900" b="0" i="0" u="none" strike="noStrike" cap="none" normalizeH="0" baseline="0" dirty="0">
-                <a:ln>
-                  <a:noFill/>
-                </a:ln>
-                <a:solidFill>
-                  <a:srgbClr val="DCDCDC"/>
-                </a:solidFill>
-                <a:effectLst/>
-                <a:latin typeface="Fira Code" panose="020B0809050000020004" pitchFamily="49" charset="0"/>
-              </a:rPr>
-              <a:t> </a:t>
-            </a:r>
-            <a:r>
-              <a:rPr kumimoji="0" lang="en-US" altLang="en-US" sz="900" b="0" i="0" u="none" strike="noStrike" cap="none" normalizeH="0" baseline="0" dirty="0">
-                <a:ln>
-                  <a:noFill/>
-                </a:ln>
-                <a:solidFill>
-                  <a:srgbClr val="569CD6"/>
-                </a:solidFill>
-                <a:effectLst/>
-                <a:latin typeface="Fira Code" panose="020B0809050000020004" pitchFamily="49" charset="0"/>
-              </a:rPr>
-              <a:t>bool</a:t>
-            </a:r>
-            <a:r>
-              <a:rPr kumimoji="0" lang="en-US" altLang="en-US" sz="900" b="0" i="0" u="none" strike="noStrike" cap="none" normalizeH="0" baseline="0" dirty="0">
-                <a:ln>
-                  <a:noFill/>
-                </a:ln>
-                <a:solidFill>
-                  <a:srgbClr val="DCDCDC"/>
-                </a:solidFill>
-                <a:effectLst/>
-                <a:latin typeface="Fira Code" panose="020B0809050000020004" pitchFamily="49" charset="0"/>
-              </a:rPr>
-              <a:t> </a:t>
-            </a:r>
-            <a:r>
-              <a:rPr kumimoji="0" lang="en-US" altLang="en-US" sz="900" b="0" i="0" u="none" strike="noStrike" cap="none" normalizeH="0" baseline="0" dirty="0">
-                <a:ln>
-                  <a:noFill/>
-                </a:ln>
-                <a:solidFill>
-                  <a:srgbClr val="DCDCAA"/>
-                </a:solidFill>
-                <a:effectLst/>
-                <a:latin typeface="Fira Code" panose="020B0809050000020004" pitchFamily="49" charset="0"/>
-              </a:rPr>
-              <a:t>OnBeforeIncoming</a:t>
-            </a:r>
-            <a:r>
-              <a:rPr kumimoji="0" lang="en-US" altLang="en-US" sz="900" b="0" i="0" u="none" strike="noStrike" cap="none" normalizeH="0" baseline="0" dirty="0">
-                <a:ln>
-                  <a:noFill/>
-                </a:ln>
-                <a:solidFill>
-                  <a:srgbClr val="DCDCDC"/>
-                </a:solidFill>
-                <a:effectLst/>
-                <a:latin typeface="Fira Code" panose="020B0809050000020004" pitchFamily="49" charset="0"/>
-              </a:rPr>
-              <a:t>(</a:t>
-            </a:r>
-            <a:r>
-              <a:rPr kumimoji="0" lang="en-US" altLang="en-US" sz="900" b="0" i="0" u="none" strike="noStrike" cap="none" normalizeH="0" baseline="0" dirty="0">
-                <a:ln>
-                  <a:noFill/>
-                </a:ln>
-                <a:solidFill>
-                  <a:srgbClr val="B8D7A3"/>
-                </a:solidFill>
-                <a:effectLst/>
-                <a:latin typeface="Fira Code" panose="020B0809050000020004" pitchFamily="49" charset="0"/>
-              </a:rPr>
-              <a:t>IHubIncomingInvokerContext</a:t>
-            </a:r>
-            <a:r>
-              <a:rPr kumimoji="0" lang="en-US" altLang="en-US" sz="900" b="0" i="0" u="none" strike="noStrike" cap="none" normalizeH="0" baseline="0" dirty="0">
-                <a:ln>
-                  <a:noFill/>
-                </a:ln>
-                <a:solidFill>
-                  <a:srgbClr val="DCDCDC"/>
-                </a:solidFill>
-                <a:effectLst/>
-                <a:latin typeface="Fira Code" panose="020B0809050000020004" pitchFamily="49" charset="0"/>
-              </a:rPr>
-              <a:t> </a:t>
-            </a:r>
-            <a:r>
-              <a:rPr kumimoji="0" lang="en-US" altLang="en-US" sz="900" b="0" i="0" u="none" strike="noStrike" cap="none" normalizeH="0" baseline="0" dirty="0">
-                <a:ln>
-                  <a:noFill/>
-                </a:ln>
-                <a:solidFill>
-                  <a:srgbClr val="9CDCFE"/>
-                </a:solidFill>
-                <a:effectLst/>
-                <a:latin typeface="Fira Code" panose="020B0809050000020004" pitchFamily="49" charset="0"/>
-              </a:rPr>
-              <a:t>context</a:t>
-            </a:r>
-            <a:r>
-              <a:rPr kumimoji="0" lang="en-US" altLang="en-US" sz="900" b="0" i="0" u="none" strike="noStrike" cap="none" normalizeH="0" baseline="0" dirty="0">
-                <a:ln>
-                  <a:noFill/>
-                </a:ln>
-                <a:solidFill>
-                  <a:srgbClr val="DCDCDC"/>
-                </a:solidFill>
-                <a:effectLst/>
-                <a:latin typeface="Fira Code" panose="020B0809050000020004" pitchFamily="49" charset="0"/>
-              </a:rPr>
-              <a:t>)</a:t>
-            </a:r>
-          </a:p>
-          <a:p>
-            <a:pPr marL="0" marR="0" lvl="0" indent="0" algn="l" defTabSz="914400" rtl="0" eaLnBrk="0" fontAlgn="base" latinLnBrk="0" hangingPunct="0">
-              <a:lnSpc>
-                <a:spcPct val="100000"/>
-              </a:lnSpc>
-              <a:spcBef>
-                <a:spcPct val="0"/>
-              </a:spcBef>
-              <a:spcAft>
-                <a:spcPct val="0"/>
-              </a:spcAft>
-              <a:buClrTx/>
-              <a:buSzTx/>
-              <a:buFontTx/>
-              <a:buNone/>
-              <a:tabLst/>
-            </a:pPr>
-            <a:r>
-              <a:rPr kumimoji="0" lang="en-US" altLang="en-US" sz="900" b="0" i="0" u="none" strike="noStrike" cap="none" normalizeH="0" baseline="0" dirty="0">
-                <a:ln>
-                  <a:noFill/>
-                </a:ln>
-                <a:solidFill>
-                  <a:srgbClr val="DCDCDC"/>
-                </a:solidFill>
-                <a:effectLst/>
-                <a:latin typeface="Fira Code" panose="020B0809050000020004" pitchFamily="49" charset="0"/>
-              </a:rPr>
-              <a:t>     {</a:t>
-            </a:r>
-          </a:p>
-          <a:p>
-            <a:pPr marL="0" marR="0" lvl="0" indent="0" algn="l" defTabSz="914400" rtl="0" eaLnBrk="0" fontAlgn="base" latinLnBrk="0" hangingPunct="0">
-              <a:lnSpc>
-                <a:spcPct val="100000"/>
-              </a:lnSpc>
-              <a:spcBef>
-                <a:spcPct val="0"/>
-              </a:spcBef>
-              <a:spcAft>
-                <a:spcPct val="0"/>
-              </a:spcAft>
-              <a:buClrTx/>
-              <a:buSzTx/>
-              <a:buFontTx/>
-              <a:buNone/>
-              <a:tabLst/>
-            </a:pPr>
-            <a:r>
-              <a:rPr kumimoji="0" lang="en-US" altLang="en-US" sz="900" b="0" i="0" u="none" strike="noStrike" cap="none" normalizeH="0" baseline="0" dirty="0">
-                <a:ln>
-                  <a:noFill/>
-                </a:ln>
-                <a:solidFill>
-                  <a:srgbClr val="DCDCDC"/>
-                </a:solidFill>
-                <a:effectLst/>
-                <a:latin typeface="Fira Code" panose="020B0809050000020004" pitchFamily="49" charset="0"/>
-              </a:rPr>
-              <a:t>         </a:t>
-            </a:r>
-            <a:r>
-              <a:rPr kumimoji="0" lang="en-US" altLang="en-US" sz="900" b="0" i="0" u="none" strike="noStrike" cap="none" normalizeH="0" baseline="0" dirty="0">
-                <a:ln>
-                  <a:noFill/>
-                </a:ln>
-                <a:solidFill>
-                  <a:srgbClr val="4EC9B0"/>
-                </a:solidFill>
-                <a:effectLst/>
-                <a:latin typeface="Fira Code" panose="020B0809050000020004" pitchFamily="49" charset="0"/>
-              </a:rPr>
-              <a:t>Debug</a:t>
-            </a:r>
-            <a:r>
-              <a:rPr kumimoji="0" lang="en-US" altLang="en-US" sz="900" b="0" i="0" u="none" strike="noStrike" cap="none" normalizeH="0" baseline="0" dirty="0">
-                <a:ln>
-                  <a:noFill/>
-                </a:ln>
-                <a:solidFill>
-                  <a:srgbClr val="B4B4B4"/>
-                </a:solidFill>
-                <a:effectLst/>
-                <a:latin typeface="Fira Code" panose="020B0809050000020004" pitchFamily="49" charset="0"/>
-              </a:rPr>
-              <a:t>.</a:t>
-            </a:r>
-            <a:r>
-              <a:rPr kumimoji="0" lang="en-US" altLang="en-US" sz="900" b="0" i="0" u="none" strike="noStrike" cap="none" normalizeH="0" baseline="0" dirty="0">
-                <a:ln>
-                  <a:noFill/>
-                </a:ln>
-                <a:solidFill>
-                  <a:srgbClr val="DCDCAA"/>
-                </a:solidFill>
-                <a:effectLst/>
-                <a:latin typeface="Fira Code" panose="020B0809050000020004" pitchFamily="49" charset="0"/>
-              </a:rPr>
-              <a:t>WriteLine</a:t>
-            </a:r>
-            <a:r>
-              <a:rPr kumimoji="0" lang="en-US" altLang="en-US" sz="900" b="0" i="0" u="none" strike="noStrike" cap="none" normalizeH="0" baseline="0" dirty="0">
-                <a:ln>
-                  <a:noFill/>
-                </a:ln>
-                <a:solidFill>
-                  <a:srgbClr val="DCDCDC"/>
-                </a:solidFill>
-                <a:effectLst/>
-                <a:latin typeface="Fira Code" panose="020B0809050000020004" pitchFamily="49" charset="0"/>
-              </a:rPr>
-              <a:t>(</a:t>
-            </a:r>
-            <a:r>
-              <a:rPr kumimoji="0" lang="en-US" altLang="en-US" sz="900" b="0" i="0" u="none" strike="noStrike" cap="none" normalizeH="0" baseline="0" dirty="0">
-                <a:ln>
-                  <a:noFill/>
-                </a:ln>
-                <a:solidFill>
-                  <a:srgbClr val="D69D85"/>
-                </a:solidFill>
-                <a:effectLst/>
-                <a:latin typeface="Fira Code" panose="020B0809050000020004" pitchFamily="49" charset="0"/>
-              </a:rPr>
-              <a:t>"=&gt; Invoking "</a:t>
-            </a:r>
-            <a:r>
-              <a:rPr kumimoji="0" lang="en-US" altLang="en-US" sz="900" b="0" i="0" u="none" strike="noStrike" cap="none" normalizeH="0" baseline="0" dirty="0">
-                <a:ln>
-                  <a:noFill/>
-                </a:ln>
-                <a:solidFill>
-                  <a:srgbClr val="DCDCDC"/>
-                </a:solidFill>
-                <a:effectLst/>
-                <a:latin typeface="Fira Code" panose="020B0809050000020004" pitchFamily="49" charset="0"/>
-              </a:rPr>
-              <a:t> </a:t>
-            </a:r>
-            <a:r>
-              <a:rPr kumimoji="0" lang="en-US" altLang="en-US" sz="900" b="0" i="0" u="none" strike="noStrike" cap="none" normalizeH="0" baseline="0" dirty="0">
-                <a:ln>
-                  <a:noFill/>
-                </a:ln>
-                <a:solidFill>
-                  <a:srgbClr val="B4B4B4"/>
-                </a:solidFill>
-                <a:effectLst/>
-                <a:latin typeface="Fira Code" panose="020B0809050000020004" pitchFamily="49" charset="0"/>
-              </a:rPr>
-              <a:t>+</a:t>
-            </a:r>
-            <a:r>
-              <a:rPr kumimoji="0" lang="en-US" altLang="en-US" sz="900" b="0" i="0" u="none" strike="noStrike" cap="none" normalizeH="0" baseline="0" dirty="0">
-                <a:ln>
-                  <a:noFill/>
-                </a:ln>
-                <a:solidFill>
-                  <a:srgbClr val="DCDCDC"/>
-                </a:solidFill>
-                <a:effectLst/>
-                <a:latin typeface="Fira Code" panose="020B0809050000020004" pitchFamily="49" charset="0"/>
-              </a:rPr>
-              <a:t> </a:t>
-            </a:r>
-            <a:r>
-              <a:rPr kumimoji="0" lang="en-US" altLang="en-US" sz="900" b="0" i="0" u="none" strike="noStrike" cap="none" normalizeH="0" baseline="0" dirty="0">
-                <a:ln>
-                  <a:noFill/>
-                </a:ln>
-                <a:solidFill>
-                  <a:srgbClr val="9CDCFE"/>
-                </a:solidFill>
-                <a:effectLst/>
-                <a:latin typeface="Fira Code" panose="020B0809050000020004" pitchFamily="49" charset="0"/>
-              </a:rPr>
-              <a:t>context</a:t>
-            </a:r>
-            <a:r>
-              <a:rPr kumimoji="0" lang="en-US" altLang="en-US" sz="900" b="0" i="0" u="none" strike="noStrike" cap="none" normalizeH="0" baseline="0" dirty="0">
-                <a:ln>
-                  <a:noFill/>
-                </a:ln>
-                <a:solidFill>
-                  <a:srgbClr val="B4B4B4"/>
-                </a:solidFill>
-                <a:effectLst/>
-                <a:latin typeface="Fira Code" panose="020B0809050000020004" pitchFamily="49" charset="0"/>
-              </a:rPr>
-              <a:t>.</a:t>
-            </a:r>
-            <a:r>
-              <a:rPr kumimoji="0" lang="en-US" altLang="en-US" sz="900" b="0" i="0" u="none" strike="noStrike" cap="none" normalizeH="0" baseline="0" dirty="0">
-                <a:ln>
-                  <a:noFill/>
-                </a:ln>
-                <a:solidFill>
-                  <a:srgbClr val="DCDCDC"/>
-                </a:solidFill>
-                <a:effectLst/>
-                <a:latin typeface="Fira Code" panose="020B0809050000020004" pitchFamily="49" charset="0"/>
-              </a:rPr>
-              <a:t>MethodDescriptor</a:t>
-            </a:r>
-            <a:r>
-              <a:rPr kumimoji="0" lang="en-US" altLang="en-US" sz="900" b="0" i="0" u="none" strike="noStrike" cap="none" normalizeH="0" baseline="0" dirty="0">
-                <a:ln>
-                  <a:noFill/>
-                </a:ln>
-                <a:solidFill>
-                  <a:srgbClr val="B4B4B4"/>
-                </a:solidFill>
-                <a:effectLst/>
-                <a:latin typeface="Fira Code" panose="020B0809050000020004" pitchFamily="49" charset="0"/>
-              </a:rPr>
-              <a:t>.</a:t>
-            </a:r>
-            <a:r>
-              <a:rPr kumimoji="0" lang="en-US" altLang="en-US" sz="900" b="0" i="0" u="none" strike="noStrike" cap="none" normalizeH="0" baseline="0" dirty="0">
-                <a:ln>
-                  <a:noFill/>
-                </a:ln>
-                <a:solidFill>
-                  <a:srgbClr val="DCDCDC"/>
-                </a:solidFill>
-                <a:effectLst/>
-                <a:latin typeface="Fira Code" panose="020B0809050000020004" pitchFamily="49" charset="0"/>
-              </a:rPr>
-              <a:t>Name </a:t>
-            </a:r>
-            <a:r>
-              <a:rPr kumimoji="0" lang="en-US" altLang="en-US" sz="900" b="0" i="0" u="none" strike="noStrike" cap="none" normalizeH="0" baseline="0" dirty="0">
-                <a:ln>
-                  <a:noFill/>
-                </a:ln>
-                <a:solidFill>
-                  <a:srgbClr val="B4B4B4"/>
-                </a:solidFill>
-                <a:effectLst/>
-                <a:latin typeface="Fira Code" panose="020B0809050000020004" pitchFamily="49" charset="0"/>
-              </a:rPr>
-              <a:t>+</a:t>
-            </a:r>
-            <a:r>
-              <a:rPr kumimoji="0" lang="en-US" altLang="en-US" sz="900" b="0" i="0" u="none" strike="noStrike" cap="none" normalizeH="0" baseline="0" dirty="0">
-                <a:ln>
-                  <a:noFill/>
-                </a:ln>
-                <a:solidFill>
-                  <a:srgbClr val="DCDCDC"/>
-                </a:solidFill>
-                <a:effectLst/>
-                <a:latin typeface="Fira Code" panose="020B0809050000020004" pitchFamily="49" charset="0"/>
-              </a:rPr>
-              <a:t> </a:t>
-            </a:r>
-            <a:r>
-              <a:rPr kumimoji="0" lang="en-US" altLang="en-US" sz="900" b="0" i="0" u="none" strike="noStrike" cap="none" normalizeH="0" baseline="0" dirty="0">
-                <a:ln>
-                  <a:noFill/>
-                </a:ln>
-                <a:solidFill>
-                  <a:srgbClr val="D69D85"/>
-                </a:solidFill>
-                <a:effectLst/>
-                <a:latin typeface="Fira Code" panose="020B0809050000020004" pitchFamily="49" charset="0"/>
-              </a:rPr>
-              <a:t>" on hub "</a:t>
-            </a:r>
-            <a:r>
-              <a:rPr kumimoji="0" lang="en-US" altLang="en-US" sz="900" b="0" i="0" u="none" strike="noStrike" cap="none" normalizeH="0" baseline="0" dirty="0">
-                <a:ln>
-                  <a:noFill/>
-                </a:ln>
-                <a:solidFill>
-                  <a:srgbClr val="DCDCDC"/>
-                </a:solidFill>
-                <a:effectLst/>
-                <a:latin typeface="Fira Code" panose="020B0809050000020004" pitchFamily="49" charset="0"/>
-              </a:rPr>
-              <a:t> </a:t>
-            </a:r>
-            <a:r>
-              <a:rPr kumimoji="0" lang="en-US" altLang="en-US" sz="900" b="0" i="0" u="none" strike="noStrike" cap="none" normalizeH="0" baseline="0" dirty="0">
-                <a:ln>
-                  <a:noFill/>
-                </a:ln>
-                <a:solidFill>
-                  <a:srgbClr val="B4B4B4"/>
-                </a:solidFill>
-                <a:effectLst/>
-                <a:latin typeface="Fira Code" panose="020B0809050000020004" pitchFamily="49" charset="0"/>
-              </a:rPr>
-              <a:t>+</a:t>
-            </a:r>
-            <a:r>
-              <a:rPr kumimoji="0" lang="en-US" altLang="en-US" sz="900" b="0" i="0" u="none" strike="noStrike" cap="none" normalizeH="0" baseline="0" dirty="0">
-                <a:ln>
-                  <a:noFill/>
-                </a:ln>
-                <a:solidFill>
-                  <a:srgbClr val="DCDCDC"/>
-                </a:solidFill>
-                <a:effectLst/>
-                <a:latin typeface="Fira Code" panose="020B0809050000020004" pitchFamily="49" charset="0"/>
-              </a:rPr>
-              <a:t> </a:t>
-            </a:r>
-            <a:r>
-              <a:rPr kumimoji="0" lang="en-US" altLang="en-US" sz="900" b="0" i="0" u="none" strike="noStrike" cap="none" normalizeH="0" baseline="0" dirty="0">
-                <a:ln>
-                  <a:noFill/>
-                </a:ln>
-                <a:solidFill>
-                  <a:srgbClr val="9CDCFE"/>
-                </a:solidFill>
-                <a:effectLst/>
-                <a:latin typeface="Fira Code" panose="020B0809050000020004" pitchFamily="49" charset="0"/>
-              </a:rPr>
-              <a:t>context</a:t>
-            </a:r>
-            <a:r>
-              <a:rPr kumimoji="0" lang="en-US" altLang="en-US" sz="900" b="0" i="0" u="none" strike="noStrike" cap="none" normalizeH="0" baseline="0" dirty="0">
-                <a:ln>
-                  <a:noFill/>
-                </a:ln>
-                <a:solidFill>
-                  <a:srgbClr val="B4B4B4"/>
-                </a:solidFill>
-                <a:effectLst/>
-                <a:latin typeface="Fira Code" panose="020B0809050000020004" pitchFamily="49" charset="0"/>
-              </a:rPr>
-              <a:t>.</a:t>
-            </a:r>
-            <a:r>
-              <a:rPr kumimoji="0" lang="en-US" altLang="en-US" sz="900" b="0" i="0" u="none" strike="noStrike" cap="none" normalizeH="0" baseline="0" dirty="0">
-                <a:ln>
-                  <a:noFill/>
-                </a:ln>
-                <a:solidFill>
-                  <a:srgbClr val="DCDCDC"/>
-                </a:solidFill>
-                <a:effectLst/>
-                <a:latin typeface="Fira Code" panose="020B0809050000020004" pitchFamily="49" charset="0"/>
-              </a:rPr>
-              <a:t>MethodDescriptor</a:t>
-            </a:r>
-            <a:r>
-              <a:rPr kumimoji="0" lang="en-US" altLang="en-US" sz="900" b="0" i="0" u="none" strike="noStrike" cap="none" normalizeH="0" baseline="0" dirty="0">
-                <a:ln>
-                  <a:noFill/>
-                </a:ln>
-                <a:solidFill>
-                  <a:srgbClr val="B4B4B4"/>
-                </a:solidFill>
-                <a:effectLst/>
-                <a:latin typeface="Fira Code" panose="020B0809050000020004" pitchFamily="49" charset="0"/>
-              </a:rPr>
-              <a:t>.</a:t>
-            </a:r>
-            <a:r>
-              <a:rPr kumimoji="0" lang="en-US" altLang="en-US" sz="900" b="0" i="0" u="none" strike="noStrike" cap="none" normalizeH="0" baseline="0" dirty="0">
-                <a:ln>
-                  <a:noFill/>
-                </a:ln>
-                <a:solidFill>
-                  <a:srgbClr val="DCDCDC"/>
-                </a:solidFill>
-                <a:effectLst/>
-                <a:latin typeface="Fira Code" panose="020B0809050000020004" pitchFamily="49" charset="0"/>
-              </a:rPr>
-              <a:t>Hub</a:t>
-            </a:r>
-            <a:r>
-              <a:rPr kumimoji="0" lang="en-US" altLang="en-US" sz="900" b="0" i="0" u="none" strike="noStrike" cap="none" normalizeH="0" baseline="0" dirty="0">
-                <a:ln>
-                  <a:noFill/>
-                </a:ln>
-                <a:solidFill>
-                  <a:srgbClr val="B4B4B4"/>
-                </a:solidFill>
-                <a:effectLst/>
-                <a:latin typeface="Fira Code" panose="020B0809050000020004" pitchFamily="49" charset="0"/>
-              </a:rPr>
-              <a:t>.</a:t>
-            </a:r>
-            <a:r>
-              <a:rPr kumimoji="0" lang="en-US" altLang="en-US" sz="900" b="0" i="0" u="none" strike="noStrike" cap="none" normalizeH="0" baseline="0" dirty="0">
-                <a:ln>
-                  <a:noFill/>
-                </a:ln>
-                <a:solidFill>
-                  <a:srgbClr val="DCDCDC"/>
-                </a:solidFill>
-                <a:effectLst/>
-                <a:latin typeface="Fira Code" panose="020B0809050000020004" pitchFamily="49" charset="0"/>
-              </a:rPr>
-              <a:t>Name);</a:t>
-            </a:r>
-          </a:p>
-          <a:p>
-            <a:pPr marL="0" marR="0" lvl="0" indent="0" algn="l" defTabSz="914400" rtl="0" eaLnBrk="0" fontAlgn="base" latinLnBrk="0" hangingPunct="0">
-              <a:lnSpc>
-                <a:spcPct val="100000"/>
-              </a:lnSpc>
-              <a:spcBef>
-                <a:spcPct val="0"/>
-              </a:spcBef>
-              <a:spcAft>
-                <a:spcPct val="0"/>
-              </a:spcAft>
-              <a:buClrTx/>
-              <a:buSzTx/>
-              <a:buFontTx/>
-              <a:buNone/>
-              <a:tabLst/>
-            </a:pPr>
-            <a:r>
-              <a:rPr kumimoji="0" lang="en-US" altLang="en-US" sz="900" b="0" i="0" u="none" strike="noStrike" cap="none" normalizeH="0" baseline="0" dirty="0">
-                <a:ln>
-                  <a:noFill/>
-                </a:ln>
-                <a:solidFill>
-                  <a:srgbClr val="DCDCDC"/>
-                </a:solidFill>
-                <a:effectLst/>
-                <a:latin typeface="Fira Code" panose="020B0809050000020004" pitchFamily="49" charset="0"/>
-              </a:rPr>
-              <a:t>         </a:t>
-            </a:r>
-            <a:r>
-              <a:rPr kumimoji="0" lang="en-US" altLang="en-US" sz="900" b="0" i="0" u="none" strike="noStrike" cap="none" normalizeH="0" baseline="0" dirty="0">
-                <a:ln>
-                  <a:noFill/>
-                </a:ln>
-                <a:solidFill>
-                  <a:srgbClr val="D8A0DF"/>
-                </a:solidFill>
-                <a:effectLst/>
-                <a:latin typeface="Fira Code" panose="020B0809050000020004" pitchFamily="49" charset="0"/>
-              </a:rPr>
-              <a:t>return</a:t>
-            </a:r>
-            <a:r>
-              <a:rPr kumimoji="0" lang="en-US" altLang="en-US" sz="900" b="0" i="0" u="none" strike="noStrike" cap="none" normalizeH="0" baseline="0" dirty="0">
-                <a:ln>
-                  <a:noFill/>
-                </a:ln>
-                <a:solidFill>
-                  <a:srgbClr val="DCDCDC"/>
-                </a:solidFill>
-                <a:effectLst/>
-                <a:latin typeface="Fira Code" panose="020B0809050000020004" pitchFamily="49" charset="0"/>
-              </a:rPr>
-              <a:t> </a:t>
-            </a:r>
-            <a:r>
-              <a:rPr kumimoji="0" lang="en-US" altLang="en-US" sz="900" b="0" i="0" u="none" strike="noStrike" cap="none" normalizeH="0" baseline="0" dirty="0">
-                <a:ln>
-                  <a:noFill/>
-                </a:ln>
-                <a:solidFill>
-                  <a:srgbClr val="569CD6"/>
-                </a:solidFill>
-                <a:effectLst/>
-                <a:latin typeface="Fira Code" panose="020B0809050000020004" pitchFamily="49" charset="0"/>
-              </a:rPr>
-              <a:t>base</a:t>
-            </a:r>
-            <a:r>
-              <a:rPr kumimoji="0" lang="en-US" altLang="en-US" sz="900" b="0" i="0" u="none" strike="noStrike" cap="none" normalizeH="0" baseline="0" dirty="0">
-                <a:ln>
-                  <a:noFill/>
-                </a:ln>
-                <a:solidFill>
-                  <a:srgbClr val="B4B4B4"/>
-                </a:solidFill>
-                <a:effectLst/>
-                <a:latin typeface="Fira Code" panose="020B0809050000020004" pitchFamily="49" charset="0"/>
-              </a:rPr>
-              <a:t>.</a:t>
-            </a:r>
-            <a:r>
-              <a:rPr kumimoji="0" lang="en-US" altLang="en-US" sz="900" b="0" i="0" u="none" strike="noStrike" cap="none" normalizeH="0" baseline="0" dirty="0">
-                <a:ln>
-                  <a:noFill/>
-                </a:ln>
-                <a:solidFill>
-                  <a:srgbClr val="DCDCAA"/>
-                </a:solidFill>
-                <a:effectLst/>
-                <a:latin typeface="Fira Code" panose="020B0809050000020004" pitchFamily="49" charset="0"/>
-              </a:rPr>
-              <a:t>OnBeforeIncoming</a:t>
-            </a:r>
-            <a:r>
-              <a:rPr kumimoji="0" lang="en-US" altLang="en-US" sz="900" b="0" i="0" u="none" strike="noStrike" cap="none" normalizeH="0" baseline="0" dirty="0">
-                <a:ln>
-                  <a:noFill/>
-                </a:ln>
-                <a:solidFill>
-                  <a:srgbClr val="DCDCDC"/>
-                </a:solidFill>
-                <a:effectLst/>
-                <a:latin typeface="Fira Code" panose="020B0809050000020004" pitchFamily="49" charset="0"/>
-              </a:rPr>
-              <a:t>(</a:t>
-            </a:r>
-            <a:r>
-              <a:rPr kumimoji="0" lang="en-US" altLang="en-US" sz="900" b="0" i="0" u="none" strike="noStrike" cap="none" normalizeH="0" baseline="0" dirty="0">
-                <a:ln>
-                  <a:noFill/>
-                </a:ln>
-                <a:solidFill>
-                  <a:srgbClr val="9CDCFE"/>
-                </a:solidFill>
-                <a:effectLst/>
-                <a:latin typeface="Fira Code" panose="020B0809050000020004" pitchFamily="49" charset="0"/>
-              </a:rPr>
-              <a:t>context</a:t>
-            </a:r>
-            <a:r>
-              <a:rPr kumimoji="0" lang="en-US" altLang="en-US" sz="900" b="0" i="0" u="none" strike="noStrike" cap="none" normalizeH="0" baseline="0" dirty="0">
-                <a:ln>
-                  <a:noFill/>
-                </a:ln>
-                <a:solidFill>
-                  <a:srgbClr val="DCDCDC"/>
-                </a:solidFill>
-                <a:effectLst/>
-                <a:latin typeface="Fira Code" panose="020B0809050000020004" pitchFamily="49" charset="0"/>
-              </a:rPr>
-              <a:t>);</a:t>
-            </a:r>
-          </a:p>
-          <a:p>
-            <a:pPr marL="0" marR="0" lvl="0" indent="0" algn="l" defTabSz="914400" rtl="0" eaLnBrk="0" fontAlgn="base" latinLnBrk="0" hangingPunct="0">
-              <a:lnSpc>
-                <a:spcPct val="100000"/>
-              </a:lnSpc>
-              <a:spcBef>
-                <a:spcPct val="0"/>
-              </a:spcBef>
-              <a:spcAft>
-                <a:spcPct val="0"/>
-              </a:spcAft>
-              <a:buClrTx/>
-              <a:buSzTx/>
-              <a:buFontTx/>
-              <a:buNone/>
-              <a:tabLst/>
-            </a:pPr>
-            <a:r>
-              <a:rPr kumimoji="0" lang="en-US" altLang="en-US" sz="900" b="0" i="0" u="none" strike="noStrike" cap="none" normalizeH="0" baseline="0" dirty="0">
-                <a:ln>
-                  <a:noFill/>
-                </a:ln>
-                <a:solidFill>
-                  <a:srgbClr val="DCDCDC"/>
-                </a:solidFill>
-                <a:effectLst/>
-                <a:latin typeface="Fira Code" panose="020B0809050000020004" pitchFamily="49" charset="0"/>
-              </a:rPr>
-              <a:t>     }</a:t>
-            </a:r>
-          </a:p>
-          <a:p>
-            <a:pPr marL="0" marR="0" lvl="0" indent="0" algn="l" defTabSz="914400" rtl="0" eaLnBrk="0" fontAlgn="base" latinLnBrk="0" hangingPunct="0">
-              <a:lnSpc>
-                <a:spcPct val="100000"/>
-              </a:lnSpc>
-              <a:spcBef>
-                <a:spcPct val="0"/>
-              </a:spcBef>
-              <a:spcAft>
-                <a:spcPct val="0"/>
-              </a:spcAft>
-              <a:buClrTx/>
-              <a:buSzTx/>
-              <a:buFontTx/>
-              <a:buNone/>
-              <a:tabLst/>
-            </a:pPr>
-            <a:endParaRPr lang="en-US" altLang="en-US" sz="900" dirty="0">
-              <a:solidFill>
-                <a:srgbClr val="DCDCDC"/>
-              </a:solidFill>
-              <a:latin typeface="Fira Code" panose="020B0809050000020004" pitchFamily="49" charset="0"/>
-            </a:endParaRPr>
-          </a:p>
-          <a:p>
-            <a:pPr marL="0" marR="0" lvl="0" indent="0" algn="l" defTabSz="914400" rtl="0" eaLnBrk="0" fontAlgn="base" latinLnBrk="0" hangingPunct="0">
-              <a:lnSpc>
-                <a:spcPct val="100000"/>
-              </a:lnSpc>
-              <a:spcBef>
-                <a:spcPct val="0"/>
-              </a:spcBef>
-              <a:spcAft>
-                <a:spcPct val="0"/>
-              </a:spcAft>
-              <a:buClrTx/>
-              <a:buSzTx/>
-              <a:buFontTx/>
-              <a:buNone/>
-              <a:tabLst/>
-            </a:pPr>
-            <a:r>
-              <a:rPr kumimoji="0" lang="en-US" altLang="en-US" sz="900" b="0" i="0" u="none" strike="noStrike" cap="none" normalizeH="0" baseline="0" dirty="0">
-                <a:ln>
-                  <a:noFill/>
-                </a:ln>
-                <a:solidFill>
-                  <a:srgbClr val="DCDCDC"/>
-                </a:solidFill>
-                <a:effectLst/>
-                <a:latin typeface="Fira Code" panose="020B0809050000020004" pitchFamily="49" charset="0"/>
-              </a:rPr>
-              <a:t>     </a:t>
-            </a:r>
-            <a:r>
-              <a:rPr kumimoji="0" lang="en-US" altLang="en-US" sz="900" b="0" i="0" u="none" strike="noStrike" cap="none" normalizeH="0" baseline="0" dirty="0">
-                <a:ln>
-                  <a:noFill/>
-                </a:ln>
-                <a:solidFill>
-                  <a:srgbClr val="569CD6"/>
-                </a:solidFill>
-                <a:effectLst/>
-                <a:latin typeface="Fira Code" panose="020B0809050000020004" pitchFamily="49" charset="0"/>
-              </a:rPr>
-              <a:t>protected</a:t>
-            </a:r>
-            <a:r>
-              <a:rPr kumimoji="0" lang="en-US" altLang="en-US" sz="900" b="0" i="0" u="none" strike="noStrike" cap="none" normalizeH="0" baseline="0" dirty="0">
-                <a:ln>
-                  <a:noFill/>
-                </a:ln>
-                <a:solidFill>
-                  <a:srgbClr val="DCDCDC"/>
-                </a:solidFill>
-                <a:effectLst/>
-                <a:latin typeface="Fira Code" panose="020B0809050000020004" pitchFamily="49" charset="0"/>
-              </a:rPr>
-              <a:t> </a:t>
-            </a:r>
-            <a:r>
-              <a:rPr kumimoji="0" lang="en-US" altLang="en-US" sz="900" b="0" i="0" u="none" strike="noStrike" cap="none" normalizeH="0" baseline="0" dirty="0">
-                <a:ln>
-                  <a:noFill/>
-                </a:ln>
-                <a:solidFill>
-                  <a:srgbClr val="569CD6"/>
-                </a:solidFill>
-                <a:effectLst/>
-                <a:latin typeface="Fira Code" panose="020B0809050000020004" pitchFamily="49" charset="0"/>
-              </a:rPr>
-              <a:t>override</a:t>
-            </a:r>
-            <a:r>
-              <a:rPr kumimoji="0" lang="en-US" altLang="en-US" sz="900" b="0" i="0" u="none" strike="noStrike" cap="none" normalizeH="0" baseline="0" dirty="0">
-                <a:ln>
-                  <a:noFill/>
-                </a:ln>
-                <a:solidFill>
-                  <a:srgbClr val="DCDCDC"/>
-                </a:solidFill>
-                <a:effectLst/>
-                <a:latin typeface="Fira Code" panose="020B0809050000020004" pitchFamily="49" charset="0"/>
-              </a:rPr>
-              <a:t> </a:t>
-            </a:r>
-            <a:r>
-              <a:rPr kumimoji="0" lang="en-US" altLang="en-US" sz="900" b="0" i="0" u="none" strike="noStrike" cap="none" normalizeH="0" baseline="0" dirty="0">
-                <a:ln>
-                  <a:noFill/>
-                </a:ln>
-                <a:solidFill>
-                  <a:srgbClr val="569CD6"/>
-                </a:solidFill>
-                <a:effectLst/>
-                <a:latin typeface="Fira Code" panose="020B0809050000020004" pitchFamily="49" charset="0"/>
-              </a:rPr>
-              <a:t>bool</a:t>
-            </a:r>
-            <a:r>
-              <a:rPr kumimoji="0" lang="en-US" altLang="en-US" sz="900" b="0" i="0" u="none" strike="noStrike" cap="none" normalizeH="0" baseline="0" dirty="0">
-                <a:ln>
-                  <a:noFill/>
-                </a:ln>
-                <a:solidFill>
-                  <a:srgbClr val="DCDCDC"/>
-                </a:solidFill>
-                <a:effectLst/>
-                <a:latin typeface="Fira Code" panose="020B0809050000020004" pitchFamily="49" charset="0"/>
-              </a:rPr>
-              <a:t> </a:t>
-            </a:r>
-            <a:r>
-              <a:rPr kumimoji="0" lang="en-US" altLang="en-US" sz="900" b="0" i="0" u="none" strike="noStrike" cap="none" normalizeH="0" baseline="0" dirty="0">
-                <a:ln>
-                  <a:noFill/>
-                </a:ln>
-                <a:solidFill>
-                  <a:srgbClr val="DCDCAA"/>
-                </a:solidFill>
-                <a:effectLst/>
-                <a:latin typeface="Fira Code" panose="020B0809050000020004" pitchFamily="49" charset="0"/>
-              </a:rPr>
-              <a:t>OnBeforeOutgoing</a:t>
-            </a:r>
-            <a:r>
-              <a:rPr kumimoji="0" lang="en-US" altLang="en-US" sz="900" b="0" i="0" u="none" strike="noStrike" cap="none" normalizeH="0" baseline="0" dirty="0">
-                <a:ln>
-                  <a:noFill/>
-                </a:ln>
-                <a:solidFill>
-                  <a:srgbClr val="DCDCDC"/>
-                </a:solidFill>
-                <a:effectLst/>
-                <a:latin typeface="Fira Code" panose="020B0809050000020004" pitchFamily="49" charset="0"/>
-              </a:rPr>
-              <a:t>(</a:t>
-            </a:r>
-            <a:r>
-              <a:rPr kumimoji="0" lang="en-US" altLang="en-US" sz="900" b="0" i="0" u="none" strike="noStrike" cap="none" normalizeH="0" baseline="0" dirty="0">
-                <a:ln>
-                  <a:noFill/>
-                </a:ln>
-                <a:solidFill>
-                  <a:srgbClr val="B8D7A3"/>
-                </a:solidFill>
-                <a:effectLst/>
-                <a:latin typeface="Fira Code" panose="020B0809050000020004" pitchFamily="49" charset="0"/>
-              </a:rPr>
-              <a:t>IHubOutgoingInvokerContext</a:t>
-            </a:r>
-            <a:r>
-              <a:rPr kumimoji="0" lang="en-US" altLang="en-US" sz="900" b="0" i="0" u="none" strike="noStrike" cap="none" normalizeH="0" baseline="0" dirty="0">
-                <a:ln>
-                  <a:noFill/>
-                </a:ln>
-                <a:solidFill>
-                  <a:srgbClr val="DCDCDC"/>
-                </a:solidFill>
-                <a:effectLst/>
-                <a:latin typeface="Fira Code" panose="020B0809050000020004" pitchFamily="49" charset="0"/>
-              </a:rPr>
-              <a:t> </a:t>
-            </a:r>
-            <a:r>
-              <a:rPr kumimoji="0" lang="en-US" altLang="en-US" sz="900" b="0" i="0" u="none" strike="noStrike" cap="none" normalizeH="0" baseline="0" dirty="0">
-                <a:ln>
-                  <a:noFill/>
-                </a:ln>
-                <a:solidFill>
-                  <a:srgbClr val="9CDCFE"/>
-                </a:solidFill>
-                <a:effectLst/>
-                <a:latin typeface="Fira Code" panose="020B0809050000020004" pitchFamily="49" charset="0"/>
-              </a:rPr>
-              <a:t>context</a:t>
-            </a:r>
-            <a:r>
-              <a:rPr kumimoji="0" lang="en-US" altLang="en-US" sz="900" b="0" i="0" u="none" strike="noStrike" cap="none" normalizeH="0" baseline="0" dirty="0">
-                <a:ln>
-                  <a:noFill/>
-                </a:ln>
-                <a:solidFill>
-                  <a:srgbClr val="DCDCDC"/>
-                </a:solidFill>
-                <a:effectLst/>
-                <a:latin typeface="Fira Code" panose="020B0809050000020004" pitchFamily="49" charset="0"/>
-              </a:rPr>
-              <a:t>)</a:t>
-            </a:r>
-          </a:p>
-          <a:p>
-            <a:pPr marL="0" marR="0" lvl="0" indent="0" algn="l" defTabSz="914400" rtl="0" eaLnBrk="0" fontAlgn="base" latinLnBrk="0" hangingPunct="0">
-              <a:lnSpc>
-                <a:spcPct val="100000"/>
-              </a:lnSpc>
-              <a:spcBef>
-                <a:spcPct val="0"/>
-              </a:spcBef>
-              <a:spcAft>
-                <a:spcPct val="0"/>
-              </a:spcAft>
-              <a:buClrTx/>
-              <a:buSzTx/>
-              <a:buFontTx/>
-              <a:buNone/>
-              <a:tabLst/>
-            </a:pPr>
-            <a:r>
-              <a:rPr kumimoji="0" lang="en-US" altLang="en-US" sz="900" b="0" i="0" u="none" strike="noStrike" cap="none" normalizeH="0" baseline="0" dirty="0">
-                <a:ln>
-                  <a:noFill/>
-                </a:ln>
-                <a:solidFill>
-                  <a:srgbClr val="DCDCDC"/>
-                </a:solidFill>
-                <a:effectLst/>
-                <a:latin typeface="Fira Code" panose="020B0809050000020004" pitchFamily="49" charset="0"/>
-              </a:rPr>
-              <a:t>     {</a:t>
-            </a:r>
-          </a:p>
-          <a:p>
-            <a:pPr marL="0" marR="0" lvl="0" indent="0" algn="l" defTabSz="914400" rtl="0" eaLnBrk="0" fontAlgn="base" latinLnBrk="0" hangingPunct="0">
-              <a:lnSpc>
-                <a:spcPct val="100000"/>
-              </a:lnSpc>
-              <a:spcBef>
-                <a:spcPct val="0"/>
-              </a:spcBef>
-              <a:spcAft>
-                <a:spcPct val="0"/>
-              </a:spcAft>
-              <a:buClrTx/>
-              <a:buSzTx/>
-              <a:buFontTx/>
-              <a:buNone/>
-              <a:tabLst/>
-            </a:pPr>
-            <a:r>
-              <a:rPr kumimoji="0" lang="en-US" altLang="en-US" sz="900" b="0" i="0" u="none" strike="noStrike" cap="none" normalizeH="0" baseline="0" dirty="0">
-                <a:ln>
-                  <a:noFill/>
-                </a:ln>
-                <a:solidFill>
-                  <a:srgbClr val="DCDCDC"/>
-                </a:solidFill>
-                <a:effectLst/>
-                <a:latin typeface="Fira Code" panose="020B0809050000020004" pitchFamily="49" charset="0"/>
-              </a:rPr>
-              <a:t>         </a:t>
-            </a:r>
-            <a:r>
-              <a:rPr kumimoji="0" lang="en-US" altLang="en-US" sz="900" b="0" i="0" u="none" strike="noStrike" cap="none" normalizeH="0" baseline="0" dirty="0">
-                <a:ln>
-                  <a:noFill/>
-                </a:ln>
-                <a:solidFill>
-                  <a:srgbClr val="4EC9B0"/>
-                </a:solidFill>
-                <a:effectLst/>
-                <a:latin typeface="Fira Code" panose="020B0809050000020004" pitchFamily="49" charset="0"/>
-              </a:rPr>
-              <a:t>Debug</a:t>
-            </a:r>
-            <a:r>
-              <a:rPr kumimoji="0" lang="en-US" altLang="en-US" sz="900" b="0" i="0" u="none" strike="noStrike" cap="none" normalizeH="0" baseline="0" dirty="0">
-                <a:ln>
-                  <a:noFill/>
-                </a:ln>
-                <a:solidFill>
-                  <a:srgbClr val="B4B4B4"/>
-                </a:solidFill>
-                <a:effectLst/>
-                <a:latin typeface="Fira Code" panose="020B0809050000020004" pitchFamily="49" charset="0"/>
-              </a:rPr>
-              <a:t>.</a:t>
-            </a:r>
-            <a:r>
-              <a:rPr kumimoji="0" lang="en-US" altLang="en-US" sz="900" b="0" i="0" u="none" strike="noStrike" cap="none" normalizeH="0" baseline="0" dirty="0">
-                <a:ln>
-                  <a:noFill/>
-                </a:ln>
-                <a:solidFill>
-                  <a:srgbClr val="DCDCAA"/>
-                </a:solidFill>
-                <a:effectLst/>
-                <a:latin typeface="Fira Code" panose="020B0809050000020004" pitchFamily="49" charset="0"/>
-              </a:rPr>
-              <a:t>WriteLine</a:t>
-            </a:r>
-            <a:r>
-              <a:rPr kumimoji="0" lang="en-US" altLang="en-US" sz="900" b="0" i="0" u="none" strike="noStrike" cap="none" normalizeH="0" baseline="0" dirty="0">
-                <a:ln>
-                  <a:noFill/>
-                </a:ln>
-                <a:solidFill>
-                  <a:srgbClr val="DCDCDC"/>
-                </a:solidFill>
-                <a:effectLst/>
-                <a:latin typeface="Fira Code" panose="020B0809050000020004" pitchFamily="49" charset="0"/>
-              </a:rPr>
-              <a:t>(</a:t>
-            </a:r>
-            <a:r>
-              <a:rPr kumimoji="0" lang="en-US" altLang="en-US" sz="900" b="0" i="0" u="none" strike="noStrike" cap="none" normalizeH="0" baseline="0" dirty="0">
-                <a:ln>
-                  <a:noFill/>
-                </a:ln>
-                <a:solidFill>
-                  <a:srgbClr val="D69D85"/>
-                </a:solidFill>
-                <a:effectLst/>
-                <a:latin typeface="Fira Code" panose="020B0809050000020004" pitchFamily="49" charset="0"/>
-              </a:rPr>
-              <a:t>"&lt;= Invoking "</a:t>
-            </a:r>
-            <a:r>
-              <a:rPr kumimoji="0" lang="en-US" altLang="en-US" sz="900" b="0" i="0" u="none" strike="noStrike" cap="none" normalizeH="0" baseline="0" dirty="0">
-                <a:ln>
-                  <a:noFill/>
-                </a:ln>
-                <a:solidFill>
-                  <a:srgbClr val="DCDCDC"/>
-                </a:solidFill>
-                <a:effectLst/>
-                <a:latin typeface="Fira Code" panose="020B0809050000020004" pitchFamily="49" charset="0"/>
-              </a:rPr>
-              <a:t> </a:t>
-            </a:r>
-            <a:r>
-              <a:rPr kumimoji="0" lang="en-US" altLang="en-US" sz="900" b="0" i="0" u="none" strike="noStrike" cap="none" normalizeH="0" baseline="0" dirty="0">
-                <a:ln>
-                  <a:noFill/>
-                </a:ln>
-                <a:solidFill>
-                  <a:srgbClr val="B4B4B4"/>
-                </a:solidFill>
-                <a:effectLst/>
-                <a:latin typeface="Fira Code" panose="020B0809050000020004" pitchFamily="49" charset="0"/>
-              </a:rPr>
-              <a:t>+</a:t>
-            </a:r>
-            <a:r>
-              <a:rPr kumimoji="0" lang="en-US" altLang="en-US" sz="900" b="0" i="0" u="none" strike="noStrike" cap="none" normalizeH="0" baseline="0" dirty="0">
-                <a:ln>
-                  <a:noFill/>
-                </a:ln>
-                <a:solidFill>
-                  <a:srgbClr val="DCDCDC"/>
-                </a:solidFill>
-                <a:effectLst/>
-                <a:latin typeface="Fira Code" panose="020B0809050000020004" pitchFamily="49" charset="0"/>
-              </a:rPr>
-              <a:t> </a:t>
-            </a:r>
-            <a:r>
-              <a:rPr kumimoji="0" lang="en-US" altLang="en-US" sz="900" b="0" i="0" u="none" strike="noStrike" cap="none" normalizeH="0" baseline="0" dirty="0">
-                <a:ln>
-                  <a:noFill/>
-                </a:ln>
-                <a:solidFill>
-                  <a:srgbClr val="9CDCFE"/>
-                </a:solidFill>
-                <a:effectLst/>
-                <a:latin typeface="Fira Code" panose="020B0809050000020004" pitchFamily="49" charset="0"/>
-              </a:rPr>
-              <a:t>context</a:t>
-            </a:r>
-            <a:r>
-              <a:rPr kumimoji="0" lang="en-US" altLang="en-US" sz="900" b="0" i="0" u="none" strike="noStrike" cap="none" normalizeH="0" baseline="0" dirty="0">
-                <a:ln>
-                  <a:noFill/>
-                </a:ln>
-                <a:solidFill>
-                  <a:srgbClr val="B4B4B4"/>
-                </a:solidFill>
-                <a:effectLst/>
-                <a:latin typeface="Fira Code" panose="020B0809050000020004" pitchFamily="49" charset="0"/>
-              </a:rPr>
-              <a:t>.</a:t>
-            </a:r>
-            <a:r>
-              <a:rPr kumimoji="0" lang="en-US" altLang="en-US" sz="900" b="0" i="0" u="none" strike="noStrike" cap="none" normalizeH="0" baseline="0" dirty="0">
-                <a:ln>
-                  <a:noFill/>
-                </a:ln>
-                <a:solidFill>
-                  <a:srgbClr val="DCDCDC"/>
-                </a:solidFill>
-                <a:effectLst/>
-                <a:latin typeface="Fira Code" panose="020B0809050000020004" pitchFamily="49" charset="0"/>
-              </a:rPr>
-              <a:t>Invocation</a:t>
-            </a:r>
-            <a:r>
-              <a:rPr kumimoji="0" lang="en-US" altLang="en-US" sz="900" b="0" i="0" u="none" strike="noStrike" cap="none" normalizeH="0" baseline="0" dirty="0">
-                <a:ln>
-                  <a:noFill/>
-                </a:ln>
-                <a:solidFill>
-                  <a:srgbClr val="B4B4B4"/>
-                </a:solidFill>
-                <a:effectLst/>
-                <a:latin typeface="Fira Code" panose="020B0809050000020004" pitchFamily="49" charset="0"/>
-              </a:rPr>
-              <a:t>.</a:t>
-            </a:r>
-            <a:r>
-              <a:rPr kumimoji="0" lang="en-US" altLang="en-US" sz="900" b="0" i="0" u="none" strike="noStrike" cap="none" normalizeH="0" baseline="0" dirty="0">
-                <a:ln>
-                  <a:noFill/>
-                </a:ln>
-                <a:solidFill>
-                  <a:srgbClr val="DCDCDC"/>
-                </a:solidFill>
-                <a:effectLst/>
-                <a:latin typeface="Fira Code" panose="020B0809050000020004" pitchFamily="49" charset="0"/>
-              </a:rPr>
-              <a:t>Method </a:t>
-            </a:r>
-            <a:r>
-              <a:rPr kumimoji="0" lang="en-US" altLang="en-US" sz="900" b="0" i="0" u="none" strike="noStrike" cap="none" normalizeH="0" baseline="0" dirty="0">
-                <a:ln>
-                  <a:noFill/>
-                </a:ln>
-                <a:solidFill>
-                  <a:srgbClr val="B4B4B4"/>
-                </a:solidFill>
-                <a:effectLst/>
-                <a:latin typeface="Fira Code" panose="020B0809050000020004" pitchFamily="49" charset="0"/>
-              </a:rPr>
-              <a:t>+</a:t>
-            </a:r>
-            <a:r>
-              <a:rPr kumimoji="0" lang="en-US" altLang="en-US" sz="900" b="0" i="0" u="none" strike="noStrike" cap="none" normalizeH="0" baseline="0" dirty="0">
-                <a:ln>
-                  <a:noFill/>
-                </a:ln>
-                <a:solidFill>
-                  <a:srgbClr val="DCDCDC"/>
-                </a:solidFill>
-                <a:effectLst/>
-                <a:latin typeface="Fira Code" panose="020B0809050000020004" pitchFamily="49" charset="0"/>
-              </a:rPr>
-              <a:t> </a:t>
-            </a:r>
-            <a:r>
-              <a:rPr kumimoji="0" lang="en-US" altLang="en-US" sz="900" b="0" i="0" u="none" strike="noStrike" cap="none" normalizeH="0" baseline="0" dirty="0">
-                <a:ln>
-                  <a:noFill/>
-                </a:ln>
-                <a:solidFill>
-                  <a:srgbClr val="D69D85"/>
-                </a:solidFill>
-                <a:effectLst/>
-                <a:latin typeface="Fira Code" panose="020B0809050000020004" pitchFamily="49" charset="0"/>
-              </a:rPr>
-              <a:t>" on client hub "</a:t>
-            </a:r>
-            <a:r>
-              <a:rPr kumimoji="0" lang="en-US" altLang="en-US" sz="900" b="0" i="0" u="none" strike="noStrike" cap="none" normalizeH="0" baseline="0" dirty="0">
-                <a:ln>
-                  <a:noFill/>
-                </a:ln>
-                <a:solidFill>
-                  <a:srgbClr val="DCDCDC"/>
-                </a:solidFill>
-                <a:effectLst/>
-                <a:latin typeface="Fira Code" panose="020B0809050000020004" pitchFamily="49" charset="0"/>
-              </a:rPr>
-              <a:t> </a:t>
-            </a:r>
-            <a:r>
-              <a:rPr kumimoji="0" lang="en-US" altLang="en-US" sz="900" b="0" i="0" u="none" strike="noStrike" cap="none" normalizeH="0" baseline="0" dirty="0">
-                <a:ln>
-                  <a:noFill/>
-                </a:ln>
-                <a:solidFill>
-                  <a:srgbClr val="B4B4B4"/>
-                </a:solidFill>
-                <a:effectLst/>
-                <a:latin typeface="Fira Code" panose="020B0809050000020004" pitchFamily="49" charset="0"/>
-              </a:rPr>
-              <a:t>+</a:t>
-            </a:r>
-            <a:r>
-              <a:rPr kumimoji="0" lang="en-US" altLang="en-US" sz="900" b="0" i="0" u="none" strike="noStrike" cap="none" normalizeH="0" baseline="0" dirty="0">
-                <a:ln>
-                  <a:noFill/>
-                </a:ln>
-                <a:solidFill>
-                  <a:srgbClr val="DCDCDC"/>
-                </a:solidFill>
-                <a:effectLst/>
-                <a:latin typeface="Fira Code" panose="020B0809050000020004" pitchFamily="49" charset="0"/>
-              </a:rPr>
-              <a:t> </a:t>
-            </a:r>
-            <a:r>
-              <a:rPr kumimoji="0" lang="en-US" altLang="en-US" sz="900" b="0" i="0" u="none" strike="noStrike" cap="none" normalizeH="0" baseline="0" dirty="0">
-                <a:ln>
-                  <a:noFill/>
-                </a:ln>
-                <a:solidFill>
-                  <a:srgbClr val="9CDCFE"/>
-                </a:solidFill>
-                <a:effectLst/>
-                <a:latin typeface="Fira Code" panose="020B0809050000020004" pitchFamily="49" charset="0"/>
-              </a:rPr>
-              <a:t>context</a:t>
-            </a:r>
-            <a:r>
-              <a:rPr kumimoji="0" lang="en-US" altLang="en-US" sz="900" b="0" i="0" u="none" strike="noStrike" cap="none" normalizeH="0" baseline="0" dirty="0">
-                <a:ln>
-                  <a:noFill/>
-                </a:ln>
-                <a:solidFill>
-                  <a:srgbClr val="B4B4B4"/>
-                </a:solidFill>
-                <a:effectLst/>
-                <a:latin typeface="Fira Code" panose="020B0809050000020004" pitchFamily="49" charset="0"/>
-              </a:rPr>
-              <a:t>.</a:t>
-            </a:r>
-            <a:r>
-              <a:rPr kumimoji="0" lang="en-US" altLang="en-US" sz="900" b="0" i="0" u="none" strike="noStrike" cap="none" normalizeH="0" baseline="0" dirty="0">
-                <a:ln>
-                  <a:noFill/>
-                </a:ln>
-                <a:solidFill>
-                  <a:srgbClr val="DCDCDC"/>
-                </a:solidFill>
-                <a:effectLst/>
-                <a:latin typeface="Fira Code" panose="020B0809050000020004" pitchFamily="49" charset="0"/>
-              </a:rPr>
-              <a:t>Invocation</a:t>
-            </a:r>
-            <a:r>
-              <a:rPr kumimoji="0" lang="en-US" altLang="en-US" sz="900" b="0" i="0" u="none" strike="noStrike" cap="none" normalizeH="0" baseline="0" dirty="0">
-                <a:ln>
-                  <a:noFill/>
-                </a:ln>
-                <a:solidFill>
-                  <a:srgbClr val="B4B4B4"/>
-                </a:solidFill>
-                <a:effectLst/>
-                <a:latin typeface="Fira Code" panose="020B0809050000020004" pitchFamily="49" charset="0"/>
-              </a:rPr>
-              <a:t>.</a:t>
-            </a:r>
-            <a:r>
-              <a:rPr kumimoji="0" lang="en-US" altLang="en-US" sz="900" b="0" i="0" u="none" strike="noStrike" cap="none" normalizeH="0" baseline="0" dirty="0">
-                <a:ln>
-                  <a:noFill/>
-                </a:ln>
-                <a:solidFill>
-                  <a:srgbClr val="DCDCDC"/>
-                </a:solidFill>
-                <a:effectLst/>
-                <a:latin typeface="Fira Code" panose="020B0809050000020004" pitchFamily="49" charset="0"/>
-              </a:rPr>
-              <a:t>Hub);</a:t>
-            </a:r>
-          </a:p>
-          <a:p>
-            <a:pPr marL="0" marR="0" lvl="0" indent="0" algn="l" defTabSz="914400" rtl="0" eaLnBrk="0" fontAlgn="base" latinLnBrk="0" hangingPunct="0">
-              <a:lnSpc>
-                <a:spcPct val="100000"/>
-              </a:lnSpc>
-              <a:spcBef>
-                <a:spcPct val="0"/>
-              </a:spcBef>
-              <a:spcAft>
-                <a:spcPct val="0"/>
-              </a:spcAft>
-              <a:buClrTx/>
-              <a:buSzTx/>
-              <a:buFontTx/>
-              <a:buNone/>
-              <a:tabLst/>
-            </a:pPr>
-            <a:r>
-              <a:rPr kumimoji="0" lang="en-US" altLang="en-US" sz="900" b="0" i="0" u="none" strike="noStrike" cap="none" normalizeH="0" baseline="0" dirty="0">
-                <a:ln>
-                  <a:noFill/>
-                </a:ln>
-                <a:solidFill>
-                  <a:srgbClr val="DCDCDC"/>
-                </a:solidFill>
-                <a:effectLst/>
-                <a:latin typeface="Fira Code" panose="020B0809050000020004" pitchFamily="49" charset="0"/>
-              </a:rPr>
-              <a:t>         </a:t>
-            </a:r>
-            <a:r>
-              <a:rPr kumimoji="0" lang="en-US" altLang="en-US" sz="900" b="0" i="0" u="none" strike="noStrike" cap="none" normalizeH="0" baseline="0" dirty="0">
-                <a:ln>
-                  <a:noFill/>
-                </a:ln>
-                <a:solidFill>
-                  <a:srgbClr val="D8A0DF"/>
-                </a:solidFill>
-                <a:effectLst/>
-                <a:latin typeface="Fira Code" panose="020B0809050000020004" pitchFamily="49" charset="0"/>
-              </a:rPr>
-              <a:t>return</a:t>
-            </a:r>
-            <a:r>
-              <a:rPr kumimoji="0" lang="en-US" altLang="en-US" sz="900" b="0" i="0" u="none" strike="noStrike" cap="none" normalizeH="0" baseline="0" dirty="0">
-                <a:ln>
-                  <a:noFill/>
-                </a:ln>
-                <a:solidFill>
-                  <a:srgbClr val="DCDCDC"/>
-                </a:solidFill>
-                <a:effectLst/>
-                <a:latin typeface="Fira Code" panose="020B0809050000020004" pitchFamily="49" charset="0"/>
-              </a:rPr>
-              <a:t> </a:t>
-            </a:r>
-            <a:r>
-              <a:rPr kumimoji="0" lang="en-US" altLang="en-US" sz="900" b="0" i="0" u="none" strike="noStrike" cap="none" normalizeH="0" baseline="0" dirty="0">
-                <a:ln>
-                  <a:noFill/>
-                </a:ln>
-                <a:solidFill>
-                  <a:srgbClr val="569CD6"/>
-                </a:solidFill>
-                <a:effectLst/>
-                <a:latin typeface="Fira Code" panose="020B0809050000020004" pitchFamily="49" charset="0"/>
-              </a:rPr>
-              <a:t>base</a:t>
-            </a:r>
-            <a:r>
-              <a:rPr kumimoji="0" lang="en-US" altLang="en-US" sz="900" b="0" i="0" u="none" strike="noStrike" cap="none" normalizeH="0" baseline="0" dirty="0">
-                <a:ln>
-                  <a:noFill/>
-                </a:ln>
-                <a:solidFill>
-                  <a:srgbClr val="B4B4B4"/>
-                </a:solidFill>
-                <a:effectLst/>
-                <a:latin typeface="Fira Code" panose="020B0809050000020004" pitchFamily="49" charset="0"/>
-              </a:rPr>
-              <a:t>.</a:t>
-            </a:r>
-            <a:r>
-              <a:rPr kumimoji="0" lang="en-US" altLang="en-US" sz="900" b="0" i="0" u="none" strike="noStrike" cap="none" normalizeH="0" baseline="0" dirty="0">
-                <a:ln>
-                  <a:noFill/>
-                </a:ln>
-                <a:solidFill>
-                  <a:srgbClr val="DCDCAA"/>
-                </a:solidFill>
-                <a:effectLst/>
-                <a:latin typeface="Fira Code" panose="020B0809050000020004" pitchFamily="49" charset="0"/>
-              </a:rPr>
-              <a:t>OnBeforeOutgoing</a:t>
-            </a:r>
-            <a:r>
-              <a:rPr kumimoji="0" lang="en-US" altLang="en-US" sz="900" b="0" i="0" u="none" strike="noStrike" cap="none" normalizeH="0" baseline="0" dirty="0">
-                <a:ln>
-                  <a:noFill/>
-                </a:ln>
-                <a:solidFill>
-                  <a:srgbClr val="DCDCDC"/>
-                </a:solidFill>
-                <a:effectLst/>
-                <a:latin typeface="Fira Code" panose="020B0809050000020004" pitchFamily="49" charset="0"/>
-              </a:rPr>
-              <a:t>(</a:t>
-            </a:r>
-            <a:r>
-              <a:rPr kumimoji="0" lang="en-US" altLang="en-US" sz="900" b="0" i="0" u="none" strike="noStrike" cap="none" normalizeH="0" baseline="0" dirty="0">
-                <a:ln>
-                  <a:noFill/>
-                </a:ln>
-                <a:solidFill>
-                  <a:srgbClr val="9CDCFE"/>
-                </a:solidFill>
-                <a:effectLst/>
-                <a:latin typeface="Fira Code" panose="020B0809050000020004" pitchFamily="49" charset="0"/>
-              </a:rPr>
-              <a:t>context</a:t>
-            </a:r>
-            <a:r>
-              <a:rPr kumimoji="0" lang="en-US" altLang="en-US" sz="900" b="0" i="0" u="none" strike="noStrike" cap="none" normalizeH="0" baseline="0" dirty="0">
-                <a:ln>
-                  <a:noFill/>
-                </a:ln>
-                <a:solidFill>
-                  <a:srgbClr val="DCDCDC"/>
-                </a:solidFill>
-                <a:effectLst/>
-                <a:latin typeface="Fira Code" panose="020B0809050000020004" pitchFamily="49" charset="0"/>
-              </a:rPr>
-              <a:t>);</a:t>
-            </a:r>
-          </a:p>
-          <a:p>
-            <a:pPr marL="0" marR="0" lvl="0" indent="0" algn="l" defTabSz="914400" rtl="0" eaLnBrk="0" fontAlgn="base" latinLnBrk="0" hangingPunct="0">
-              <a:lnSpc>
-                <a:spcPct val="100000"/>
-              </a:lnSpc>
-              <a:spcBef>
-                <a:spcPct val="0"/>
-              </a:spcBef>
-              <a:spcAft>
-                <a:spcPct val="0"/>
-              </a:spcAft>
-              <a:buClrTx/>
-              <a:buSzTx/>
-              <a:buFontTx/>
-              <a:buNone/>
-              <a:tabLst/>
-            </a:pPr>
-            <a:r>
-              <a:rPr kumimoji="0" lang="en-US" altLang="en-US" sz="900" b="0" i="0" u="none" strike="noStrike" cap="none" normalizeH="0" baseline="0" dirty="0">
-                <a:ln>
-                  <a:noFill/>
-                </a:ln>
-                <a:solidFill>
-                  <a:srgbClr val="DCDCDC"/>
-                </a:solidFill>
-                <a:effectLst/>
-                <a:latin typeface="Fira Code" panose="020B0809050000020004" pitchFamily="49" charset="0"/>
-              </a:rPr>
-              <a:t>     }</a:t>
-            </a:r>
-          </a:p>
-          <a:p>
-            <a:pPr marL="0" marR="0" lvl="0" indent="0" algn="l" defTabSz="914400" rtl="0" eaLnBrk="0" fontAlgn="base" latinLnBrk="0" hangingPunct="0">
-              <a:lnSpc>
-                <a:spcPct val="100000"/>
-              </a:lnSpc>
-              <a:spcBef>
-                <a:spcPct val="0"/>
-              </a:spcBef>
-              <a:spcAft>
-                <a:spcPct val="0"/>
-              </a:spcAft>
-              <a:buClrTx/>
-              <a:buSzTx/>
-              <a:buFontTx/>
-              <a:buNone/>
-              <a:tabLst/>
-            </a:pPr>
-            <a:r>
-              <a:rPr kumimoji="0" lang="en-US" altLang="en-US" sz="900" b="0" i="0" u="none" strike="noStrike" cap="none" normalizeH="0" baseline="0" dirty="0">
-                <a:ln>
-                  <a:noFill/>
-                </a:ln>
-                <a:solidFill>
-                  <a:srgbClr val="DCDCDC"/>
-                </a:solidFill>
-                <a:effectLst/>
-                <a:latin typeface="Fira Code" panose="020B0809050000020004" pitchFamily="49" charset="0"/>
-              </a:rPr>
-              <a:t>}</a:t>
-            </a:r>
-            <a:endParaRPr kumimoji="0" lang="en-US" altLang="en-US" sz="1800" b="0" i="0" u="none" strike="noStrike" cap="none" normalizeH="0" baseline="0" dirty="0">
-              <a:ln>
-                <a:noFill/>
-              </a:ln>
-              <a:solidFill>
-                <a:schemeClr val="tx1"/>
-              </a:solidFill>
-              <a:effectLst/>
-              <a:latin typeface="Arial" panose="020B0604020202020204" pitchFamily="34" charset="0"/>
-            </a:endParaRPr>
-          </a:p>
-        </p:txBody>
-      </p:sp>
-      <p:sp>
-        <p:nvSpPr>
-          <p:cNvPr id="3" name="Rectangle 2">
-            <a:extLst>
-              <a:ext uri="{FF2B5EF4-FFF2-40B4-BE49-F238E27FC236}">
-                <a16:creationId xmlns:a16="http://schemas.microsoft.com/office/drawing/2014/main" id="{DFB16E55-D37B-481D-863A-B2A7DB89CE88}"/>
-              </a:ext>
-            </a:extLst>
-          </p:cNvPr>
-          <p:cNvSpPr>
-            <a:spLocks noChangeArrowheads="1"/>
-          </p:cNvSpPr>
-          <p:nvPr/>
-        </p:nvSpPr>
-        <p:spPr bwMode="auto">
-          <a:xfrm>
-            <a:off x="1063558" y="5265761"/>
-            <a:ext cx="9202723" cy="230832"/>
-          </a:xfrm>
-          <a:prstGeom prst="rect">
-            <a:avLst/>
-          </a:prstGeom>
-          <a:solidFill>
-            <a:srgbClr val="1E1E1E"/>
-          </a:solidFill>
-          <a:ln>
-            <a:noFill/>
-          </a:ln>
-          <a:effectLst/>
-          <a:extLst>
-            <a:ext uri="{91240B29-F687-4F45-9708-019B960494DF}">
-              <a14:hiddenLine xmlns:a14="http://schemas.microsoft.com/office/drawing/2010/main" w="9525">
-                <a:solidFill>
-                  <a:schemeClr val="tx1"/>
-                </a:solidFill>
-                <a:miter lim="800000"/>
-                <a:headEnd/>
-                <a:tailEnd/>
-              </a14:hiddenLine>
-            </a:ext>
-            <a:ext uri="{AF507438-7753-43E0-B8FC-AC1667EBCBE1}">
-              <a14:hiddenEffects xmlns:a14="http://schemas.microsoft.com/office/drawing/2010/main">
-                <a:effectLst>
-                  <a:outerShdw dist="35921" dir="2700000" algn="ctr" rotWithShape="0">
-                    <a:schemeClr val="bg2"/>
-                  </a:outerShdw>
-                </a:effectLst>
-              </a14:hiddenEffects>
-            </a:ext>
-          </a:extLst>
-        </p:spPr>
-        <p:txBody>
-          <a:bodyPr vert="horz" wrap="square" lIns="91440" tIns="45720" rIns="91440" bIns="45720" numCol="1" anchor="ctr" anchorCtr="0" compatLnSpc="1">
-            <a:prstTxWarp prst="textNoShape">
-              <a:avLst/>
-            </a:prstTxWarp>
-            <a:spAutoFit/>
-          </a:bodyPr>
-          <a:lstStyle/>
-          <a:p>
-            <a:pPr marL="0" marR="0" lvl="0" indent="0" algn="l" defTabSz="914400" rtl="0" eaLnBrk="0" fontAlgn="base" latinLnBrk="0" hangingPunct="0">
-              <a:lnSpc>
-                <a:spcPct val="100000"/>
-              </a:lnSpc>
-              <a:spcBef>
-                <a:spcPct val="0"/>
-              </a:spcBef>
-              <a:spcAft>
-                <a:spcPct val="0"/>
-              </a:spcAft>
-              <a:buClrTx/>
-              <a:buSzTx/>
-              <a:buFontTx/>
-              <a:buNone/>
-              <a:tabLst/>
-            </a:pPr>
-            <a:r>
-              <a:rPr kumimoji="0" lang="en-US" altLang="en-US" sz="900" b="0" i="0" u="none" strike="noStrike" cap="none" normalizeH="0" baseline="0">
-                <a:ln>
-                  <a:noFill/>
-                </a:ln>
-                <a:solidFill>
-                  <a:srgbClr val="4EC9B0"/>
-                </a:solidFill>
-                <a:effectLst/>
-                <a:latin typeface="Fira Code" panose="020B0809050000020004" pitchFamily="49" charset="0"/>
-              </a:rPr>
-              <a:t>GlobalHost</a:t>
-            </a:r>
-            <a:r>
-              <a:rPr kumimoji="0" lang="en-US" altLang="en-US" sz="900" b="0" i="0" u="none" strike="noStrike" cap="none" normalizeH="0" baseline="0">
-                <a:ln>
-                  <a:noFill/>
-                </a:ln>
-                <a:solidFill>
-                  <a:srgbClr val="B4B4B4"/>
-                </a:solidFill>
-                <a:effectLst/>
-                <a:latin typeface="Fira Code" panose="020B0809050000020004" pitchFamily="49" charset="0"/>
-              </a:rPr>
-              <a:t>.</a:t>
-            </a:r>
-            <a:r>
-              <a:rPr kumimoji="0" lang="en-US" altLang="en-US" sz="900" b="0" i="0" u="none" strike="noStrike" cap="none" normalizeH="0" baseline="0">
-                <a:ln>
-                  <a:noFill/>
-                </a:ln>
-                <a:solidFill>
-                  <a:srgbClr val="DCDCDC"/>
-                </a:solidFill>
-                <a:effectLst/>
-                <a:latin typeface="Fira Code" panose="020B0809050000020004" pitchFamily="49" charset="0"/>
-              </a:rPr>
-              <a:t>HubPipeline</a:t>
-            </a:r>
-            <a:r>
-              <a:rPr kumimoji="0" lang="en-US" altLang="en-US" sz="900" b="0" i="0" u="none" strike="noStrike" cap="none" normalizeH="0" baseline="0">
-                <a:ln>
-                  <a:noFill/>
-                </a:ln>
-                <a:solidFill>
-                  <a:srgbClr val="B4B4B4"/>
-                </a:solidFill>
-                <a:effectLst/>
-                <a:latin typeface="Fira Code" panose="020B0809050000020004" pitchFamily="49" charset="0"/>
-              </a:rPr>
-              <a:t>.</a:t>
-            </a:r>
-            <a:r>
-              <a:rPr kumimoji="0" lang="en-US" altLang="en-US" sz="900" b="0" i="0" u="none" strike="noStrike" cap="none" normalizeH="0" baseline="0">
-                <a:ln>
-                  <a:noFill/>
-                </a:ln>
-                <a:solidFill>
-                  <a:srgbClr val="DCDCAA"/>
-                </a:solidFill>
-                <a:effectLst/>
-                <a:latin typeface="Fira Code" panose="020B0809050000020004" pitchFamily="49" charset="0"/>
-              </a:rPr>
-              <a:t>AddModule</a:t>
-            </a:r>
-            <a:r>
-              <a:rPr kumimoji="0" lang="en-US" altLang="en-US" sz="900" b="0" i="0" u="none" strike="noStrike" cap="none" normalizeH="0" baseline="0">
-                <a:ln>
-                  <a:noFill/>
-                </a:ln>
-                <a:solidFill>
-                  <a:srgbClr val="DCDCDC"/>
-                </a:solidFill>
-                <a:effectLst/>
-                <a:latin typeface="Fira Code" panose="020B0809050000020004" pitchFamily="49" charset="0"/>
-              </a:rPr>
-              <a:t>(</a:t>
-            </a:r>
-            <a:r>
-              <a:rPr kumimoji="0" lang="en-US" altLang="en-US" sz="900" b="0" i="0" u="none" strike="noStrike" cap="none" normalizeH="0" baseline="0">
-                <a:ln>
-                  <a:noFill/>
-                </a:ln>
-                <a:solidFill>
-                  <a:srgbClr val="569CD6"/>
-                </a:solidFill>
-                <a:effectLst/>
-                <a:latin typeface="Fira Code" panose="020B0809050000020004" pitchFamily="49" charset="0"/>
-              </a:rPr>
-              <a:t>new</a:t>
-            </a:r>
-            <a:r>
-              <a:rPr kumimoji="0" lang="en-US" altLang="en-US" sz="900" b="0" i="0" u="none" strike="noStrike" cap="none" normalizeH="0" baseline="0">
-                <a:ln>
-                  <a:noFill/>
-                </a:ln>
-                <a:solidFill>
-                  <a:srgbClr val="DCDCDC"/>
-                </a:solidFill>
-                <a:effectLst/>
-                <a:latin typeface="Fira Code" panose="020B0809050000020004" pitchFamily="49" charset="0"/>
-              </a:rPr>
-              <a:t> </a:t>
-            </a:r>
-            <a:r>
-              <a:rPr kumimoji="0" lang="en-US" altLang="en-US" sz="900" b="0" i="0" u="none" strike="noStrike" cap="none" normalizeH="0" baseline="0">
-                <a:ln>
-                  <a:noFill/>
-                </a:ln>
-                <a:solidFill>
-                  <a:srgbClr val="4EC9B0"/>
-                </a:solidFill>
-                <a:effectLst/>
-                <a:latin typeface="Fira Code" panose="020B0809050000020004" pitchFamily="49" charset="0"/>
-              </a:rPr>
-              <a:t>LoggingPipelineModule</a:t>
-            </a:r>
-            <a:r>
-              <a:rPr kumimoji="0" lang="en-US" altLang="en-US" sz="900" b="0" i="0" u="none" strike="noStrike" cap="none" normalizeH="0" baseline="0">
-                <a:ln>
-                  <a:noFill/>
-                </a:ln>
-                <a:solidFill>
-                  <a:srgbClr val="DCDCDC"/>
-                </a:solidFill>
-                <a:effectLst/>
-                <a:latin typeface="Fira Code" panose="020B0809050000020004" pitchFamily="49" charset="0"/>
-              </a:rPr>
-              <a:t>()); </a:t>
-            </a:r>
-            <a:endParaRPr kumimoji="0" lang="en-US" altLang="en-US" sz="1800" b="0" i="0" u="none" strike="noStrike" cap="none" normalizeH="0" baseline="0">
-              <a:ln>
-                <a:noFill/>
-              </a:ln>
-              <a:solidFill>
-                <a:schemeClr val="tx1"/>
-              </a:solidFill>
-              <a:effectLst/>
-              <a:latin typeface="Arial" panose="020B0604020202020204" pitchFamily="34" charset="0"/>
-            </a:endParaRPr>
-          </a:p>
         </p:txBody>
       </p:sp>
     </p:spTree>
     <p:extLst>
       <p:ext uri="{BB962C8B-B14F-4D97-AF65-F5344CB8AC3E}">
-        <p14:creationId xmlns:p14="http://schemas.microsoft.com/office/powerpoint/2010/main" val="1152562539"/>
+        <p14:creationId xmlns:p14="http://schemas.microsoft.com/office/powerpoint/2010/main" val="2765995097"/>
       </p:ext>
     </p:extLst>
   </p:cSld>
   <p:clrMapOvr>
     <a:masterClrMapping/>
   </p:clrMapOvr>
+  <p:timing>
+    <p:tnLst>
+      <p:par>
+        <p:cTn id="1" dur="indefinite" restart="never" nodeType="tmRoot"/>
+      </p:par>
+    </p:tnLst>
+  </p:timing>
 </p:sld>
 </file>
 
-<file path=ppt/slides/slide35.xml><?xml version="1.0" encoding="utf-8"?>
+<file path=ppt/slides/slide4.xml><?xml version="1.0" encoding="utf-8"?>
 <p:sld xmlns:a="http://schemas.openxmlformats.org/drawingml/2006/main" xmlns:r="http://schemas.openxmlformats.org/officeDocument/2006/relationships" xmlns:p="http://schemas.openxmlformats.org/presentationml/2006/main">
   <p:cSld>
     <p:spTree>
@@ -27987,21 +28420,26 @@
         <p:spPr>
           <a:xfrm>
             <a:off x="684211" y="755008"/>
-            <a:ext cx="10823576" cy="696287"/>
+            <a:ext cx="8534401" cy="696287"/>
           </a:xfrm>
         </p:spPr>
         <p:txBody>
-          <a:bodyPr anchor="t">
-            <a:normAutofit/>
-          </a:bodyPr>
+          <a:bodyPr anchor="t"/>
           <a:lstStyle/>
           <a:p>
             <a:r>
-              <a:rPr lang="en-US" cap="none" dirty="0">
+              <a:rPr lang="en-ZA" cap="none" dirty="0">
                 <a:latin typeface="Segoe UI" panose="020B0502040204020203" pitchFamily="34" charset="0"/>
                 <a:cs typeface="Segoe UI" panose="020B0502040204020203" pitchFamily="34" charset="0"/>
               </a:rPr>
-              <a:t>Description</a:t>
+              <a:t>ASP.NET vs </a:t>
+            </a:r>
+            <a:r>
+              <a:rPr lang="en-ZA" cap="none" dirty="0" err="1">
+                <a:latin typeface="Segoe UI" panose="020B0502040204020203" pitchFamily="34" charset="0"/>
+                <a:cs typeface="Segoe UI" panose="020B0502040204020203" pitchFamily="34" charset="0"/>
+              </a:rPr>
+              <a:t>DotNetCore</a:t>
             </a:r>
             <a:endParaRPr lang="en-ZA" cap="none" dirty="0">
               <a:latin typeface="Segoe UI" panose="020B0502040204020203" pitchFamily="34" charset="0"/>
@@ -28070,33 +28508,133 @@
               <a:buFont typeface="Arial" panose="020B0604020202020204" pitchFamily="34" charset="0"/>
               <a:buChar char="•"/>
             </a:pPr>
-            <a:endParaRPr lang="en-US" dirty="0">
-              <a:solidFill>
-                <a:schemeClr val="tx2">
-                  <a:lumMod val="20000"/>
-                  <a:lumOff val="80000"/>
-                </a:schemeClr>
-              </a:solidFill>
-              <a:latin typeface="Segoe UI Light" panose="020B0502040204020203" pitchFamily="34" charset="0"/>
-              <a:cs typeface="Segoe UI Light" panose="020B0502040204020203" pitchFamily="34" charset="0"/>
-            </a:endParaRPr>
+            <a:r>
+              <a:rPr lang="en-US" dirty="0">
+                <a:solidFill>
+                  <a:schemeClr val="tx2">
+                    <a:lumMod val="20000"/>
+                    <a:lumOff val="80000"/>
+                  </a:schemeClr>
+                </a:solidFill>
+                <a:latin typeface="Segoe UI Light" panose="020B0502040204020203" pitchFamily="34" charset="0"/>
+                <a:cs typeface="Segoe UI Light" panose="020B0502040204020203" pitchFamily="34" charset="0"/>
+              </a:rPr>
+              <a:t>The implementation of SignalR varies from which technology you are using as a back-end. </a:t>
+            </a:r>
+          </a:p>
+          <a:p>
+            <a:pPr marL="285750" indent="-285750">
+              <a:buFont typeface="Arial" panose="020B0604020202020204" pitchFamily="34" charset="0"/>
+              <a:buChar char="•"/>
+            </a:pPr>
+            <a:r>
+              <a:rPr lang="en-US" dirty="0">
+                <a:solidFill>
+                  <a:schemeClr val="tx2">
+                    <a:lumMod val="20000"/>
+                    <a:lumOff val="80000"/>
+                  </a:schemeClr>
+                </a:solidFill>
+                <a:latin typeface="Segoe UI Light" panose="020B0502040204020203" pitchFamily="34" charset="0"/>
+                <a:cs typeface="Segoe UI Light" panose="020B0502040204020203" pitchFamily="34" charset="0"/>
+              </a:rPr>
+              <a:t>For instance, ASP.NET implementation using the </a:t>
+            </a:r>
+            <a:r>
+              <a:rPr lang="en-US" dirty="0" err="1">
+                <a:solidFill>
+                  <a:schemeClr val="tx2">
+                    <a:lumMod val="20000"/>
+                    <a:lumOff val="80000"/>
+                  </a:schemeClr>
+                </a:solidFill>
+                <a:latin typeface="Segoe UI Light" panose="020B0502040204020203" pitchFamily="34" charset="0"/>
+                <a:cs typeface="Segoe UI Light" panose="020B0502040204020203" pitchFamily="34" charset="0"/>
+              </a:rPr>
+              <a:t>DotNet</a:t>
+            </a:r>
+            <a:r>
+              <a:rPr lang="en-US" dirty="0">
+                <a:solidFill>
+                  <a:schemeClr val="tx2">
+                    <a:lumMod val="20000"/>
+                    <a:lumOff val="80000"/>
+                  </a:schemeClr>
+                </a:solidFill>
+                <a:latin typeface="Segoe UI Light" panose="020B0502040204020203" pitchFamily="34" charset="0"/>
+                <a:cs typeface="Segoe UI Light" panose="020B0502040204020203" pitchFamily="34" charset="0"/>
+              </a:rPr>
+              <a:t> Framework (4.7.2) is slightly different than the </a:t>
+            </a:r>
+            <a:r>
+              <a:rPr lang="en-US" dirty="0" err="1">
+                <a:solidFill>
+                  <a:schemeClr val="tx2">
+                    <a:lumMod val="20000"/>
+                    <a:lumOff val="80000"/>
+                  </a:schemeClr>
+                </a:solidFill>
+                <a:latin typeface="Segoe UI Light" panose="020B0502040204020203" pitchFamily="34" charset="0"/>
+                <a:cs typeface="Segoe UI Light" panose="020B0502040204020203" pitchFamily="34" charset="0"/>
+              </a:rPr>
+              <a:t>DotNetCore</a:t>
+            </a:r>
+            <a:r>
+              <a:rPr lang="en-US" dirty="0">
+                <a:solidFill>
+                  <a:schemeClr val="tx2">
+                    <a:lumMod val="20000"/>
+                    <a:lumOff val="80000"/>
+                  </a:schemeClr>
+                </a:solidFill>
+                <a:latin typeface="Segoe UI Light" panose="020B0502040204020203" pitchFamily="34" charset="0"/>
+                <a:cs typeface="Segoe UI Light" panose="020B0502040204020203" pitchFamily="34" charset="0"/>
+              </a:rPr>
+              <a:t> implementation. </a:t>
+            </a:r>
+          </a:p>
+          <a:p>
+            <a:pPr marL="285750" indent="-285750">
+              <a:buFont typeface="Arial" panose="020B0604020202020204" pitchFamily="34" charset="0"/>
+              <a:buChar char="•"/>
+            </a:pPr>
+            <a:r>
+              <a:rPr lang="en-US" dirty="0">
+                <a:solidFill>
+                  <a:schemeClr val="tx2">
+                    <a:lumMod val="20000"/>
+                    <a:lumOff val="80000"/>
+                  </a:schemeClr>
+                </a:solidFill>
+                <a:latin typeface="Segoe UI Light" panose="020B0502040204020203" pitchFamily="34" charset="0"/>
+                <a:cs typeface="Segoe UI Light" panose="020B0502040204020203" pitchFamily="34" charset="0"/>
+              </a:rPr>
+              <a:t>This applies to the Front-end packages as well.</a:t>
+            </a:r>
           </a:p>
         </p:txBody>
       </p:sp>
     </p:spTree>
     <p:extLst>
       <p:ext uri="{BB962C8B-B14F-4D97-AF65-F5344CB8AC3E}">
-        <p14:creationId xmlns:p14="http://schemas.microsoft.com/office/powerpoint/2010/main" val="2765995097"/>
+        <p14:creationId xmlns:p14="http://schemas.microsoft.com/office/powerpoint/2010/main" val="114260269"/>
       </p:ext>
     </p:extLst>
   </p:cSld>
   <p:clrMapOvr>
     <a:masterClrMapping/>
   </p:clrMapOvr>
+  <p:timing>
+    <p:tnLst>
+      <p:par>
+        <p:cTn id="1" dur="indefinite" restart="never" nodeType="tmRoot"/>
+      </p:par>
+    </p:tnLst>
+  </p:timing>
 </p:sld>
 </file>
 
-<file path=ppt/slides/slide4.xml><?xml version="1.0" encoding="utf-8"?>
+<file path=ppt/slides/slide5.xml><?xml version="1.0" encoding="utf-8"?>
 <p:sld xmlns:a="http://schemas.openxmlformats.org/drawingml/2006/main" xmlns:r="http://schemas.openxmlformats.org/officeDocument/2006/relationships" xmlns:p="http://schemas.openxmlformats.org/presentationml/2006/main">
   <p:cSld>
     <p:spTree>
@@ -28140,18 +28678,11 @@
           <a:lstStyle/>
           <a:p>
             <a:r>
-              <a:rPr lang="en-ZA" cap="none" dirty="0">
+              <a:rPr lang="en-US" cap="none" dirty="0">
                 <a:latin typeface="Segoe UI" panose="020B0502040204020203" pitchFamily="34" charset="0"/>
                 <a:cs typeface="Segoe UI" panose="020B0502040204020203" pitchFamily="34" charset="0"/>
               </a:rPr>
-              <a:t>ASP.NET vs </a:t>
-            </a:r>
-            <a:r>
-              <a:rPr lang="en-ZA" cap="none" dirty="0" err="1">
-                <a:latin typeface="Segoe UI" panose="020B0502040204020203" pitchFamily="34" charset="0"/>
-                <a:cs typeface="Segoe UI" panose="020B0502040204020203" pitchFamily="34" charset="0"/>
-              </a:rPr>
-              <a:t>DotNetCore</a:t>
+              <a:t>How is communication done?</a:t>
             </a:r>
             <a:endParaRPr lang="en-ZA" cap="none" dirty="0">
               <a:latin typeface="Segoe UI" panose="020B0502040204020203" pitchFamily="34" charset="0"/>
@@ -28231,7 +28762,7 @@
                 <a:latin typeface="Segoe UI Light" panose="020B0502040204020203" pitchFamily="34" charset="0"/>
                 <a:cs typeface="Segoe UI Light" panose="020B0502040204020203" pitchFamily="34" charset="0"/>
               </a:rPr>
-              <a:t>The implementation of SignalR varies from which technology you are using as a back-end. </a:t>
+              <a:t>SignalR makes use of something called a Hub to enable communication between the server and the client. </a:t>
             </a:r>
           </a:p>
           <a:p>
@@ -28250,10 +28781,16 @@
                 <a:latin typeface="Segoe UI Light" panose="020B0502040204020203" pitchFamily="34" charset="0"/>
                 <a:cs typeface="Segoe UI Light" panose="020B0502040204020203" pitchFamily="34" charset="0"/>
               </a:rPr>
-              <a:t>For instance, ASP.NET implementation using the </a:t>
-            </a:r>
-            <a:r>
-              <a:rPr lang="en-US" dirty="0" err="1">
+              <a:t>A Hub is a high-level pipeline built upon the Connection API that allows your client and server to call methods on each other directly.</a:t>
+            </a:r>
+          </a:p>
+          <a:p>
+            <a:pPr marL="742950" lvl="1" indent="-285750">
+              <a:buFont typeface="Arial" panose="020B0604020202020204" pitchFamily="34" charset="0"/>
+              <a:buChar char="•"/>
+            </a:pPr>
+            <a:r>
+              <a:rPr lang="en-US" dirty="0">
                 <a:solidFill>
                   <a:schemeClr val="tx2">
                     <a:lumMod val="20000"/>
@@ -28263,10 +28800,16 @@
                 <a:latin typeface="Segoe UI Light" panose="020B0502040204020203" pitchFamily="34" charset="0"/>
                 <a:cs typeface="Segoe UI Light" panose="020B0502040204020203" pitchFamily="34" charset="0"/>
               </a:rPr>
-              <a:t>DotNet</a:t>
-            </a:r>
-            <a:r>
-              <a:rPr lang="en-US" dirty="0">
+              <a:t>SignalR handles the dispatching across machine boundaries as if by magic, allowing clients to call methods on the server as easily as local methods, and vice versa.</a:t>
+            </a:r>
+          </a:p>
+          <a:p>
+            <a:pPr marL="285750" indent="-285750">
+              <a:buFont typeface="Arial" panose="020B0604020202020204" pitchFamily="34" charset="0"/>
+              <a:buChar char="•"/>
+            </a:pPr>
+            <a:r>
+              <a:rPr lang="en-US" sz="1400" b="1" i="1" u="sng" dirty="0">
                 <a:solidFill>
                   <a:schemeClr val="tx2">
                     <a:lumMod val="20000"/>
@@ -28276,10 +28819,10 @@
                 <a:latin typeface="Segoe UI Light" panose="020B0502040204020203" pitchFamily="34" charset="0"/>
                 <a:cs typeface="Segoe UI Light" panose="020B0502040204020203" pitchFamily="34" charset="0"/>
               </a:rPr>
-              <a:t> Framework (4.7.2) is slightly different than the </a:t>
-            </a:r>
-            <a:r>
-              <a:rPr lang="en-US" dirty="0" err="1">
+              <a:t>Note</a:t>
+            </a:r>
+            <a:r>
+              <a:rPr lang="en-US" sz="1400" i="1" dirty="0">
                 <a:solidFill>
                   <a:schemeClr val="tx2">
                     <a:lumMod val="20000"/>
@@ -28289,10 +28832,16 @@
                 <a:latin typeface="Segoe UI Light" panose="020B0502040204020203" pitchFamily="34" charset="0"/>
                 <a:cs typeface="Segoe UI Light" panose="020B0502040204020203" pitchFamily="34" charset="0"/>
               </a:rPr>
-              <a:t>DotNetCore</a:t>
-            </a:r>
-            <a:r>
-              <a:rPr lang="en-US" dirty="0">
+              <a:t>: Persisted Connections are also supported for low-level communication with the server through the low-level communication protocol that SignalR exposes – however, that is not part of this discussion.</a:t>
+            </a:r>
+          </a:p>
+          <a:p>
+            <a:pPr marL="742950" lvl="1" indent="-285750">
+              <a:buFont typeface="Arial" panose="020B0604020202020204" pitchFamily="34" charset="0"/>
+              <a:buChar char="•"/>
+            </a:pPr>
+            <a:r>
+              <a:rPr lang="en-US" sz="1400" dirty="0">
                 <a:solidFill>
                   <a:schemeClr val="tx2">
                     <a:lumMod val="20000"/>
@@ -28302,26 +28851,7 @@
                 <a:latin typeface="Segoe UI Light" panose="020B0502040204020203" pitchFamily="34" charset="0"/>
                 <a:cs typeface="Segoe UI Light" panose="020B0502040204020203" pitchFamily="34" charset="0"/>
               </a:rPr>
-              <a:t> implementation. </a:t>
-            </a:r>
-          </a:p>
-          <a:p>
-            <a:pPr marL="285750" indent="-285750">
-              <a:buFont typeface="Arial" panose="020B0604020202020204" pitchFamily="34" charset="0"/>
-              <a:buChar char="•"/>
-            </a:pPr>
-            <a:r>
-              <a:rPr lang="en-US" dirty="0">
-                <a:solidFill>
-                  <a:schemeClr val="tx2">
-                    <a:lumMod val="20000"/>
-                    <a:lumOff val="80000"/>
-                  </a:schemeClr>
-                </a:solidFill>
-                <a:latin typeface="Segoe UI Light" panose="020B0502040204020203" pitchFamily="34" charset="0"/>
-                <a:cs typeface="Segoe UI Light" panose="020B0502040204020203" pitchFamily="34" charset="0"/>
-              </a:rPr>
-              <a:t>This applies to the Front-end packages as well.</a:t>
+              <a:t>Using the Connections communication model will be familiar to developers who have used connection-based APIs such as Windows Communication Foundation.</a:t>
             </a:r>
           </a:p>
         </p:txBody>
@@ -28329,17 +28859,24 @@
     </p:spTree>
     <p:extLst>
       <p:ext uri="{BB962C8B-B14F-4D97-AF65-F5344CB8AC3E}">
-        <p14:creationId xmlns:p14="http://schemas.microsoft.com/office/powerpoint/2010/main" val="114260269"/>
+        <p14:creationId xmlns:p14="http://schemas.microsoft.com/office/powerpoint/2010/main" val="3504472165"/>
       </p:ext>
     </p:extLst>
   </p:cSld>
   <p:clrMapOvr>
     <a:masterClrMapping/>
   </p:clrMapOvr>
+  <p:timing>
+    <p:tnLst>
+      <p:par>
+        <p:cTn id="1" dur="indefinite" restart="never" nodeType="tmRoot"/>
+      </p:par>
+    </p:tnLst>
+  </p:timing>
 </p:sld>
 </file>
 
-<file path=ppt/slides/slide5.xml><?xml version="1.0" encoding="utf-8"?>
+<file path=ppt/slides/slide6.xml><?xml version="1.0" encoding="utf-8"?>
 <p:sld xmlns:a="http://schemas.openxmlformats.org/drawingml/2006/main" xmlns:r="http://schemas.openxmlformats.org/officeDocument/2006/relationships" xmlns:p="http://schemas.openxmlformats.org/presentationml/2006/main">
   <p:cSld>
     <p:spTree>
@@ -28387,7 +28924,7 @@
                 <a:latin typeface="Segoe UI" panose="020B0502040204020203" pitchFamily="34" charset="0"/>
                 <a:cs typeface="Segoe UI" panose="020B0502040204020203" pitchFamily="34" charset="0"/>
               </a:rPr>
-              <a:t>How is communication done?</a:t>
+              <a:t>How Hubs work</a:t>
             </a:r>
             <a:endParaRPr lang="en-ZA" cap="none" dirty="0">
               <a:latin typeface="Segoe UI" panose="020B0502040204020203" pitchFamily="34" charset="0"/>
@@ -28467,11 +29004,11 @@
                 <a:latin typeface="Segoe UI Light" panose="020B0502040204020203" pitchFamily="34" charset="0"/>
                 <a:cs typeface="Segoe UI Light" panose="020B0502040204020203" pitchFamily="34" charset="0"/>
               </a:rPr>
-              <a:t>SignalR makes use of something called a Hub to enable communication between the server and the client. </a:t>
-            </a:r>
-          </a:p>
-          <a:p>
-            <a:pPr marL="285750" indent="-285750">
+              <a:t>The SignalR Hubs API enables you to make remote procedure calls (RPCs) from a server to connected clients - and from clients to the server. </a:t>
+            </a:r>
+          </a:p>
+          <a:p>
+            <a:pPr marL="742950" lvl="1" indent="-285750">
               <a:buFont typeface="Arial" panose="020B0604020202020204" pitchFamily="34" charset="0"/>
               <a:buChar char="•"/>
             </a:pPr>
@@ -28486,7 +29023,7 @@
                 <a:latin typeface="Segoe UI Light" panose="020B0502040204020203" pitchFamily="34" charset="0"/>
                 <a:cs typeface="Segoe UI Light" panose="020B0502040204020203" pitchFamily="34" charset="0"/>
               </a:rPr>
-              <a:t>A Hub is a high-level pipeline built upon the Connection API that allows your client and server to call methods on each other directly.</a:t>
+              <a:t>In server code, you define methods that can be called by clients, and you call methods that run on the client.</a:t>
             </a:r>
           </a:p>
           <a:p>
@@ -28505,7 +29042,7 @@
                 <a:latin typeface="Segoe UI Light" panose="020B0502040204020203" pitchFamily="34" charset="0"/>
                 <a:cs typeface="Segoe UI Light" panose="020B0502040204020203" pitchFamily="34" charset="0"/>
               </a:rPr>
-              <a:t>SignalR handles the dispatching across machine boundaries as if by magic, allowing clients to call methods on the server as easily as local methods, and vice versa.</a:t>
+              <a:t>In client code, you define methods that can be called from the server, and you call methods that run on the server</a:t>
             </a:r>
           </a:p>
           <a:p>
@@ -28514,7 +29051,7 @@
               <a:buChar char="•"/>
             </a:pPr>
             <a:r>
-              <a:rPr lang="en-US" sz="1400" b="1" i="1" u="sng" dirty="0">
+              <a:rPr lang="en-US" dirty="0">
                 <a:solidFill>
                   <a:schemeClr val="tx2">
                     <a:lumMod val="20000"/>
@@ -28524,10 +29061,16 @@
                 <a:latin typeface="Segoe UI Light" panose="020B0502040204020203" pitchFamily="34" charset="0"/>
                 <a:cs typeface="Segoe UI Light" panose="020B0502040204020203" pitchFamily="34" charset="0"/>
               </a:rPr>
-              <a:t>Note</a:t>
-            </a:r>
-            <a:r>
-              <a:rPr lang="en-US" sz="1400" i="1" dirty="0">
+              <a:t>When server-side code calls a method on a client, a packet is sent across the active transport that contains the name and parameters of the method to be called. </a:t>
+            </a:r>
+          </a:p>
+          <a:p>
+            <a:pPr marL="742950" lvl="1" indent="-285750">
+              <a:buFont typeface="Arial" panose="020B0604020202020204" pitchFamily="34" charset="0"/>
+              <a:buChar char="•"/>
+            </a:pPr>
+            <a:r>
+              <a:rPr lang="en-US" dirty="0">
                 <a:solidFill>
                   <a:schemeClr val="tx2">
                     <a:lumMod val="20000"/>
@@ -28537,16 +29080,33 @@
                 <a:latin typeface="Segoe UI Light" panose="020B0502040204020203" pitchFamily="34" charset="0"/>
                 <a:cs typeface="Segoe UI Light" panose="020B0502040204020203" pitchFamily="34" charset="0"/>
               </a:rPr>
-              <a:t>: Persisted Connections are also supported for low-level communication with the server through the low-level communication protocol that SignalR exposes – however, that is not part of this discussion.</a:t>
-            </a:r>
-          </a:p>
-          <a:p>
-            <a:pPr marL="742950" lvl="1" indent="-285750">
-              <a:buFont typeface="Arial" panose="020B0604020202020204" pitchFamily="34" charset="0"/>
-              <a:buChar char="•"/>
-            </a:pPr>
-            <a:r>
-              <a:rPr lang="en-US" sz="1400" dirty="0">
+              <a:t>Objects as parameters are serialized as </a:t>
+            </a:r>
+            <a:r>
+              <a:rPr lang="en-US" b="1" dirty="0">
+                <a:ln w="9525">
+                  <a:solidFill>
+                    <a:schemeClr val="bg1"/>
+                  </a:solidFill>
+                  <a:prstDash val="solid"/>
+                </a:ln>
+                <a:solidFill>
+                  <a:schemeClr val="tx1"/>
+                </a:solidFill>
+                <a:effectLst>
+                  <a:outerShdw blurRad="12700" dist="38100" dir="2700000" algn="tl" rotWithShape="0">
+                    <a:schemeClr val="bg1">
+                      <a:lumMod val="50000"/>
+                    </a:schemeClr>
+                  </a:outerShdw>
+                </a:effectLst>
+                <a:latin typeface="Consolas" panose="020B0609020204030204" pitchFamily="49" charset="0"/>
+                <a:cs typeface="Segoe UI Light" panose="020B0502040204020203" pitchFamily="34" charset="0"/>
+              </a:rPr>
+              <a:t>JSON</a:t>
+            </a:r>
+            <a:r>
+              <a:rPr lang="en-US" dirty="0">
                 <a:solidFill>
                   <a:schemeClr val="tx2">
                     <a:lumMod val="20000"/>
@@ -28556,7 +29116,43 @@
                 <a:latin typeface="Segoe UI Light" panose="020B0502040204020203" pitchFamily="34" charset="0"/>
                 <a:cs typeface="Segoe UI Light" panose="020B0502040204020203" pitchFamily="34" charset="0"/>
               </a:rPr>
-              <a:t>Using the Connections communication model will be familiar to developers who have used connection-based APIs such as Windows Communication Foundation.</a:t>
+              <a:t>, so make sure the object is serializable. This should ideally be a simple </a:t>
+            </a:r>
+            <a:r>
+              <a:rPr lang="en-US" b="1" dirty="0">
+                <a:ln w="9525">
+                  <a:solidFill>
+                    <a:schemeClr val="bg1"/>
+                  </a:solidFill>
+                  <a:prstDash val="solid"/>
+                </a:ln>
+                <a:solidFill>
+                  <a:schemeClr val="tx1"/>
+                </a:solidFill>
+                <a:effectLst>
+                  <a:outerShdw blurRad="12700" dist="38100" dir="2700000" algn="tl" rotWithShape="0">
+                    <a:schemeClr val="bg1">
+                      <a:lumMod val="50000"/>
+                    </a:schemeClr>
+                  </a:outerShdw>
+                </a:effectLst>
+                <a:latin typeface="Consolas" panose="020B0609020204030204" pitchFamily="49" charset="0"/>
+                <a:cs typeface="Segoe UI Light" panose="020B0502040204020203" pitchFamily="34" charset="0"/>
+              </a:rPr>
+              <a:t>POCO</a:t>
+            </a:r>
+            <a:r>
+              <a:rPr lang="en-US" dirty="0">
+                <a:solidFill>
+                  <a:schemeClr val="tx2">
+                    <a:lumMod val="20000"/>
+                    <a:lumOff val="80000"/>
+                  </a:schemeClr>
+                </a:solidFill>
+                <a:latin typeface="Segoe UI Light" panose="020B0502040204020203" pitchFamily="34" charset="0"/>
+                <a:cs typeface="Segoe UI Light" panose="020B0502040204020203" pitchFamily="34" charset="0"/>
+              </a:rPr>
+              <a:t> object.</a:t>
             </a:r>
           </a:p>
         </p:txBody>
@@ -28564,17 +29160,24 @@
     </p:spTree>
     <p:extLst>
       <p:ext uri="{BB962C8B-B14F-4D97-AF65-F5344CB8AC3E}">
-        <p14:creationId xmlns:p14="http://schemas.microsoft.com/office/powerpoint/2010/main" val="3504472165"/>
+        <p14:creationId xmlns:p14="http://schemas.microsoft.com/office/powerpoint/2010/main" val="3077332275"/>
       </p:ext>
     </p:extLst>
   </p:cSld>
   <p:clrMapOvr>
     <a:masterClrMapping/>
   </p:clrMapOvr>
+  <p:timing>
+    <p:tnLst>
+      <p:par>
+        <p:cTn id="1" dur="indefinite" restart="never" nodeType="tmRoot"/>
+      </p:par>
+    </p:tnLst>
+  </p:timing>
 </p:sld>
 </file>
 
-<file path=ppt/slides/slide6.xml><?xml version="1.0" encoding="utf-8"?>
+<file path=ppt/slides/slide7.xml><?xml version="1.0" encoding="utf-8"?>
 <p:sld xmlns:a="http://schemas.openxmlformats.org/drawingml/2006/main" xmlns:r="http://schemas.openxmlformats.org/officeDocument/2006/relationships" xmlns:p="http://schemas.openxmlformats.org/presentationml/2006/main">
   <p:cSld>
     <p:spTree>
@@ -28622,7 +29225,7 @@
                 <a:latin typeface="Segoe UI" panose="020B0502040204020203" pitchFamily="34" charset="0"/>
                 <a:cs typeface="Segoe UI" panose="020B0502040204020203" pitchFamily="34" charset="0"/>
               </a:rPr>
-              <a:t>How Hubs work</a:t>
+              <a:t>Registering SignalR middleware</a:t>
             </a:r>
             <a:endParaRPr lang="en-ZA" cap="none" dirty="0">
               <a:latin typeface="Segoe UI" panose="020B0502040204020203" pitchFamily="34" charset="0"/>
@@ -28702,11 +29305,11 @@
                 <a:latin typeface="Segoe UI Light" panose="020B0502040204020203" pitchFamily="34" charset="0"/>
                 <a:cs typeface="Segoe UI Light" panose="020B0502040204020203" pitchFamily="34" charset="0"/>
               </a:rPr>
-              <a:t>The SignalR Hubs API enables you to make remote procedure calls (RPCs) from a server to connected clients - and from clients to the server. </a:t>
-            </a:r>
-          </a:p>
-          <a:p>
-            <a:pPr marL="742950" lvl="1" indent="-285750">
+              <a:t>Clients need to connect to a hub – this is done via a specific route that you set up in your server code.</a:t>
+            </a:r>
+          </a:p>
+          <a:p>
+            <a:pPr marL="285750" indent="-285750">
               <a:buFont typeface="Arial" panose="020B0604020202020204" pitchFamily="34" charset="0"/>
               <a:buChar char="•"/>
             </a:pPr>
@@ -28721,64 +29324,7 @@
                 <a:latin typeface="Segoe UI Light" panose="020B0502040204020203" pitchFamily="34" charset="0"/>
                 <a:cs typeface="Segoe UI Light" panose="020B0502040204020203" pitchFamily="34" charset="0"/>
               </a:rPr>
-              <a:t>In server code, you define methods that can be called by clients, and you call methods that run on the client.</a:t>
-            </a:r>
-          </a:p>
-          <a:p>
-            <a:pPr marL="742950" lvl="1" indent="-285750">
-              <a:buFont typeface="Arial" panose="020B0604020202020204" pitchFamily="34" charset="0"/>
-              <a:buChar char="•"/>
-            </a:pPr>
-            <a:r>
-              <a:rPr lang="en-US" dirty="0">
-                <a:solidFill>
-                  <a:schemeClr val="tx2">
-                    <a:lumMod val="20000"/>
-                    <a:lumOff val="80000"/>
-                  </a:schemeClr>
-                </a:solidFill>
-                <a:latin typeface="Segoe UI Light" panose="020B0502040204020203" pitchFamily="34" charset="0"/>
-                <a:cs typeface="Segoe UI Light" panose="020B0502040204020203" pitchFamily="34" charset="0"/>
-              </a:rPr>
-              <a:t>In client code, you define methods that can be called from the server, and you call methods that run on the server</a:t>
-            </a:r>
-          </a:p>
-          <a:p>
-            <a:pPr marL="285750" indent="-285750">
-              <a:buFont typeface="Arial" panose="020B0604020202020204" pitchFamily="34" charset="0"/>
-              <a:buChar char="•"/>
-            </a:pPr>
-            <a:r>
-              <a:rPr lang="en-US" dirty="0">
-                <a:solidFill>
-                  <a:schemeClr val="tx2">
-                    <a:lumMod val="20000"/>
-                    <a:lumOff val="80000"/>
-                  </a:schemeClr>
-                </a:solidFill>
-                <a:latin typeface="Segoe UI Light" panose="020B0502040204020203" pitchFamily="34" charset="0"/>
-                <a:cs typeface="Segoe UI Light" panose="020B0502040204020203" pitchFamily="34" charset="0"/>
-              </a:rPr>
-              <a:t>When server-side code calls a method on a client, a packet is sent across the active transport that contains the name and parameters of the method to be called. </a:t>
-            </a:r>
-          </a:p>
-          <a:p>
-            <a:pPr marL="742950" lvl="1" indent="-285750">
-              <a:buFont typeface="Arial" panose="020B0604020202020204" pitchFamily="34" charset="0"/>
-              <a:buChar char="•"/>
-            </a:pPr>
-            <a:r>
-              <a:rPr lang="en-US" dirty="0">
-                <a:solidFill>
-                  <a:schemeClr val="tx2">
-                    <a:lumMod val="20000"/>
-                    <a:lumOff val="80000"/>
-                  </a:schemeClr>
-                </a:solidFill>
-                <a:latin typeface="Segoe UI Light" panose="020B0502040204020203" pitchFamily="34" charset="0"/>
-                <a:cs typeface="Segoe UI Light" panose="020B0502040204020203" pitchFamily="34" charset="0"/>
-              </a:rPr>
-              <a:t>Objects as parameters are serialized as </a:t>
+              <a:t>This is done by calling an (</a:t>
             </a:r>
             <a:r>
               <a:rPr lang="en-US" b="1" dirty="0">
@@ -28801,7 +29347,7 @@
                 <a:latin typeface="Consolas" panose="020B0609020204030204" pitchFamily="49" charset="0"/>
                 <a:cs typeface="Segoe UI Light" panose="020B0502040204020203" pitchFamily="34" charset="0"/>
               </a:rPr>
-              <a:t>JSON</a:t>
+              <a:t>OwinExtensions</a:t>
             </a:r>
             <a:r>
               <a:rPr lang="en-US" dirty="0">
@@ -28814,7 +29360,30 @@
                 <a:latin typeface="Segoe UI Light" panose="020B0502040204020203" pitchFamily="34" charset="0"/>
                 <a:cs typeface="Segoe UI Light" panose="020B0502040204020203" pitchFamily="34" charset="0"/>
               </a:rPr>
-              <a:t>, so make sure the object is serializable. This should ideally be a simple </a:t>
+              <a:t>) extension method called </a:t>
+            </a:r>
+            <a:r>
+              <a:rPr lang="en-US" b="1" dirty="0">
+                <a:ln w="9525">
+                  <a:solidFill>
+                    <a:schemeClr val="bg1"/>
+                  </a:solidFill>
+                  <a:prstDash val="solid"/>
+                </a:ln>
+                <a:solidFill>
+                  <a:schemeClr val="tx1"/>
+                </a:solidFill>
+                <a:effectLst>
+                  <a:outerShdw blurRad="12700" dist="38100" dir="2700000" algn="tl" rotWithShape="0">
+                    <a:schemeClr val="bg1">
+                      <a:lumMod val="50000"/>
+                    </a:schemeClr>
+                  </a:outerShdw>
+                </a:effectLst>
+                <a:latin typeface="Consolas" panose="020B0609020204030204" pitchFamily="49" charset="0"/>
+                <a:cs typeface="Calibri" panose="020F0502020204030204" pitchFamily="34" charset="0"/>
+              </a:rPr>
+              <a:t>MapSignalR()</a:t>
             </a:r>
             <a:r>
               <a:rPr lang="en-US" b="1" dirty="0">
@@ -28837,7 +29406,7 @@
                 <a:latin typeface="Consolas" panose="020B0609020204030204" pitchFamily="49" charset="0"/>
                 <a:cs typeface="Segoe UI Light" panose="020B0502040204020203" pitchFamily="34" charset="0"/>
               </a:rPr>
-              <a:t>POCO</a:t>
+              <a:t> </a:t>
             </a:r>
             <a:r>
               <a:rPr lang="en-US" dirty="0">
@@ -28850,25 +29419,190 @@
                 <a:latin typeface="Segoe UI Light" panose="020B0502040204020203" pitchFamily="34" charset="0"/>
                 <a:cs typeface="Segoe UI Light" panose="020B0502040204020203" pitchFamily="34" charset="0"/>
               </a:rPr>
-              <a:t> object.</a:t>
-            </a:r>
+              <a:t>on the </a:t>
+            </a:r>
+            <a:r>
+              <a:rPr lang="en-US" b="1" dirty="0">
+                <a:ln w="9525">
+                  <a:solidFill>
+                    <a:schemeClr val="bg1"/>
+                  </a:solidFill>
+                  <a:prstDash val="solid"/>
+                </a:ln>
+                <a:solidFill>
+                  <a:schemeClr val="tx1"/>
+                </a:solidFill>
+                <a:effectLst>
+                  <a:outerShdw blurRad="12700" dist="38100" dir="2700000" algn="tl" rotWithShape="0">
+                    <a:schemeClr val="bg1">
+                      <a:lumMod val="50000"/>
+                    </a:schemeClr>
+                  </a:outerShdw>
+                </a:effectLst>
+                <a:latin typeface="Consolas" panose="020B0609020204030204" pitchFamily="49" charset="0"/>
+                <a:cs typeface="Calibri" panose="020F0502020204030204" pitchFamily="34" charset="0"/>
+              </a:rPr>
+              <a:t>IAppBuilder</a:t>
+            </a:r>
+            <a:r>
+              <a:rPr lang="en-US" dirty="0">
+                <a:solidFill>
+                  <a:schemeClr val="tx2">
+                    <a:lumMod val="20000"/>
+                    <a:lumOff val="80000"/>
+                  </a:schemeClr>
+                </a:solidFill>
+                <a:latin typeface="Segoe UI Light" panose="020B0502040204020203" pitchFamily="34" charset="0"/>
+                <a:cs typeface="Segoe UI Light" panose="020B0502040204020203" pitchFamily="34" charset="0"/>
+              </a:rPr>
+              <a:t> object in your startup class. </a:t>
+            </a:r>
+          </a:p>
+          <a:p>
+            <a:pPr marL="285750" indent="-285750">
+              <a:buFont typeface="Arial" panose="020B0604020202020204" pitchFamily="34" charset="0"/>
+              <a:buChar char="•"/>
+            </a:pPr>
+            <a:r>
+              <a:rPr lang="en-US" dirty="0">
+                <a:solidFill>
+                  <a:schemeClr val="tx2">
+                    <a:lumMod val="20000"/>
+                    <a:lumOff val="80000"/>
+                  </a:schemeClr>
+                </a:solidFill>
+                <a:latin typeface="Segoe UI Light" panose="020B0502040204020203" pitchFamily="34" charset="0"/>
+                <a:cs typeface="Segoe UI Light" panose="020B0502040204020203" pitchFamily="34" charset="0"/>
+              </a:rPr>
+              <a:t>By default, the route URL which clients will use to connect to your Hub is </a:t>
+            </a:r>
+            <a:r>
+              <a:rPr lang="en-US" b="1" dirty="0">
+                <a:ln w="9525">
+                  <a:solidFill>
+                    <a:schemeClr val="bg1"/>
+                  </a:solidFill>
+                  <a:prstDash val="solid"/>
+                </a:ln>
+                <a:solidFill>
+                  <a:schemeClr val="tx1"/>
+                </a:solidFill>
+                <a:effectLst>
+                  <a:outerShdw blurRad="12700" dist="38100" dir="2700000" algn="tl" rotWithShape="0">
+                    <a:schemeClr val="bg1">
+                      <a:lumMod val="50000"/>
+                    </a:schemeClr>
+                  </a:outerShdw>
+                </a:effectLst>
+                <a:latin typeface="Consolas" panose="020B0609020204030204" pitchFamily="49" charset="0"/>
+                <a:cs typeface="Segoe UI Light" panose="020B0502040204020203" pitchFamily="34" charset="0"/>
+              </a:rPr>
+              <a:t>“/signalr”</a:t>
+            </a:r>
+          </a:p>
+          <a:p>
+            <a:pPr marL="742950" lvl="1" indent="-285750">
+              <a:buFont typeface="Arial" panose="020B0604020202020204" pitchFamily="34" charset="0"/>
+              <a:buChar char="•"/>
+            </a:pPr>
+            <a:r>
+              <a:rPr lang="en-US" dirty="0">
+                <a:solidFill>
+                  <a:schemeClr val="tx2">
+                    <a:lumMod val="20000"/>
+                    <a:lumOff val="80000"/>
+                  </a:schemeClr>
+                </a:solidFill>
+                <a:latin typeface="Segoe UI Light" panose="020B0502040204020203" pitchFamily="34" charset="0"/>
+                <a:cs typeface="Segoe UI Light" panose="020B0502040204020203" pitchFamily="34" charset="0"/>
+              </a:rPr>
+              <a:t>This route can be changed by passing it through as a parameter: </a:t>
+            </a:r>
+            <a:br>
+              <a:rPr lang="en-US" dirty="0">
+                <a:solidFill>
+                  <a:schemeClr val="tx2">
+                    <a:lumMod val="20000"/>
+                    <a:lumOff val="80000"/>
+                  </a:schemeClr>
+                </a:solidFill>
+                <a:latin typeface="Segoe UI Light" panose="020B0502040204020203" pitchFamily="34" charset="0"/>
+                <a:cs typeface="Segoe UI Light" panose="020B0502040204020203" pitchFamily="34" charset="0"/>
+              </a:rPr>
+            </a:br>
+            <a:r>
+              <a:rPr lang="en-US" sz="1600" b="1" dirty="0">
+                <a:ln w="9525">
+                  <a:solidFill>
+                    <a:schemeClr val="bg1"/>
+                  </a:solidFill>
+                  <a:prstDash val="solid"/>
+                </a:ln>
+                <a:solidFill>
+                  <a:schemeClr val="tx1"/>
+                </a:solidFill>
+                <a:effectLst>
+                  <a:outerShdw blurRad="12700" dist="38100" dir="2700000" algn="tl" rotWithShape="0">
+                    <a:schemeClr val="bg1">
+                      <a:lumMod val="50000"/>
+                    </a:schemeClr>
+                  </a:outerShdw>
+                </a:effectLst>
+                <a:latin typeface="Consolas" panose="020B0609020204030204" pitchFamily="49" charset="0"/>
+                <a:cs typeface="Calibri" panose="020F0502020204030204" pitchFamily="34" charset="0"/>
+              </a:rPr>
+              <a:t>app.MapSignalR("/mySignalrURL", new HubConfiguration());</a:t>
+            </a:r>
+            <a:endParaRPr lang="en-US" dirty="0">
+              <a:solidFill>
+                <a:schemeClr val="tx2">
+                  <a:lumMod val="20000"/>
+                  <a:lumOff val="80000"/>
+                </a:schemeClr>
+              </a:solidFill>
+              <a:latin typeface="Consolas" panose="020B0609020204030204" pitchFamily="49" charset="0"/>
+              <a:cs typeface="Calibri" panose="020F0502020204030204" pitchFamily="34" charset="0"/>
+            </a:endParaRPr>
+          </a:p>
+          <a:p>
+            <a:pPr marL="742950" lvl="1" indent="-285750">
+              <a:buFont typeface="Arial" panose="020B0604020202020204" pitchFamily="34" charset="0"/>
+              <a:buChar char="•"/>
+            </a:pPr>
+            <a:endParaRPr lang="en-US" dirty="0">
+              <a:solidFill>
+                <a:schemeClr val="tx2">
+                  <a:lumMod val="20000"/>
+                  <a:lumOff val="80000"/>
+                </a:schemeClr>
+              </a:solidFill>
+              <a:latin typeface="Calibri" panose="020F0502020204030204" pitchFamily="34" charset="0"/>
+              <a:cs typeface="Calibri" panose="020F0502020204030204" pitchFamily="34" charset="0"/>
+            </a:endParaRPr>
           </a:p>
         </p:txBody>
       </p:sp>
     </p:spTree>
     <p:extLst>
       <p:ext uri="{BB962C8B-B14F-4D97-AF65-F5344CB8AC3E}">
-        <p14:creationId xmlns:p14="http://schemas.microsoft.com/office/powerpoint/2010/main" val="3077332275"/>
+        <p14:creationId xmlns:p14="http://schemas.microsoft.com/office/powerpoint/2010/main" val="3433571622"/>
       </p:ext>
     </p:extLst>
   </p:cSld>
   <p:clrMapOvr>
     <a:masterClrMapping/>
   </p:clrMapOvr>
+  <p:timing>
+    <p:tnLst>
+      <p:par>
+        <p:cTn id="1" dur="indefinite" restart="never" nodeType="tmRoot"/>
+      </p:par>
+    </p:tnLst>
+  </p:timing>
 </p:sld>
 </file>
 
-<file path=ppt/slides/slide7.xml><?xml version="1.0" encoding="utf-8"?>
+<file path=ppt/slides/slide8.xml><?xml version="1.0" encoding="utf-8"?>
 <p:sld xmlns:a="http://schemas.openxmlformats.org/drawingml/2006/main" xmlns:r="http://schemas.openxmlformats.org/officeDocument/2006/relationships" xmlns:p="http://schemas.openxmlformats.org/presentationml/2006/main">
   <p:cSld>
     <p:spTree>
@@ -28908,7 +29642,9 @@
           </a:xfrm>
         </p:spPr>
         <p:txBody>
-          <a:bodyPr anchor="t"/>
+          <a:bodyPr anchor="t">
+            <a:normAutofit fontScale="90000"/>
+          </a:bodyPr>
           <a:lstStyle/>
           <a:p>
             <a:r>
@@ -28916,7 +29652,7 @@
                 <a:latin typeface="Segoe UI" panose="020B0502040204020203" pitchFamily="34" charset="0"/>
                 <a:cs typeface="Segoe UI" panose="020B0502040204020203" pitchFamily="34" charset="0"/>
               </a:rPr>
-              <a:t>Registering SignalR middleware</a:t>
+              <a:t>Registering SignalR middleware - Continued</a:t>
             </a:r>
             <a:endParaRPr lang="en-ZA" cap="none" dirty="0">
               <a:latin typeface="Segoe UI" panose="020B0502040204020203" pitchFamily="34" charset="0"/>
@@ -28981,7 +29717,7 @@
           </a:bodyPr>
           <a:lstStyle/>
           <a:p>
-            <a:pPr marL="285750" indent="-285750">
+            <a:pPr marL="742950" lvl="1" indent="-285750">
               <a:buFont typeface="Arial" panose="020B0604020202020204" pitchFamily="34" charset="0"/>
               <a:buChar char="•"/>
             </a:pPr>
@@ -28996,62 +29732,7 @@
                 <a:latin typeface="Segoe UI Light" panose="020B0502040204020203" pitchFamily="34" charset="0"/>
                 <a:cs typeface="Segoe UI Light" panose="020B0502040204020203" pitchFamily="34" charset="0"/>
               </a:rPr>
-              <a:t>Clients need to connect to a hub – this is done via a specific route that you set up in your server code.</a:t>
-            </a:r>
-          </a:p>
-          <a:p>
-            <a:pPr marL="285750" indent="-285750">
-              <a:buFont typeface="Arial" panose="020B0604020202020204" pitchFamily="34" charset="0"/>
-              <a:buChar char="•"/>
-            </a:pPr>
-            <a:r>
-              <a:rPr lang="en-US" dirty="0">
-                <a:solidFill>
-                  <a:schemeClr val="tx2">
-                    <a:lumMod val="20000"/>
-                    <a:lumOff val="80000"/>
-                  </a:schemeClr>
-                </a:solidFill>
-                <a:latin typeface="Segoe UI Light" panose="020B0502040204020203" pitchFamily="34" charset="0"/>
-                <a:cs typeface="Segoe UI Light" panose="020B0502040204020203" pitchFamily="34" charset="0"/>
-              </a:rPr>
-              <a:t>This is done by calling an (</a:t>
-            </a:r>
-            <a:r>
-              <a:rPr lang="en-US" b="1" dirty="0">
-                <a:ln w="9525">
-                  <a:solidFill>
-                    <a:schemeClr val="bg1"/>
-                  </a:solidFill>
-                  <a:prstDash val="solid"/>
-                </a:ln>
-                <a:solidFill>
-                  <a:schemeClr val="tx1"/>
-                </a:solidFill>
-                <a:effectLst>
-                  <a:outerShdw blurRad="12700" dist="38100" dir="2700000" algn="tl" rotWithShape="0">
-                    <a:schemeClr val="bg1">
-                      <a:lumMod val="50000"/>
-                    </a:schemeClr>
-                  </a:outerShdw>
-                </a:effectLst>
-                <a:latin typeface="Consolas" panose="020B0609020204030204" pitchFamily="49" charset="0"/>
-                <a:cs typeface="Segoe UI Light" panose="020B0502040204020203" pitchFamily="34" charset="0"/>
-              </a:rPr>
-              <a:t>OwinExtensions</a:t>
-            </a:r>
-            <a:r>
-              <a:rPr lang="en-US" dirty="0">
-                <a:solidFill>
-                  <a:schemeClr val="tx2">
-                    <a:lumMod val="20000"/>
-                    <a:lumOff val="80000"/>
-                  </a:schemeClr>
-                </a:solidFill>
-                <a:latin typeface="Segoe UI Light" panose="020B0502040204020203" pitchFamily="34" charset="0"/>
-                <a:cs typeface="Segoe UI Light" panose="020B0502040204020203" pitchFamily="34" charset="0"/>
-              </a:rPr>
-              <a:t>) extension method called </a:t>
+              <a:t>Overloads of the </a:t>
             </a:r>
             <a:r>
               <a:rPr lang="en-US" b="1" dirty="0">
@@ -29077,29 +29758,6 @@
               <a:t>MapSignalR()</a:t>
             </a:r>
             <a:r>
-              <a:rPr lang="en-US" b="1" dirty="0">
-                <a:ln w="9525">
-                  <a:solidFill>
-                    <a:schemeClr val="bg1"/>
-                  </a:solidFill>
-                  <a:prstDash val="solid"/>
-                </a:ln>
-                <a:solidFill>
-                  <a:schemeClr val="tx1"/>
-                </a:solidFill>
-                <a:effectLst>
-                  <a:outerShdw blurRad="12700" dist="38100" dir="2700000" algn="tl" rotWithShape="0">
-                    <a:schemeClr val="bg1">
-                      <a:lumMod val="50000"/>
-                    </a:schemeClr>
-                  </a:outerShdw>
-                </a:effectLst>
-                <a:latin typeface="Consolas" panose="020B0609020204030204" pitchFamily="49" charset="0"/>
-                <a:cs typeface="Segoe UI Light" panose="020B0502040204020203" pitchFamily="34" charset="0"/>
-              </a:rPr>
-              <a:t> </a:t>
-            </a:r>
-            <a:r>
               <a:rPr lang="en-US" dirty="0">
                 <a:solidFill>
                   <a:schemeClr val="tx2">
@@ -29110,31 +29768,14 @@
                 <a:latin typeface="Segoe UI Light" panose="020B0502040204020203" pitchFamily="34" charset="0"/>
                 <a:cs typeface="Segoe UI Light" panose="020B0502040204020203" pitchFamily="34" charset="0"/>
               </a:rPr>
-              <a:t>on the </a:t>
-            </a:r>
-            <a:r>
-              <a:rPr lang="en-US" b="1" dirty="0">
-                <a:ln w="9525">
-                  <a:solidFill>
-                    <a:schemeClr val="bg1"/>
-                  </a:solidFill>
-                  <a:prstDash val="solid"/>
-                </a:ln>
-                <a:solidFill>
-                  <a:schemeClr val="tx1"/>
-                </a:solidFill>
-                <a:effectLst>
-                  <a:outerShdw blurRad="12700" dist="38100" dir="2700000" algn="tl" rotWithShape="0">
-                    <a:schemeClr val="bg1">
-                      <a:lumMod val="50000"/>
-                    </a:schemeClr>
-                  </a:outerShdw>
-                </a:effectLst>
-                <a:latin typeface="Consolas" panose="020B0609020204030204" pitchFamily="49" charset="0"/>
-                <a:cs typeface="Calibri" panose="020F0502020204030204" pitchFamily="34" charset="0"/>
-              </a:rPr>
-              <a:t>IAppBuilder</a:t>
-            </a:r>
+              <a:t> method allows you to specify a custom URL, a custom Dependency resolver, and some other options:</a:t>
+            </a:r>
+          </a:p>
+          <a:p>
+            <a:pPr marL="1200150" lvl="2" indent="-285750">
+              <a:buFont typeface="Arial" panose="020B0604020202020204" pitchFamily="34" charset="0"/>
+              <a:buChar char="•"/>
+            </a:pPr>
             <a:r>
               <a:rPr lang="en-US" dirty="0">
                 <a:solidFill>
@@ -29146,11 +29787,11 @@
                 <a:latin typeface="Segoe UI Light" panose="020B0502040204020203" pitchFamily="34" charset="0"/>
                 <a:cs typeface="Segoe UI Light" panose="020B0502040204020203" pitchFamily="34" charset="0"/>
               </a:rPr>
-              <a:t> object in your startup class. </a:t>
-            </a:r>
-          </a:p>
-          <a:p>
-            <a:pPr marL="285750" indent="-285750">
+              <a:t>Enable cross-domain calls using CORS or JSONP from browser clients.</a:t>
+            </a:r>
+          </a:p>
+          <a:p>
+            <a:pPr marL="1200150" lvl="2" indent="-285750">
               <a:buFont typeface="Arial" panose="020B0604020202020204" pitchFamily="34" charset="0"/>
               <a:buChar char="•"/>
             </a:pPr>
@@ -29165,34 +29806,11 @@
                 <a:latin typeface="Segoe UI Light" panose="020B0502040204020203" pitchFamily="34" charset="0"/>
                 <a:cs typeface="Segoe UI Light" panose="020B0502040204020203" pitchFamily="34" charset="0"/>
               </a:rPr>
-              <a:t>By default, the route URL which clients will use to connect to your Hub is </a:t>
-            </a:r>
-            <a:r>
-              <a:rPr lang="en-US" b="1" dirty="0">
-                <a:ln w="9525">
-                  <a:solidFill>
-                    <a:schemeClr val="bg1"/>
-                  </a:solidFill>
-                  <a:prstDash val="solid"/>
-                </a:ln>
-                <a:solidFill>
-                  <a:schemeClr val="tx1"/>
-                </a:solidFill>
-                <a:effectLst>
-                  <a:outerShdw blurRad="12700" dist="38100" dir="2700000" algn="tl" rotWithShape="0">
-                    <a:schemeClr val="bg1">
-                      <a:lumMod val="50000"/>
-                    </a:schemeClr>
-                  </a:outerShdw>
-                </a:effectLst>
-                <a:latin typeface="Consolas" panose="020B0609020204030204" pitchFamily="49" charset="0"/>
-                <a:cs typeface="Segoe UI Light" panose="020B0502040204020203" pitchFamily="34" charset="0"/>
-              </a:rPr>
-              <a:t>“/signalr”</a:t>
-            </a:r>
-          </a:p>
-          <a:p>
-            <a:pPr marL="742950" lvl="1" indent="-285750">
+              <a:t>Enable detailed error messages.</a:t>
+            </a:r>
+          </a:p>
+          <a:p>
+            <a:pPr marL="1657350" lvl="3" indent="-285750">
               <a:buFont typeface="Arial" panose="020B0604020202020204" pitchFamily="34" charset="0"/>
               <a:buChar char="•"/>
             </a:pPr>
@@ -29207,9 +29825,15 @@
                 <a:latin typeface="Segoe UI Light" panose="020B0502040204020203" pitchFamily="34" charset="0"/>
                 <a:cs typeface="Segoe UI Light" panose="020B0502040204020203" pitchFamily="34" charset="0"/>
               </a:rPr>
-              <a:t>This route can be changed by passing it through as a parameter: </a:t>
-            </a:r>
-            <a:br>
+              <a:t>When errors occur, the default behavior of SignalR is to send to clients a notification message without details about what happened. This should remain disabled in production code, but can be enabled for development environments to make troubleshooting easier.</a:t>
+            </a:r>
+          </a:p>
+          <a:p>
+            <a:pPr marL="1200150" lvl="2" indent="-285750">
+              <a:buFont typeface="Arial" panose="020B0604020202020204" pitchFamily="34" charset="0"/>
+              <a:buChar char="•"/>
+            </a:pPr>
+            <a:r>
               <a:rPr lang="en-US" dirty="0">
                 <a:solidFill>
                   <a:schemeClr val="tx2">
@@ -29220,30 +29844,52 @@
                 <a:latin typeface="Segoe UI Light" panose="020B0502040204020203" pitchFamily="34" charset="0"/>
                 <a:cs typeface="Segoe UI Light" panose="020B0502040204020203" pitchFamily="34" charset="0"/>
               </a:rPr>
-            </a:br>
-            <a:r>
-              <a:rPr lang="en-US" sz="1600" b="1" dirty="0">
-                <a:ln w="9525">
-                  <a:solidFill>
-                    <a:schemeClr val="bg1"/>
-                  </a:solidFill>
-                  <a:prstDash val="solid"/>
-                </a:ln>
-                <a:solidFill>
-                  <a:schemeClr val="tx1"/>
-                </a:solidFill>
-                <a:effectLst>
-                  <a:outerShdw blurRad="12700" dist="38100" dir="2700000" algn="tl" rotWithShape="0">
-                    <a:schemeClr val="bg1">
-                      <a:lumMod val="50000"/>
-                    </a:schemeClr>
-                  </a:outerShdw>
-                </a:effectLst>
-                <a:latin typeface="Consolas" panose="020B0609020204030204" pitchFamily="49" charset="0"/>
-                <a:cs typeface="Calibri" panose="020F0502020204030204" pitchFamily="34" charset="0"/>
-              </a:rPr>
-              <a:t>app.MapSignalR("/mySignalrURL", new HubConfiguration());</a:t>
-            </a:r>
+              <a:t>Disable automatically generated JavaScript proxy files</a:t>
+            </a:r>
+          </a:p>
+          <a:p>
+            <a:pPr marL="1657350" lvl="3" indent="-285750">
+              <a:buFont typeface="Arial" panose="020B0604020202020204" pitchFamily="34" charset="0"/>
+              <a:buChar char="•"/>
+            </a:pPr>
+            <a:r>
+              <a:rPr lang="en-US" dirty="0">
+                <a:solidFill>
+                  <a:schemeClr val="tx2">
+                    <a:lumMod val="20000"/>
+                    <a:lumOff val="80000"/>
+                  </a:schemeClr>
+                </a:solidFill>
+                <a:latin typeface="Segoe UI Light" panose="020B0502040204020203" pitchFamily="34" charset="0"/>
+                <a:cs typeface="Segoe UI Light" panose="020B0502040204020203" pitchFamily="34" charset="0"/>
+              </a:rPr>
+              <a:t>Javascript proxies can be generated by hitting the url: “signalr/hubs”. However, the typescript package used later will change the usage of the client-side hubs slightly.</a:t>
+            </a:r>
+          </a:p>
+          <a:p>
+            <a:pPr marL="1200150" lvl="2" indent="-285750">
+              <a:buFont typeface="Arial" panose="020B0604020202020204" pitchFamily="34" charset="0"/>
+              <a:buChar char="•"/>
+            </a:pPr>
+            <a:r>
+              <a:rPr lang="en-US" dirty="0">
+                <a:solidFill>
+                  <a:schemeClr val="tx2">
+                    <a:lumMod val="20000"/>
+                    <a:lumOff val="80000"/>
+                  </a:schemeClr>
+                </a:solidFill>
+                <a:latin typeface="Segoe UI Light" panose="020B0502040204020203" pitchFamily="34" charset="0"/>
+                <a:cs typeface="Segoe UI Light" panose="020B0502040204020203" pitchFamily="34" charset="0"/>
+              </a:rPr>
+              <a:t>Specifying a Dependency resolver.</a:t>
+            </a:r>
+          </a:p>
+          <a:p>
+            <a:pPr marL="1200150" lvl="2" indent="-285750">
+              <a:buFont typeface="Arial" panose="020B0604020202020204" pitchFamily="34" charset="0"/>
+              <a:buChar char="•"/>
+            </a:pPr>
             <a:endParaRPr lang="en-US" dirty="0">
               <a:solidFill>
                 <a:schemeClr val="tx2">
@@ -29251,24 +29897,8 @@
                   <a:lumOff val="80000"/>
                 </a:schemeClr>
               </a:solidFill>
-              <a:latin typeface="Consolas" panose="020B0609020204030204" pitchFamily="49" charset="0"/>
-              <a:cs typeface="Calibri" panose="020F0502020204030204" pitchFamily="34" charset="0"/>
-            </a:endParaRPr>
-          </a:p>
-          <a:p>
-            <a:pPr marL="742950" lvl="1" indent="-285750">
-              <a:buFont typeface="Arial" panose="020B0604020202020204" pitchFamily="34" charset="0"/>
-              <a:buChar char="•"/>
-            </a:pPr>
-            <a:endParaRPr lang="en-US" dirty="0">
-              <a:solidFill>
-                <a:schemeClr val="tx2">
-                  <a:lumMod val="20000"/>
-                  <a:lumOff val="80000"/>
-                </a:schemeClr>
-              </a:solidFill>
-              <a:latin typeface="Calibri" panose="020F0502020204030204" pitchFamily="34" charset="0"/>
-              <a:cs typeface="Calibri" panose="020F0502020204030204" pitchFamily="34" charset="0"/>
+              <a:latin typeface="Segoe UI Light" panose="020B0502040204020203" pitchFamily="34" charset="0"/>
+              <a:cs typeface="Segoe UI Light" panose="020B0502040204020203" pitchFamily="34" charset="0"/>
             </a:endParaRPr>
           </a:p>
         </p:txBody>
@@ -29276,17 +29906,24 @@
     </p:spTree>
     <p:extLst>
       <p:ext uri="{BB962C8B-B14F-4D97-AF65-F5344CB8AC3E}">
-        <p14:creationId xmlns:p14="http://schemas.microsoft.com/office/powerpoint/2010/main" val="3433571622"/>
+        <p14:creationId xmlns:p14="http://schemas.microsoft.com/office/powerpoint/2010/main" val="1658919451"/>
       </p:ext>
     </p:extLst>
   </p:cSld>
   <p:clrMapOvr>
     <a:masterClrMapping/>
   </p:clrMapOvr>
+  <p:timing>
+    <p:tnLst>
+      <p:par>
+        <p:cTn id="1" dur="indefinite" restart="never" nodeType="tmRoot"/>
+      </p:par>
+    </p:tnLst>
+  </p:timing>
 </p:sld>
 </file>
 
-<file path=ppt/slides/slide8.xml><?xml version="1.0" encoding="utf-8"?>
+<file path=ppt/slides/slide9.xml><?xml version="1.0" encoding="utf-8"?>
 <p:sld xmlns:a="http://schemas.openxmlformats.org/drawingml/2006/main" xmlns:r="http://schemas.openxmlformats.org/officeDocument/2006/relationships" xmlns:p="http://schemas.openxmlformats.org/presentationml/2006/main">
   <p:cSld>
     <p:spTree>
@@ -29327,7 +29964,7 @@
         </p:spPr>
         <p:txBody>
           <a:bodyPr anchor="t">
-            <a:normAutofit fontScale="90000"/>
+            <a:normAutofit/>
           </a:bodyPr>
           <a:lstStyle/>
           <a:p>
@@ -29336,7 +29973,7 @@
                 <a:latin typeface="Segoe UI" panose="020B0502040204020203" pitchFamily="34" charset="0"/>
                 <a:cs typeface="Segoe UI" panose="020B0502040204020203" pitchFamily="34" charset="0"/>
               </a:rPr>
-              <a:t>Registering SignalR middleware - Continued</a:t>
+              <a:t>Creating a hub</a:t>
             </a:r>
             <a:endParaRPr lang="en-ZA" cap="none" dirty="0">
               <a:latin typeface="Segoe UI" panose="020B0502040204020203" pitchFamily="34" charset="0"/>
@@ -29416,320 +30053,6 @@
                 <a:latin typeface="Segoe UI Light" panose="020B0502040204020203" pitchFamily="34" charset="0"/>
                 <a:cs typeface="Segoe UI Light" panose="020B0502040204020203" pitchFamily="34" charset="0"/>
               </a:rPr>
-              <a:t>Overloads of the </a:t>
-            </a:r>
-            <a:r>
-              <a:rPr lang="en-US" b="1" dirty="0">
-                <a:ln w="9525">
-                  <a:solidFill>
-                    <a:schemeClr val="bg1"/>
-                  </a:solidFill>
-                  <a:prstDash val="solid"/>
-                </a:ln>
-                <a:solidFill>
-                  <a:schemeClr val="tx1"/>
-                </a:solidFill>
-                <a:effectLst>
-                  <a:outerShdw blurRad="12700" dist="38100" dir="2700000" algn="tl" rotWithShape="0">
-                    <a:schemeClr val="bg1">
-                      <a:lumMod val="50000"/>
-                    </a:schemeClr>
-                  </a:outerShdw>
-                </a:effectLst>
-                <a:latin typeface="Consolas" panose="020B0609020204030204" pitchFamily="49" charset="0"/>
-                <a:cs typeface="Calibri" panose="020F0502020204030204" pitchFamily="34" charset="0"/>
-              </a:rPr>
-              <a:t>MapSignalR()</a:t>
-            </a:r>
-            <a:r>
-              <a:rPr lang="en-US" dirty="0">
-                <a:solidFill>
-                  <a:schemeClr val="tx2">
-                    <a:lumMod val="20000"/>
-                    <a:lumOff val="80000"/>
-                  </a:schemeClr>
-                </a:solidFill>
-                <a:latin typeface="Segoe UI Light" panose="020B0502040204020203" pitchFamily="34" charset="0"/>
-                <a:cs typeface="Segoe UI Light" panose="020B0502040204020203" pitchFamily="34" charset="0"/>
-              </a:rPr>
-              <a:t> method allows you to specify a custom URL, a custom Dependency resolver, and some other options:</a:t>
-            </a:r>
-          </a:p>
-          <a:p>
-            <a:pPr marL="1200150" lvl="2" indent="-285750">
-              <a:buFont typeface="Arial" panose="020B0604020202020204" pitchFamily="34" charset="0"/>
-              <a:buChar char="•"/>
-            </a:pPr>
-            <a:r>
-              <a:rPr lang="en-US" dirty="0">
-                <a:solidFill>
-                  <a:schemeClr val="tx2">
-                    <a:lumMod val="20000"/>
-                    <a:lumOff val="80000"/>
-                  </a:schemeClr>
-                </a:solidFill>
-                <a:latin typeface="Segoe UI Light" panose="020B0502040204020203" pitchFamily="34" charset="0"/>
-                <a:cs typeface="Segoe UI Light" panose="020B0502040204020203" pitchFamily="34" charset="0"/>
-              </a:rPr>
-              <a:t>Enable cross-domain calls using CORS or JSONP from browser clients.</a:t>
-            </a:r>
-          </a:p>
-          <a:p>
-            <a:pPr marL="1200150" lvl="2" indent="-285750">
-              <a:buFont typeface="Arial" panose="020B0604020202020204" pitchFamily="34" charset="0"/>
-              <a:buChar char="•"/>
-            </a:pPr>
-            <a:r>
-              <a:rPr lang="en-US" dirty="0">
-                <a:solidFill>
-                  <a:schemeClr val="tx2">
-                    <a:lumMod val="20000"/>
-                    <a:lumOff val="80000"/>
-                  </a:schemeClr>
-                </a:solidFill>
-                <a:latin typeface="Segoe UI Light" panose="020B0502040204020203" pitchFamily="34" charset="0"/>
-                <a:cs typeface="Segoe UI Light" panose="020B0502040204020203" pitchFamily="34" charset="0"/>
-              </a:rPr>
-              <a:t>Enable detailed error messages.</a:t>
-            </a:r>
-          </a:p>
-          <a:p>
-            <a:pPr marL="1657350" lvl="3" indent="-285750">
-              <a:buFont typeface="Arial" panose="020B0604020202020204" pitchFamily="34" charset="0"/>
-              <a:buChar char="•"/>
-            </a:pPr>
-            <a:r>
-              <a:rPr lang="en-US" dirty="0">
-                <a:solidFill>
-                  <a:schemeClr val="tx2">
-                    <a:lumMod val="20000"/>
-                    <a:lumOff val="80000"/>
-                  </a:schemeClr>
-                </a:solidFill>
-                <a:latin typeface="Segoe UI Light" panose="020B0502040204020203" pitchFamily="34" charset="0"/>
-                <a:cs typeface="Segoe UI Light" panose="020B0502040204020203" pitchFamily="34" charset="0"/>
-              </a:rPr>
-              <a:t>When errors occur, the default behavior of SignalR is to send to clients a notification message without details about what happened. This should remain disabled in production code, but can be enabled for development environments to make troubleshooting easier.</a:t>
-            </a:r>
-          </a:p>
-          <a:p>
-            <a:pPr marL="1200150" lvl="2" indent="-285750">
-              <a:buFont typeface="Arial" panose="020B0604020202020204" pitchFamily="34" charset="0"/>
-              <a:buChar char="•"/>
-            </a:pPr>
-            <a:r>
-              <a:rPr lang="en-US" dirty="0">
-                <a:solidFill>
-                  <a:schemeClr val="tx2">
-                    <a:lumMod val="20000"/>
-                    <a:lumOff val="80000"/>
-                  </a:schemeClr>
-                </a:solidFill>
-                <a:latin typeface="Segoe UI Light" panose="020B0502040204020203" pitchFamily="34" charset="0"/>
-                <a:cs typeface="Segoe UI Light" panose="020B0502040204020203" pitchFamily="34" charset="0"/>
-              </a:rPr>
-              <a:t>Disable automatically generated JavaScript proxy files</a:t>
-            </a:r>
-          </a:p>
-          <a:p>
-            <a:pPr marL="1657350" lvl="3" indent="-285750">
-              <a:buFont typeface="Arial" panose="020B0604020202020204" pitchFamily="34" charset="0"/>
-              <a:buChar char="•"/>
-            </a:pPr>
-            <a:r>
-              <a:rPr lang="en-US" dirty="0">
-                <a:solidFill>
-                  <a:schemeClr val="tx2">
-                    <a:lumMod val="20000"/>
-                    <a:lumOff val="80000"/>
-                  </a:schemeClr>
-                </a:solidFill>
-                <a:latin typeface="Segoe UI Light" panose="020B0502040204020203" pitchFamily="34" charset="0"/>
-                <a:cs typeface="Segoe UI Light" panose="020B0502040204020203" pitchFamily="34" charset="0"/>
-              </a:rPr>
-              <a:t>Javascript proxies can be generated by hitting the url: “signalr/hubs”. However, the typescript package used later will change the usage of the client-side hubs slightly.</a:t>
-            </a:r>
-          </a:p>
-          <a:p>
-            <a:pPr marL="1200150" lvl="2" indent="-285750">
-              <a:buFont typeface="Arial" panose="020B0604020202020204" pitchFamily="34" charset="0"/>
-              <a:buChar char="•"/>
-            </a:pPr>
-            <a:r>
-              <a:rPr lang="en-US" dirty="0">
-                <a:solidFill>
-                  <a:schemeClr val="tx2">
-                    <a:lumMod val="20000"/>
-                    <a:lumOff val="80000"/>
-                  </a:schemeClr>
-                </a:solidFill>
-                <a:latin typeface="Segoe UI Light" panose="020B0502040204020203" pitchFamily="34" charset="0"/>
-                <a:cs typeface="Segoe UI Light" panose="020B0502040204020203" pitchFamily="34" charset="0"/>
-              </a:rPr>
-              <a:t>Specifying a Dependency resolver.</a:t>
-            </a:r>
-          </a:p>
-          <a:p>
-            <a:pPr marL="1200150" lvl="2" indent="-285750">
-              <a:buFont typeface="Arial" panose="020B0604020202020204" pitchFamily="34" charset="0"/>
-              <a:buChar char="•"/>
-            </a:pPr>
-            <a:endParaRPr lang="en-US" dirty="0">
-              <a:solidFill>
-                <a:schemeClr val="tx2">
-                  <a:lumMod val="20000"/>
-                  <a:lumOff val="80000"/>
-                </a:schemeClr>
-              </a:solidFill>
-              <a:latin typeface="Segoe UI Light" panose="020B0502040204020203" pitchFamily="34" charset="0"/>
-              <a:cs typeface="Segoe UI Light" panose="020B0502040204020203" pitchFamily="34" charset="0"/>
-            </a:endParaRPr>
-          </a:p>
-        </p:txBody>
-      </p:sp>
-    </p:spTree>
-    <p:extLst>
-      <p:ext uri="{BB962C8B-B14F-4D97-AF65-F5344CB8AC3E}">
-        <p14:creationId xmlns:p14="http://schemas.microsoft.com/office/powerpoint/2010/main" val="1658919451"/>
-      </p:ext>
-    </p:extLst>
-  </p:cSld>
-  <p:clrMapOvr>
-    <a:masterClrMapping/>
-  </p:clrMapOvr>
-</p:sld>
-</file>
-
-<file path=ppt/slides/slide9.xml><?xml version="1.0" encoding="utf-8"?>
-<p:sld xmlns:a="http://schemas.openxmlformats.org/drawingml/2006/main" xmlns:r="http://schemas.openxmlformats.org/officeDocument/2006/relationships" xmlns:p="http://schemas.openxmlformats.org/presentationml/2006/main">
-  <p:cSld>
-    <p:spTree>
-      <p:nvGrpSpPr>
-        <p:cNvPr id="1" name=""/>
-        <p:cNvGrpSpPr/>
-        <p:nvPr/>
-      </p:nvGrpSpPr>
-      <p:grpSpPr>
-        <a:xfrm>
-          <a:off x="0" y="0"/>
-          <a:ext cx="0" cy="0"/>
-          <a:chOff x="0" y="0"/>
-          <a:chExt cx="0" cy="0"/>
-        </a:xfrm>
-      </p:grpSpPr>
-      <p:sp>
-        <p:nvSpPr>
-          <p:cNvPr id="7" name="Title 6">
-            <a:extLst>
-              <a:ext uri="{FF2B5EF4-FFF2-40B4-BE49-F238E27FC236}">
-                <a16:creationId xmlns:a16="http://schemas.microsoft.com/office/drawing/2014/main" id="{995CDE5A-4025-488F-9F23-4B1873D72739}"/>
-              </a:ext>
-            </a:extLst>
-          </p:cNvPr>
-          <p:cNvSpPr>
-            <a:spLocks noGrp="1"/>
-          </p:cNvSpPr>
-          <p:nvPr>
-            <p:ph type="title"/>
-          </p:nvPr>
-        </p:nvSpPr>
-        <p:spPr>
-          <a:xfrm>
-            <a:off x="684211" y="755008"/>
-            <a:ext cx="8534401" cy="696287"/>
-          </a:xfrm>
-        </p:spPr>
-        <p:txBody>
-          <a:bodyPr anchor="t">
-            <a:normAutofit/>
-          </a:bodyPr>
-          <a:lstStyle/>
-          <a:p>
-            <a:r>
-              <a:rPr lang="en-US" cap="none" dirty="0">
-                <a:latin typeface="Segoe UI" panose="020B0502040204020203" pitchFamily="34" charset="0"/>
-                <a:cs typeface="Segoe UI" panose="020B0502040204020203" pitchFamily="34" charset="0"/>
-              </a:rPr>
-              <a:t>Creating a hub</a:t>
-            </a:r>
-            <a:endParaRPr lang="en-ZA" cap="none" dirty="0">
-              <a:latin typeface="Segoe UI" panose="020B0502040204020203" pitchFamily="34" charset="0"/>
-              <a:cs typeface="Segoe UI" panose="020B0502040204020203" pitchFamily="34" charset="0"/>
-            </a:endParaRPr>
-          </a:p>
-        </p:txBody>
-      </p:sp>
-      <p:sp>
-        <p:nvSpPr>
-          <p:cNvPr id="8" name="Text Placeholder 7">
-            <a:extLst>
-              <a:ext uri="{FF2B5EF4-FFF2-40B4-BE49-F238E27FC236}">
-                <a16:creationId xmlns:a16="http://schemas.microsoft.com/office/drawing/2014/main" id="{A0EC8C3A-CB99-4164-95BB-D449B771D816}"/>
-              </a:ext>
-            </a:extLst>
-          </p:cNvPr>
-          <p:cNvSpPr>
-            <a:spLocks noGrp="1"/>
-          </p:cNvSpPr>
-          <p:nvPr>
-            <p:ph type="body" idx="1"/>
-          </p:nvPr>
-        </p:nvSpPr>
-        <p:spPr>
-          <a:xfrm>
-            <a:off x="684213" y="1451295"/>
-            <a:ext cx="9961416" cy="4543105"/>
-          </a:xfrm>
-          <a:prstGeom prst="round2DiagRect">
-            <a:avLst>
-              <a:gd name="adj1" fmla="val 5772"/>
-              <a:gd name="adj2" fmla="val 0"/>
-            </a:avLst>
-          </a:prstGeom>
-          <a:solidFill>
-            <a:schemeClr val="accent1">
-              <a:alpha val="50000"/>
-            </a:schemeClr>
-          </a:solidFill>
-          <a:ln>
-            <a:noFill/>
-          </a:ln>
-        </p:spPr>
-        <p:style>
-          <a:lnRef idx="0">
-            <a:scrgbClr r="0" g="0" b="0"/>
-          </a:lnRef>
-          <a:fillRef idx="0">
-            <a:scrgbClr r="0" g="0" b="0"/>
-          </a:fillRef>
-          <a:effectRef idx="0">
-            <a:scrgbClr r="0" g="0" b="0"/>
-          </a:effectRef>
-          <a:fontRef idx="minor">
-            <a:schemeClr val="lt1"/>
-          </a:fontRef>
-        </p:style>
-        <p:txBody>
-          <a:bodyPr anchor="ctr">
-            <a:normAutofit/>
-          </a:bodyPr>
-          <a:lstStyle/>
-          <a:p>
-            <a:pPr marL="742950" lvl="1" indent="-285750">
-              <a:buFont typeface="Arial" panose="020B0604020202020204" pitchFamily="34" charset="0"/>
-              <a:buChar char="•"/>
-            </a:pPr>
-            <a:r>
-              <a:rPr lang="en-US" dirty="0">
-                <a:solidFill>
-                  <a:schemeClr val="tx2">
-                    <a:lumMod val="20000"/>
-                    <a:lumOff val="80000"/>
-                  </a:schemeClr>
-                </a:solidFill>
-                <a:latin typeface="Segoe UI Light" panose="020B0502040204020203" pitchFamily="34" charset="0"/>
-                <a:cs typeface="Segoe UI Light" panose="020B0502040204020203" pitchFamily="34" charset="0"/>
-              </a:rPr>
               <a:t>To create a Hub, create a class that derives from </a:t>
             </a:r>
             <a:r>
@@ -30544,6 +30867,13 @@
   <p:clrMapOvr>
     <a:masterClrMapping/>
   </p:clrMapOvr>
+  <p:timing>
+    <p:tnLst>
+      <p:par>
+        <p:cTn id="1" dur="indefinite" restart="never" nodeType="tmRoot"/>
+      </p:par>
+    </p:tnLst>
+  </p:timing>
 </p:sld>
 </file>
 
